--- a/Group 2 - Arrest predictor.pptx
+++ b/Group 2 - Arrest predictor.pptx
@@ -9,8 +9,10 @@
     <p:sldId id="259" r:id="rId3"/>
     <p:sldId id="260" r:id="rId4"/>
     <p:sldId id="262" r:id="rId5"/>
-    <p:sldId id="261" r:id="rId6"/>
-    <p:sldId id="263" r:id="rId7"/>
+    <p:sldId id="264" r:id="rId6"/>
+    <p:sldId id="265" r:id="rId7"/>
+    <p:sldId id="261" r:id="rId8"/>
+    <p:sldId id="266" r:id="rId9"/>
   </p:sldIdLst>
   <p:sldSz cx="12192000" cy="6858000"/>
   <p:notesSz cx="6858000" cy="9144000"/>
@@ -109,6 +111,11 @@
       </a:defRPr>
     </a:lvl9pPr>
   </p:defaultTextStyle>
+  <p:extLst>
+    <p:ext uri="{EFAFB233-063F-42B5-8137-9DF3F51BA10A}">
+      <p15:sldGuideLst xmlns:p15="http://schemas.microsoft.com/office/powerpoint/2012/main"/>
+    </p:ext>
+  </p:extLst>
 </p:presentation>
 </file>
 
@@ -2834,7 +2841,7 @@
             <a:fld id="{73C3BD54-29B9-3D42-B178-776ED395AA85}" type="datetimeFigureOut">
               <a:rPr lang="en-US" smtClean="0"/>
               <a:pPr/>
-              <a:t>10/5/21</a:t>
+              <a:t>10/7/21</a:t>
             </a:fld>
             <a:endParaRPr lang="en-US" sz="1400"/>
           </a:p>
@@ -3084,7 +3091,7 @@
           <a:p>
             <a:fld id="{73C3BD54-29B9-3D42-B178-776ED395AA85}" type="datetimeFigureOut">
               <a:rPr lang="en-US" smtClean="0"/>
-              <a:t>10/5/21</a:t>
+              <a:t>10/7/21</a:t>
             </a:fld>
             <a:endParaRPr lang="en-US"/>
           </a:p>
@@ -3398,7 +3405,7 @@
           <a:p>
             <a:fld id="{73C3BD54-29B9-3D42-B178-776ED395AA85}" type="datetimeFigureOut">
               <a:rPr lang="en-US" smtClean="0"/>
-              <a:t>10/5/21</a:t>
+              <a:t>10/7/21</a:t>
             </a:fld>
             <a:endParaRPr lang="en-US"/>
           </a:p>
@@ -3912,7 +3919,7 @@
           <a:p>
             <a:fld id="{73C3BD54-29B9-3D42-B178-776ED395AA85}" type="datetimeFigureOut">
               <a:rPr lang="en-US" smtClean="0"/>
-              <a:t>10/5/21</a:t>
+              <a:t>10/7/21</a:t>
             </a:fld>
             <a:endParaRPr lang="en-US"/>
           </a:p>
@@ -4343,7 +4350,7 @@
           <a:p>
             <a:fld id="{73C3BD54-29B9-3D42-B178-776ED395AA85}" type="datetimeFigureOut">
               <a:rPr lang="en-US" smtClean="0"/>
-              <a:t>10/5/21</a:t>
+              <a:t>10/7/21</a:t>
             </a:fld>
             <a:endParaRPr lang="en-US"/>
           </a:p>
@@ -4608,7 +4615,7 @@
           <a:p>
             <a:fld id="{73C3BD54-29B9-3D42-B178-776ED395AA85}" type="datetimeFigureOut">
               <a:rPr lang="en-US" smtClean="0"/>
-              <a:t>10/5/21</a:t>
+              <a:t>10/7/21</a:t>
             </a:fld>
             <a:endParaRPr lang="en-US"/>
           </a:p>
@@ -5182,7 +5189,7 @@
           <a:p>
             <a:fld id="{73C3BD54-29B9-3D42-B178-776ED395AA85}" type="datetimeFigureOut">
               <a:rPr lang="en-US" smtClean="0"/>
-              <a:t>10/5/21</a:t>
+              <a:t>10/7/21</a:t>
             </a:fld>
             <a:endParaRPr lang="en-US"/>
           </a:p>
@@ -5485,7 +5492,7 @@
           <a:p>
             <a:fld id="{73C3BD54-29B9-3D42-B178-776ED395AA85}" type="datetimeFigureOut">
               <a:rPr lang="en-US" smtClean="0"/>
-              <a:t>10/5/21</a:t>
+              <a:t>10/7/21</a:t>
             </a:fld>
             <a:endParaRPr lang="en-US"/>
           </a:p>
@@ -5760,7 +5767,7 @@
           <a:p>
             <a:fld id="{73C3BD54-29B9-3D42-B178-776ED395AA85}" type="datetimeFigureOut">
               <a:rPr lang="en-US" smtClean="0"/>
-              <a:t>10/5/21</a:t>
+              <a:t>10/7/21</a:t>
             </a:fld>
             <a:endParaRPr lang="en-US"/>
           </a:p>
@@ -6231,7 +6238,7 @@
           <a:p>
             <a:fld id="{73C3BD54-29B9-3D42-B178-776ED395AA85}" type="datetimeFigureOut">
               <a:rPr lang="en-US" smtClean="0"/>
-              <a:t>10/5/21</a:t>
+              <a:t>10/7/21</a:t>
             </a:fld>
             <a:endParaRPr lang="en-US"/>
           </a:p>
@@ -6682,7 +6689,7 @@
           <a:p>
             <a:fld id="{73C3BD54-29B9-3D42-B178-776ED395AA85}" type="datetimeFigureOut">
               <a:rPr lang="en-US" smtClean="0"/>
-              <a:t>10/5/21</a:t>
+              <a:t>10/7/21</a:t>
             </a:fld>
             <a:endParaRPr lang="en-US"/>
           </a:p>
@@ -7078,7 +7085,7 @@
             <a:fld id="{73C3BD54-29B9-3D42-B178-776ED395AA85}" type="datetimeFigureOut">
               <a:rPr lang="en-US" smtClean="0"/>
               <a:pPr/>
-              <a:t>10/5/21</a:t>
+              <a:t>10/7/21</a:t>
             </a:fld>
             <a:endParaRPr lang="en-US" dirty="0"/>
           </a:p>
@@ -9370,6 +9377,224 @@
 <file path=ppt/slides/slide5.xml><?xml version="1.0" encoding="utf-8"?>
 <p:sld xmlns:a="http://schemas.openxmlformats.org/drawingml/2006/main" xmlns:r="http://schemas.openxmlformats.org/officeDocument/2006/relationships" xmlns:p="http://schemas.openxmlformats.org/presentationml/2006/main">
   <p:cSld>
+    <p:spTree>
+      <p:nvGrpSpPr>
+        <p:cNvPr id="1" name=""/>
+        <p:cNvGrpSpPr/>
+        <p:nvPr/>
+      </p:nvGrpSpPr>
+      <p:grpSpPr>
+        <a:xfrm>
+          <a:off x="0" y="0"/>
+          <a:ext cx="0" cy="0"/>
+          <a:chOff x="0" y="0"/>
+          <a:chExt cx="0" cy="0"/>
+        </a:xfrm>
+      </p:grpSpPr>
+      <p:sp>
+        <p:nvSpPr>
+          <p:cNvPr id="4" name="Title 3">
+            <a:extLst>
+              <a:ext uri="{FF2B5EF4-FFF2-40B4-BE49-F238E27FC236}">
+                <a16:creationId xmlns:a16="http://schemas.microsoft.com/office/drawing/2014/main" id="{022782F7-426A-1242-A763-78B0C315F240}"/>
+              </a:ext>
+            </a:extLst>
+          </p:cNvPr>
+          <p:cNvSpPr>
+            <a:spLocks noGrp="1"/>
+          </p:cNvSpPr>
+          <p:nvPr>
+            <p:ph type="title"/>
+          </p:nvPr>
+        </p:nvSpPr>
+        <p:spPr/>
+        <p:txBody>
+          <a:bodyPr/>
+          <a:lstStyle/>
+          <a:p>
+            <a:r>
+              <a:rPr lang="en-US" dirty="0"/>
+              <a:t>Other models</a:t>
+            </a:r>
+          </a:p>
+        </p:txBody>
+      </p:sp>
+      <p:sp>
+        <p:nvSpPr>
+          <p:cNvPr id="5" name="Rectangle 4">
+            <a:extLst>
+              <a:ext uri="{FF2B5EF4-FFF2-40B4-BE49-F238E27FC236}">
+                <a16:creationId xmlns:a16="http://schemas.microsoft.com/office/drawing/2014/main" id="{3E34C328-6F83-AA4E-85CF-4F90C3423EBF}"/>
+              </a:ext>
+            </a:extLst>
+          </p:cNvPr>
+          <p:cNvSpPr/>
+          <p:nvPr/>
+        </p:nvSpPr>
+        <p:spPr>
+          <a:xfrm>
+            <a:off x="4746912" y="3244334"/>
+            <a:ext cx="2569934" cy="369332"/>
+          </a:xfrm>
+          <a:prstGeom prst="rect">
+            <a:avLst/>
+          </a:prstGeom>
+        </p:spPr>
+        <p:txBody>
+          <a:bodyPr wrap="none">
+            <a:spAutoFit/>
+          </a:bodyPr>
+          <a:lstStyle/>
+          <a:p>
+            <a:r>
+              <a:rPr lang="en-US" dirty="0">
+                <a:solidFill>
+                  <a:srgbClr val="202124"/>
+                </a:solidFill>
+                <a:latin typeface="arial" panose="020B0604020202020204" pitchFamily="34" charset="0"/>
+              </a:rPr>
+              <a:t>random forest classifier</a:t>
+            </a:r>
+            <a:endParaRPr lang="en-US" dirty="0"/>
+          </a:p>
+        </p:txBody>
+      </p:sp>
+      <p:sp>
+        <p:nvSpPr>
+          <p:cNvPr id="6" name="Rectangle 5">
+            <a:extLst>
+              <a:ext uri="{FF2B5EF4-FFF2-40B4-BE49-F238E27FC236}">
+                <a16:creationId xmlns:a16="http://schemas.microsoft.com/office/drawing/2014/main" id="{2FD4674B-18A4-BE49-BE80-7CCB2FA3E6CB}"/>
+              </a:ext>
+            </a:extLst>
+          </p:cNvPr>
+          <p:cNvSpPr/>
+          <p:nvPr/>
+        </p:nvSpPr>
+        <p:spPr>
+          <a:xfrm>
+            <a:off x="4259600" y="4827969"/>
+            <a:ext cx="3518912" cy="369332"/>
+          </a:xfrm>
+          <a:prstGeom prst="rect">
+            <a:avLst/>
+          </a:prstGeom>
+        </p:spPr>
+        <p:txBody>
+          <a:bodyPr wrap="none">
+            <a:spAutoFit/>
+          </a:bodyPr>
+          <a:lstStyle/>
+          <a:p>
+            <a:r>
+              <a:rPr lang="en-US" dirty="0">
+                <a:solidFill>
+                  <a:srgbClr val="202124"/>
+                </a:solidFill>
+                <a:latin typeface="arial" panose="020B0604020202020204" pitchFamily="34" charset="0"/>
+              </a:rPr>
+              <a:t>random forest classifier-modified</a:t>
+            </a:r>
+            <a:endParaRPr lang="en-US" dirty="0"/>
+          </a:p>
+        </p:txBody>
+      </p:sp>
+    </p:spTree>
+    <p:extLst>
+      <p:ext uri="{BB962C8B-B14F-4D97-AF65-F5344CB8AC3E}">
+        <p14:creationId xmlns:p14="http://schemas.microsoft.com/office/powerpoint/2010/main" val="2819359355"/>
+      </p:ext>
+    </p:extLst>
+  </p:cSld>
+  <p:clrMapOvr>
+    <a:masterClrMapping/>
+  </p:clrMapOvr>
+</p:sld>
+</file>
+
+<file path=ppt/slides/slide6.xml><?xml version="1.0" encoding="utf-8"?>
+<p:sld xmlns:a="http://schemas.openxmlformats.org/drawingml/2006/main" xmlns:r="http://schemas.openxmlformats.org/officeDocument/2006/relationships" xmlns:p="http://schemas.openxmlformats.org/presentationml/2006/main">
+  <p:cSld>
+    <p:spTree>
+      <p:nvGrpSpPr>
+        <p:cNvPr id="1" name=""/>
+        <p:cNvGrpSpPr/>
+        <p:nvPr/>
+      </p:nvGrpSpPr>
+      <p:grpSpPr>
+        <a:xfrm>
+          <a:off x="0" y="0"/>
+          <a:ext cx="0" cy="0"/>
+          <a:chOff x="0" y="0"/>
+          <a:chExt cx="0" cy="0"/>
+        </a:xfrm>
+      </p:grpSpPr>
+      <p:sp>
+        <p:nvSpPr>
+          <p:cNvPr id="2" name="Title 1">
+            <a:extLst>
+              <a:ext uri="{FF2B5EF4-FFF2-40B4-BE49-F238E27FC236}">
+                <a16:creationId xmlns:a16="http://schemas.microsoft.com/office/drawing/2014/main" id="{1FC4A0B2-6A18-F742-B4FA-F685A3A311B2}"/>
+              </a:ext>
+            </a:extLst>
+          </p:cNvPr>
+          <p:cNvSpPr>
+            <a:spLocks noGrp="1"/>
+          </p:cNvSpPr>
+          <p:nvPr>
+            <p:ph type="title"/>
+          </p:nvPr>
+        </p:nvSpPr>
+        <p:spPr/>
+        <p:txBody>
+          <a:bodyPr/>
+          <a:lstStyle/>
+          <a:p>
+            <a:endParaRPr lang="en-US"/>
+          </a:p>
+        </p:txBody>
+      </p:sp>
+      <p:sp>
+        <p:nvSpPr>
+          <p:cNvPr id="3" name="Content Placeholder 2">
+            <a:extLst>
+              <a:ext uri="{FF2B5EF4-FFF2-40B4-BE49-F238E27FC236}">
+                <a16:creationId xmlns:a16="http://schemas.microsoft.com/office/drawing/2014/main" id="{6449CD31-9574-FE43-804A-E3772B1CDBE8}"/>
+              </a:ext>
+            </a:extLst>
+          </p:cNvPr>
+          <p:cNvSpPr>
+            <a:spLocks noGrp="1"/>
+          </p:cNvSpPr>
+          <p:nvPr>
+            <p:ph idx="1"/>
+          </p:nvPr>
+        </p:nvSpPr>
+        <p:spPr/>
+        <p:txBody>
+          <a:bodyPr/>
+          <a:lstStyle/>
+          <a:p>
+            <a:endParaRPr lang="en-US" dirty="0"/>
+          </a:p>
+        </p:txBody>
+      </p:sp>
+    </p:spTree>
+    <p:extLst>
+      <p:ext uri="{BB962C8B-B14F-4D97-AF65-F5344CB8AC3E}">
+        <p14:creationId xmlns:p14="http://schemas.microsoft.com/office/powerpoint/2010/main" val="2505748360"/>
+      </p:ext>
+    </p:extLst>
+  </p:cSld>
+  <p:clrMapOvr>
+    <a:masterClrMapping/>
+  </p:clrMapOvr>
+</p:sld>
+</file>
+
+<file path=ppt/slides/slide7.xml><?xml version="1.0" encoding="utf-8"?>
+<p:sld xmlns:a="http://schemas.openxmlformats.org/drawingml/2006/main" xmlns:r="http://schemas.openxmlformats.org/officeDocument/2006/relationships" xmlns:p="http://schemas.openxmlformats.org/presentationml/2006/main" showMasterSp="0">
+  <p:cSld>
     <p:bg>
       <p:bgPr>
         <a:solidFill>
@@ -9408,9 +9633,9 @@
         </p:nvGrpSpPr>
         <p:grpSpPr>
           <a:xfrm>
-            <a:off x="5628012" y="5606515"/>
+            <a:off x="5964332" y="5640073"/>
             <a:ext cx="3288145" cy="1380001"/>
-            <a:chOff x="3734357" y="340421"/>
+            <a:chOff x="3735005" y="340195"/>
             <a:chExt cx="3288145" cy="1380001"/>
           </a:xfrm>
         </p:grpSpPr>
@@ -9435,7 +9660,7 @@
           </p:blipFill>
           <p:spPr>
             <a:xfrm>
-              <a:off x="3734357" y="340421"/>
+              <a:off x="3735005" y="340195"/>
               <a:ext cx="3288145" cy="1380001"/>
             </a:xfrm>
             <a:prstGeom prst="rect">
@@ -9497,59 +9722,6 @@
           </p:txBody>
         </p:sp>
       </p:grpSp>
-      <p:sp>
-        <p:nvSpPr>
-          <p:cNvPr id="68" name="Oval 67">
-            <a:extLst>
-              <a:ext uri="{FF2B5EF4-FFF2-40B4-BE49-F238E27FC236}">
-                <a16:creationId xmlns:a16="http://schemas.microsoft.com/office/drawing/2014/main" id="{EA3CE2C0-1B88-924B-ABC5-33A05C3E7079}"/>
-              </a:ext>
-            </a:extLst>
-          </p:cNvPr>
-          <p:cNvSpPr/>
-          <p:nvPr/>
-        </p:nvSpPr>
-        <p:spPr>
-          <a:xfrm>
-            <a:off x="9863895" y="5412591"/>
-            <a:ext cx="2909454" cy="2742495"/>
-          </a:xfrm>
-          <a:prstGeom prst="ellipse">
-            <a:avLst/>
-          </a:prstGeom>
-          <a:noFill/>
-          <a:ln w="76200">
-            <a:solidFill>
-              <a:schemeClr val="tx1"/>
-            </a:solidFill>
-            <a:prstDash val="lgDashDotDot"/>
-          </a:ln>
-        </p:spPr>
-        <p:style>
-          <a:lnRef idx="2">
-            <a:schemeClr val="accent1">
-              <a:shade val="50000"/>
-            </a:schemeClr>
-          </a:lnRef>
-          <a:fillRef idx="1">
-            <a:schemeClr val="accent1"/>
-          </a:fillRef>
-          <a:effectRef idx="0">
-            <a:schemeClr val="accent1"/>
-          </a:effectRef>
-          <a:fontRef idx="minor">
-            <a:schemeClr val="lt1"/>
-          </a:fontRef>
-        </p:style>
-        <p:txBody>
-          <a:bodyPr rtlCol="0" anchor="ctr"/>
-          <a:lstStyle/>
-          <a:p>
-            <a:pPr algn="ctr"/>
-            <a:endParaRPr lang="en-US"/>
-          </a:p>
-        </p:txBody>
-      </p:sp>
       <p:cxnSp>
         <p:nvCxnSpPr>
           <p:cNvPr id="78" name="Straight Arrow Connector 77">
@@ -9599,53 +9771,6 @@
       </p:cxnSp>
       <p:cxnSp>
         <p:nvCxnSpPr>
-          <p:cNvPr id="80" name="Straight Arrow Connector 79">
-            <a:extLst>
-              <a:ext uri="{FF2B5EF4-FFF2-40B4-BE49-F238E27FC236}">
-                <a16:creationId xmlns:a16="http://schemas.microsoft.com/office/drawing/2014/main" id="{5EE5793F-2F07-3F49-9458-DE050688FCBB}"/>
-              </a:ext>
-            </a:extLst>
-          </p:cNvPr>
-          <p:cNvCxnSpPr>
-            <a:cxnSpLocks noChangeAspect="1"/>
-            <a:stCxn id="115" idx="3"/>
-            <a:endCxn id="40" idx="1"/>
-          </p:cNvCxnSpPr>
-          <p:nvPr/>
-        </p:nvCxnSpPr>
-        <p:spPr>
-          <a:xfrm>
-            <a:off x="5533761" y="5082761"/>
-            <a:ext cx="174512" cy="1258370"/>
-          </a:xfrm>
-          <a:prstGeom prst="straightConnector1">
-            <a:avLst/>
-          </a:prstGeom>
-          <a:ln w="76200">
-            <a:solidFill>
-              <a:srgbClr val="FF0000"/>
-            </a:solidFill>
-            <a:prstDash val="solid"/>
-            <a:tailEnd type="triangle"/>
-          </a:ln>
-        </p:spPr>
-        <p:style>
-          <a:lnRef idx="1">
-            <a:schemeClr val="accent1"/>
-          </a:lnRef>
-          <a:fillRef idx="0">
-            <a:schemeClr val="accent1"/>
-          </a:fillRef>
-          <a:effectRef idx="0">
-            <a:schemeClr val="accent1"/>
-          </a:effectRef>
-          <a:fontRef idx="minor">
-            <a:schemeClr val="tx1"/>
-          </a:fontRef>
-        </p:style>
-      </p:cxnSp>
-      <p:cxnSp>
-        <p:nvCxnSpPr>
           <p:cNvPr id="85" name="Straight Arrow Connector 84">
             <a:extLst>
               <a:ext uri="{FF2B5EF4-FFF2-40B4-BE49-F238E27FC236}">
@@ -9702,14 +9827,14 @@
           <p:cNvCxnSpPr>
             <a:cxnSpLocks noChangeAspect="1"/>
             <a:stCxn id="103" idx="3"/>
-            <a:endCxn id="35" idx="1"/>
+            <a:endCxn id="15" idx="1"/>
           </p:cNvCxnSpPr>
           <p:nvPr/>
         </p:nvCxnSpPr>
         <p:spPr>
           <a:xfrm>
             <a:off x="2817166" y="2470171"/>
-            <a:ext cx="743310" cy="984976"/>
+            <a:ext cx="3147166" cy="3859903"/>
           </a:xfrm>
           <a:prstGeom prst="straightConnector1">
             <a:avLst/>
@@ -9749,14 +9874,13 @@
           <p:cNvCxnSpPr>
             <a:cxnSpLocks noChangeAspect="1"/>
             <a:stCxn id="171" idx="3"/>
-            <a:endCxn id="55" idx="0"/>
           </p:cNvCxnSpPr>
           <p:nvPr/>
         </p:nvCxnSpPr>
         <p:spPr>
           <a:xfrm flipH="1">
-            <a:off x="7471903" y="2414925"/>
-            <a:ext cx="1637353" cy="1059909"/>
+            <a:off x="7580375" y="2382946"/>
+            <a:ext cx="1948372" cy="1034307"/>
           </a:xfrm>
           <a:prstGeom prst="straightConnector1">
             <a:avLst/>
@@ -10964,265 +11088,6 @@
       </p:grpSp>
       <p:cxnSp>
         <p:nvCxnSpPr>
-          <p:cNvPr id="132" name="Straight Arrow Connector 131">
-            <a:extLst>
-              <a:ext uri="{FF2B5EF4-FFF2-40B4-BE49-F238E27FC236}">
-                <a16:creationId xmlns:a16="http://schemas.microsoft.com/office/drawing/2014/main" id="{90CF8F22-E853-F04B-B1A0-6D602B43CF19}"/>
-              </a:ext>
-            </a:extLst>
-          </p:cNvPr>
-          <p:cNvCxnSpPr>
-            <a:cxnSpLocks noChangeAspect="1"/>
-            <a:stCxn id="35" idx="5"/>
-            <a:endCxn id="115" idx="0"/>
-          </p:cNvCxnSpPr>
-          <p:nvPr/>
-        </p:nvCxnSpPr>
-        <p:spPr>
-          <a:xfrm>
-            <a:off x="4350210" y="4286855"/>
-            <a:ext cx="338086" cy="431074"/>
-          </a:xfrm>
-          <a:prstGeom prst="straightConnector1">
-            <a:avLst/>
-          </a:prstGeom>
-          <a:ln w="76200">
-            <a:solidFill>
-              <a:srgbClr val="FF0000"/>
-            </a:solidFill>
-            <a:prstDash val="solid"/>
-            <a:tailEnd type="triangle"/>
-          </a:ln>
-        </p:spPr>
-        <p:style>
-          <a:lnRef idx="1">
-            <a:schemeClr val="accent1"/>
-          </a:lnRef>
-          <a:fillRef idx="0">
-            <a:schemeClr val="accent1"/>
-          </a:fillRef>
-          <a:effectRef idx="0">
-            <a:schemeClr val="accent1"/>
-          </a:effectRef>
-          <a:fontRef idx="minor">
-            <a:schemeClr val="tx1"/>
-          </a:fontRef>
-        </p:style>
-      </p:cxnSp>
-      <p:grpSp>
-        <p:nvGrpSpPr>
-          <p:cNvPr id="119" name="Group 118">
-            <a:extLst>
-              <a:ext uri="{FF2B5EF4-FFF2-40B4-BE49-F238E27FC236}">
-                <a16:creationId xmlns:a16="http://schemas.microsoft.com/office/drawing/2014/main" id="{595E1FB5-CCB2-6744-B319-10F90FC7C0E6}"/>
-              </a:ext>
-            </a:extLst>
-          </p:cNvPr>
-          <p:cNvGrpSpPr>
-            <a:grpSpLocks noChangeAspect="1"/>
-          </p:cNvGrpSpPr>
-          <p:nvPr/>
-        </p:nvGrpSpPr>
-        <p:grpSpPr>
-          <a:xfrm>
-            <a:off x="3842830" y="4717929"/>
-            <a:ext cx="1690931" cy="729663"/>
-            <a:chOff x="1816004" y="3441106"/>
-            <a:chExt cx="1690931" cy="729663"/>
-          </a:xfrm>
-        </p:grpSpPr>
-        <p:pic>
-          <p:nvPicPr>
-            <p:cNvPr id="114" name="Picture 113" descr="Logo&#10;&#10;Description automatically generated">
-              <a:extLst>
-                <a:ext uri="{FF2B5EF4-FFF2-40B4-BE49-F238E27FC236}">
-                  <a16:creationId xmlns:a16="http://schemas.microsoft.com/office/drawing/2014/main" id="{CD4EA68B-0F58-F94A-A72E-35F3B377FBCC}"/>
-                </a:ext>
-              </a:extLst>
-            </p:cNvPr>
-            <p:cNvPicPr>
-              <a:picLocks noChangeAspect="1"/>
-            </p:cNvPicPr>
-            <p:nvPr/>
-          </p:nvPicPr>
-          <p:blipFill>
-            <a:blip r:embed="rId9"/>
-            <a:stretch>
-              <a:fillRect/>
-            </a:stretch>
-          </p:blipFill>
-          <p:spPr>
-            <a:xfrm>
-              <a:off x="1937083" y="3623030"/>
-              <a:ext cx="1448773" cy="365815"/>
-            </a:xfrm>
-            <a:prstGeom prst="rect">
-              <a:avLst/>
-            </a:prstGeom>
-          </p:spPr>
-        </p:pic>
-        <p:sp>
-          <p:nvSpPr>
-            <p:cNvPr id="115" name="Rounded Rectangle 114">
-              <a:extLst>
-                <a:ext uri="{FF2B5EF4-FFF2-40B4-BE49-F238E27FC236}">
-                  <a16:creationId xmlns:a16="http://schemas.microsoft.com/office/drawing/2014/main" id="{9218AF35-322E-2F4F-AE3A-BA27869278C8}"/>
-                </a:ext>
-              </a:extLst>
-            </p:cNvPr>
-            <p:cNvSpPr/>
-            <p:nvPr/>
-          </p:nvSpPr>
-          <p:spPr>
-            <a:xfrm>
-              <a:off x="1816004" y="3441106"/>
-              <a:ext cx="1690931" cy="729663"/>
-            </a:xfrm>
-            <a:prstGeom prst="roundRect">
-              <a:avLst/>
-            </a:prstGeom>
-            <a:noFill/>
-            <a:ln w="57150">
-              <a:solidFill>
-                <a:schemeClr val="tx1"/>
-              </a:solidFill>
-              <a:prstDash val="lgDash"/>
-            </a:ln>
-          </p:spPr>
-          <p:style>
-            <a:lnRef idx="2">
-              <a:schemeClr val="accent1">
-                <a:shade val="50000"/>
-              </a:schemeClr>
-            </a:lnRef>
-            <a:fillRef idx="1">
-              <a:schemeClr val="accent1"/>
-            </a:fillRef>
-            <a:effectRef idx="0">
-              <a:schemeClr val="accent1"/>
-            </a:effectRef>
-            <a:fontRef idx="minor">
-              <a:schemeClr val="lt1"/>
-            </a:fontRef>
-          </p:style>
-          <p:txBody>
-            <a:bodyPr rtlCol="0" anchor="ctr"/>
-            <a:lstStyle/>
-            <a:p>
-              <a:pPr algn="ctr"/>
-              <a:endParaRPr lang="en-US"/>
-            </a:p>
-          </p:txBody>
-        </p:sp>
-      </p:grpSp>
-      <p:grpSp>
-        <p:nvGrpSpPr>
-          <p:cNvPr id="33" name="Group 32">
-            <a:extLst>
-              <a:ext uri="{FF2B5EF4-FFF2-40B4-BE49-F238E27FC236}">
-                <a16:creationId xmlns:a16="http://schemas.microsoft.com/office/drawing/2014/main" id="{1FD07EA3-45CF-4A47-A99F-CE2B74551CCF}"/>
-              </a:ext>
-            </a:extLst>
-          </p:cNvPr>
-          <p:cNvGrpSpPr>
-            <a:grpSpLocks noChangeAspect="1"/>
-          </p:cNvGrpSpPr>
-          <p:nvPr/>
-        </p:nvGrpSpPr>
-        <p:grpSpPr>
-          <a:xfrm>
-            <a:off x="3396917" y="3282895"/>
-            <a:ext cx="1116852" cy="1176212"/>
-            <a:chOff x="667388" y="520972"/>
-            <a:chExt cx="1847272" cy="1757802"/>
-          </a:xfrm>
-        </p:grpSpPr>
-        <p:pic>
-          <p:nvPicPr>
-            <p:cNvPr id="34" name="Picture 33" descr="Shape&#10;&#10;Description automatically generated with low confidence">
-              <a:extLst>
-                <a:ext uri="{FF2B5EF4-FFF2-40B4-BE49-F238E27FC236}">
-                  <a16:creationId xmlns:a16="http://schemas.microsoft.com/office/drawing/2014/main" id="{B260D696-B5DC-3948-B617-83C3B4A61D1D}"/>
-                </a:ext>
-              </a:extLst>
-            </p:cNvPr>
-            <p:cNvPicPr>
-              <a:picLocks noChangeAspect="1"/>
-            </p:cNvPicPr>
-            <p:nvPr/>
-          </p:nvPicPr>
-          <p:blipFill>
-            <a:blip r:embed="rId4"/>
-            <a:stretch>
-              <a:fillRect/>
-            </a:stretch>
-          </p:blipFill>
-          <p:spPr>
-            <a:xfrm>
-              <a:off x="1064116" y="872965"/>
-              <a:ext cx="1053817" cy="1053817"/>
-            </a:xfrm>
-            <a:prstGeom prst="rect">
-              <a:avLst/>
-            </a:prstGeom>
-          </p:spPr>
-        </p:pic>
-        <p:sp>
-          <p:nvSpPr>
-            <p:cNvPr id="35" name="Oval 34">
-              <a:extLst>
-                <a:ext uri="{FF2B5EF4-FFF2-40B4-BE49-F238E27FC236}">
-                  <a16:creationId xmlns:a16="http://schemas.microsoft.com/office/drawing/2014/main" id="{C73D611F-D646-E549-AD57-9A3E7635D533}"/>
-                </a:ext>
-              </a:extLst>
-            </p:cNvPr>
-            <p:cNvSpPr/>
-            <p:nvPr/>
-          </p:nvSpPr>
-          <p:spPr>
-            <a:xfrm>
-              <a:off x="667388" y="520972"/>
-              <a:ext cx="1847272" cy="1757802"/>
-            </a:xfrm>
-            <a:prstGeom prst="ellipse">
-              <a:avLst/>
-            </a:prstGeom>
-            <a:noFill/>
-            <a:ln w="28575">
-              <a:solidFill>
-                <a:schemeClr val="tx1"/>
-              </a:solidFill>
-              <a:prstDash val="sysDash"/>
-            </a:ln>
-          </p:spPr>
-          <p:style>
-            <a:lnRef idx="2">
-              <a:schemeClr val="accent1">
-                <a:shade val="50000"/>
-              </a:schemeClr>
-            </a:lnRef>
-            <a:fillRef idx="1">
-              <a:schemeClr val="accent1"/>
-            </a:fillRef>
-            <a:effectRef idx="0">
-              <a:schemeClr val="accent1"/>
-            </a:effectRef>
-            <a:fontRef idx="minor">
-              <a:schemeClr val="lt1"/>
-            </a:fontRef>
-          </p:style>
-          <p:txBody>
-            <a:bodyPr rtlCol="0" anchor="ctr"/>
-            <a:lstStyle/>
-            <a:p>
-              <a:pPr algn="ctr"/>
-              <a:endParaRPr lang="en-US"/>
-            </a:p>
-          </p:txBody>
-        </p:sp>
-      </p:grpSp>
-      <p:cxnSp>
-        <p:nvCxnSpPr>
           <p:cNvPr id="137" name="Straight Arrow Connector 136">
             <a:extLst>
               <a:ext uri="{FF2B5EF4-FFF2-40B4-BE49-F238E27FC236}">
@@ -11270,10 +11135,10 @@
       </p:cxnSp>
       <p:sp>
         <p:nvSpPr>
-          <p:cNvPr id="170" name="Rounded Rectangle 169">
-            <a:extLst>
-              <a:ext uri="{FF2B5EF4-FFF2-40B4-BE49-F238E27FC236}">
-                <a16:creationId xmlns:a16="http://schemas.microsoft.com/office/drawing/2014/main" id="{37DFD6B4-C2F5-D64D-93C4-9C4D0AD8364E}"/>
+          <p:cNvPr id="171" name="Oval 170">
+            <a:extLst>
+              <a:ext uri="{FF2B5EF4-FFF2-40B4-BE49-F238E27FC236}">
+                <a16:creationId xmlns:a16="http://schemas.microsoft.com/office/drawing/2014/main" id="{A04E1DCC-CEF6-9944-9526-2F2D526DECB8}"/>
               </a:ext>
             </a:extLst>
           </p:cNvPr>
@@ -11282,167 +11147,7 @@
         </p:nvSpPr>
         <p:spPr>
           <a:xfrm>
-            <a:off x="11318622" y="-749471"/>
-            <a:ext cx="1362905" cy="2267901"/>
-          </a:xfrm>
-          <a:prstGeom prst="roundRect">
-            <a:avLst/>
-          </a:prstGeom>
-          <a:noFill/>
-          <a:ln w="57150">
-            <a:solidFill>
-              <a:schemeClr val="tx1"/>
-            </a:solidFill>
-            <a:prstDash val="dashDot"/>
-          </a:ln>
-        </p:spPr>
-        <p:style>
-          <a:lnRef idx="2">
-            <a:schemeClr val="accent1">
-              <a:shade val="50000"/>
-            </a:schemeClr>
-          </a:lnRef>
-          <a:fillRef idx="1">
-            <a:schemeClr val="accent1"/>
-          </a:fillRef>
-          <a:effectRef idx="0">
-            <a:schemeClr val="accent1"/>
-          </a:effectRef>
-          <a:fontRef idx="minor">
-            <a:schemeClr val="lt1"/>
-          </a:fontRef>
-        </p:style>
-        <p:txBody>
-          <a:bodyPr rtlCol="0" anchor="ctr"/>
-          <a:lstStyle/>
-          <a:p>
-            <a:pPr algn="ctr"/>
-            <a:endParaRPr lang="en-US"/>
-          </a:p>
-        </p:txBody>
-      </p:sp>
-      <p:pic>
-        <p:nvPicPr>
-          <p:cNvPr id="25" name="Picture 24" descr="Logo&#10;&#10;Description automatically generated with low confidence">
-            <a:extLst>
-              <a:ext uri="{FF2B5EF4-FFF2-40B4-BE49-F238E27FC236}">
-                <a16:creationId xmlns:a16="http://schemas.microsoft.com/office/drawing/2014/main" id="{6269384F-CD47-9847-BB30-A8E94352012A}"/>
-              </a:ext>
-            </a:extLst>
-          </p:cNvPr>
-          <p:cNvPicPr>
-            <a:picLocks noChangeAspect="1"/>
-          </p:cNvPicPr>
-          <p:nvPr/>
-        </p:nvPicPr>
-        <p:blipFill rotWithShape="1">
-          <a:blip r:embed="rId3"/>
-          <a:srcRect l="23989" r="51476" b="45787"/>
-          <a:stretch/>
-        </p:blipFill>
-        <p:spPr>
-          <a:xfrm>
-            <a:off x="9391165" y="1319017"/>
-            <a:ext cx="616049" cy="640080"/>
-          </a:xfrm>
-          <a:prstGeom prst="rect">
-            <a:avLst/>
-          </a:prstGeom>
-        </p:spPr>
-      </p:pic>
-      <p:pic>
-        <p:nvPicPr>
-          <p:cNvPr id="48" name="Picture 47">
-            <a:extLst>
-              <a:ext uri="{FF2B5EF4-FFF2-40B4-BE49-F238E27FC236}">
-                <a16:creationId xmlns:a16="http://schemas.microsoft.com/office/drawing/2014/main" id="{DF4A5EE7-64C3-3545-B2A7-A9607CB9A665}"/>
-              </a:ext>
-            </a:extLst>
-          </p:cNvPr>
-          <p:cNvPicPr>
-            <a:picLocks noChangeAspect="1"/>
-          </p:cNvPicPr>
-          <p:nvPr/>
-        </p:nvPicPr>
-        <p:blipFill>
-          <a:blip r:embed="rId10"/>
-          <a:stretch>
-            <a:fillRect/>
-          </a:stretch>
-        </p:blipFill>
-        <p:spPr>
-          <a:xfrm>
-            <a:off x="9375269" y="2264686"/>
-            <a:ext cx="663947" cy="234146"/>
-          </a:xfrm>
-          <a:prstGeom prst="rect">
-            <a:avLst/>
-          </a:prstGeom>
-        </p:spPr>
-      </p:pic>
-      <p:sp>
-        <p:nvSpPr>
-          <p:cNvPr id="49" name="Cross 48">
-            <a:extLst>
-              <a:ext uri="{FF2B5EF4-FFF2-40B4-BE49-F238E27FC236}">
-                <a16:creationId xmlns:a16="http://schemas.microsoft.com/office/drawing/2014/main" id="{7F6A4F3C-DDF2-AC46-99C2-65FFAC30837A}"/>
-              </a:ext>
-            </a:extLst>
-          </p:cNvPr>
-          <p:cNvSpPr/>
-          <p:nvPr/>
-        </p:nvSpPr>
-        <p:spPr>
-          <a:xfrm>
-            <a:off x="9619507" y="2017402"/>
-            <a:ext cx="175472" cy="167860"/>
-          </a:xfrm>
-          <a:prstGeom prst="plus">
-            <a:avLst>
-              <a:gd name="adj" fmla="val 44452"/>
-            </a:avLst>
-          </a:prstGeom>
-        </p:spPr>
-        <p:style>
-          <a:lnRef idx="2">
-            <a:schemeClr val="dk1">
-              <a:shade val="50000"/>
-            </a:schemeClr>
-          </a:lnRef>
-          <a:fillRef idx="1">
-            <a:schemeClr val="dk1"/>
-          </a:fillRef>
-          <a:effectRef idx="0">
-            <a:schemeClr val="dk1"/>
-          </a:effectRef>
-          <a:fontRef idx="minor">
-            <a:schemeClr val="lt1"/>
-          </a:fontRef>
-        </p:style>
-        <p:txBody>
-          <a:bodyPr rtlCol="0" anchor="ctr"/>
-          <a:lstStyle/>
-          <a:p>
-            <a:pPr algn="ctr"/>
-            <a:endParaRPr lang="en-US"/>
-          </a:p>
-        </p:txBody>
-      </p:sp>
-      <p:sp>
-        <p:nvSpPr>
-          <p:cNvPr id="171" name="Oval 170">
-            <a:extLst>
-              <a:ext uri="{FF2B5EF4-FFF2-40B4-BE49-F238E27FC236}">
-                <a16:creationId xmlns:a16="http://schemas.microsoft.com/office/drawing/2014/main" id="{A04E1DCC-CEF6-9944-9526-2F2D526DECB8}"/>
-              </a:ext>
-            </a:extLst>
-          </p:cNvPr>
-          <p:cNvSpPr/>
-          <p:nvPr/>
-        </p:nvSpPr>
-        <p:spPr>
-          <a:xfrm>
-            <a:off x="8861562" y="1013444"/>
+            <a:off x="9281053" y="981465"/>
             <a:ext cx="1691363" cy="1641937"/>
           </a:xfrm>
           <a:prstGeom prst="ellipse">
@@ -11516,11 +11221,11 @@
             <p:nvPr/>
           </p:nvPicPr>
           <p:blipFill>
-            <a:blip r:embed="rId11">
+            <a:blip r:embed="rId9">
               <a:extLst>
                 <a:ext uri="{BEBA8EAE-BF5A-486C-A8C5-ECC9F3942E4B}">
                   <a14:imgProps xmlns:a14="http://schemas.microsoft.com/office/drawing/2010/main">
-                    <a14:imgLayer r:embed="rId12">
+                    <a14:imgLayer r:embed="rId10">
                       <a14:imgEffect>
                         <a14:backgroundRemoval t="7207" b="90541" l="9692" r="89868">
                           <a14:foregroundMark x1="62996" y1="35135" x2="62996" y2="44144"/>
@@ -11889,86 +11594,170 @@
           </a:p>
         </p:txBody>
       </p:sp>
-      <p:sp>
-        <p:nvSpPr>
-          <p:cNvPr id="208" name="TextBox 207">
-            <a:extLst>
-              <a:ext uri="{FF2B5EF4-FFF2-40B4-BE49-F238E27FC236}">
-                <a16:creationId xmlns:a16="http://schemas.microsoft.com/office/drawing/2014/main" id="{B155E71F-2D30-C643-B906-202AD8E54CC2}"/>
-              </a:ext>
-            </a:extLst>
-          </p:cNvPr>
-          <p:cNvSpPr txBox="1"/>
+      <p:grpSp>
+        <p:nvGrpSpPr>
+          <p:cNvPr id="19" name="Group 18">
+            <a:extLst>
+              <a:ext uri="{FF2B5EF4-FFF2-40B4-BE49-F238E27FC236}">
+                <a16:creationId xmlns:a16="http://schemas.microsoft.com/office/drawing/2014/main" id="{2E2C6027-6D06-3740-AF0E-3A0AF45E9B2A}"/>
+              </a:ext>
+            </a:extLst>
+          </p:cNvPr>
+          <p:cNvGrpSpPr/>
           <p:nvPr/>
-        </p:nvSpPr>
-        <p:spPr>
+        </p:nvGrpSpPr>
+        <p:grpSpPr>
           <a:xfrm>
-            <a:off x="9450096" y="1072315"/>
-            <a:ext cx="481222" cy="307777"/>
+            <a:off x="9796096" y="1051594"/>
+            <a:ext cx="713018" cy="1426517"/>
+            <a:chOff x="9326198" y="1072315"/>
+            <a:chExt cx="713018" cy="1426517"/>
           </a:xfrm>
-          <a:prstGeom prst="rect">
-            <a:avLst/>
-          </a:prstGeom>
-          <a:noFill/>
-        </p:spPr>
-        <p:txBody>
-          <a:bodyPr wrap="none" rtlCol="0">
-            <a:spAutoFit/>
-          </a:bodyPr>
-          <a:lstStyle/>
-          <a:p>
-            <a:pPr algn="ctr"/>
-            <a:r>
-              <a:rPr lang="en-US" sz="1400" dirty="0"/>
-              <a:t>CSS</a:t>
-            </a:r>
-          </a:p>
-        </p:txBody>
-      </p:sp>
-      <p:cxnSp>
-        <p:nvCxnSpPr>
-          <p:cNvPr id="210" name="Straight Connector 209">
-            <a:extLst>
-              <a:ext uri="{FF2B5EF4-FFF2-40B4-BE49-F238E27FC236}">
-                <a16:creationId xmlns:a16="http://schemas.microsoft.com/office/drawing/2014/main" id="{ECE4A290-DC2B-9D44-B989-65A78AA63D7E}"/>
-              </a:ext>
-            </a:extLst>
-          </p:cNvPr>
-          <p:cNvCxnSpPr>
-            <a:cxnSpLocks/>
-          </p:cNvCxnSpPr>
-          <p:nvPr/>
-        </p:nvCxnSpPr>
-        <p:spPr>
-          <a:xfrm>
-            <a:off x="526673" y="729672"/>
-            <a:ext cx="4115320" cy="0"/>
-          </a:xfrm>
-          <a:prstGeom prst="line">
-            <a:avLst/>
-          </a:prstGeom>
-          <a:ln w="76200">
-            <a:solidFill>
-              <a:schemeClr val="tx1"/>
-            </a:solidFill>
-            <a:prstDash val="lgDashDotDot"/>
-          </a:ln>
-        </p:spPr>
-        <p:style>
-          <a:lnRef idx="1">
-            <a:schemeClr val="accent1"/>
-          </a:lnRef>
-          <a:fillRef idx="0">
-            <a:schemeClr val="accent1"/>
-          </a:fillRef>
-          <a:effectRef idx="0">
-            <a:schemeClr val="accent1"/>
-          </a:effectRef>
-          <a:fontRef idx="minor">
-            <a:schemeClr val="tx1"/>
-          </a:fontRef>
-        </p:style>
-      </p:cxnSp>
+        </p:grpSpPr>
+        <p:pic>
+          <p:nvPicPr>
+            <p:cNvPr id="25" name="Picture 24" descr="Logo&#10;&#10;Description automatically generated with low confidence">
+              <a:extLst>
+                <a:ext uri="{FF2B5EF4-FFF2-40B4-BE49-F238E27FC236}">
+                  <a16:creationId xmlns:a16="http://schemas.microsoft.com/office/drawing/2014/main" id="{6269384F-CD47-9847-BB30-A8E94352012A}"/>
+                </a:ext>
+              </a:extLst>
+            </p:cNvPr>
+            <p:cNvPicPr>
+              <a:picLocks noChangeAspect="1"/>
+            </p:cNvPicPr>
+            <p:nvPr/>
+          </p:nvPicPr>
+          <p:blipFill rotWithShape="1">
+            <a:blip r:embed="rId3"/>
+            <a:srcRect l="23989" r="51476" b="45787"/>
+            <a:stretch/>
+          </p:blipFill>
+          <p:spPr>
+            <a:xfrm>
+              <a:off x="9326198" y="1352030"/>
+              <a:ext cx="616049" cy="640080"/>
+            </a:xfrm>
+            <a:prstGeom prst="rect">
+              <a:avLst/>
+            </a:prstGeom>
+          </p:spPr>
+        </p:pic>
+        <p:pic>
+          <p:nvPicPr>
+            <p:cNvPr id="48" name="Picture 47">
+              <a:extLst>
+                <a:ext uri="{FF2B5EF4-FFF2-40B4-BE49-F238E27FC236}">
+                  <a16:creationId xmlns:a16="http://schemas.microsoft.com/office/drawing/2014/main" id="{DF4A5EE7-64C3-3545-B2A7-A9607CB9A665}"/>
+                </a:ext>
+              </a:extLst>
+            </p:cNvPr>
+            <p:cNvPicPr>
+              <a:picLocks noChangeAspect="1"/>
+            </p:cNvPicPr>
+            <p:nvPr/>
+          </p:nvPicPr>
+          <p:blipFill>
+            <a:blip r:embed="rId11"/>
+            <a:stretch>
+              <a:fillRect/>
+            </a:stretch>
+          </p:blipFill>
+          <p:spPr>
+            <a:xfrm>
+              <a:off x="9375269" y="2264686"/>
+              <a:ext cx="663947" cy="234146"/>
+            </a:xfrm>
+            <a:prstGeom prst="rect">
+              <a:avLst/>
+            </a:prstGeom>
+          </p:spPr>
+        </p:pic>
+        <p:sp>
+          <p:nvSpPr>
+            <p:cNvPr id="49" name="Cross 48">
+              <a:extLst>
+                <a:ext uri="{FF2B5EF4-FFF2-40B4-BE49-F238E27FC236}">
+                  <a16:creationId xmlns:a16="http://schemas.microsoft.com/office/drawing/2014/main" id="{7F6A4F3C-DDF2-AC46-99C2-65FFAC30837A}"/>
+                </a:ext>
+              </a:extLst>
+            </p:cNvPr>
+            <p:cNvSpPr/>
+            <p:nvPr/>
+          </p:nvSpPr>
+          <p:spPr>
+            <a:xfrm>
+              <a:off x="9619507" y="2017402"/>
+              <a:ext cx="175472" cy="167860"/>
+            </a:xfrm>
+            <a:prstGeom prst="plus">
+              <a:avLst>
+                <a:gd name="adj" fmla="val 44452"/>
+              </a:avLst>
+            </a:prstGeom>
+          </p:spPr>
+          <p:style>
+            <a:lnRef idx="2">
+              <a:schemeClr val="dk1">
+                <a:shade val="50000"/>
+              </a:schemeClr>
+            </a:lnRef>
+            <a:fillRef idx="1">
+              <a:schemeClr val="dk1"/>
+            </a:fillRef>
+            <a:effectRef idx="0">
+              <a:schemeClr val="dk1"/>
+            </a:effectRef>
+            <a:fontRef idx="minor">
+              <a:schemeClr val="lt1"/>
+            </a:fontRef>
+          </p:style>
+          <p:txBody>
+            <a:bodyPr rtlCol="0" anchor="ctr"/>
+            <a:lstStyle/>
+            <a:p>
+              <a:pPr algn="ctr"/>
+              <a:endParaRPr lang="en-US"/>
+            </a:p>
+          </p:txBody>
+        </p:sp>
+        <p:sp>
+          <p:nvSpPr>
+            <p:cNvPr id="208" name="TextBox 207">
+              <a:extLst>
+                <a:ext uri="{FF2B5EF4-FFF2-40B4-BE49-F238E27FC236}">
+                  <a16:creationId xmlns:a16="http://schemas.microsoft.com/office/drawing/2014/main" id="{B155E71F-2D30-C643-B906-202AD8E54CC2}"/>
+                </a:ext>
+              </a:extLst>
+            </p:cNvPr>
+            <p:cNvSpPr txBox="1"/>
+            <p:nvPr/>
+          </p:nvSpPr>
+          <p:spPr>
+            <a:xfrm>
+              <a:off x="9450096" y="1072315"/>
+              <a:ext cx="481222" cy="307777"/>
+            </a:xfrm>
+            <a:prstGeom prst="rect">
+              <a:avLst/>
+            </a:prstGeom>
+            <a:noFill/>
+          </p:spPr>
+          <p:txBody>
+            <a:bodyPr wrap="none" rtlCol="0">
+              <a:spAutoFit/>
+            </a:bodyPr>
+            <a:lstStyle/>
+            <a:p>
+              <a:pPr algn="ctr"/>
+              <a:r>
+                <a:rPr lang="en-US" sz="1400" dirty="0"/>
+                <a:t>CSS</a:t>
+              </a:r>
+            </a:p>
+          </p:txBody>
+        </p:sp>
+      </p:grpSp>
       <p:sp>
         <p:nvSpPr>
           <p:cNvPr id="211" name="Title 1">
@@ -12017,7 +11806,7 @@
           </a:lstStyle>
           <a:p>
             <a:r>
-              <a:rPr lang="en-US" dirty="0"/>
+              <a:rPr lang="en-US" b="1" dirty="0"/>
               <a:t>CODE CRAFTING</a:t>
             </a:r>
           </a:p>
@@ -12036,17 +11825,9 @@
 </p:sld>
 </file>
 
-<file path=ppt/slides/slide6.xml><?xml version="1.0" encoding="utf-8"?>
+<file path=ppt/slides/slide8.xml><?xml version="1.0" encoding="utf-8"?>
 <p:sld xmlns:a="http://schemas.openxmlformats.org/drawingml/2006/main" xmlns:r="http://schemas.openxmlformats.org/officeDocument/2006/relationships" xmlns:p="http://schemas.openxmlformats.org/presentationml/2006/main">
   <p:cSld>
-    <p:bg>
-      <p:bgPr>
-        <a:solidFill>
-          <a:schemeClr val="bg1"/>
-        </a:solidFill>
-        <a:effectLst/>
-      </p:bgPr>
-    </p:bg>
     <p:spTree>
       <p:nvGrpSpPr>
         <p:cNvPr id="1" name=""/>
@@ -12061,2488 +11842,10 @@
           <a:chExt cx="0" cy="0"/>
         </a:xfrm>
       </p:grpSpPr>
-      <p:grpSp>
-        <p:nvGrpSpPr>
-          <p:cNvPr id="41" name="Group 40">
-            <a:extLst>
-              <a:ext uri="{FF2B5EF4-FFF2-40B4-BE49-F238E27FC236}">
-                <a16:creationId xmlns:a16="http://schemas.microsoft.com/office/drawing/2014/main" id="{A3C19CFB-DC97-CA41-8907-5AC450DBCBF3}"/>
-              </a:ext>
-            </a:extLst>
-          </p:cNvPr>
-          <p:cNvGrpSpPr>
-            <a:grpSpLocks noChangeAspect="1"/>
-          </p:cNvGrpSpPr>
-          <p:nvPr/>
-        </p:nvGrpSpPr>
-        <p:grpSpPr>
-          <a:xfrm>
-            <a:off x="5628012" y="5606515"/>
-            <a:ext cx="3288145" cy="1380001"/>
-            <a:chOff x="3734357" y="340421"/>
-            <a:chExt cx="3288145" cy="1380001"/>
-          </a:xfrm>
-        </p:grpSpPr>
-        <p:pic>
-          <p:nvPicPr>
-            <p:cNvPr id="15" name="Picture 14" descr="A picture containing graphical user interface&#10;&#10;Description automatically generated">
-              <a:extLst>
-                <a:ext uri="{FF2B5EF4-FFF2-40B4-BE49-F238E27FC236}">
-                  <a16:creationId xmlns:a16="http://schemas.microsoft.com/office/drawing/2014/main" id="{809941AE-42C4-894F-9E41-AB68E6C313ED}"/>
-                </a:ext>
-              </a:extLst>
-            </p:cNvPr>
-            <p:cNvPicPr>
-              <a:picLocks noChangeAspect="1"/>
-            </p:cNvPicPr>
-            <p:nvPr/>
-          </p:nvPicPr>
-          <p:blipFill rotWithShape="1">
-            <a:blip r:embed="rId2"/>
-            <a:srcRect l="52566"/>
-            <a:stretch/>
-          </p:blipFill>
-          <p:spPr>
-            <a:xfrm>
-              <a:off x="3734357" y="340421"/>
-              <a:ext cx="3288145" cy="1380001"/>
-            </a:xfrm>
-            <a:prstGeom prst="rect">
-              <a:avLst/>
-            </a:prstGeom>
-          </p:spPr>
-        </p:pic>
-        <p:sp>
-          <p:nvSpPr>
-            <p:cNvPr id="40" name="Rounded Rectangle 39">
-              <a:extLst>
-                <a:ext uri="{FF2B5EF4-FFF2-40B4-BE49-F238E27FC236}">
-                  <a16:creationId xmlns:a16="http://schemas.microsoft.com/office/drawing/2014/main" id="{2C7F0D98-064D-B54A-ABC7-9D95FBB01159}"/>
-                </a:ext>
-              </a:extLst>
-            </p:cNvPr>
-            <p:cNvSpPr/>
-            <p:nvPr/>
-          </p:nvSpPr>
-          <p:spPr>
-            <a:xfrm>
-              <a:off x="3814618" y="638927"/>
-              <a:ext cx="2955637" cy="872220"/>
-            </a:xfrm>
-            <a:prstGeom prst="roundRect">
-              <a:avLst/>
-            </a:prstGeom>
-            <a:noFill/>
-            <a:ln w="57150">
-              <a:solidFill>
-                <a:schemeClr val="tx1"/>
-              </a:solidFill>
-              <a:prstDash val="lgDashDot"/>
-            </a:ln>
-          </p:spPr>
-          <p:style>
-            <a:lnRef idx="2">
-              <a:schemeClr val="accent1">
-                <a:shade val="50000"/>
-              </a:schemeClr>
-            </a:lnRef>
-            <a:fillRef idx="1">
-              <a:schemeClr val="accent1"/>
-            </a:fillRef>
-            <a:effectRef idx="0">
-              <a:schemeClr val="accent1"/>
-            </a:effectRef>
-            <a:fontRef idx="minor">
-              <a:schemeClr val="lt1"/>
-            </a:fontRef>
-          </p:style>
-          <p:txBody>
-            <a:bodyPr rtlCol="0" anchor="ctr"/>
-            <a:lstStyle/>
-            <a:p>
-              <a:pPr algn="ctr"/>
-              <a:endParaRPr lang="en-US"/>
-            </a:p>
-          </p:txBody>
-        </p:sp>
-      </p:grpSp>
-      <p:sp>
-        <p:nvSpPr>
-          <p:cNvPr id="68" name="Oval 67">
-            <a:extLst>
-              <a:ext uri="{FF2B5EF4-FFF2-40B4-BE49-F238E27FC236}">
-                <a16:creationId xmlns:a16="http://schemas.microsoft.com/office/drawing/2014/main" id="{EA3CE2C0-1B88-924B-ABC5-33A05C3E7079}"/>
-              </a:ext>
-            </a:extLst>
-          </p:cNvPr>
-          <p:cNvSpPr/>
-          <p:nvPr/>
-        </p:nvSpPr>
-        <p:spPr>
-          <a:xfrm>
-            <a:off x="9863895" y="5412591"/>
-            <a:ext cx="2909454" cy="2742495"/>
-          </a:xfrm>
-          <a:prstGeom prst="ellipse">
-            <a:avLst/>
-          </a:prstGeom>
-          <a:noFill/>
-          <a:ln w="76200">
-            <a:solidFill>
-              <a:schemeClr val="tx1"/>
-            </a:solidFill>
-            <a:prstDash val="lgDashDotDot"/>
-          </a:ln>
-        </p:spPr>
-        <p:style>
-          <a:lnRef idx="2">
-            <a:schemeClr val="accent1">
-              <a:shade val="50000"/>
-            </a:schemeClr>
-          </a:lnRef>
-          <a:fillRef idx="1">
-            <a:schemeClr val="accent1"/>
-          </a:fillRef>
-          <a:effectRef idx="0">
-            <a:schemeClr val="accent1"/>
-          </a:effectRef>
-          <a:fontRef idx="minor">
-            <a:schemeClr val="lt1"/>
-          </a:fontRef>
-        </p:style>
-        <p:txBody>
-          <a:bodyPr rtlCol="0" anchor="ctr"/>
-          <a:lstStyle/>
-          <a:p>
-            <a:pPr algn="ctr"/>
-            <a:endParaRPr lang="en-US"/>
-          </a:p>
-        </p:txBody>
-      </p:sp>
-      <p:cxnSp>
-        <p:nvCxnSpPr>
-          <p:cNvPr id="78" name="Straight Arrow Connector 77">
-            <a:extLst>
-              <a:ext uri="{FF2B5EF4-FFF2-40B4-BE49-F238E27FC236}">
-                <a16:creationId xmlns:a16="http://schemas.microsoft.com/office/drawing/2014/main" id="{4875C859-AC7F-204D-B227-2BE2FC79ADCE}"/>
-              </a:ext>
-            </a:extLst>
-          </p:cNvPr>
-          <p:cNvCxnSpPr>
-            <a:cxnSpLocks noChangeAspect="1"/>
-            <a:stCxn id="55" idx="6"/>
-            <a:endCxn id="107" idx="1"/>
-          </p:cNvCxnSpPr>
-          <p:nvPr/>
-        </p:nvCxnSpPr>
-        <p:spPr>
-          <a:xfrm>
-            <a:off x="8377143" y="4356510"/>
-            <a:ext cx="676760" cy="0"/>
-          </a:xfrm>
-          <a:prstGeom prst="straightConnector1">
-            <a:avLst/>
-          </a:prstGeom>
-          <a:ln w="76200">
-            <a:solidFill>
-              <a:srgbClr val="FF0000"/>
-            </a:solidFill>
-            <a:prstDash val="solid"/>
-            <a:tailEnd type="triangle"/>
-          </a:ln>
-        </p:spPr>
-        <p:style>
-          <a:lnRef idx="1">
-            <a:schemeClr val="accent1"/>
-          </a:lnRef>
-          <a:fillRef idx="0">
-            <a:schemeClr val="accent1"/>
-          </a:fillRef>
-          <a:effectRef idx="0">
-            <a:schemeClr val="accent1"/>
-          </a:effectRef>
-          <a:fontRef idx="minor">
-            <a:schemeClr val="tx1"/>
-          </a:fontRef>
-        </p:style>
-      </p:cxnSp>
-      <p:cxnSp>
-        <p:nvCxnSpPr>
-          <p:cNvPr id="85" name="Straight Arrow Connector 84">
-            <a:extLst>
-              <a:ext uri="{FF2B5EF4-FFF2-40B4-BE49-F238E27FC236}">
-                <a16:creationId xmlns:a16="http://schemas.microsoft.com/office/drawing/2014/main" id="{19752B53-2136-1443-B102-7F81B4C29490}"/>
-              </a:ext>
-            </a:extLst>
-          </p:cNvPr>
-          <p:cNvCxnSpPr>
-            <a:cxnSpLocks noChangeAspect="1"/>
-            <a:endCxn id="55" idx="4"/>
-          </p:cNvCxnSpPr>
-          <p:nvPr/>
-        </p:nvCxnSpPr>
-        <p:spPr>
-          <a:xfrm flipV="1">
-            <a:off x="7471903" y="5238186"/>
-            <a:ext cx="0" cy="666836"/>
-          </a:xfrm>
-          <a:prstGeom prst="straightConnector1">
-            <a:avLst/>
-          </a:prstGeom>
-          <a:ln w="76200">
-            <a:solidFill>
-              <a:srgbClr val="FF0000"/>
-            </a:solidFill>
-            <a:prstDash val="solid"/>
-            <a:tailEnd type="triangle"/>
-          </a:ln>
-        </p:spPr>
-        <p:style>
-          <a:lnRef idx="1">
-            <a:schemeClr val="accent1"/>
-          </a:lnRef>
-          <a:fillRef idx="0">
-            <a:schemeClr val="accent1"/>
-          </a:fillRef>
-          <a:effectRef idx="0">
-            <a:schemeClr val="accent1"/>
-          </a:effectRef>
-          <a:fontRef idx="minor">
-            <a:schemeClr val="tx1"/>
-          </a:fontRef>
-        </p:style>
-      </p:cxnSp>
-      <p:cxnSp>
-        <p:nvCxnSpPr>
-          <p:cNvPr id="83" name="Straight Arrow Connector 82">
-            <a:extLst>
-              <a:ext uri="{FF2B5EF4-FFF2-40B4-BE49-F238E27FC236}">
-                <a16:creationId xmlns:a16="http://schemas.microsoft.com/office/drawing/2014/main" id="{7ECBD126-C548-9A41-B316-C4CE3ABED896}"/>
-              </a:ext>
-            </a:extLst>
-          </p:cNvPr>
-          <p:cNvCxnSpPr>
-            <a:cxnSpLocks noChangeAspect="1"/>
-            <a:stCxn id="103" idx="3"/>
-            <a:endCxn id="35" idx="1"/>
-          </p:cNvCxnSpPr>
-          <p:nvPr/>
-        </p:nvCxnSpPr>
-        <p:spPr>
-          <a:xfrm>
-            <a:off x="2817166" y="2470171"/>
-            <a:ext cx="743310" cy="984976"/>
-          </a:xfrm>
-          <a:prstGeom prst="straightConnector1">
-            <a:avLst/>
-          </a:prstGeom>
-          <a:ln w="76200">
-            <a:solidFill>
-              <a:srgbClr val="FF0000"/>
-            </a:solidFill>
-            <a:prstDash val="solid"/>
-            <a:tailEnd type="triangle"/>
-          </a:ln>
-        </p:spPr>
-        <p:style>
-          <a:lnRef idx="1">
-            <a:schemeClr val="accent1"/>
-          </a:lnRef>
-          <a:fillRef idx="0">
-            <a:schemeClr val="accent1"/>
-          </a:fillRef>
-          <a:effectRef idx="0">
-            <a:schemeClr val="accent1"/>
-          </a:effectRef>
-          <a:fontRef idx="minor">
-            <a:schemeClr val="tx1"/>
-          </a:fontRef>
-        </p:style>
-      </p:cxnSp>
-      <p:cxnSp>
-        <p:nvCxnSpPr>
-          <p:cNvPr id="87" name="Straight Arrow Connector 86">
-            <a:extLst>
-              <a:ext uri="{FF2B5EF4-FFF2-40B4-BE49-F238E27FC236}">
-                <a16:creationId xmlns:a16="http://schemas.microsoft.com/office/drawing/2014/main" id="{9970C7B9-8FE9-B64B-B2EA-205735C91E08}"/>
-              </a:ext>
-            </a:extLst>
-          </p:cNvPr>
-          <p:cNvCxnSpPr>
-            <a:cxnSpLocks noChangeAspect="1"/>
-            <a:stCxn id="171" idx="3"/>
-            <a:endCxn id="55" idx="0"/>
-          </p:cNvCxnSpPr>
-          <p:nvPr/>
-        </p:nvCxnSpPr>
-        <p:spPr>
-          <a:xfrm flipH="1">
-            <a:off x="7471903" y="2414925"/>
-            <a:ext cx="1637353" cy="1059909"/>
-          </a:xfrm>
-          <a:prstGeom prst="straightConnector1">
-            <a:avLst/>
-          </a:prstGeom>
-          <a:ln w="76200">
-            <a:solidFill>
-              <a:srgbClr val="FF0000"/>
-            </a:solidFill>
-            <a:prstDash val="solid"/>
-            <a:tailEnd type="triangle"/>
-          </a:ln>
-        </p:spPr>
-        <p:style>
-          <a:lnRef idx="1">
-            <a:schemeClr val="accent1"/>
-          </a:lnRef>
-          <a:fillRef idx="0">
-            <a:schemeClr val="accent1"/>
-          </a:fillRef>
-          <a:effectRef idx="0">
-            <a:schemeClr val="accent1"/>
-          </a:effectRef>
-          <a:fontRef idx="minor">
-            <a:schemeClr val="tx1"/>
-          </a:fontRef>
-        </p:style>
-      </p:cxnSp>
-      <p:cxnSp>
-        <p:nvCxnSpPr>
-          <p:cNvPr id="89" name="Straight Arrow Connector 88">
-            <a:extLst>
-              <a:ext uri="{FF2B5EF4-FFF2-40B4-BE49-F238E27FC236}">
-                <a16:creationId xmlns:a16="http://schemas.microsoft.com/office/drawing/2014/main" id="{8AFA1415-7C5A-0041-90D0-B7C45C5D40F0}"/>
-              </a:ext>
-            </a:extLst>
-          </p:cNvPr>
-          <p:cNvCxnSpPr>
-            <a:cxnSpLocks noChangeAspect="1"/>
-            <a:stCxn id="44" idx="4"/>
-            <a:endCxn id="55" idx="0"/>
-          </p:cNvCxnSpPr>
-          <p:nvPr/>
-        </p:nvCxnSpPr>
-        <p:spPr>
-          <a:xfrm>
-            <a:off x="7182432" y="2579725"/>
-            <a:ext cx="289471" cy="895109"/>
-          </a:xfrm>
-          <a:prstGeom prst="straightConnector1">
-            <a:avLst/>
-          </a:prstGeom>
-          <a:ln w="76200">
-            <a:solidFill>
-              <a:srgbClr val="FF0000"/>
-            </a:solidFill>
-            <a:prstDash val="solid"/>
-            <a:tailEnd type="triangle"/>
-          </a:ln>
-        </p:spPr>
-        <p:style>
-          <a:lnRef idx="1">
-            <a:schemeClr val="accent1"/>
-          </a:lnRef>
-          <a:fillRef idx="0">
-            <a:schemeClr val="accent1"/>
-          </a:fillRef>
-          <a:effectRef idx="0">
-            <a:schemeClr val="accent1"/>
-          </a:effectRef>
-          <a:fontRef idx="minor">
-            <a:schemeClr val="tx1"/>
-          </a:fontRef>
-        </p:style>
-      </p:cxnSp>
-      <p:cxnSp>
-        <p:nvCxnSpPr>
-          <p:cNvPr id="93" name="Straight Arrow Connector 92">
-            <a:extLst>
-              <a:ext uri="{FF2B5EF4-FFF2-40B4-BE49-F238E27FC236}">
-                <a16:creationId xmlns:a16="http://schemas.microsoft.com/office/drawing/2014/main" id="{FA526BF2-2E4F-F947-8362-C525E02A1E03}"/>
-              </a:ext>
-            </a:extLst>
-          </p:cNvPr>
-          <p:cNvCxnSpPr>
-            <a:cxnSpLocks noChangeAspect="1"/>
-            <a:stCxn id="97" idx="0"/>
-            <a:endCxn id="103" idx="2"/>
-          </p:cNvCxnSpPr>
-          <p:nvPr/>
-        </p:nvCxnSpPr>
-        <p:spPr>
-          <a:xfrm flipV="1">
-            <a:off x="1814916" y="4088659"/>
-            <a:ext cx="1" cy="428963"/>
-          </a:xfrm>
-          <a:prstGeom prst="straightConnector1">
-            <a:avLst/>
-          </a:prstGeom>
-          <a:ln w="76200">
-            <a:solidFill>
-              <a:srgbClr val="FF0000"/>
-            </a:solidFill>
-            <a:prstDash val="solid"/>
-            <a:tailEnd type="triangle"/>
-          </a:ln>
-        </p:spPr>
-        <p:style>
-          <a:lnRef idx="1">
-            <a:schemeClr val="accent1"/>
-          </a:lnRef>
-          <a:fillRef idx="0">
-            <a:schemeClr val="accent1"/>
-          </a:fillRef>
-          <a:effectRef idx="0">
-            <a:schemeClr val="accent1"/>
-          </a:effectRef>
-          <a:fontRef idx="minor">
-            <a:schemeClr val="tx1"/>
-          </a:fontRef>
-        </p:style>
-      </p:cxnSp>
-      <p:cxnSp>
-        <p:nvCxnSpPr>
-          <p:cNvPr id="95" name="Straight Arrow Connector 94">
-            <a:extLst>
-              <a:ext uri="{FF2B5EF4-FFF2-40B4-BE49-F238E27FC236}">
-                <a16:creationId xmlns:a16="http://schemas.microsoft.com/office/drawing/2014/main" id="{3B5FE426-159F-964D-A491-3328D134DA2B}"/>
-              </a:ext>
-            </a:extLst>
-          </p:cNvPr>
-          <p:cNvCxnSpPr>
-            <a:cxnSpLocks noChangeAspect="1"/>
-            <a:stCxn id="103" idx="3"/>
-            <a:endCxn id="186" idx="2"/>
-          </p:cNvCxnSpPr>
-          <p:nvPr/>
-        </p:nvCxnSpPr>
-        <p:spPr>
-          <a:xfrm flipV="1">
-            <a:off x="2817166" y="1864826"/>
-            <a:ext cx="876335" cy="605345"/>
-          </a:xfrm>
-          <a:prstGeom prst="straightConnector1">
-            <a:avLst/>
-          </a:prstGeom>
-          <a:ln w="76200">
-            <a:solidFill>
-              <a:srgbClr val="FF0000"/>
-            </a:solidFill>
-            <a:prstDash val="solid"/>
-            <a:tailEnd type="triangle"/>
-          </a:ln>
-        </p:spPr>
-        <p:style>
-          <a:lnRef idx="1">
-            <a:schemeClr val="accent1"/>
-          </a:lnRef>
-          <a:fillRef idx="0">
-            <a:schemeClr val="accent1"/>
-          </a:fillRef>
-          <a:effectRef idx="0">
-            <a:schemeClr val="accent1"/>
-          </a:effectRef>
-          <a:fontRef idx="minor">
-            <a:schemeClr val="tx1"/>
-          </a:fontRef>
-        </p:style>
-      </p:cxnSp>
-      <p:grpSp>
-        <p:nvGrpSpPr>
-          <p:cNvPr id="56" name="Group 55">
-            <a:extLst>
-              <a:ext uri="{FF2B5EF4-FFF2-40B4-BE49-F238E27FC236}">
-                <a16:creationId xmlns:a16="http://schemas.microsoft.com/office/drawing/2014/main" id="{9C8482CF-3EDC-8D4B-BD95-C2016126E44E}"/>
-              </a:ext>
-            </a:extLst>
-          </p:cNvPr>
-          <p:cNvGrpSpPr>
-            <a:grpSpLocks noChangeAspect="1"/>
-          </p:cNvGrpSpPr>
-          <p:nvPr/>
-        </p:nvGrpSpPr>
-        <p:grpSpPr>
-          <a:xfrm>
-            <a:off x="6566662" y="3474834"/>
-            <a:ext cx="1810481" cy="1763352"/>
-            <a:chOff x="7306860" y="690955"/>
-            <a:chExt cx="1810481" cy="1763352"/>
-          </a:xfrm>
-        </p:grpSpPr>
-        <p:pic>
-          <p:nvPicPr>
-            <p:cNvPr id="26" name="Picture 25" descr="Logo&#10;&#10;Description automatically generated with low confidence">
-              <a:extLst>
-                <a:ext uri="{FF2B5EF4-FFF2-40B4-BE49-F238E27FC236}">
-                  <a16:creationId xmlns:a16="http://schemas.microsoft.com/office/drawing/2014/main" id="{926B38F9-F3A6-E54F-B497-DB945CB0387C}"/>
-                </a:ext>
-              </a:extLst>
-            </p:cNvPr>
-            <p:cNvPicPr>
-              <a:picLocks noChangeAspect="1"/>
-            </p:cNvPicPr>
-            <p:nvPr/>
-          </p:nvPicPr>
-          <p:blipFill rotWithShape="1">
-            <a:blip r:embed="rId3"/>
-            <a:srcRect r="75466" b="45787"/>
-            <a:stretch/>
-          </p:blipFill>
-          <p:spPr>
-            <a:xfrm>
-              <a:off x="7819756" y="1228725"/>
-              <a:ext cx="827635" cy="914400"/>
-            </a:xfrm>
-            <a:prstGeom prst="rect">
-              <a:avLst/>
-            </a:prstGeom>
-          </p:spPr>
-        </p:pic>
-        <p:sp>
-          <p:nvSpPr>
-            <p:cNvPr id="55" name="Oval 54">
-              <a:extLst>
-                <a:ext uri="{FF2B5EF4-FFF2-40B4-BE49-F238E27FC236}">
-                  <a16:creationId xmlns:a16="http://schemas.microsoft.com/office/drawing/2014/main" id="{E3BF427C-2212-D441-9DD9-5AC0FC618AF9}"/>
-                </a:ext>
-              </a:extLst>
-            </p:cNvPr>
-            <p:cNvSpPr/>
-            <p:nvPr/>
-          </p:nvSpPr>
-          <p:spPr>
-            <a:xfrm>
-              <a:off x="7306860" y="690955"/>
-              <a:ext cx="1810481" cy="1763352"/>
-            </a:xfrm>
-            <a:prstGeom prst="ellipse">
-              <a:avLst/>
-            </a:prstGeom>
-            <a:noFill/>
-            <a:ln w="57150">
-              <a:solidFill>
-                <a:schemeClr val="tx1"/>
-              </a:solidFill>
-              <a:prstDash val="dashDot"/>
-            </a:ln>
-          </p:spPr>
-          <p:style>
-            <a:lnRef idx="2">
-              <a:schemeClr val="accent1">
-                <a:shade val="50000"/>
-              </a:schemeClr>
-            </a:lnRef>
-            <a:fillRef idx="1">
-              <a:schemeClr val="accent1"/>
-            </a:fillRef>
-            <a:effectRef idx="0">
-              <a:schemeClr val="accent1"/>
-            </a:effectRef>
-            <a:fontRef idx="minor">
-              <a:schemeClr val="lt1"/>
-            </a:fontRef>
-          </p:style>
-          <p:txBody>
-            <a:bodyPr rtlCol="0" anchor="ctr"/>
-            <a:lstStyle/>
-            <a:p>
-              <a:pPr algn="ctr"/>
-              <a:endParaRPr lang="en-US"/>
-            </a:p>
-          </p:txBody>
-        </p:sp>
-      </p:grpSp>
-      <p:grpSp>
-        <p:nvGrpSpPr>
-          <p:cNvPr id="123" name="Group 122">
-            <a:extLst>
-              <a:ext uri="{FF2B5EF4-FFF2-40B4-BE49-F238E27FC236}">
-                <a16:creationId xmlns:a16="http://schemas.microsoft.com/office/drawing/2014/main" id="{83442D46-C635-AA4E-A63C-CE548BCB1565}"/>
-              </a:ext>
-            </a:extLst>
-          </p:cNvPr>
-          <p:cNvGrpSpPr>
-            <a:grpSpLocks noChangeAspect="1"/>
-          </p:cNvGrpSpPr>
-          <p:nvPr/>
-        </p:nvGrpSpPr>
-        <p:grpSpPr>
-          <a:xfrm>
-            <a:off x="978399" y="4517622"/>
-            <a:ext cx="1673034" cy="1927582"/>
-            <a:chOff x="314510" y="4358238"/>
-            <a:chExt cx="2004499" cy="2309480"/>
-          </a:xfrm>
-        </p:grpSpPr>
-        <p:grpSp>
-          <p:nvGrpSpPr>
-            <p:cNvPr id="122" name="Group 121">
-              <a:extLst>
-                <a:ext uri="{FF2B5EF4-FFF2-40B4-BE49-F238E27FC236}">
-                  <a16:creationId xmlns:a16="http://schemas.microsoft.com/office/drawing/2014/main" id="{25D8984D-B37B-7441-A6BD-E0F34E768700}"/>
-                </a:ext>
-              </a:extLst>
-            </p:cNvPr>
-            <p:cNvGrpSpPr/>
-            <p:nvPr/>
-          </p:nvGrpSpPr>
-          <p:grpSpPr>
-            <a:xfrm>
-              <a:off x="314510" y="4440618"/>
-              <a:ext cx="2004499" cy="2227100"/>
-              <a:chOff x="314510" y="4522485"/>
-              <a:chExt cx="2004499" cy="2227100"/>
-            </a:xfrm>
-          </p:grpSpPr>
-          <p:grpSp>
-            <p:nvGrpSpPr>
-              <p:cNvPr id="30" name="Group 29">
-                <a:extLst>
-                  <a:ext uri="{FF2B5EF4-FFF2-40B4-BE49-F238E27FC236}">
-                    <a16:creationId xmlns:a16="http://schemas.microsoft.com/office/drawing/2014/main" id="{E9F992C3-87C4-FC47-A1C9-571154393172}"/>
-                  </a:ext>
-                </a:extLst>
-              </p:cNvPr>
-              <p:cNvGrpSpPr>
-                <a:grpSpLocks noChangeAspect="1"/>
-              </p:cNvGrpSpPr>
-              <p:nvPr/>
-            </p:nvGrpSpPr>
-            <p:grpSpPr>
-              <a:xfrm>
-                <a:off x="596052" y="4522485"/>
-                <a:ext cx="1441414" cy="1371600"/>
-                <a:chOff x="667388" y="520972"/>
-                <a:chExt cx="1847272" cy="1757802"/>
-              </a:xfrm>
-            </p:grpSpPr>
-            <p:sp>
-              <p:nvSpPr>
-                <p:cNvPr id="29" name="Oval 28">
-                  <a:extLst>
-                    <a:ext uri="{FF2B5EF4-FFF2-40B4-BE49-F238E27FC236}">
-                      <a16:creationId xmlns:a16="http://schemas.microsoft.com/office/drawing/2014/main" id="{DE4F6CCE-3AE2-7945-AEB0-A15C515CFC58}"/>
-                    </a:ext>
-                  </a:extLst>
-                </p:cNvPr>
-                <p:cNvSpPr/>
-                <p:nvPr/>
-              </p:nvSpPr>
-              <p:spPr>
-                <a:xfrm>
-                  <a:off x="667388" y="520972"/>
-                  <a:ext cx="1847272" cy="1757802"/>
-                </a:xfrm>
-                <a:prstGeom prst="ellipse">
-                  <a:avLst/>
-                </a:prstGeom>
-                <a:noFill/>
-                <a:ln w="28575">
-                  <a:solidFill>
-                    <a:schemeClr val="tx1"/>
-                  </a:solidFill>
-                  <a:prstDash val="sysDash"/>
-                </a:ln>
-              </p:spPr>
-              <p:style>
-                <a:lnRef idx="2">
-                  <a:schemeClr val="accent1">
-                    <a:shade val="50000"/>
-                  </a:schemeClr>
-                </a:lnRef>
-                <a:fillRef idx="1">
-                  <a:schemeClr val="accent1"/>
-                </a:fillRef>
-                <a:effectRef idx="0">
-                  <a:schemeClr val="accent1"/>
-                </a:effectRef>
-                <a:fontRef idx="minor">
-                  <a:schemeClr val="lt1"/>
-                </a:fontRef>
-              </p:style>
-              <p:txBody>
-                <a:bodyPr rtlCol="0" anchor="ctr"/>
-                <a:lstStyle/>
-                <a:p>
-                  <a:pPr algn="ctr"/>
-                  <a:endParaRPr lang="en-US"/>
-                </a:p>
-              </p:txBody>
-            </p:sp>
-            <p:pic>
-              <p:nvPicPr>
-                <p:cNvPr id="5" name="Picture 4" descr="Shape&#10;&#10;Description automatically generated with low confidence">
-                  <a:extLst>
-                    <a:ext uri="{FF2B5EF4-FFF2-40B4-BE49-F238E27FC236}">
-                      <a16:creationId xmlns:a16="http://schemas.microsoft.com/office/drawing/2014/main" id="{BC2B4909-2558-064C-BD6D-0B02CE582A5B}"/>
-                    </a:ext>
-                  </a:extLst>
-                </p:cNvPr>
-                <p:cNvPicPr>
-                  <a:picLocks noChangeAspect="1"/>
-                </p:cNvPicPr>
-                <p:nvPr/>
-              </p:nvPicPr>
-              <p:blipFill>
-                <a:blip r:embed="rId4"/>
-                <a:stretch>
-                  <a:fillRect/>
-                </a:stretch>
-              </p:blipFill>
-              <p:spPr>
-                <a:xfrm>
-                  <a:off x="1064116" y="872965"/>
-                  <a:ext cx="1053817" cy="1053817"/>
-                </a:xfrm>
-                <a:prstGeom prst="rect">
-                  <a:avLst/>
-                </a:prstGeom>
-              </p:spPr>
-            </p:pic>
-          </p:grpSp>
-          <p:sp>
-            <p:nvSpPr>
-              <p:cNvPr id="96" name="TextBox 95">
-                <a:extLst>
-                  <a:ext uri="{FF2B5EF4-FFF2-40B4-BE49-F238E27FC236}">
-                    <a16:creationId xmlns:a16="http://schemas.microsoft.com/office/drawing/2014/main" id="{83F04370-A140-D341-BE2B-AD05CD0135AB}"/>
-                  </a:ext>
-                </a:extLst>
-              </p:cNvPr>
-              <p:cNvSpPr txBox="1"/>
-              <p:nvPr/>
-            </p:nvSpPr>
-            <p:spPr>
-              <a:xfrm>
-                <a:off x="314510" y="6012077"/>
-                <a:ext cx="2004499" cy="737508"/>
-              </a:xfrm>
-              <a:prstGeom prst="rect">
-                <a:avLst/>
-              </a:prstGeom>
-              <a:noFill/>
-              <a:ln>
-                <a:noFill/>
-                <a:prstDash val="dash"/>
-              </a:ln>
-            </p:spPr>
-            <p:txBody>
-              <a:bodyPr wrap="square" rtlCol="0">
-                <a:spAutoFit/>
-              </a:bodyPr>
-              <a:lstStyle/>
-              <a:p>
-                <a:pPr algn="ctr"/>
-                <a:r>
-                  <a:rPr lang="en-US" sz="1600" dirty="0"/>
-                  <a:t>CHICAGO CRIME</a:t>
-                </a:r>
-              </a:p>
-              <a:p>
-                <a:pPr algn="ctr"/>
-                <a:r>
-                  <a:rPr lang="en-US" sz="1600" dirty="0"/>
-                  <a:t>Data Bas</a:t>
-                </a:r>
-                <a:r>
-                  <a:rPr lang="en-US" dirty="0"/>
-                  <a:t>e</a:t>
-                </a:r>
-              </a:p>
-            </p:txBody>
-          </p:sp>
-        </p:grpSp>
-        <p:sp>
-          <p:nvSpPr>
-            <p:cNvPr id="97" name="Rounded Rectangle 96">
-              <a:extLst>
-                <a:ext uri="{FF2B5EF4-FFF2-40B4-BE49-F238E27FC236}">
-                  <a16:creationId xmlns:a16="http://schemas.microsoft.com/office/drawing/2014/main" id="{63FCD4B4-D607-DF46-9941-190BFFA41CEC}"/>
-                </a:ext>
-              </a:extLst>
-            </p:cNvPr>
-            <p:cNvSpPr/>
-            <p:nvPr/>
-          </p:nvSpPr>
-          <p:spPr>
-            <a:xfrm>
-              <a:off x="314510" y="4358238"/>
-              <a:ext cx="2004499" cy="2300683"/>
-            </a:xfrm>
-            <a:prstGeom prst="roundRect">
-              <a:avLst/>
-            </a:prstGeom>
-            <a:noFill/>
-            <a:ln w="28575">
-              <a:solidFill>
-                <a:srgbClr val="FF0000"/>
-              </a:solidFill>
-              <a:prstDash val="dash"/>
-            </a:ln>
-          </p:spPr>
-          <p:style>
-            <a:lnRef idx="2">
-              <a:schemeClr val="accent1">
-                <a:shade val="50000"/>
-              </a:schemeClr>
-            </a:lnRef>
-            <a:fillRef idx="1">
-              <a:schemeClr val="accent1"/>
-            </a:fillRef>
-            <a:effectRef idx="0">
-              <a:schemeClr val="accent1"/>
-            </a:effectRef>
-            <a:fontRef idx="minor">
-              <a:schemeClr val="lt1"/>
-            </a:fontRef>
-          </p:style>
-          <p:txBody>
-            <a:bodyPr rtlCol="0" anchor="ctr"/>
-            <a:lstStyle/>
-            <a:p>
-              <a:pPr algn="ctr"/>
-              <a:endParaRPr lang="en-US"/>
-            </a:p>
-          </p:txBody>
-        </p:sp>
-      </p:grpSp>
-      <p:grpSp>
-        <p:nvGrpSpPr>
-          <p:cNvPr id="199" name="Group 198">
-            <a:extLst>
-              <a:ext uri="{FF2B5EF4-FFF2-40B4-BE49-F238E27FC236}">
-                <a16:creationId xmlns:a16="http://schemas.microsoft.com/office/drawing/2014/main" id="{C4BD7CE9-5F6E-5B46-8EA8-8EE31C2A342A}"/>
-              </a:ext>
-            </a:extLst>
-          </p:cNvPr>
-          <p:cNvGrpSpPr>
-            <a:grpSpLocks noChangeAspect="1"/>
-          </p:cNvGrpSpPr>
-          <p:nvPr/>
-        </p:nvGrpSpPr>
-        <p:grpSpPr>
-          <a:xfrm>
-            <a:off x="812667" y="851683"/>
-            <a:ext cx="2004499" cy="3236976"/>
-            <a:chOff x="449130" y="99186"/>
-            <a:chExt cx="2004499" cy="3233327"/>
-          </a:xfrm>
-        </p:grpSpPr>
-        <p:grpSp>
-          <p:nvGrpSpPr>
-            <p:cNvPr id="121" name="Group 120">
-              <a:extLst>
-                <a:ext uri="{FF2B5EF4-FFF2-40B4-BE49-F238E27FC236}">
-                  <a16:creationId xmlns:a16="http://schemas.microsoft.com/office/drawing/2014/main" id="{68D3459D-D420-CD42-83F8-7E2A80DFA0F4}"/>
-                </a:ext>
-              </a:extLst>
-            </p:cNvPr>
-            <p:cNvGrpSpPr>
-              <a:grpSpLocks noChangeAspect="1"/>
-            </p:cNvGrpSpPr>
-            <p:nvPr/>
-          </p:nvGrpSpPr>
-          <p:grpSpPr>
-            <a:xfrm>
-              <a:off x="475471" y="320857"/>
-              <a:ext cx="1951816" cy="2796328"/>
-              <a:chOff x="449131" y="320857"/>
-              <a:chExt cx="1951816" cy="2796328"/>
-            </a:xfrm>
-          </p:grpSpPr>
-          <p:grpSp>
-            <p:nvGrpSpPr>
-              <p:cNvPr id="51" name="Group 50">
-                <a:extLst>
-                  <a:ext uri="{FF2B5EF4-FFF2-40B4-BE49-F238E27FC236}">
-                    <a16:creationId xmlns:a16="http://schemas.microsoft.com/office/drawing/2014/main" id="{5896B6D6-16D0-FB4B-9108-BF1D87DA0986}"/>
-                  </a:ext>
-                </a:extLst>
-              </p:cNvPr>
-              <p:cNvGrpSpPr>
-                <a:grpSpLocks noChangeAspect="1"/>
-              </p:cNvGrpSpPr>
-              <p:nvPr/>
-            </p:nvGrpSpPr>
-            <p:grpSpPr>
-              <a:xfrm>
-                <a:off x="486355" y="1196945"/>
-                <a:ext cx="1877369" cy="1920240"/>
-                <a:chOff x="508000" y="3315855"/>
-                <a:chExt cx="2475345" cy="2531869"/>
-              </a:xfrm>
-            </p:grpSpPr>
-            <p:grpSp>
-              <p:nvGrpSpPr>
-                <p:cNvPr id="22" name="Group 21">
-                  <a:extLst>
-                    <a:ext uri="{FF2B5EF4-FFF2-40B4-BE49-F238E27FC236}">
-                      <a16:creationId xmlns:a16="http://schemas.microsoft.com/office/drawing/2014/main" id="{7D41314A-F498-D04C-B563-3D7E098B192B}"/>
-                    </a:ext>
-                  </a:extLst>
-                </p:cNvPr>
-                <p:cNvGrpSpPr/>
-                <p:nvPr/>
-              </p:nvGrpSpPr>
-              <p:grpSpPr>
-                <a:xfrm>
-                  <a:off x="1206251" y="3671370"/>
-                  <a:ext cx="1078842" cy="2097920"/>
-                  <a:chOff x="892016" y="3327545"/>
-                  <a:chExt cx="1640846" cy="2942438"/>
-                </a:xfrm>
-              </p:grpSpPr>
-              <p:grpSp>
-                <p:nvGrpSpPr>
-                  <p:cNvPr id="21" name="Group 20">
-                    <a:extLst>
-                      <a:ext uri="{FF2B5EF4-FFF2-40B4-BE49-F238E27FC236}">
-                        <a16:creationId xmlns:a16="http://schemas.microsoft.com/office/drawing/2014/main" id="{6007664A-9153-F849-B2C2-C7D1A81CD097}"/>
-                      </a:ext>
-                    </a:extLst>
-                  </p:cNvPr>
-                  <p:cNvGrpSpPr/>
-                  <p:nvPr/>
-                </p:nvGrpSpPr>
-                <p:grpSpPr>
-                  <a:xfrm>
-                    <a:off x="892016" y="3327545"/>
-                    <a:ext cx="1640846" cy="1013984"/>
-                    <a:chOff x="892016" y="3327545"/>
-                    <a:chExt cx="1640846" cy="1013984"/>
-                  </a:xfrm>
-                </p:grpSpPr>
-                <p:pic>
-                  <p:nvPicPr>
-                    <p:cNvPr id="7" name="Picture 34" descr="Image result for python logo">
-                      <a:extLst>
-                        <a:ext uri="{FF2B5EF4-FFF2-40B4-BE49-F238E27FC236}">
-                          <a16:creationId xmlns:a16="http://schemas.microsoft.com/office/drawing/2014/main" id="{86515180-F11D-2B40-A4E9-8BF1F5192AA6}"/>
-                        </a:ext>
-                      </a:extLst>
-                    </p:cNvPr>
-                    <p:cNvPicPr>
-                      <a:picLocks noChangeAspect="1" noChangeArrowheads="1"/>
-                    </p:cNvPicPr>
-                    <p:nvPr/>
-                  </p:nvPicPr>
-                  <p:blipFill rotWithShape="1">
-                    <a:blip r:embed="rId5">
-                      <a:extLst>
-                        <a:ext uri="{28A0092B-C50C-407E-A947-70E740481C1C}">
-                          <a14:useLocalDpi xmlns:a14="http://schemas.microsoft.com/office/drawing/2010/main" val="0"/>
-                        </a:ext>
-                      </a:extLst>
-                    </a:blip>
-                    <a:srcRect l="16275" t="5099" r="14391" b="8679"/>
-                    <a:stretch/>
-                  </p:blipFill>
-                  <p:spPr bwMode="auto">
-                    <a:xfrm>
-                      <a:off x="892016" y="3327545"/>
-                      <a:ext cx="815369" cy="1013984"/>
-                    </a:xfrm>
-                    <a:prstGeom prst="rect">
-                      <a:avLst/>
-                    </a:prstGeom>
-                    <a:noFill/>
-                    <a:extLst>
-                      <a:ext uri="{909E8E84-426E-40DD-AFC4-6F175D3DCCD1}">
-                        <a14:hiddenFill xmlns:a14="http://schemas.microsoft.com/office/drawing/2010/main">
-                          <a:solidFill>
-                            <a:srgbClr val="FFFFFF"/>
-                          </a:solidFill>
-                        </a14:hiddenFill>
-                      </a:ext>
-                    </a:extLst>
-                  </p:spPr>
-                </p:pic>
-                <p:pic>
-                  <p:nvPicPr>
-                    <p:cNvPr id="8" name="Picture 8" descr="Image result for jupyter notebook logo">
-                      <a:extLst>
-                        <a:ext uri="{FF2B5EF4-FFF2-40B4-BE49-F238E27FC236}">
-                          <a16:creationId xmlns:a16="http://schemas.microsoft.com/office/drawing/2014/main" id="{568D86EC-1E2A-8240-B3B6-7701BD654FBB}"/>
-                        </a:ext>
-                      </a:extLst>
-                    </p:cNvPr>
-                    <p:cNvPicPr>
-                      <a:picLocks noChangeAspect="1" noChangeArrowheads="1"/>
-                    </p:cNvPicPr>
-                    <p:nvPr/>
-                  </p:nvPicPr>
-                  <p:blipFill>
-                    <a:blip r:embed="rId6">
-                      <a:extLst>
-                        <a:ext uri="{28A0092B-C50C-407E-A947-70E740481C1C}">
-                          <a14:useLocalDpi xmlns:a14="http://schemas.microsoft.com/office/drawing/2010/main" val="0"/>
-                        </a:ext>
-                      </a:extLst>
-                    </a:blip>
-                    <a:srcRect/>
-                    <a:stretch>
-                      <a:fillRect/>
-                    </a:stretch>
-                  </p:blipFill>
-                  <p:spPr bwMode="auto">
-                    <a:xfrm>
-                      <a:off x="1717493" y="3362481"/>
-                      <a:ext cx="815369" cy="944112"/>
-                    </a:xfrm>
-                    <a:prstGeom prst="rect">
-                      <a:avLst/>
-                    </a:prstGeom>
-                    <a:noFill/>
-                    <a:extLst>
-                      <a:ext uri="{909E8E84-426E-40DD-AFC4-6F175D3DCCD1}">
-                        <a14:hiddenFill xmlns:a14="http://schemas.microsoft.com/office/drawing/2010/main">
-                          <a:solidFill>
-                            <a:srgbClr val="FFFFFF"/>
-                          </a:solidFill>
-                        </a14:hiddenFill>
-                      </a:ext>
-                    </a:extLst>
-                  </p:spPr>
-                </p:pic>
-              </p:grpSp>
-              <p:sp>
-                <p:nvSpPr>
-                  <p:cNvPr id="12" name="Cross 11">
-                    <a:extLst>
-                      <a:ext uri="{FF2B5EF4-FFF2-40B4-BE49-F238E27FC236}">
-                        <a16:creationId xmlns:a16="http://schemas.microsoft.com/office/drawing/2014/main" id="{A884C3BE-A9E6-F142-8581-7A94E1BC4253}"/>
-                      </a:ext>
-                    </a:extLst>
-                  </p:cNvPr>
-                  <p:cNvSpPr/>
-                  <p:nvPr/>
-                </p:nvSpPr>
-                <p:spPr>
-                  <a:xfrm>
-                    <a:off x="1527777" y="4390163"/>
-                    <a:ext cx="369325" cy="346444"/>
-                  </a:xfrm>
-                  <a:prstGeom prst="plus">
-                    <a:avLst>
-                      <a:gd name="adj" fmla="val 44452"/>
-                    </a:avLst>
-                  </a:prstGeom>
-                </p:spPr>
-                <p:style>
-                  <a:lnRef idx="2">
-                    <a:schemeClr val="dk1">
-                      <a:shade val="50000"/>
-                    </a:schemeClr>
-                  </a:lnRef>
-                  <a:fillRef idx="1">
-                    <a:schemeClr val="dk1"/>
-                  </a:fillRef>
-                  <a:effectRef idx="0">
-                    <a:schemeClr val="dk1"/>
-                  </a:effectRef>
-                  <a:fontRef idx="minor">
-                    <a:schemeClr val="lt1"/>
-                  </a:fontRef>
-                </p:style>
-                <p:txBody>
-                  <a:bodyPr rtlCol="0" anchor="ctr"/>
-                  <a:lstStyle/>
-                  <a:p>
-                    <a:pPr algn="ctr"/>
-                    <a:endParaRPr lang="en-US"/>
-                  </a:p>
-                </p:txBody>
-              </p:sp>
-              <p:pic>
-                <p:nvPicPr>
-                  <p:cNvPr id="10" name="Picture 9" descr="A picture containing graphical user interface&#10;&#10;Description automatically generated">
-                    <a:extLst>
-                      <a:ext uri="{FF2B5EF4-FFF2-40B4-BE49-F238E27FC236}">
-                        <a16:creationId xmlns:a16="http://schemas.microsoft.com/office/drawing/2014/main" id="{0578164A-6C0D-E541-B764-8A00EC1CD53C}"/>
-                      </a:ext>
-                    </a:extLst>
-                  </p:cNvPr>
-                  <p:cNvPicPr>
-                    <a:picLocks noChangeAspect="1"/>
-                  </p:cNvPicPr>
-                  <p:nvPr/>
-                </p:nvPicPr>
-                <p:blipFill>
-                  <a:blip r:embed="rId7"/>
-                  <a:stretch>
-                    <a:fillRect/>
-                  </a:stretch>
-                </p:blipFill>
-                <p:spPr>
-                  <a:xfrm>
-                    <a:off x="970068" y="4785241"/>
-                    <a:ext cx="1484742" cy="1484742"/>
-                  </a:xfrm>
-                  <a:prstGeom prst="rect">
-                    <a:avLst/>
-                  </a:prstGeom>
-                </p:spPr>
-              </p:pic>
-            </p:grpSp>
-            <p:sp>
-              <p:nvSpPr>
-                <p:cNvPr id="28" name="Oval 27">
-                  <a:extLst>
-                    <a:ext uri="{FF2B5EF4-FFF2-40B4-BE49-F238E27FC236}">
-                      <a16:creationId xmlns:a16="http://schemas.microsoft.com/office/drawing/2014/main" id="{3744356E-C1EE-614E-A134-5F00367EBBC6}"/>
-                    </a:ext>
-                  </a:extLst>
-                </p:cNvPr>
-                <p:cNvSpPr/>
-                <p:nvPr/>
-              </p:nvSpPr>
-              <p:spPr>
-                <a:xfrm>
-                  <a:off x="508000" y="3315855"/>
-                  <a:ext cx="2475345" cy="2531869"/>
-                </a:xfrm>
-                <a:prstGeom prst="ellipse">
-                  <a:avLst/>
-                </a:prstGeom>
-                <a:noFill/>
-                <a:ln w="57150">
-                  <a:solidFill>
-                    <a:schemeClr val="tx1"/>
-                  </a:solidFill>
-                  <a:prstDash val="dashDot"/>
-                </a:ln>
-              </p:spPr>
-              <p:style>
-                <a:lnRef idx="2">
-                  <a:schemeClr val="accent1">
-                    <a:shade val="50000"/>
-                  </a:schemeClr>
-                </a:lnRef>
-                <a:fillRef idx="1">
-                  <a:schemeClr val="accent1"/>
-                </a:fillRef>
-                <a:effectRef idx="0">
-                  <a:schemeClr val="accent1"/>
-                </a:effectRef>
-                <a:fontRef idx="minor">
-                  <a:schemeClr val="lt1"/>
-                </a:fontRef>
-              </p:style>
-              <p:txBody>
-                <a:bodyPr rtlCol="0" anchor="ctr"/>
-                <a:lstStyle/>
-                <a:p>
-                  <a:pPr algn="ctr"/>
-                  <a:endParaRPr lang="en-US"/>
-                </a:p>
-              </p:txBody>
-            </p:sp>
-          </p:grpSp>
-          <p:sp>
-            <p:nvSpPr>
-              <p:cNvPr id="99" name="TextBox 98">
-                <a:extLst>
-                  <a:ext uri="{FF2B5EF4-FFF2-40B4-BE49-F238E27FC236}">
-                    <a16:creationId xmlns:a16="http://schemas.microsoft.com/office/drawing/2014/main" id="{161D38E3-77C1-5F41-8958-EBFC829AFC37}"/>
-                  </a:ext>
-                </a:extLst>
-              </p:cNvPr>
-              <p:cNvSpPr txBox="1"/>
-              <p:nvPr/>
-            </p:nvSpPr>
-            <p:spPr>
-              <a:xfrm>
-                <a:off x="449131" y="320857"/>
-                <a:ext cx="1951816" cy="646331"/>
-              </a:xfrm>
-              <a:prstGeom prst="rect">
-                <a:avLst/>
-              </a:prstGeom>
-              <a:noFill/>
-            </p:spPr>
-            <p:txBody>
-              <a:bodyPr wrap="none" rtlCol="0">
-                <a:spAutoFit/>
-              </a:bodyPr>
-              <a:lstStyle/>
-              <a:p>
-                <a:pPr algn="ctr"/>
-                <a:r>
-                  <a:rPr lang="en-US" dirty="0"/>
-                  <a:t>ETL &amp; </a:t>
-                </a:r>
-              </a:p>
-              <a:p>
-                <a:pPr algn="ctr"/>
-                <a:r>
-                  <a:rPr lang="en-US" dirty="0"/>
-                  <a:t>Machine Learning</a:t>
-                </a:r>
-              </a:p>
-            </p:txBody>
-          </p:sp>
-        </p:grpSp>
-        <p:sp>
-          <p:nvSpPr>
-            <p:cNvPr id="103" name="Rounded Rectangle 102">
-              <a:extLst>
-                <a:ext uri="{FF2B5EF4-FFF2-40B4-BE49-F238E27FC236}">
-                  <a16:creationId xmlns:a16="http://schemas.microsoft.com/office/drawing/2014/main" id="{379F6DD1-571B-D14F-AF7E-3BCE563A07D1}"/>
-                </a:ext>
-              </a:extLst>
-            </p:cNvPr>
-            <p:cNvSpPr>
-              <a:spLocks noChangeAspect="1"/>
-            </p:cNvSpPr>
-            <p:nvPr/>
-          </p:nvSpPr>
-          <p:spPr>
-            <a:xfrm>
-              <a:off x="449130" y="99186"/>
-              <a:ext cx="2004499" cy="3233327"/>
-            </a:xfrm>
-            <a:prstGeom prst="roundRect">
-              <a:avLst/>
-            </a:prstGeom>
-            <a:noFill/>
-            <a:ln w="28575">
-              <a:solidFill>
-                <a:srgbClr val="FF0000"/>
-              </a:solidFill>
-              <a:prstDash val="dash"/>
-            </a:ln>
-          </p:spPr>
-          <p:style>
-            <a:lnRef idx="2">
-              <a:schemeClr val="accent1">
-                <a:shade val="50000"/>
-              </a:schemeClr>
-            </a:lnRef>
-            <a:fillRef idx="1">
-              <a:schemeClr val="accent1"/>
-            </a:fillRef>
-            <a:effectRef idx="0">
-              <a:schemeClr val="accent1"/>
-            </a:effectRef>
-            <a:fontRef idx="minor">
-              <a:schemeClr val="lt1"/>
-            </a:fontRef>
-          </p:style>
-          <p:txBody>
-            <a:bodyPr rtlCol="0" anchor="ctr"/>
-            <a:lstStyle/>
-            <a:p>
-              <a:pPr algn="ctr"/>
-              <a:endParaRPr lang="en-US"/>
-            </a:p>
-          </p:txBody>
-        </p:sp>
-      </p:grpSp>
-      <p:grpSp>
-        <p:nvGrpSpPr>
-          <p:cNvPr id="145" name="Group 144">
-            <a:extLst>
-              <a:ext uri="{FF2B5EF4-FFF2-40B4-BE49-F238E27FC236}">
-                <a16:creationId xmlns:a16="http://schemas.microsoft.com/office/drawing/2014/main" id="{1CA5D66B-509C-9A43-B7A2-566CE5FAD7A9}"/>
-              </a:ext>
-            </a:extLst>
-          </p:cNvPr>
-          <p:cNvGrpSpPr>
-            <a:grpSpLocks noChangeAspect="1"/>
-          </p:cNvGrpSpPr>
-          <p:nvPr/>
-        </p:nvGrpSpPr>
-        <p:grpSpPr>
-          <a:xfrm>
-            <a:off x="9053903" y="3396390"/>
-            <a:ext cx="2910422" cy="1920240"/>
-            <a:chOff x="8303495" y="2624629"/>
-            <a:chExt cx="3437070" cy="2267712"/>
-          </a:xfrm>
-        </p:grpSpPr>
-        <p:grpSp>
-          <p:nvGrpSpPr>
-            <p:cNvPr id="124" name="Group 123">
-              <a:extLst>
-                <a:ext uri="{FF2B5EF4-FFF2-40B4-BE49-F238E27FC236}">
-                  <a16:creationId xmlns:a16="http://schemas.microsoft.com/office/drawing/2014/main" id="{C31668AC-7CEA-3645-937B-631251960CB2}"/>
-                </a:ext>
-              </a:extLst>
-            </p:cNvPr>
-            <p:cNvGrpSpPr/>
-            <p:nvPr/>
-          </p:nvGrpSpPr>
-          <p:grpSpPr>
-            <a:xfrm>
-              <a:off x="8556131" y="2737954"/>
-              <a:ext cx="2934088" cy="1995107"/>
-              <a:chOff x="8643702" y="2464727"/>
-              <a:chExt cx="2934088" cy="1995107"/>
-            </a:xfrm>
-          </p:grpSpPr>
-          <p:grpSp>
-            <p:nvGrpSpPr>
-              <p:cNvPr id="64" name="Group 63">
-                <a:extLst>
-                  <a:ext uri="{FF2B5EF4-FFF2-40B4-BE49-F238E27FC236}">
-                    <a16:creationId xmlns:a16="http://schemas.microsoft.com/office/drawing/2014/main" id="{E32DC02E-331B-314A-9B00-1416F5B741D6}"/>
-                  </a:ext>
-                </a:extLst>
-              </p:cNvPr>
-              <p:cNvGrpSpPr/>
-              <p:nvPr/>
-            </p:nvGrpSpPr>
-            <p:grpSpPr>
-              <a:xfrm>
-                <a:off x="8643702" y="3410590"/>
-                <a:ext cx="2934088" cy="1049244"/>
-                <a:chOff x="8608041" y="2521527"/>
-                <a:chExt cx="3230152" cy="1082995"/>
-              </a:xfrm>
-            </p:grpSpPr>
-            <p:pic>
-              <p:nvPicPr>
-                <p:cNvPr id="18" name="Picture 17" descr="A picture containing text, clock, gauge&#10;&#10;Description automatically generated">
-                  <a:extLst>
-                    <a:ext uri="{FF2B5EF4-FFF2-40B4-BE49-F238E27FC236}">
-                      <a16:creationId xmlns:a16="http://schemas.microsoft.com/office/drawing/2014/main" id="{38563BD8-5D14-A04B-B0E4-5FCF3E51362D}"/>
-                    </a:ext>
-                  </a:extLst>
-                </p:cNvPr>
-                <p:cNvPicPr>
-                  <a:picLocks noChangeAspect="1"/>
-                </p:cNvPicPr>
-                <p:nvPr/>
-              </p:nvPicPr>
-              <p:blipFill>
-                <a:blip r:embed="rId8"/>
-                <a:stretch>
-                  <a:fillRect/>
-                </a:stretch>
-              </p:blipFill>
-              <p:spPr>
-                <a:xfrm>
-                  <a:off x="8683927" y="2657889"/>
-                  <a:ext cx="3078380" cy="810271"/>
-                </a:xfrm>
-                <a:prstGeom prst="rect">
-                  <a:avLst/>
-                </a:prstGeom>
-              </p:spPr>
-            </p:pic>
-            <p:sp>
-              <p:nvSpPr>
-                <p:cNvPr id="60" name="Rounded Rectangle 59">
-                  <a:extLst>
-                    <a:ext uri="{FF2B5EF4-FFF2-40B4-BE49-F238E27FC236}">
-                      <a16:creationId xmlns:a16="http://schemas.microsoft.com/office/drawing/2014/main" id="{B3D5D26E-6452-C248-B891-43CB3FC0AE38}"/>
-                    </a:ext>
-                  </a:extLst>
-                </p:cNvPr>
-                <p:cNvSpPr/>
-                <p:nvPr/>
-              </p:nvSpPr>
-              <p:spPr>
-                <a:xfrm>
-                  <a:off x="8608041" y="2521527"/>
-                  <a:ext cx="3230152" cy="1082995"/>
-                </a:xfrm>
-                <a:prstGeom prst="roundRect">
-                  <a:avLst/>
-                </a:prstGeom>
-                <a:noFill/>
-                <a:ln w="57150">
-                  <a:solidFill>
-                    <a:schemeClr val="tx1"/>
-                  </a:solidFill>
-                  <a:prstDash val="lgDashDotDot"/>
-                </a:ln>
-              </p:spPr>
-              <p:style>
-                <a:lnRef idx="2">
-                  <a:schemeClr val="accent1">
-                    <a:shade val="50000"/>
-                  </a:schemeClr>
-                </a:lnRef>
-                <a:fillRef idx="1">
-                  <a:schemeClr val="accent1"/>
-                </a:fillRef>
-                <a:effectRef idx="0">
-                  <a:schemeClr val="accent1"/>
-                </a:effectRef>
-                <a:fontRef idx="minor">
-                  <a:schemeClr val="lt1"/>
-                </a:fontRef>
-              </p:style>
-              <p:txBody>
-                <a:bodyPr rtlCol="0" anchor="ctr"/>
-                <a:lstStyle/>
-                <a:p>
-                  <a:pPr algn="ctr"/>
-                  <a:endParaRPr lang="en-US"/>
-                </a:p>
-              </p:txBody>
-            </p:sp>
-          </p:grpSp>
-          <p:sp>
-            <p:nvSpPr>
-              <p:cNvPr id="106" name="TextBox 105">
-                <a:extLst>
-                  <a:ext uri="{FF2B5EF4-FFF2-40B4-BE49-F238E27FC236}">
-                    <a16:creationId xmlns:a16="http://schemas.microsoft.com/office/drawing/2014/main" id="{A36D8BF0-384C-2C4C-8253-6BEA12A287B1}"/>
-                  </a:ext>
-                </a:extLst>
-              </p:cNvPr>
-              <p:cNvSpPr txBox="1"/>
-              <p:nvPr/>
-            </p:nvSpPr>
-            <p:spPr>
-              <a:xfrm>
-                <a:off x="9124203" y="2464727"/>
-                <a:ext cx="1897754" cy="763286"/>
-              </a:xfrm>
-              <a:prstGeom prst="rect">
-                <a:avLst/>
-              </a:prstGeom>
-              <a:noFill/>
-            </p:spPr>
-            <p:txBody>
-              <a:bodyPr wrap="square" rtlCol="0">
-                <a:spAutoFit/>
-              </a:bodyPr>
-              <a:lstStyle/>
-              <a:p>
-                <a:pPr algn="ctr"/>
-                <a:r>
-                  <a:rPr lang="en-US" dirty="0"/>
-                  <a:t>Web </a:t>
-                </a:r>
-              </a:p>
-              <a:p>
-                <a:pPr algn="ctr"/>
-                <a:r>
-                  <a:rPr lang="en-US" dirty="0"/>
-                  <a:t>Visualization</a:t>
-                </a:r>
-              </a:p>
-            </p:txBody>
-          </p:sp>
-        </p:grpSp>
-        <p:sp>
-          <p:nvSpPr>
-            <p:cNvPr id="107" name="Rounded Rectangle 106">
-              <a:extLst>
-                <a:ext uri="{FF2B5EF4-FFF2-40B4-BE49-F238E27FC236}">
-                  <a16:creationId xmlns:a16="http://schemas.microsoft.com/office/drawing/2014/main" id="{3AB447AA-A0C2-6E46-8156-29C6FF223231}"/>
-                </a:ext>
-              </a:extLst>
-            </p:cNvPr>
-            <p:cNvSpPr>
-              <a:spLocks noChangeAspect="1"/>
-            </p:cNvSpPr>
-            <p:nvPr/>
-          </p:nvSpPr>
-          <p:spPr>
-            <a:xfrm>
-              <a:off x="8303495" y="2624629"/>
-              <a:ext cx="3437070" cy="2267712"/>
-            </a:xfrm>
-            <a:prstGeom prst="roundRect">
-              <a:avLst/>
-            </a:prstGeom>
-            <a:noFill/>
-            <a:ln w="28575">
-              <a:solidFill>
-                <a:srgbClr val="FF0000"/>
-              </a:solidFill>
-              <a:prstDash val="dash"/>
-            </a:ln>
-          </p:spPr>
-          <p:style>
-            <a:lnRef idx="2">
-              <a:schemeClr val="accent1">
-                <a:shade val="50000"/>
-              </a:schemeClr>
-            </a:lnRef>
-            <a:fillRef idx="1">
-              <a:schemeClr val="accent1"/>
-            </a:fillRef>
-            <a:effectRef idx="0">
-              <a:schemeClr val="accent1"/>
-            </a:effectRef>
-            <a:fontRef idx="minor">
-              <a:schemeClr val="lt1"/>
-            </a:fontRef>
-          </p:style>
-          <p:txBody>
-            <a:bodyPr rtlCol="0" anchor="ctr"/>
-            <a:lstStyle/>
-            <a:p>
-              <a:pPr algn="ctr"/>
-              <a:endParaRPr lang="en-US"/>
-            </a:p>
-          </p:txBody>
-        </p:sp>
-      </p:grpSp>
-      <p:cxnSp>
-        <p:nvCxnSpPr>
-          <p:cNvPr id="132" name="Straight Arrow Connector 131">
-            <a:extLst>
-              <a:ext uri="{FF2B5EF4-FFF2-40B4-BE49-F238E27FC236}">
-                <a16:creationId xmlns:a16="http://schemas.microsoft.com/office/drawing/2014/main" id="{90CF8F22-E853-F04B-B1A0-6D602B43CF19}"/>
-              </a:ext>
-            </a:extLst>
-          </p:cNvPr>
-          <p:cNvCxnSpPr>
-            <a:cxnSpLocks noChangeAspect="1"/>
-            <a:stCxn id="35" idx="5"/>
-            <a:endCxn id="40" idx="1"/>
-          </p:cNvCxnSpPr>
-          <p:nvPr/>
-        </p:nvCxnSpPr>
-        <p:spPr>
-          <a:xfrm>
-            <a:off x="4350210" y="4286855"/>
-            <a:ext cx="1358063" cy="2054276"/>
-          </a:xfrm>
-          <a:prstGeom prst="straightConnector1">
-            <a:avLst/>
-          </a:prstGeom>
-          <a:ln w="76200">
-            <a:solidFill>
-              <a:srgbClr val="FF0000"/>
-            </a:solidFill>
-            <a:prstDash val="solid"/>
-            <a:tailEnd type="triangle"/>
-          </a:ln>
-        </p:spPr>
-        <p:style>
-          <a:lnRef idx="1">
-            <a:schemeClr val="accent1"/>
-          </a:lnRef>
-          <a:fillRef idx="0">
-            <a:schemeClr val="accent1"/>
-          </a:fillRef>
-          <a:effectRef idx="0">
-            <a:schemeClr val="accent1"/>
-          </a:effectRef>
-          <a:fontRef idx="minor">
-            <a:schemeClr val="tx1"/>
-          </a:fontRef>
-        </p:style>
-      </p:cxnSp>
-      <p:grpSp>
-        <p:nvGrpSpPr>
-          <p:cNvPr id="33" name="Group 32">
-            <a:extLst>
-              <a:ext uri="{FF2B5EF4-FFF2-40B4-BE49-F238E27FC236}">
-                <a16:creationId xmlns:a16="http://schemas.microsoft.com/office/drawing/2014/main" id="{1FD07EA3-45CF-4A47-A99F-CE2B74551CCF}"/>
-              </a:ext>
-            </a:extLst>
-          </p:cNvPr>
-          <p:cNvGrpSpPr>
-            <a:grpSpLocks noChangeAspect="1"/>
-          </p:cNvGrpSpPr>
-          <p:nvPr/>
-        </p:nvGrpSpPr>
-        <p:grpSpPr>
-          <a:xfrm>
-            <a:off x="3396917" y="3282895"/>
-            <a:ext cx="1116852" cy="1176212"/>
-            <a:chOff x="667388" y="520972"/>
-            <a:chExt cx="1847272" cy="1757802"/>
-          </a:xfrm>
-        </p:grpSpPr>
-        <p:pic>
-          <p:nvPicPr>
-            <p:cNvPr id="34" name="Picture 33" descr="Shape&#10;&#10;Description automatically generated with low confidence">
-              <a:extLst>
-                <a:ext uri="{FF2B5EF4-FFF2-40B4-BE49-F238E27FC236}">
-                  <a16:creationId xmlns:a16="http://schemas.microsoft.com/office/drawing/2014/main" id="{B260D696-B5DC-3948-B617-83C3B4A61D1D}"/>
-                </a:ext>
-              </a:extLst>
-            </p:cNvPr>
-            <p:cNvPicPr>
-              <a:picLocks noChangeAspect="1"/>
-            </p:cNvPicPr>
-            <p:nvPr/>
-          </p:nvPicPr>
-          <p:blipFill>
-            <a:blip r:embed="rId4"/>
-            <a:stretch>
-              <a:fillRect/>
-            </a:stretch>
-          </p:blipFill>
-          <p:spPr>
-            <a:xfrm>
-              <a:off x="1064116" y="872965"/>
-              <a:ext cx="1053817" cy="1053817"/>
-            </a:xfrm>
-            <a:prstGeom prst="rect">
-              <a:avLst/>
-            </a:prstGeom>
-          </p:spPr>
-        </p:pic>
-        <p:sp>
-          <p:nvSpPr>
-            <p:cNvPr id="35" name="Oval 34">
-              <a:extLst>
-                <a:ext uri="{FF2B5EF4-FFF2-40B4-BE49-F238E27FC236}">
-                  <a16:creationId xmlns:a16="http://schemas.microsoft.com/office/drawing/2014/main" id="{C73D611F-D646-E549-AD57-9A3E7635D533}"/>
-                </a:ext>
-              </a:extLst>
-            </p:cNvPr>
-            <p:cNvSpPr/>
-            <p:nvPr/>
-          </p:nvSpPr>
-          <p:spPr>
-            <a:xfrm>
-              <a:off x="667388" y="520972"/>
-              <a:ext cx="1847272" cy="1757802"/>
-            </a:xfrm>
-            <a:prstGeom prst="ellipse">
-              <a:avLst/>
-            </a:prstGeom>
-            <a:noFill/>
-            <a:ln w="28575">
-              <a:solidFill>
-                <a:schemeClr val="tx1"/>
-              </a:solidFill>
-              <a:prstDash val="sysDash"/>
-            </a:ln>
-          </p:spPr>
-          <p:style>
-            <a:lnRef idx="2">
-              <a:schemeClr val="accent1">
-                <a:shade val="50000"/>
-              </a:schemeClr>
-            </a:lnRef>
-            <a:fillRef idx="1">
-              <a:schemeClr val="accent1"/>
-            </a:fillRef>
-            <a:effectRef idx="0">
-              <a:schemeClr val="accent1"/>
-            </a:effectRef>
-            <a:fontRef idx="minor">
-              <a:schemeClr val="lt1"/>
-            </a:fontRef>
-          </p:style>
-          <p:txBody>
-            <a:bodyPr rtlCol="0" anchor="ctr"/>
-            <a:lstStyle/>
-            <a:p>
-              <a:pPr algn="ctr"/>
-              <a:endParaRPr lang="en-US"/>
-            </a:p>
-          </p:txBody>
-        </p:sp>
-      </p:grpSp>
-      <p:cxnSp>
-        <p:nvCxnSpPr>
-          <p:cNvPr id="137" name="Straight Arrow Connector 136">
-            <a:extLst>
-              <a:ext uri="{FF2B5EF4-FFF2-40B4-BE49-F238E27FC236}">
-                <a16:creationId xmlns:a16="http://schemas.microsoft.com/office/drawing/2014/main" id="{89387AC5-C04B-7845-A433-86B99A2F7817}"/>
-              </a:ext>
-            </a:extLst>
-          </p:cNvPr>
-          <p:cNvCxnSpPr>
-            <a:cxnSpLocks noChangeAspect="1"/>
-            <a:stCxn id="186" idx="6"/>
-            <a:endCxn id="44" idx="2"/>
-          </p:cNvCxnSpPr>
-          <p:nvPr/>
-        </p:nvCxnSpPr>
-        <p:spPr>
-          <a:xfrm flipV="1">
-            <a:off x="5590485" y="1852884"/>
-            <a:ext cx="867561" cy="11942"/>
-          </a:xfrm>
-          <a:prstGeom prst="straightConnector1">
-            <a:avLst/>
-          </a:prstGeom>
-          <a:ln w="76200">
-            <a:solidFill>
-              <a:srgbClr val="FF0000"/>
-            </a:solidFill>
-            <a:prstDash val="solid"/>
-            <a:tailEnd type="triangle"/>
-          </a:ln>
-        </p:spPr>
-        <p:style>
-          <a:lnRef idx="1">
-            <a:schemeClr val="accent1"/>
-          </a:lnRef>
-          <a:fillRef idx="0">
-            <a:schemeClr val="accent1"/>
-          </a:fillRef>
-          <a:effectRef idx="0">
-            <a:schemeClr val="accent1"/>
-          </a:effectRef>
-          <a:fontRef idx="minor">
-            <a:schemeClr val="tx1"/>
-          </a:fontRef>
-        </p:style>
-      </p:cxnSp>
-      <p:sp>
-        <p:nvSpPr>
-          <p:cNvPr id="170" name="Rounded Rectangle 169">
-            <a:extLst>
-              <a:ext uri="{FF2B5EF4-FFF2-40B4-BE49-F238E27FC236}">
-                <a16:creationId xmlns:a16="http://schemas.microsoft.com/office/drawing/2014/main" id="{37DFD6B4-C2F5-D64D-93C4-9C4D0AD8364E}"/>
-              </a:ext>
-            </a:extLst>
-          </p:cNvPr>
-          <p:cNvSpPr/>
-          <p:nvPr/>
-        </p:nvSpPr>
-        <p:spPr>
-          <a:xfrm>
-            <a:off x="11318622" y="-749471"/>
-            <a:ext cx="1362905" cy="2267901"/>
-          </a:xfrm>
-          <a:prstGeom prst="roundRect">
-            <a:avLst/>
-          </a:prstGeom>
-          <a:noFill/>
-          <a:ln w="57150">
-            <a:solidFill>
-              <a:schemeClr val="tx1"/>
-            </a:solidFill>
-            <a:prstDash val="dashDot"/>
-          </a:ln>
-        </p:spPr>
-        <p:style>
-          <a:lnRef idx="2">
-            <a:schemeClr val="accent1">
-              <a:shade val="50000"/>
-            </a:schemeClr>
-          </a:lnRef>
-          <a:fillRef idx="1">
-            <a:schemeClr val="accent1"/>
-          </a:fillRef>
-          <a:effectRef idx="0">
-            <a:schemeClr val="accent1"/>
-          </a:effectRef>
-          <a:fontRef idx="minor">
-            <a:schemeClr val="lt1"/>
-          </a:fontRef>
-        </p:style>
-        <p:txBody>
-          <a:bodyPr rtlCol="0" anchor="ctr"/>
-          <a:lstStyle/>
-          <a:p>
-            <a:pPr algn="ctr"/>
-            <a:endParaRPr lang="en-US"/>
-          </a:p>
-        </p:txBody>
-      </p:sp>
-      <p:pic>
-        <p:nvPicPr>
-          <p:cNvPr id="25" name="Picture 24" descr="Logo&#10;&#10;Description automatically generated with low confidence">
-            <a:extLst>
-              <a:ext uri="{FF2B5EF4-FFF2-40B4-BE49-F238E27FC236}">
-                <a16:creationId xmlns:a16="http://schemas.microsoft.com/office/drawing/2014/main" id="{6269384F-CD47-9847-BB30-A8E94352012A}"/>
-              </a:ext>
-            </a:extLst>
-          </p:cNvPr>
-          <p:cNvPicPr>
-            <a:picLocks noChangeAspect="1"/>
-          </p:cNvPicPr>
-          <p:nvPr/>
-        </p:nvPicPr>
-        <p:blipFill rotWithShape="1">
-          <a:blip r:embed="rId3"/>
-          <a:srcRect l="23989" r="51476" b="45787"/>
-          <a:stretch/>
-        </p:blipFill>
-        <p:spPr>
-          <a:xfrm>
-            <a:off x="9391165" y="1319017"/>
-            <a:ext cx="616049" cy="640080"/>
-          </a:xfrm>
-          <a:prstGeom prst="rect">
-            <a:avLst/>
-          </a:prstGeom>
-        </p:spPr>
-      </p:pic>
-      <p:pic>
-        <p:nvPicPr>
-          <p:cNvPr id="48" name="Picture 47">
-            <a:extLst>
-              <a:ext uri="{FF2B5EF4-FFF2-40B4-BE49-F238E27FC236}">
-                <a16:creationId xmlns:a16="http://schemas.microsoft.com/office/drawing/2014/main" id="{DF4A5EE7-64C3-3545-B2A7-A9607CB9A665}"/>
-              </a:ext>
-            </a:extLst>
-          </p:cNvPr>
-          <p:cNvPicPr>
-            <a:picLocks noChangeAspect="1"/>
-          </p:cNvPicPr>
-          <p:nvPr/>
-        </p:nvPicPr>
-        <p:blipFill>
-          <a:blip r:embed="rId9"/>
-          <a:stretch>
-            <a:fillRect/>
-          </a:stretch>
-        </p:blipFill>
-        <p:spPr>
-          <a:xfrm>
-            <a:off x="9375269" y="2264686"/>
-            <a:ext cx="663947" cy="234146"/>
-          </a:xfrm>
-          <a:prstGeom prst="rect">
-            <a:avLst/>
-          </a:prstGeom>
-        </p:spPr>
-      </p:pic>
-      <p:sp>
-        <p:nvSpPr>
-          <p:cNvPr id="49" name="Cross 48">
-            <a:extLst>
-              <a:ext uri="{FF2B5EF4-FFF2-40B4-BE49-F238E27FC236}">
-                <a16:creationId xmlns:a16="http://schemas.microsoft.com/office/drawing/2014/main" id="{7F6A4F3C-DDF2-AC46-99C2-65FFAC30837A}"/>
-              </a:ext>
-            </a:extLst>
-          </p:cNvPr>
-          <p:cNvSpPr/>
-          <p:nvPr/>
-        </p:nvSpPr>
-        <p:spPr>
-          <a:xfrm>
-            <a:off x="9619507" y="2017402"/>
-            <a:ext cx="175472" cy="167860"/>
-          </a:xfrm>
-          <a:prstGeom prst="plus">
-            <a:avLst>
-              <a:gd name="adj" fmla="val 44452"/>
-            </a:avLst>
-          </a:prstGeom>
-        </p:spPr>
-        <p:style>
-          <a:lnRef idx="2">
-            <a:schemeClr val="dk1">
-              <a:shade val="50000"/>
-            </a:schemeClr>
-          </a:lnRef>
-          <a:fillRef idx="1">
-            <a:schemeClr val="dk1"/>
-          </a:fillRef>
-          <a:effectRef idx="0">
-            <a:schemeClr val="dk1"/>
-          </a:effectRef>
-          <a:fontRef idx="minor">
-            <a:schemeClr val="lt1"/>
-          </a:fontRef>
-        </p:style>
-        <p:txBody>
-          <a:bodyPr rtlCol="0" anchor="ctr"/>
-          <a:lstStyle/>
-          <a:p>
-            <a:pPr algn="ctr"/>
-            <a:endParaRPr lang="en-US"/>
-          </a:p>
-        </p:txBody>
-      </p:sp>
-      <p:sp>
-        <p:nvSpPr>
-          <p:cNvPr id="171" name="Oval 170">
-            <a:extLst>
-              <a:ext uri="{FF2B5EF4-FFF2-40B4-BE49-F238E27FC236}">
-                <a16:creationId xmlns:a16="http://schemas.microsoft.com/office/drawing/2014/main" id="{A04E1DCC-CEF6-9944-9526-2F2D526DECB8}"/>
-              </a:ext>
-            </a:extLst>
-          </p:cNvPr>
-          <p:cNvSpPr/>
-          <p:nvPr/>
-        </p:nvSpPr>
-        <p:spPr>
-          <a:xfrm>
-            <a:off x="8861562" y="1013444"/>
-            <a:ext cx="1691363" cy="1641937"/>
-          </a:xfrm>
-          <a:prstGeom prst="ellipse">
-            <a:avLst/>
-          </a:prstGeom>
-          <a:noFill/>
-          <a:ln w="76200">
-            <a:solidFill>
-              <a:schemeClr val="tx1"/>
-            </a:solidFill>
-            <a:prstDash val="dash"/>
-          </a:ln>
-        </p:spPr>
-        <p:style>
-          <a:lnRef idx="2">
-            <a:schemeClr val="accent1">
-              <a:shade val="50000"/>
-            </a:schemeClr>
-          </a:lnRef>
-          <a:fillRef idx="1">
-            <a:schemeClr val="accent1"/>
-          </a:fillRef>
-          <a:effectRef idx="0">
-            <a:schemeClr val="accent1"/>
-          </a:effectRef>
-          <a:fontRef idx="minor">
-            <a:schemeClr val="lt1"/>
-          </a:fontRef>
-        </p:style>
-        <p:txBody>
-          <a:bodyPr rtlCol="0" anchor="ctr"/>
-          <a:lstStyle/>
-          <a:p>
-            <a:pPr algn="ctr"/>
-            <a:endParaRPr lang="en-US"/>
-          </a:p>
-        </p:txBody>
-      </p:sp>
-      <p:grpSp>
-        <p:nvGrpSpPr>
-          <p:cNvPr id="190" name="Group 189">
-            <a:extLst>
-              <a:ext uri="{FF2B5EF4-FFF2-40B4-BE49-F238E27FC236}">
-                <a16:creationId xmlns:a16="http://schemas.microsoft.com/office/drawing/2014/main" id="{819AAA4F-2DC2-D943-AA30-7FB5534E3925}"/>
-              </a:ext>
-            </a:extLst>
-          </p:cNvPr>
-          <p:cNvGrpSpPr/>
-          <p:nvPr/>
-        </p:nvGrpSpPr>
-        <p:grpSpPr>
-          <a:xfrm>
-            <a:off x="3693501" y="858450"/>
-            <a:ext cx="1896984" cy="2012751"/>
-            <a:chOff x="3250418" y="422883"/>
-            <a:chExt cx="1896984" cy="2012751"/>
-          </a:xfrm>
-        </p:grpSpPr>
-        <p:pic>
-          <p:nvPicPr>
-            <p:cNvPr id="13" name="Picture 16" descr="Image result for python flask logo">
-              <a:extLst>
-                <a:ext uri="{FF2B5EF4-FFF2-40B4-BE49-F238E27FC236}">
-                  <a16:creationId xmlns:a16="http://schemas.microsoft.com/office/drawing/2014/main" id="{DB246833-DDDB-5F4D-A7AF-AD100F3BFC7C}"/>
-                </a:ext>
-              </a:extLst>
-            </p:cNvPr>
-            <p:cNvPicPr>
-              <a:picLocks noChangeAspect="1" noChangeArrowheads="1"/>
-            </p:cNvPicPr>
-            <p:nvPr/>
-          </p:nvPicPr>
-          <p:blipFill>
-            <a:blip r:embed="rId10">
-              <a:extLst>
-                <a:ext uri="{BEBA8EAE-BF5A-486C-A8C5-ECC9F3942E4B}">
-                  <a14:imgProps xmlns:a14="http://schemas.microsoft.com/office/drawing/2010/main">
-                    <a14:imgLayer r:embed="rId11">
-                      <a14:imgEffect>
-                        <a14:backgroundRemoval t="7207" b="90541" l="9692" r="89868">
-                          <a14:foregroundMark x1="62996" y1="35135" x2="62996" y2="44144"/>
-                          <a14:foregroundMark x1="50220" y1="24775" x2="49339" y2="58108"/>
-                          <a14:foregroundMark x1="47577" y1="80180" x2="54626" y2="75676"/>
-                          <a14:foregroundMark x1="47577" y1="90541" x2="47577" y2="90541"/>
-                          <a14:foregroundMark x1="48458" y1="90541" x2="48458" y2="90541"/>
-                          <a14:foregroundMark x1="49339" y1="79730" x2="40969" y2="80631"/>
-                          <a14:foregroundMark x1="38326" y1="79730" x2="39648" y2="59910"/>
-                          <a14:foregroundMark x1="40969" y1="83784" x2="33921" y2="60811"/>
-                          <a14:foregroundMark x1="33921" y1="60811" x2="39648" y2="35135"/>
-                          <a14:foregroundMark x1="73128" y1="22973" x2="66520" y2="75225"/>
-                          <a14:foregroundMark x1="68282" y1="79730" x2="60352" y2="85135"/>
-                          <a14:foregroundMark x1="66079" y1="80631" x2="46256" y2="81081"/>
-                          <a14:foregroundMark x1="47577" y1="82883" x2="32599" y2="63063"/>
-                          <a14:foregroundMark x1="32599" y1="63063" x2="33040" y2="15315"/>
-                          <a14:foregroundMark x1="33040" y1="15315" x2="55066" y2="13063"/>
-                          <a14:foregroundMark x1="55066" y1="13063" x2="65198" y2="15315"/>
-                          <a14:foregroundMark x1="69163" y1="18018" x2="48899" y2="8108"/>
-                          <a14:foregroundMark x1="48899" y1="8108" x2="27313" y2="13514"/>
-                          <a14:foregroundMark x1="27313" y1="13514" x2="23789" y2="28829"/>
-                          <a14:foregroundMark x1="26872" y1="36486" x2="25110" y2="60811"/>
-                          <a14:foregroundMark x1="28634" y1="69369" x2="40969" y2="82432"/>
-                          <a14:foregroundMark x1="36564" y1="80180" x2="58590" y2="77477"/>
-                          <a14:foregroundMark x1="58590" y1="77477" x2="73568" y2="61261"/>
-                          <a14:foregroundMark x1="73568" y1="61261" x2="77533" y2="48198"/>
-                          <a14:foregroundMark x1="70044" y1="14414" x2="76652" y2="41892"/>
-                          <a14:foregroundMark x1="74890" y1="33784" x2="75771" y2="15315"/>
-                          <a14:foregroundMark x1="75330" y1="14865" x2="73128" y2="9459"/>
-                          <a14:foregroundMark x1="77093" y1="12162" x2="76211" y2="9459"/>
-                          <a14:foregroundMark x1="73568" y1="10811" x2="60352" y2="9459"/>
-                          <a14:foregroundMark x1="73568" y1="9009" x2="54626" y2="7658"/>
-                          <a14:foregroundMark x1="63877" y1="7658" x2="33480" y2="7207"/>
-                          <a14:foregroundMark x1="24670" y1="64865" x2="24229" y2="44144"/>
-                          <a14:foregroundMark x1="23348" y1="27477" x2="28194" y2="10360"/>
-                          <a14:foregroundMark x1="23789" y1="22973" x2="25551" y2="10360"/>
-                          <a14:foregroundMark x1="33040" y1="9009" x2="23789" y2="18018"/>
-                          <a14:foregroundMark x1="22907" y1="22523" x2="26432" y2="11261"/>
-                          <a14:foregroundMark x1="23348" y1="14865" x2="23348" y2="14865"/>
-                          <a14:foregroundMark x1="24229" y1="11261" x2="24229" y2="11261"/>
-                          <a14:foregroundMark x1="25551" y1="10360" x2="25551" y2="10360"/>
-                          <a14:foregroundMark x1="29075" y1="8559" x2="29075" y2="8559"/>
-                          <a14:foregroundMark x1="30837" y1="7658" x2="30837" y2="7658"/>
-                          <a14:foregroundMark x1="26872" y1="8108" x2="26872" y2="8108"/>
-                          <a14:foregroundMark x1="25991" y1="9009" x2="25110" y2="9459"/>
-                          <a14:foregroundMark x1="23789" y1="12162" x2="23789" y2="12162"/>
-                          <a14:foregroundMark x1="22907" y1="11712" x2="22907" y2="11712"/>
-                          <a14:foregroundMark x1="22907" y1="11261" x2="22907" y2="11261"/>
-                          <a14:foregroundMark x1="22907" y1="9910" x2="22907" y2="9910"/>
-                          <a14:foregroundMark x1="24229" y1="9459" x2="24229" y2="9459"/>
-                          <a14:foregroundMark x1="27313" y1="7658" x2="27313" y2="7658"/>
-                          <a14:foregroundMark x1="30837" y1="7658" x2="30837" y2="7658"/>
-                          <a14:foregroundMark x1="32159" y1="6757" x2="32159" y2="6757"/>
-                          <a14:foregroundMark x1="29075" y1="6757" x2="29075" y2="6757"/>
-                          <a14:foregroundMark x1="43612" y1="6757" x2="43612" y2="6757"/>
-                          <a14:foregroundMark x1="48018" y1="6757" x2="48018" y2="6757"/>
-                          <a14:foregroundMark x1="58150" y1="7658" x2="58150" y2="7658"/>
-                          <a14:foregroundMark x1="56828" y1="6757" x2="55066" y2="6757"/>
-                          <a14:foregroundMark x1="59471" y1="6757" x2="59471" y2="6757"/>
-                          <a14:foregroundMark x1="62996" y1="7658" x2="62996" y2="7658"/>
-                          <a14:foregroundMark x1="62555" y1="7658" x2="62555" y2="7658"/>
-                          <a14:foregroundMark x1="60352" y1="6757" x2="60352" y2="6757"/>
-                          <a14:foregroundMark x1="64317" y1="7658" x2="64317" y2="7658"/>
-                          <a14:foregroundMark x1="66960" y1="8108" x2="66960" y2="8108"/>
-                          <a14:foregroundMark x1="69604" y1="8108" x2="69604" y2="8108"/>
-                          <a14:foregroundMark x1="62996" y1="7207" x2="62996" y2="7207"/>
-                          <a14:foregroundMark x1="65639" y1="7207" x2="65639" y2="7207"/>
-                          <a14:foregroundMark x1="69604" y1="6757" x2="69604" y2="6757"/>
-                          <a14:foregroundMark x1="72687" y1="7658" x2="72687" y2="7658"/>
-                          <a14:foregroundMark x1="75330" y1="8108" x2="75330" y2="8108"/>
-                          <a14:foregroundMark x1="71806" y1="7658" x2="71806" y2="7658"/>
-                          <a14:foregroundMark x1="69163" y1="6757" x2="71366" y2="6757"/>
-                        </a14:backgroundRemoval>
-                      </a14:imgEffect>
-                    </a14:imgLayer>
-                  </a14:imgProps>
-                </a:ext>
-                <a:ext uri="{28A0092B-C50C-407E-A947-70E740481C1C}">
-                  <a14:useLocalDpi xmlns:a14="http://schemas.microsoft.com/office/drawing/2010/main" val="0"/>
-                </a:ext>
-              </a:extLst>
-            </a:blip>
-            <a:srcRect/>
-            <a:stretch>
-              <a:fillRect/>
-            </a:stretch>
-          </p:blipFill>
-          <p:spPr bwMode="auto">
-            <a:xfrm>
-              <a:off x="3292113" y="434885"/>
-              <a:ext cx="1757353" cy="1718645"/>
-            </a:xfrm>
-            <a:prstGeom prst="rect">
-              <a:avLst/>
-            </a:prstGeom>
-            <a:noFill/>
-            <a:ln>
-              <a:noFill/>
-              <a:prstDash val="dashDot"/>
-            </a:ln>
-            <a:extLst>
-              <a:ext uri="{909E8E84-426E-40DD-AFC4-6F175D3DCCD1}">
-                <a14:hiddenFill xmlns:a14="http://schemas.microsoft.com/office/drawing/2010/main">
-                  <a:solidFill>
-                    <a:srgbClr val="FFFFFF"/>
-                  </a:solidFill>
-                </a14:hiddenFill>
-              </a:ext>
-            </a:extLst>
-          </p:spPr>
-        </p:pic>
-        <p:sp>
-          <p:nvSpPr>
-            <p:cNvPr id="186" name="Oval 185">
-              <a:extLst>
-                <a:ext uri="{FF2B5EF4-FFF2-40B4-BE49-F238E27FC236}">
-                  <a16:creationId xmlns:a16="http://schemas.microsoft.com/office/drawing/2014/main" id="{90BFE879-E8BA-D646-A131-811643AC10FC}"/>
-                </a:ext>
-              </a:extLst>
-            </p:cNvPr>
-            <p:cNvSpPr>
-              <a:spLocks noChangeAspect="1"/>
-            </p:cNvSpPr>
-            <p:nvPr/>
-          </p:nvSpPr>
-          <p:spPr>
-            <a:xfrm>
-              <a:off x="3250418" y="422883"/>
-              <a:ext cx="1896984" cy="2012751"/>
-            </a:xfrm>
-            <a:prstGeom prst="ellipse">
-              <a:avLst/>
-            </a:prstGeom>
-            <a:noFill/>
-            <a:ln w="57150">
-              <a:solidFill>
-                <a:schemeClr val="tx1"/>
-              </a:solidFill>
-              <a:prstDash val="lgDashDot"/>
-            </a:ln>
-          </p:spPr>
-          <p:style>
-            <a:lnRef idx="2">
-              <a:schemeClr val="accent1">
-                <a:shade val="50000"/>
-              </a:schemeClr>
-            </a:lnRef>
-            <a:fillRef idx="1">
-              <a:schemeClr val="accent1"/>
-            </a:fillRef>
-            <a:effectRef idx="0">
-              <a:schemeClr val="accent1"/>
-            </a:effectRef>
-            <a:fontRef idx="minor">
-              <a:schemeClr val="lt1"/>
-            </a:fontRef>
-          </p:style>
-          <p:txBody>
-            <a:bodyPr rtlCol="0" anchor="ctr"/>
-            <a:lstStyle/>
-            <a:p>
-              <a:pPr algn="ctr"/>
-              <a:endParaRPr lang="en-US"/>
-            </a:p>
-          </p:txBody>
-        </p:sp>
-      </p:grpSp>
-      <p:grpSp>
-        <p:nvGrpSpPr>
-          <p:cNvPr id="204" name="Group 203">
-            <a:extLst>
-              <a:ext uri="{FF2B5EF4-FFF2-40B4-BE49-F238E27FC236}">
-                <a16:creationId xmlns:a16="http://schemas.microsoft.com/office/drawing/2014/main" id="{6E3432A8-7E7D-3B47-823A-45B6C1C77677}"/>
-              </a:ext>
-            </a:extLst>
-          </p:cNvPr>
-          <p:cNvGrpSpPr/>
-          <p:nvPr/>
-        </p:nvGrpSpPr>
-        <p:grpSpPr>
-          <a:xfrm>
-            <a:off x="6458046" y="1126043"/>
-            <a:ext cx="1448772" cy="1453682"/>
-            <a:chOff x="6217903" y="830480"/>
-            <a:chExt cx="1448772" cy="1453682"/>
-          </a:xfrm>
-        </p:grpSpPr>
-        <p:grpSp>
-          <p:nvGrpSpPr>
-            <p:cNvPr id="52" name="Group 51">
-              <a:extLst>
-                <a:ext uri="{FF2B5EF4-FFF2-40B4-BE49-F238E27FC236}">
-                  <a16:creationId xmlns:a16="http://schemas.microsoft.com/office/drawing/2014/main" id="{D80A6AF3-0ADB-6549-871B-9E644668989A}"/>
-                </a:ext>
-              </a:extLst>
-            </p:cNvPr>
-            <p:cNvGrpSpPr>
-              <a:grpSpLocks noChangeAspect="1"/>
-            </p:cNvGrpSpPr>
-            <p:nvPr/>
-          </p:nvGrpSpPr>
-          <p:grpSpPr>
-            <a:xfrm>
-              <a:off x="6217903" y="830480"/>
-              <a:ext cx="1448772" cy="1453682"/>
-              <a:chOff x="6149055" y="2038372"/>
-              <a:chExt cx="1733585" cy="1684060"/>
-            </a:xfrm>
-          </p:grpSpPr>
-          <p:pic>
-            <p:nvPicPr>
-              <p:cNvPr id="24" name="Picture 23" descr="Logo&#10;&#10;Description automatically generated with low confidence">
-                <a:extLst>
-                  <a:ext uri="{FF2B5EF4-FFF2-40B4-BE49-F238E27FC236}">
-                    <a16:creationId xmlns:a16="http://schemas.microsoft.com/office/drawing/2014/main" id="{A8DC0657-6F03-6E4D-8A05-87C5608BAD1A}"/>
-                  </a:ext>
-                </a:extLst>
-              </p:cNvPr>
-              <p:cNvPicPr>
-                <a:picLocks noChangeAspect="1"/>
-              </p:cNvPicPr>
-              <p:nvPr/>
-            </p:nvPicPr>
-            <p:blipFill rotWithShape="1">
-              <a:blip r:embed="rId3"/>
-              <a:srcRect l="50000" r="25466" b="44447"/>
-              <a:stretch/>
-            </p:blipFill>
-            <p:spPr>
-              <a:xfrm>
-                <a:off x="6529770" y="2530325"/>
-                <a:ext cx="935672" cy="1059313"/>
-              </a:xfrm>
-              <a:prstGeom prst="rect">
-                <a:avLst/>
-              </a:prstGeom>
-              <a:ln w="57150">
-                <a:noFill/>
-              </a:ln>
-            </p:spPr>
-          </p:pic>
-          <p:sp>
-            <p:nvSpPr>
-              <p:cNvPr id="44" name="Oval 43">
-                <a:extLst>
-                  <a:ext uri="{FF2B5EF4-FFF2-40B4-BE49-F238E27FC236}">
-                    <a16:creationId xmlns:a16="http://schemas.microsoft.com/office/drawing/2014/main" id="{F6EBAF04-8DB0-E14C-98E5-750C0489E65A}"/>
-                  </a:ext>
-                </a:extLst>
-              </p:cNvPr>
-              <p:cNvSpPr/>
-              <p:nvPr/>
-            </p:nvSpPr>
-            <p:spPr>
-              <a:xfrm>
-                <a:off x="6149055" y="2038372"/>
-                <a:ext cx="1733585" cy="1684060"/>
-              </a:xfrm>
-              <a:prstGeom prst="ellipse">
-                <a:avLst/>
-              </a:prstGeom>
-              <a:noFill/>
-              <a:ln w="57150">
-                <a:solidFill>
-                  <a:schemeClr val="tx1"/>
-                </a:solidFill>
-                <a:prstDash val="lgDashDotDot"/>
-              </a:ln>
-            </p:spPr>
-            <p:style>
-              <a:lnRef idx="2">
-                <a:schemeClr val="accent1">
-                  <a:shade val="50000"/>
-                </a:schemeClr>
-              </a:lnRef>
-              <a:fillRef idx="1">
-                <a:schemeClr val="accent1"/>
-              </a:fillRef>
-              <a:effectRef idx="0">
-                <a:schemeClr val="accent1"/>
-              </a:effectRef>
-              <a:fontRef idx="minor">
-                <a:schemeClr val="lt1"/>
-              </a:fontRef>
-            </p:style>
-            <p:txBody>
-              <a:bodyPr rtlCol="0" anchor="ctr"/>
-              <a:lstStyle/>
-              <a:p>
-                <a:pPr algn="ctr"/>
-                <a:endParaRPr lang="en-US"/>
-              </a:p>
-            </p:txBody>
-          </p:sp>
-        </p:grpSp>
-        <p:sp>
-          <p:nvSpPr>
-            <p:cNvPr id="203" name="TextBox 202">
-              <a:extLst>
-                <a:ext uri="{FF2B5EF4-FFF2-40B4-BE49-F238E27FC236}">
-                  <a16:creationId xmlns:a16="http://schemas.microsoft.com/office/drawing/2014/main" id="{A730BF3E-EAA9-B841-9182-F7C08BB8B252}"/>
-                </a:ext>
-              </a:extLst>
-            </p:cNvPr>
-            <p:cNvSpPr txBox="1"/>
-            <p:nvPr/>
-          </p:nvSpPr>
-          <p:spPr>
-            <a:xfrm>
-              <a:off x="6449173" y="1000649"/>
-              <a:ext cx="986232" cy="307777"/>
-            </a:xfrm>
-            <a:prstGeom prst="rect">
-              <a:avLst/>
-            </a:prstGeom>
-            <a:noFill/>
-          </p:spPr>
-          <p:txBody>
-            <a:bodyPr wrap="none" rtlCol="0">
-              <a:spAutoFit/>
-            </a:bodyPr>
-            <a:lstStyle/>
-            <a:p>
-              <a:pPr algn="ctr"/>
-              <a:r>
-                <a:rPr lang="en-US" sz="1400" dirty="0"/>
-                <a:t>JavaScript</a:t>
-              </a:r>
-            </a:p>
-          </p:txBody>
-        </p:sp>
-      </p:grpSp>
-      <p:sp>
-        <p:nvSpPr>
-          <p:cNvPr id="205" name="TextBox 204">
-            <a:extLst>
-              <a:ext uri="{FF2B5EF4-FFF2-40B4-BE49-F238E27FC236}">
-                <a16:creationId xmlns:a16="http://schemas.microsoft.com/office/drawing/2014/main" id="{1071B45D-F435-B842-9E91-FAF60E65DCE7}"/>
-              </a:ext>
-            </a:extLst>
-          </p:cNvPr>
-          <p:cNvSpPr txBox="1"/>
-          <p:nvPr/>
-        </p:nvSpPr>
-        <p:spPr>
-          <a:xfrm>
-            <a:off x="7148736" y="3661627"/>
-            <a:ext cx="646332" cy="307777"/>
-          </a:xfrm>
-          <a:prstGeom prst="rect">
-            <a:avLst/>
-          </a:prstGeom>
-          <a:noFill/>
-        </p:spPr>
-        <p:txBody>
-          <a:bodyPr wrap="none" rtlCol="0">
-            <a:spAutoFit/>
-          </a:bodyPr>
-          <a:lstStyle/>
-          <a:p>
-            <a:pPr algn="ctr"/>
-            <a:r>
-              <a:rPr lang="en-US" sz="1400" dirty="0"/>
-              <a:t>HTML</a:t>
-            </a:r>
-          </a:p>
-        </p:txBody>
-      </p:sp>
-      <p:sp>
-        <p:nvSpPr>
-          <p:cNvPr id="208" name="TextBox 207">
-            <a:extLst>
-              <a:ext uri="{FF2B5EF4-FFF2-40B4-BE49-F238E27FC236}">
-                <a16:creationId xmlns:a16="http://schemas.microsoft.com/office/drawing/2014/main" id="{B155E71F-2D30-C643-B906-202AD8E54CC2}"/>
-              </a:ext>
-            </a:extLst>
-          </p:cNvPr>
-          <p:cNvSpPr txBox="1"/>
-          <p:nvPr/>
-        </p:nvSpPr>
-        <p:spPr>
-          <a:xfrm>
-            <a:off x="9450096" y="1072315"/>
-            <a:ext cx="481222" cy="307777"/>
-          </a:xfrm>
-          <a:prstGeom prst="rect">
-            <a:avLst/>
-          </a:prstGeom>
-          <a:noFill/>
-        </p:spPr>
-        <p:txBody>
-          <a:bodyPr wrap="none" rtlCol="0">
-            <a:spAutoFit/>
-          </a:bodyPr>
-          <a:lstStyle/>
-          <a:p>
-            <a:pPr algn="ctr"/>
-            <a:r>
-              <a:rPr lang="en-US" sz="1400" dirty="0"/>
-              <a:t>CSS</a:t>
-            </a:r>
-          </a:p>
-        </p:txBody>
-      </p:sp>
-      <p:cxnSp>
-        <p:nvCxnSpPr>
-          <p:cNvPr id="210" name="Straight Connector 209">
-            <a:extLst>
-              <a:ext uri="{FF2B5EF4-FFF2-40B4-BE49-F238E27FC236}">
-                <a16:creationId xmlns:a16="http://schemas.microsoft.com/office/drawing/2014/main" id="{ECE4A290-DC2B-9D44-B989-65A78AA63D7E}"/>
-              </a:ext>
-            </a:extLst>
-          </p:cNvPr>
-          <p:cNvCxnSpPr>
-            <a:cxnSpLocks/>
-          </p:cNvCxnSpPr>
-          <p:nvPr/>
-        </p:nvCxnSpPr>
-        <p:spPr>
-          <a:xfrm>
-            <a:off x="526673" y="729672"/>
-            <a:ext cx="4115320" cy="0"/>
-          </a:xfrm>
-          <a:prstGeom prst="line">
-            <a:avLst/>
-          </a:prstGeom>
-          <a:ln w="76200">
-            <a:solidFill>
-              <a:schemeClr val="tx1"/>
-            </a:solidFill>
-            <a:prstDash val="lgDashDotDot"/>
-          </a:ln>
-        </p:spPr>
-        <p:style>
-          <a:lnRef idx="1">
-            <a:schemeClr val="accent1"/>
-          </a:lnRef>
-          <a:fillRef idx="0">
-            <a:schemeClr val="accent1"/>
-          </a:fillRef>
-          <a:effectRef idx="0">
-            <a:schemeClr val="accent1"/>
-          </a:effectRef>
-          <a:fontRef idx="minor">
-            <a:schemeClr val="tx1"/>
-          </a:fontRef>
-        </p:style>
-      </p:cxnSp>
-      <p:sp>
-        <p:nvSpPr>
-          <p:cNvPr id="211" name="Title 1">
-            <a:extLst>
-              <a:ext uri="{FF2B5EF4-FFF2-40B4-BE49-F238E27FC236}">
-                <a16:creationId xmlns:a16="http://schemas.microsoft.com/office/drawing/2014/main" id="{0D3A4E36-027C-A742-A414-81A1DE51253F}"/>
-              </a:ext>
-            </a:extLst>
-          </p:cNvPr>
-          <p:cNvSpPr txBox="1">
-            <a:spLocks/>
-          </p:cNvSpPr>
-          <p:nvPr/>
-        </p:nvSpPr>
-        <p:spPr>
-          <a:xfrm>
-            <a:off x="380121" y="56542"/>
-            <a:ext cx="8267296" cy="1446550"/>
-          </a:xfrm>
-          <a:prstGeom prst="rect">
-            <a:avLst/>
-          </a:prstGeom>
-        </p:spPr>
-        <p:txBody>
-          <a:bodyPr vert="horz" lIns="91440" tIns="45720" rIns="91440" bIns="45720" rtlCol="0" anchor="t">
-            <a:normAutofit/>
-          </a:bodyPr>
-          <a:lstStyle>
-            <a:lvl1pPr algn="l" defTabSz="914400" rtl="0" eaLnBrk="1" latinLnBrk="0" hangingPunct="1">
-              <a:lnSpc>
-                <a:spcPct val="100000"/>
-              </a:lnSpc>
-              <a:spcBef>
-                <a:spcPct val="0"/>
-              </a:spcBef>
-              <a:buNone/>
-              <a:defRPr sz="4400" kern="1200">
-                <a:solidFill>
-                  <a:schemeClr val="tx1"/>
-                </a:solidFill>
-                <a:latin typeface="+mj-lt"/>
-                <a:ea typeface="+mj-ea"/>
-                <a:cs typeface="+mj-cs"/>
-              </a:defRPr>
-            </a:lvl1pPr>
-          </a:lstStyle>
-          <a:p>
-            <a:r>
-              <a:rPr lang="en-US" dirty="0"/>
-              <a:t>CODE CRAFTING</a:t>
-            </a:r>
-          </a:p>
-        </p:txBody>
-      </p:sp>
     </p:spTree>
     <p:extLst>
       <p:ext uri="{BB962C8B-B14F-4D97-AF65-F5344CB8AC3E}">
-        <p14:creationId xmlns:p14="http://schemas.microsoft.com/office/powerpoint/2010/main" val="827168463"/>
+        <p14:creationId xmlns:p14="http://schemas.microsoft.com/office/powerpoint/2010/main" val="3676519118"/>
       </p:ext>
     </p:extLst>
   </p:cSld>

--- a/Group 2 - Arrest predictor.pptx
+++ b/Group 2 - Arrest predictor.pptx
@@ -10,9 +10,7 @@
     <p:sldId id="260" r:id="rId4"/>
     <p:sldId id="262" r:id="rId5"/>
     <p:sldId id="264" r:id="rId6"/>
-    <p:sldId id="265" r:id="rId7"/>
-    <p:sldId id="261" r:id="rId8"/>
-    <p:sldId id="266" r:id="rId9"/>
+    <p:sldId id="261" r:id="rId7"/>
   </p:sldIdLst>
   <p:sldSz cx="12192000" cy="6858000"/>
   <p:notesSz cx="6858000" cy="9144000"/>
@@ -866,7 +864,1880 @@
 </dgm:colorsDef>
 </file>
 
+<file path=ppt/diagrams/colors2.xml><?xml version="1.0" encoding="utf-8"?>
+<dgm:colorsDef xmlns:dgm="http://schemas.openxmlformats.org/drawingml/2006/diagram" xmlns:a="http://schemas.openxmlformats.org/drawingml/2006/main" uniqueId="urn:microsoft.com/office/officeart/2005/8/colors/accent1_2">
+  <dgm:title val=""/>
+  <dgm:desc val=""/>
+  <dgm:catLst>
+    <dgm:cat type="accent1" pri="11200"/>
+  </dgm:catLst>
+  <dgm:styleLbl name="node0">
+    <dgm:fillClrLst meth="repeat">
+      <a:schemeClr val="accent1"/>
+    </dgm:fillClrLst>
+    <dgm:linClrLst meth="repeat">
+      <a:schemeClr val="lt1"/>
+    </dgm:linClrLst>
+    <dgm:effectClrLst/>
+    <dgm:txLinClrLst/>
+    <dgm:txFillClrLst/>
+    <dgm:txEffectClrLst/>
+  </dgm:styleLbl>
+  <dgm:styleLbl name="alignNode1">
+    <dgm:fillClrLst meth="repeat">
+      <a:schemeClr val="accent1"/>
+    </dgm:fillClrLst>
+    <dgm:linClrLst meth="repeat">
+      <a:schemeClr val="accent1"/>
+    </dgm:linClrLst>
+    <dgm:effectClrLst/>
+    <dgm:txLinClrLst/>
+    <dgm:txFillClrLst/>
+    <dgm:txEffectClrLst/>
+  </dgm:styleLbl>
+  <dgm:styleLbl name="node1">
+    <dgm:fillClrLst meth="repeat">
+      <a:schemeClr val="accent1"/>
+    </dgm:fillClrLst>
+    <dgm:linClrLst meth="repeat">
+      <a:schemeClr val="lt1"/>
+    </dgm:linClrLst>
+    <dgm:effectClrLst/>
+    <dgm:txLinClrLst/>
+    <dgm:txFillClrLst/>
+    <dgm:txEffectClrLst/>
+  </dgm:styleLbl>
+  <dgm:styleLbl name="lnNode1">
+    <dgm:fillClrLst meth="repeat">
+      <a:schemeClr val="accent1"/>
+    </dgm:fillClrLst>
+    <dgm:linClrLst meth="repeat">
+      <a:schemeClr val="lt1"/>
+    </dgm:linClrLst>
+    <dgm:effectClrLst/>
+    <dgm:txLinClrLst/>
+    <dgm:txFillClrLst/>
+    <dgm:txEffectClrLst/>
+  </dgm:styleLbl>
+  <dgm:styleLbl name="vennNode1">
+    <dgm:fillClrLst meth="repeat">
+      <a:schemeClr val="accent1">
+        <a:alpha val="50000"/>
+      </a:schemeClr>
+    </dgm:fillClrLst>
+    <dgm:linClrLst meth="repeat">
+      <a:schemeClr val="lt1"/>
+    </dgm:linClrLst>
+    <dgm:effectClrLst/>
+    <dgm:txLinClrLst/>
+    <dgm:txFillClrLst/>
+    <dgm:txEffectClrLst/>
+  </dgm:styleLbl>
+  <dgm:styleLbl name="node2">
+    <dgm:fillClrLst meth="repeat">
+      <a:schemeClr val="accent1"/>
+    </dgm:fillClrLst>
+    <dgm:linClrLst meth="repeat">
+      <a:schemeClr val="lt1"/>
+    </dgm:linClrLst>
+    <dgm:effectClrLst/>
+    <dgm:txLinClrLst/>
+    <dgm:txFillClrLst/>
+    <dgm:txEffectClrLst/>
+  </dgm:styleLbl>
+  <dgm:styleLbl name="node3">
+    <dgm:fillClrLst meth="repeat">
+      <a:schemeClr val="accent1"/>
+    </dgm:fillClrLst>
+    <dgm:linClrLst meth="repeat">
+      <a:schemeClr val="lt1"/>
+    </dgm:linClrLst>
+    <dgm:effectClrLst/>
+    <dgm:txLinClrLst/>
+    <dgm:txFillClrLst/>
+    <dgm:txEffectClrLst/>
+  </dgm:styleLbl>
+  <dgm:styleLbl name="node4">
+    <dgm:fillClrLst meth="repeat">
+      <a:schemeClr val="accent1"/>
+    </dgm:fillClrLst>
+    <dgm:linClrLst meth="repeat">
+      <a:schemeClr val="lt1"/>
+    </dgm:linClrLst>
+    <dgm:effectClrLst/>
+    <dgm:txLinClrLst/>
+    <dgm:txFillClrLst/>
+    <dgm:txEffectClrLst/>
+  </dgm:styleLbl>
+  <dgm:styleLbl name="fgImgPlace1">
+    <dgm:fillClrLst meth="repeat">
+      <a:schemeClr val="accent1">
+        <a:tint val="50000"/>
+      </a:schemeClr>
+    </dgm:fillClrLst>
+    <dgm:linClrLst meth="repeat">
+      <a:schemeClr val="lt1"/>
+    </dgm:linClrLst>
+    <dgm:effectClrLst/>
+    <dgm:txLinClrLst/>
+    <dgm:txFillClrLst meth="repeat">
+      <a:schemeClr val="lt1"/>
+    </dgm:txFillClrLst>
+    <dgm:txEffectClrLst/>
+  </dgm:styleLbl>
+  <dgm:styleLbl name="alignImgPlace1">
+    <dgm:fillClrLst meth="repeat">
+      <a:schemeClr val="accent1">
+        <a:tint val="50000"/>
+      </a:schemeClr>
+    </dgm:fillClrLst>
+    <dgm:linClrLst meth="repeat">
+      <a:schemeClr val="lt1"/>
+    </dgm:linClrLst>
+    <dgm:effectClrLst/>
+    <dgm:txLinClrLst/>
+    <dgm:txFillClrLst meth="repeat">
+      <a:schemeClr val="lt1"/>
+    </dgm:txFillClrLst>
+    <dgm:txEffectClrLst/>
+  </dgm:styleLbl>
+  <dgm:styleLbl name="bgImgPlace1">
+    <dgm:fillClrLst meth="repeat">
+      <a:schemeClr val="accent1">
+        <a:tint val="50000"/>
+      </a:schemeClr>
+    </dgm:fillClrLst>
+    <dgm:linClrLst meth="repeat">
+      <a:schemeClr val="lt1"/>
+    </dgm:linClrLst>
+    <dgm:effectClrLst/>
+    <dgm:txLinClrLst/>
+    <dgm:txFillClrLst meth="repeat">
+      <a:schemeClr val="lt1"/>
+    </dgm:txFillClrLst>
+    <dgm:txEffectClrLst/>
+  </dgm:styleLbl>
+  <dgm:styleLbl name="sibTrans2D1">
+    <dgm:fillClrLst meth="repeat">
+      <a:schemeClr val="accent1">
+        <a:tint val="60000"/>
+      </a:schemeClr>
+    </dgm:fillClrLst>
+    <dgm:linClrLst meth="repeat">
+      <a:schemeClr val="accent1">
+        <a:tint val="60000"/>
+      </a:schemeClr>
+    </dgm:linClrLst>
+    <dgm:effectClrLst/>
+    <dgm:txLinClrLst/>
+    <dgm:txFillClrLst/>
+    <dgm:txEffectClrLst/>
+  </dgm:styleLbl>
+  <dgm:styleLbl name="fgSibTrans2D1">
+    <dgm:fillClrLst meth="repeat">
+      <a:schemeClr val="accent1">
+        <a:tint val="60000"/>
+      </a:schemeClr>
+    </dgm:fillClrLst>
+    <dgm:linClrLst meth="repeat">
+      <a:schemeClr val="accent1">
+        <a:tint val="60000"/>
+      </a:schemeClr>
+    </dgm:linClrLst>
+    <dgm:effectClrLst/>
+    <dgm:txLinClrLst/>
+    <dgm:txFillClrLst/>
+    <dgm:txEffectClrLst/>
+  </dgm:styleLbl>
+  <dgm:styleLbl name="bgSibTrans2D1">
+    <dgm:fillClrLst meth="repeat">
+      <a:schemeClr val="accent1">
+        <a:tint val="60000"/>
+      </a:schemeClr>
+    </dgm:fillClrLst>
+    <dgm:linClrLst meth="repeat">
+      <a:schemeClr val="accent1">
+        <a:tint val="60000"/>
+      </a:schemeClr>
+    </dgm:linClrLst>
+    <dgm:effectClrLst/>
+    <dgm:txLinClrLst/>
+    <dgm:txFillClrLst/>
+    <dgm:txEffectClrLst/>
+  </dgm:styleLbl>
+  <dgm:styleLbl name="sibTrans1D1">
+    <dgm:fillClrLst meth="repeat">
+      <a:schemeClr val="accent1"/>
+    </dgm:fillClrLst>
+    <dgm:linClrLst meth="repeat">
+      <a:schemeClr val="accent1"/>
+    </dgm:linClrLst>
+    <dgm:effectClrLst/>
+    <dgm:txLinClrLst/>
+    <dgm:txFillClrLst meth="repeat">
+      <a:schemeClr val="tx1"/>
+    </dgm:txFillClrLst>
+    <dgm:txEffectClrLst/>
+  </dgm:styleLbl>
+  <dgm:styleLbl name="callout">
+    <dgm:fillClrLst meth="repeat">
+      <a:schemeClr val="accent1"/>
+    </dgm:fillClrLst>
+    <dgm:linClrLst meth="repeat">
+      <a:schemeClr val="accent1">
+        <a:tint val="50000"/>
+      </a:schemeClr>
+    </dgm:linClrLst>
+    <dgm:effectClrLst/>
+    <dgm:txLinClrLst/>
+    <dgm:txFillClrLst meth="repeat">
+      <a:schemeClr val="tx1"/>
+    </dgm:txFillClrLst>
+    <dgm:txEffectClrLst/>
+  </dgm:styleLbl>
+  <dgm:styleLbl name="asst0">
+    <dgm:fillClrLst meth="repeat">
+      <a:schemeClr val="accent1"/>
+    </dgm:fillClrLst>
+    <dgm:linClrLst meth="repeat">
+      <a:schemeClr val="lt1"/>
+    </dgm:linClrLst>
+    <dgm:effectClrLst/>
+    <dgm:txLinClrLst/>
+    <dgm:txFillClrLst/>
+    <dgm:txEffectClrLst/>
+  </dgm:styleLbl>
+  <dgm:styleLbl name="asst1">
+    <dgm:fillClrLst meth="repeat">
+      <a:schemeClr val="accent1"/>
+    </dgm:fillClrLst>
+    <dgm:linClrLst meth="repeat">
+      <a:schemeClr val="lt1"/>
+    </dgm:linClrLst>
+    <dgm:effectClrLst/>
+    <dgm:txLinClrLst/>
+    <dgm:txFillClrLst/>
+    <dgm:txEffectClrLst/>
+  </dgm:styleLbl>
+  <dgm:styleLbl name="asst2">
+    <dgm:fillClrLst meth="repeat">
+      <a:schemeClr val="accent1"/>
+    </dgm:fillClrLst>
+    <dgm:linClrLst meth="repeat">
+      <a:schemeClr val="lt1"/>
+    </dgm:linClrLst>
+    <dgm:effectClrLst/>
+    <dgm:txLinClrLst/>
+    <dgm:txFillClrLst/>
+    <dgm:txEffectClrLst/>
+  </dgm:styleLbl>
+  <dgm:styleLbl name="asst3">
+    <dgm:fillClrLst meth="repeat">
+      <a:schemeClr val="accent1"/>
+    </dgm:fillClrLst>
+    <dgm:linClrLst meth="repeat">
+      <a:schemeClr val="lt1"/>
+    </dgm:linClrLst>
+    <dgm:effectClrLst/>
+    <dgm:txLinClrLst/>
+    <dgm:txFillClrLst/>
+    <dgm:txEffectClrLst/>
+  </dgm:styleLbl>
+  <dgm:styleLbl name="asst4">
+    <dgm:fillClrLst meth="repeat">
+      <a:schemeClr val="accent1"/>
+    </dgm:fillClrLst>
+    <dgm:linClrLst meth="repeat">
+      <a:schemeClr val="lt1"/>
+    </dgm:linClrLst>
+    <dgm:effectClrLst/>
+    <dgm:txLinClrLst/>
+    <dgm:txFillClrLst/>
+    <dgm:txEffectClrLst/>
+  </dgm:styleLbl>
+  <dgm:styleLbl name="parChTrans2D1">
+    <dgm:fillClrLst meth="repeat">
+      <a:schemeClr val="accent1">
+        <a:tint val="60000"/>
+      </a:schemeClr>
+    </dgm:fillClrLst>
+    <dgm:linClrLst meth="repeat">
+      <a:schemeClr val="accent1">
+        <a:tint val="60000"/>
+      </a:schemeClr>
+    </dgm:linClrLst>
+    <dgm:effectClrLst/>
+    <dgm:txLinClrLst/>
+    <dgm:txFillClrLst meth="repeat">
+      <a:schemeClr val="lt1"/>
+    </dgm:txFillClrLst>
+    <dgm:txEffectClrLst/>
+  </dgm:styleLbl>
+  <dgm:styleLbl name="parChTrans2D2">
+    <dgm:fillClrLst meth="repeat">
+      <a:schemeClr val="accent1"/>
+    </dgm:fillClrLst>
+    <dgm:linClrLst meth="repeat">
+      <a:schemeClr val="accent1"/>
+    </dgm:linClrLst>
+    <dgm:effectClrLst/>
+    <dgm:txLinClrLst/>
+    <dgm:txFillClrLst meth="repeat">
+      <a:schemeClr val="lt1"/>
+    </dgm:txFillClrLst>
+    <dgm:txEffectClrLst/>
+  </dgm:styleLbl>
+  <dgm:styleLbl name="parChTrans2D3">
+    <dgm:fillClrLst meth="repeat">
+      <a:schemeClr val="accent1"/>
+    </dgm:fillClrLst>
+    <dgm:linClrLst meth="repeat">
+      <a:schemeClr val="accent1"/>
+    </dgm:linClrLst>
+    <dgm:effectClrLst/>
+    <dgm:txLinClrLst/>
+    <dgm:txFillClrLst meth="repeat">
+      <a:schemeClr val="lt1"/>
+    </dgm:txFillClrLst>
+    <dgm:txEffectClrLst/>
+  </dgm:styleLbl>
+  <dgm:styleLbl name="parChTrans2D4">
+    <dgm:fillClrLst meth="repeat">
+      <a:schemeClr val="accent1"/>
+    </dgm:fillClrLst>
+    <dgm:linClrLst meth="repeat">
+      <a:schemeClr val="accent1"/>
+    </dgm:linClrLst>
+    <dgm:effectClrLst/>
+    <dgm:txLinClrLst/>
+    <dgm:txFillClrLst meth="repeat">
+      <a:schemeClr val="lt1"/>
+    </dgm:txFillClrLst>
+    <dgm:txEffectClrLst/>
+  </dgm:styleLbl>
+  <dgm:styleLbl name="parChTrans1D1">
+    <dgm:fillClrLst meth="repeat">
+      <a:schemeClr val="accent1"/>
+    </dgm:fillClrLst>
+    <dgm:linClrLst meth="repeat">
+      <a:schemeClr val="accent1">
+        <a:shade val="60000"/>
+      </a:schemeClr>
+    </dgm:linClrLst>
+    <dgm:effectClrLst/>
+    <dgm:txLinClrLst/>
+    <dgm:txFillClrLst meth="repeat">
+      <a:schemeClr val="tx1"/>
+    </dgm:txFillClrLst>
+    <dgm:txEffectClrLst/>
+  </dgm:styleLbl>
+  <dgm:styleLbl name="parChTrans1D2">
+    <dgm:fillClrLst meth="repeat">
+      <a:schemeClr val="accent1"/>
+    </dgm:fillClrLst>
+    <dgm:linClrLst meth="repeat">
+      <a:schemeClr val="accent1">
+        <a:shade val="60000"/>
+      </a:schemeClr>
+    </dgm:linClrLst>
+    <dgm:effectClrLst/>
+    <dgm:txLinClrLst/>
+    <dgm:txFillClrLst meth="repeat">
+      <a:schemeClr val="tx1"/>
+    </dgm:txFillClrLst>
+    <dgm:txEffectClrLst/>
+  </dgm:styleLbl>
+  <dgm:styleLbl name="parChTrans1D3">
+    <dgm:fillClrLst meth="repeat">
+      <a:schemeClr val="accent1"/>
+    </dgm:fillClrLst>
+    <dgm:linClrLst meth="repeat">
+      <a:schemeClr val="accent1">
+        <a:shade val="80000"/>
+      </a:schemeClr>
+    </dgm:linClrLst>
+    <dgm:effectClrLst/>
+    <dgm:txLinClrLst/>
+    <dgm:txFillClrLst meth="repeat">
+      <a:schemeClr val="tx1"/>
+    </dgm:txFillClrLst>
+    <dgm:txEffectClrLst/>
+  </dgm:styleLbl>
+  <dgm:styleLbl name="parChTrans1D4">
+    <dgm:fillClrLst meth="repeat">
+      <a:schemeClr val="accent1"/>
+    </dgm:fillClrLst>
+    <dgm:linClrLst meth="repeat">
+      <a:schemeClr val="accent1">
+        <a:shade val="80000"/>
+      </a:schemeClr>
+    </dgm:linClrLst>
+    <dgm:effectClrLst/>
+    <dgm:txLinClrLst/>
+    <dgm:txFillClrLst meth="repeat">
+      <a:schemeClr val="tx1"/>
+    </dgm:txFillClrLst>
+    <dgm:txEffectClrLst/>
+  </dgm:styleLbl>
+  <dgm:styleLbl name="fgAcc1">
+    <dgm:fillClrLst meth="repeat">
+      <a:schemeClr val="lt1">
+        <a:alpha val="90000"/>
+      </a:schemeClr>
+    </dgm:fillClrLst>
+    <dgm:linClrLst meth="repeat">
+      <a:schemeClr val="accent1"/>
+    </dgm:linClrLst>
+    <dgm:effectClrLst/>
+    <dgm:txLinClrLst/>
+    <dgm:txFillClrLst meth="repeat">
+      <a:schemeClr val="dk1"/>
+    </dgm:txFillClrLst>
+    <dgm:txEffectClrLst/>
+  </dgm:styleLbl>
+  <dgm:styleLbl name="conFgAcc1">
+    <dgm:fillClrLst meth="repeat">
+      <a:schemeClr val="lt1">
+        <a:alpha val="90000"/>
+      </a:schemeClr>
+    </dgm:fillClrLst>
+    <dgm:linClrLst meth="repeat">
+      <a:schemeClr val="accent1"/>
+    </dgm:linClrLst>
+    <dgm:effectClrLst/>
+    <dgm:txLinClrLst/>
+    <dgm:txFillClrLst meth="repeat">
+      <a:schemeClr val="dk1"/>
+    </dgm:txFillClrLst>
+    <dgm:txEffectClrLst/>
+  </dgm:styleLbl>
+  <dgm:styleLbl name="alignAcc1">
+    <dgm:fillClrLst meth="repeat">
+      <a:schemeClr val="lt1">
+        <a:alpha val="90000"/>
+      </a:schemeClr>
+    </dgm:fillClrLst>
+    <dgm:linClrLst meth="repeat">
+      <a:schemeClr val="accent1"/>
+    </dgm:linClrLst>
+    <dgm:effectClrLst/>
+    <dgm:txLinClrLst/>
+    <dgm:txFillClrLst meth="repeat">
+      <a:schemeClr val="dk1"/>
+    </dgm:txFillClrLst>
+    <dgm:txEffectClrLst/>
+  </dgm:styleLbl>
+  <dgm:styleLbl name="trAlignAcc1">
+    <dgm:fillClrLst meth="repeat">
+      <a:schemeClr val="lt1">
+        <a:alpha val="40000"/>
+      </a:schemeClr>
+    </dgm:fillClrLst>
+    <dgm:linClrLst meth="repeat">
+      <a:schemeClr val="accent1"/>
+    </dgm:linClrLst>
+    <dgm:effectClrLst/>
+    <dgm:txLinClrLst/>
+    <dgm:txFillClrLst meth="repeat">
+      <a:schemeClr val="dk1"/>
+    </dgm:txFillClrLst>
+    <dgm:txEffectClrLst/>
+  </dgm:styleLbl>
+  <dgm:styleLbl name="bgAcc1">
+    <dgm:fillClrLst meth="repeat">
+      <a:schemeClr val="lt1">
+        <a:alpha val="90000"/>
+      </a:schemeClr>
+    </dgm:fillClrLst>
+    <dgm:linClrLst meth="repeat">
+      <a:schemeClr val="accent1"/>
+    </dgm:linClrLst>
+    <dgm:effectClrLst/>
+    <dgm:txLinClrLst/>
+    <dgm:txFillClrLst meth="repeat">
+      <a:schemeClr val="dk1"/>
+    </dgm:txFillClrLst>
+    <dgm:txEffectClrLst/>
+  </dgm:styleLbl>
+  <dgm:styleLbl name="solidFgAcc1">
+    <dgm:fillClrLst meth="repeat">
+      <a:schemeClr val="lt1"/>
+    </dgm:fillClrLst>
+    <dgm:linClrLst meth="repeat">
+      <a:schemeClr val="accent1"/>
+    </dgm:linClrLst>
+    <dgm:effectClrLst/>
+    <dgm:txLinClrLst/>
+    <dgm:txFillClrLst meth="repeat">
+      <a:schemeClr val="dk1"/>
+    </dgm:txFillClrLst>
+    <dgm:txEffectClrLst/>
+  </dgm:styleLbl>
+  <dgm:styleLbl name="solidAlignAcc1">
+    <dgm:fillClrLst meth="repeat">
+      <a:schemeClr val="lt1"/>
+    </dgm:fillClrLst>
+    <dgm:linClrLst meth="repeat">
+      <a:schemeClr val="accent1"/>
+    </dgm:linClrLst>
+    <dgm:effectClrLst/>
+    <dgm:txLinClrLst/>
+    <dgm:txFillClrLst meth="repeat">
+      <a:schemeClr val="dk1"/>
+    </dgm:txFillClrLst>
+    <dgm:txEffectClrLst/>
+  </dgm:styleLbl>
+  <dgm:styleLbl name="solidBgAcc1">
+    <dgm:fillClrLst meth="repeat">
+      <a:schemeClr val="lt1"/>
+    </dgm:fillClrLst>
+    <dgm:linClrLst meth="repeat">
+      <a:schemeClr val="accent1"/>
+    </dgm:linClrLst>
+    <dgm:effectClrLst/>
+    <dgm:txLinClrLst/>
+    <dgm:txFillClrLst meth="repeat">
+      <a:schemeClr val="dk1"/>
+    </dgm:txFillClrLst>
+    <dgm:txEffectClrLst/>
+  </dgm:styleLbl>
+  <dgm:styleLbl name="fgAccFollowNode1">
+    <dgm:fillClrLst meth="repeat">
+      <a:schemeClr val="accent1">
+        <a:alpha val="90000"/>
+        <a:tint val="40000"/>
+      </a:schemeClr>
+    </dgm:fillClrLst>
+    <dgm:linClrLst meth="repeat">
+      <a:schemeClr val="accent1">
+        <a:alpha val="90000"/>
+        <a:tint val="40000"/>
+      </a:schemeClr>
+    </dgm:linClrLst>
+    <dgm:effectClrLst/>
+    <dgm:txLinClrLst/>
+    <dgm:txFillClrLst meth="repeat">
+      <a:schemeClr val="dk1"/>
+    </dgm:txFillClrLst>
+    <dgm:txEffectClrLst/>
+  </dgm:styleLbl>
+  <dgm:styleLbl name="alignAccFollowNode1">
+    <dgm:fillClrLst meth="repeat">
+      <a:schemeClr val="accent1">
+        <a:alpha val="90000"/>
+        <a:tint val="40000"/>
+      </a:schemeClr>
+    </dgm:fillClrLst>
+    <dgm:linClrLst meth="repeat">
+      <a:schemeClr val="accent1">
+        <a:alpha val="90000"/>
+        <a:tint val="40000"/>
+      </a:schemeClr>
+    </dgm:linClrLst>
+    <dgm:effectClrLst/>
+    <dgm:txLinClrLst/>
+    <dgm:txFillClrLst meth="repeat">
+      <a:schemeClr val="dk1"/>
+    </dgm:txFillClrLst>
+    <dgm:txEffectClrLst/>
+  </dgm:styleLbl>
+  <dgm:styleLbl name="bgAccFollowNode1">
+    <dgm:fillClrLst meth="repeat">
+      <a:schemeClr val="accent1">
+        <a:alpha val="90000"/>
+        <a:tint val="40000"/>
+      </a:schemeClr>
+    </dgm:fillClrLst>
+    <dgm:linClrLst meth="repeat">
+      <a:schemeClr val="accent1">
+        <a:alpha val="90000"/>
+        <a:tint val="40000"/>
+      </a:schemeClr>
+    </dgm:linClrLst>
+    <dgm:effectClrLst/>
+    <dgm:txLinClrLst/>
+    <dgm:txFillClrLst meth="repeat">
+      <a:schemeClr val="dk1"/>
+    </dgm:txFillClrLst>
+    <dgm:txEffectClrLst/>
+  </dgm:styleLbl>
+  <dgm:styleLbl name="fgAcc0">
+    <dgm:fillClrLst meth="repeat">
+      <a:schemeClr val="lt1">
+        <a:alpha val="90000"/>
+      </a:schemeClr>
+    </dgm:fillClrLst>
+    <dgm:linClrLst meth="repeat">
+      <a:schemeClr val="accent1"/>
+    </dgm:linClrLst>
+    <dgm:effectClrLst/>
+    <dgm:txLinClrLst/>
+    <dgm:txFillClrLst meth="repeat">
+      <a:schemeClr val="dk1"/>
+    </dgm:txFillClrLst>
+    <dgm:txEffectClrLst/>
+  </dgm:styleLbl>
+  <dgm:styleLbl name="fgAcc2">
+    <dgm:fillClrLst meth="repeat">
+      <a:schemeClr val="lt1">
+        <a:alpha val="90000"/>
+      </a:schemeClr>
+    </dgm:fillClrLst>
+    <dgm:linClrLst meth="repeat">
+      <a:schemeClr val="accent1"/>
+    </dgm:linClrLst>
+    <dgm:effectClrLst/>
+    <dgm:txLinClrLst/>
+    <dgm:txFillClrLst meth="repeat">
+      <a:schemeClr val="dk1"/>
+    </dgm:txFillClrLst>
+    <dgm:txEffectClrLst/>
+  </dgm:styleLbl>
+  <dgm:styleLbl name="fgAcc3">
+    <dgm:fillClrLst meth="repeat">
+      <a:schemeClr val="lt1">
+        <a:alpha val="90000"/>
+      </a:schemeClr>
+    </dgm:fillClrLst>
+    <dgm:linClrLst meth="repeat">
+      <a:schemeClr val="accent1"/>
+    </dgm:linClrLst>
+    <dgm:effectClrLst/>
+    <dgm:txLinClrLst/>
+    <dgm:txFillClrLst meth="repeat">
+      <a:schemeClr val="dk1"/>
+    </dgm:txFillClrLst>
+    <dgm:txEffectClrLst/>
+  </dgm:styleLbl>
+  <dgm:styleLbl name="fgAcc4">
+    <dgm:fillClrLst meth="repeat">
+      <a:schemeClr val="lt1">
+        <a:alpha val="90000"/>
+      </a:schemeClr>
+    </dgm:fillClrLst>
+    <dgm:linClrLst meth="repeat">
+      <a:schemeClr val="accent1"/>
+    </dgm:linClrLst>
+    <dgm:effectClrLst/>
+    <dgm:txLinClrLst/>
+    <dgm:txFillClrLst meth="repeat">
+      <a:schemeClr val="dk1"/>
+    </dgm:txFillClrLst>
+    <dgm:txEffectClrLst/>
+  </dgm:styleLbl>
+  <dgm:styleLbl name="bgShp">
+    <dgm:fillClrLst meth="repeat">
+      <a:schemeClr val="accent1">
+        <a:tint val="40000"/>
+      </a:schemeClr>
+    </dgm:fillClrLst>
+    <dgm:linClrLst meth="repeat">
+      <a:schemeClr val="accent1"/>
+    </dgm:linClrLst>
+    <dgm:effectClrLst/>
+    <dgm:txLinClrLst/>
+    <dgm:txFillClrLst meth="repeat">
+      <a:schemeClr val="dk1"/>
+    </dgm:txFillClrLst>
+    <dgm:txEffectClrLst/>
+  </dgm:styleLbl>
+  <dgm:styleLbl name="dkBgShp">
+    <dgm:fillClrLst meth="repeat">
+      <a:schemeClr val="accent1">
+        <a:shade val="80000"/>
+      </a:schemeClr>
+    </dgm:fillClrLst>
+    <dgm:linClrLst meth="repeat">
+      <a:schemeClr val="accent1"/>
+    </dgm:linClrLst>
+    <dgm:effectClrLst/>
+    <dgm:txLinClrLst/>
+    <dgm:txFillClrLst meth="repeat">
+      <a:schemeClr val="lt1"/>
+    </dgm:txFillClrLst>
+    <dgm:txEffectClrLst/>
+  </dgm:styleLbl>
+  <dgm:styleLbl name="trBgShp">
+    <dgm:fillClrLst meth="repeat">
+      <a:schemeClr val="accent1">
+        <a:tint val="50000"/>
+        <a:alpha val="40000"/>
+      </a:schemeClr>
+    </dgm:fillClrLst>
+    <dgm:linClrLst meth="repeat">
+      <a:schemeClr val="accent1"/>
+    </dgm:linClrLst>
+    <dgm:effectClrLst/>
+    <dgm:txLinClrLst/>
+    <dgm:txFillClrLst meth="repeat">
+      <a:schemeClr val="lt1"/>
+    </dgm:txFillClrLst>
+    <dgm:txEffectClrLst/>
+  </dgm:styleLbl>
+  <dgm:styleLbl name="fgShp">
+    <dgm:fillClrLst meth="repeat">
+      <a:schemeClr val="accent1">
+        <a:tint val="60000"/>
+      </a:schemeClr>
+    </dgm:fillClrLst>
+    <dgm:linClrLst meth="repeat">
+      <a:schemeClr val="lt1"/>
+    </dgm:linClrLst>
+    <dgm:effectClrLst/>
+    <dgm:txLinClrLst/>
+    <dgm:txFillClrLst meth="repeat">
+      <a:schemeClr val="dk1"/>
+    </dgm:txFillClrLst>
+    <dgm:txEffectClrLst/>
+  </dgm:styleLbl>
+  <dgm:styleLbl name="revTx">
+    <dgm:fillClrLst meth="repeat">
+      <a:schemeClr val="lt1">
+        <a:alpha val="0"/>
+      </a:schemeClr>
+    </dgm:fillClrLst>
+    <dgm:linClrLst meth="repeat">
+      <a:schemeClr val="dk1">
+        <a:alpha val="0"/>
+      </a:schemeClr>
+    </dgm:linClrLst>
+    <dgm:effectClrLst/>
+    <dgm:txLinClrLst/>
+    <dgm:txFillClrLst meth="repeat">
+      <a:schemeClr val="tx1"/>
+    </dgm:txFillClrLst>
+    <dgm:txEffectClrLst/>
+  </dgm:styleLbl>
+</dgm:colorsDef>
+</file>
+
+<file path=ppt/diagrams/colors3.xml><?xml version="1.0" encoding="utf-8"?>
+<dgm:colorsDef xmlns:dgm="http://schemas.openxmlformats.org/drawingml/2006/diagram" xmlns:a="http://schemas.openxmlformats.org/drawingml/2006/main" uniqueId="urn:microsoft.com/office/officeart/2018/5/colors/Iconchunking_neutralicon_colorful1">
+  <dgm:title val=""/>
+  <dgm:desc val=""/>
+  <dgm:catLst>
+    <dgm:cat type="colorful" pri="10100"/>
+  </dgm:catLst>
+  <dgm:styleLbl name="node0">
+    <dgm:fillClrLst meth="repeat">
+      <a:schemeClr val="accent1"/>
+    </dgm:fillClrLst>
+    <dgm:linClrLst meth="repeat">
+      <a:schemeClr val="lt1"/>
+    </dgm:linClrLst>
+    <dgm:effectClrLst/>
+    <dgm:txLinClrLst/>
+    <dgm:txFillClrLst/>
+    <dgm:txEffectClrLst/>
+  </dgm:styleLbl>
+  <dgm:styleLbl name="node1">
+    <dgm:fillClrLst meth="repeat">
+      <a:schemeClr val="bg1"/>
+    </dgm:fillClrLst>
+    <dgm:linClrLst meth="repeat">
+      <a:schemeClr val="lt1">
+        <a:alpha val="0"/>
+      </a:schemeClr>
+    </dgm:linClrLst>
+    <dgm:effectClrLst/>
+    <dgm:txLinClrLst/>
+    <dgm:txFillClrLst meth="repeat">
+      <a:schemeClr val="dk1"/>
+    </dgm:txFillClrLst>
+    <dgm:txEffectClrLst/>
+  </dgm:styleLbl>
+  <dgm:styleLbl name="alignNode1">
+    <dgm:fillClrLst meth="repeat">
+      <a:schemeClr val="accent2"/>
+      <a:schemeClr val="accent3"/>
+      <a:schemeClr val="accent4"/>
+      <a:schemeClr val="accent5"/>
+      <a:schemeClr val="accent6"/>
+    </dgm:fillClrLst>
+    <dgm:linClrLst meth="repeat">
+      <a:schemeClr val="accent2"/>
+      <a:schemeClr val="accent3"/>
+      <a:schemeClr val="accent4"/>
+      <a:schemeClr val="accent5"/>
+      <a:schemeClr val="accent6"/>
+    </dgm:linClrLst>
+    <dgm:effectClrLst/>
+    <dgm:txLinClrLst/>
+    <dgm:txFillClrLst/>
+    <dgm:txEffectClrLst/>
+  </dgm:styleLbl>
+  <dgm:styleLbl name="lnNode1">
+    <dgm:fillClrLst meth="repeat">
+      <a:schemeClr val="accent2"/>
+      <a:schemeClr val="accent3"/>
+      <a:schemeClr val="accent4"/>
+      <a:schemeClr val="accent5"/>
+      <a:schemeClr val="accent6"/>
+    </dgm:fillClrLst>
+    <dgm:linClrLst meth="repeat">
+      <a:schemeClr val="lt1"/>
+    </dgm:linClrLst>
+    <dgm:effectClrLst/>
+    <dgm:txLinClrLst/>
+    <dgm:txFillClrLst/>
+    <dgm:txEffectClrLst/>
+  </dgm:styleLbl>
+  <dgm:styleLbl name="vennNode1">
+    <dgm:fillClrLst meth="repeat">
+      <a:schemeClr val="accent2">
+        <a:alpha val="50000"/>
+      </a:schemeClr>
+      <a:schemeClr val="accent3">
+        <a:alpha val="50000"/>
+      </a:schemeClr>
+      <a:schemeClr val="accent4">
+        <a:alpha val="50000"/>
+      </a:schemeClr>
+      <a:schemeClr val="accent5">
+        <a:alpha val="50000"/>
+      </a:schemeClr>
+      <a:schemeClr val="accent6">
+        <a:alpha val="50000"/>
+      </a:schemeClr>
+    </dgm:fillClrLst>
+    <dgm:linClrLst meth="repeat">
+      <a:schemeClr val="lt1"/>
+    </dgm:linClrLst>
+    <dgm:effectClrLst/>
+    <dgm:txLinClrLst/>
+    <dgm:txFillClrLst/>
+    <dgm:txEffectClrLst/>
+  </dgm:styleLbl>
+  <dgm:styleLbl name="node2">
+    <dgm:fillClrLst>
+      <a:schemeClr val="accent2"/>
+    </dgm:fillClrLst>
+    <dgm:linClrLst meth="repeat">
+      <a:schemeClr val="lt1"/>
+    </dgm:linClrLst>
+    <dgm:effectClrLst/>
+    <dgm:txLinClrLst/>
+    <dgm:txFillClrLst/>
+    <dgm:txEffectClrLst/>
+  </dgm:styleLbl>
+  <dgm:styleLbl name="node3">
+    <dgm:fillClrLst>
+      <a:schemeClr val="accent3"/>
+    </dgm:fillClrLst>
+    <dgm:linClrLst meth="repeat">
+      <a:schemeClr val="lt1"/>
+    </dgm:linClrLst>
+    <dgm:effectClrLst/>
+    <dgm:txLinClrLst/>
+    <dgm:txFillClrLst/>
+    <dgm:txEffectClrLst/>
+  </dgm:styleLbl>
+  <dgm:styleLbl name="node4">
+    <dgm:fillClrLst>
+      <a:schemeClr val="accent4"/>
+    </dgm:fillClrLst>
+    <dgm:linClrLst meth="repeat">
+      <a:schemeClr val="lt1"/>
+    </dgm:linClrLst>
+    <dgm:effectClrLst/>
+    <dgm:txLinClrLst/>
+    <dgm:txFillClrLst/>
+    <dgm:txEffectClrLst/>
+  </dgm:styleLbl>
+  <dgm:styleLbl name="fgImgPlace1">
+    <dgm:fillClrLst meth="repeat">
+      <a:schemeClr val="accent2">
+        <a:tint val="50000"/>
+      </a:schemeClr>
+      <a:schemeClr val="accent3">
+        <a:tint val="50000"/>
+      </a:schemeClr>
+      <a:schemeClr val="accent4">
+        <a:tint val="50000"/>
+      </a:schemeClr>
+      <a:schemeClr val="accent5">
+        <a:tint val="50000"/>
+      </a:schemeClr>
+      <a:schemeClr val="accent6">
+        <a:tint val="50000"/>
+      </a:schemeClr>
+    </dgm:fillClrLst>
+    <dgm:linClrLst meth="repeat">
+      <a:schemeClr val="lt1"/>
+    </dgm:linClrLst>
+    <dgm:effectClrLst/>
+    <dgm:txLinClrLst/>
+    <dgm:txFillClrLst meth="repeat">
+      <a:schemeClr val="lt1"/>
+    </dgm:txFillClrLst>
+    <dgm:txEffectClrLst/>
+  </dgm:styleLbl>
+  <dgm:styleLbl name="alignImgPlace1">
+    <dgm:fillClrLst>
+      <a:schemeClr val="accent1">
+        <a:tint val="50000"/>
+      </a:schemeClr>
+      <a:schemeClr val="accent2">
+        <a:tint val="20000"/>
+      </a:schemeClr>
+    </dgm:fillClrLst>
+    <dgm:linClrLst meth="repeat">
+      <a:schemeClr val="lt1"/>
+    </dgm:linClrLst>
+    <dgm:effectClrLst/>
+    <dgm:txLinClrLst/>
+    <dgm:txFillClrLst meth="repeat">
+      <a:schemeClr val="lt1"/>
+    </dgm:txFillClrLst>
+    <dgm:txEffectClrLst/>
+  </dgm:styleLbl>
+  <dgm:styleLbl name="bgImgPlace1">
+    <dgm:fillClrLst>
+      <a:schemeClr val="accent1">
+        <a:tint val="50000"/>
+      </a:schemeClr>
+      <a:schemeClr val="accent2">
+        <a:tint val="20000"/>
+      </a:schemeClr>
+    </dgm:fillClrLst>
+    <dgm:linClrLst meth="repeat">
+      <a:schemeClr val="lt1"/>
+    </dgm:linClrLst>
+    <dgm:effectClrLst/>
+    <dgm:txLinClrLst/>
+    <dgm:txFillClrLst meth="repeat">
+      <a:schemeClr val="lt1"/>
+    </dgm:txFillClrLst>
+    <dgm:txEffectClrLst/>
+  </dgm:styleLbl>
+  <dgm:styleLbl name="sibTrans2D1">
+    <dgm:fillClrLst meth="repeat">
+      <a:schemeClr val="accent2"/>
+      <a:schemeClr val="accent3"/>
+      <a:schemeClr val="accent4"/>
+      <a:schemeClr val="accent5"/>
+      <a:schemeClr val="accent6"/>
+    </dgm:fillClrLst>
+    <dgm:linClrLst meth="cycle">
+      <a:schemeClr val="lt1"/>
+    </dgm:linClrLst>
+    <dgm:effectClrLst/>
+    <dgm:txLinClrLst/>
+    <dgm:txFillClrLst/>
+    <dgm:txEffectClrLst/>
+  </dgm:styleLbl>
+  <dgm:styleLbl name="fgSibTrans2D1">
+    <dgm:fillClrLst meth="repeat">
+      <a:schemeClr val="accent2"/>
+      <a:schemeClr val="accent3"/>
+      <a:schemeClr val="accent4"/>
+      <a:schemeClr val="accent5"/>
+      <a:schemeClr val="accent6"/>
+    </dgm:fillClrLst>
+    <dgm:linClrLst meth="cycle">
+      <a:schemeClr val="lt1"/>
+    </dgm:linClrLst>
+    <dgm:effectClrLst/>
+    <dgm:txLinClrLst/>
+    <dgm:txFillClrLst meth="repeat">
+      <a:schemeClr val="lt1"/>
+    </dgm:txFillClrLst>
+    <dgm:txEffectClrLst/>
+  </dgm:styleLbl>
+  <dgm:styleLbl name="bgSibTrans2D1">
+    <dgm:fillClrLst meth="repeat">
+      <a:schemeClr val="accent2"/>
+      <a:schemeClr val="accent3"/>
+      <a:schemeClr val="accent4"/>
+      <a:schemeClr val="accent5"/>
+      <a:schemeClr val="accent6"/>
+    </dgm:fillClrLst>
+    <dgm:linClrLst meth="cycle">
+      <a:schemeClr val="lt1"/>
+    </dgm:linClrLst>
+    <dgm:effectClrLst/>
+    <dgm:txLinClrLst/>
+    <dgm:txFillClrLst meth="repeat">
+      <a:schemeClr val="lt1"/>
+    </dgm:txFillClrLst>
+    <dgm:txEffectClrLst/>
+  </dgm:styleLbl>
+  <dgm:styleLbl name="sibTrans1D1">
+    <dgm:fillClrLst meth="repeat">
+      <a:schemeClr val="accent2"/>
+      <a:schemeClr val="accent3"/>
+      <a:schemeClr val="accent4"/>
+      <a:schemeClr val="accent5"/>
+      <a:schemeClr val="accent6"/>
+    </dgm:fillClrLst>
+    <dgm:linClrLst meth="repeat">
+      <a:schemeClr val="accent2"/>
+      <a:schemeClr val="accent3"/>
+      <a:schemeClr val="accent4"/>
+      <a:schemeClr val="accent5"/>
+      <a:schemeClr val="accent6"/>
+    </dgm:linClrLst>
+    <dgm:effectClrLst/>
+    <dgm:txLinClrLst/>
+    <dgm:txFillClrLst meth="repeat">
+      <a:schemeClr val="tx1"/>
+    </dgm:txFillClrLst>
+    <dgm:txEffectClrLst/>
+  </dgm:styleLbl>
+  <dgm:styleLbl name="callout">
+    <dgm:fillClrLst meth="repeat">
+      <a:schemeClr val="accent2"/>
+    </dgm:fillClrLst>
+    <dgm:linClrLst meth="repeat">
+      <a:schemeClr val="accent2">
+        <a:tint val="50000"/>
+      </a:schemeClr>
+    </dgm:linClrLst>
+    <dgm:effectClrLst/>
+    <dgm:txLinClrLst/>
+    <dgm:txFillClrLst meth="repeat">
+      <a:schemeClr val="tx1"/>
+    </dgm:txFillClrLst>
+    <dgm:txEffectClrLst/>
+  </dgm:styleLbl>
+  <dgm:styleLbl name="asst0">
+    <dgm:fillClrLst meth="repeat">
+      <a:schemeClr val="accent1"/>
+    </dgm:fillClrLst>
+    <dgm:linClrLst meth="repeat">
+      <a:schemeClr val="lt1"/>
+    </dgm:linClrLst>
+    <dgm:effectClrLst/>
+    <dgm:txLinClrLst/>
+    <dgm:txFillClrLst/>
+    <dgm:txEffectClrLst/>
+  </dgm:styleLbl>
+  <dgm:styleLbl name="asst1">
+    <dgm:fillClrLst meth="repeat">
+      <a:schemeClr val="accent2"/>
+    </dgm:fillClrLst>
+    <dgm:linClrLst meth="repeat">
+      <a:schemeClr val="lt1"/>
+    </dgm:linClrLst>
+    <dgm:effectClrLst/>
+    <dgm:txLinClrLst/>
+    <dgm:txFillClrLst/>
+    <dgm:txEffectClrLst/>
+  </dgm:styleLbl>
+  <dgm:styleLbl name="asst2">
+    <dgm:fillClrLst>
+      <a:schemeClr val="accent3"/>
+    </dgm:fillClrLst>
+    <dgm:linClrLst meth="repeat">
+      <a:schemeClr val="lt1"/>
+    </dgm:linClrLst>
+    <dgm:effectClrLst/>
+    <dgm:txLinClrLst/>
+    <dgm:txFillClrLst/>
+    <dgm:txEffectClrLst/>
+  </dgm:styleLbl>
+  <dgm:styleLbl name="asst3">
+    <dgm:fillClrLst>
+      <a:schemeClr val="accent4"/>
+    </dgm:fillClrLst>
+    <dgm:linClrLst meth="repeat">
+      <a:schemeClr val="lt1"/>
+    </dgm:linClrLst>
+    <dgm:effectClrLst/>
+    <dgm:txLinClrLst/>
+    <dgm:txFillClrLst/>
+    <dgm:txEffectClrLst/>
+  </dgm:styleLbl>
+  <dgm:styleLbl name="asst4">
+    <dgm:fillClrLst>
+      <a:schemeClr val="accent5"/>
+    </dgm:fillClrLst>
+    <dgm:linClrLst meth="repeat">
+      <a:schemeClr val="lt1"/>
+    </dgm:linClrLst>
+    <dgm:effectClrLst/>
+    <dgm:txLinClrLst/>
+    <dgm:txFillClrLst/>
+    <dgm:txEffectClrLst/>
+  </dgm:styleLbl>
+  <dgm:styleLbl name="parChTrans2D1">
+    <dgm:fillClrLst meth="repeat">
+      <a:schemeClr val="accent2"/>
+    </dgm:fillClrLst>
+    <dgm:linClrLst meth="repeat">
+      <a:schemeClr val="lt1"/>
+    </dgm:linClrLst>
+    <dgm:effectClrLst/>
+    <dgm:txLinClrLst/>
+    <dgm:txFillClrLst meth="repeat">
+      <a:schemeClr val="lt1"/>
+    </dgm:txFillClrLst>
+    <dgm:txEffectClrLst/>
+  </dgm:styleLbl>
+  <dgm:styleLbl name="parChTrans2D2">
+    <dgm:fillClrLst meth="repeat">
+      <a:schemeClr val="accent3"/>
+    </dgm:fillClrLst>
+    <dgm:linClrLst meth="repeat">
+      <a:schemeClr val="lt1"/>
+    </dgm:linClrLst>
+    <dgm:effectClrLst/>
+    <dgm:txLinClrLst/>
+    <dgm:txFillClrLst/>
+    <dgm:txEffectClrLst/>
+  </dgm:styleLbl>
+  <dgm:styleLbl name="parChTrans2D3">
+    <dgm:fillClrLst meth="repeat">
+      <a:schemeClr val="accent4"/>
+    </dgm:fillClrLst>
+    <dgm:linClrLst meth="repeat">
+      <a:schemeClr val="lt1"/>
+    </dgm:linClrLst>
+    <dgm:effectClrLst/>
+    <dgm:txLinClrLst/>
+    <dgm:txFillClrLst/>
+    <dgm:txEffectClrLst/>
+  </dgm:styleLbl>
+  <dgm:styleLbl name="parChTrans2D4">
+    <dgm:fillClrLst meth="repeat">
+      <a:schemeClr val="accent5"/>
+    </dgm:fillClrLst>
+    <dgm:linClrLst meth="repeat">
+      <a:schemeClr val="lt1"/>
+    </dgm:linClrLst>
+    <dgm:effectClrLst/>
+    <dgm:txLinClrLst/>
+    <dgm:txFillClrLst meth="repeat">
+      <a:schemeClr val="lt1"/>
+    </dgm:txFillClrLst>
+    <dgm:txEffectClrLst/>
+  </dgm:styleLbl>
+  <dgm:styleLbl name="parChTrans1D1">
+    <dgm:fillClrLst meth="repeat">
+      <a:schemeClr val="accent2"/>
+    </dgm:fillClrLst>
+    <dgm:linClrLst meth="repeat">
+      <a:schemeClr val="accent1"/>
+    </dgm:linClrLst>
+    <dgm:effectClrLst/>
+    <dgm:txLinClrLst/>
+    <dgm:txFillClrLst meth="repeat">
+      <a:schemeClr val="tx1"/>
+    </dgm:txFillClrLst>
+    <dgm:txEffectClrLst/>
+  </dgm:styleLbl>
+  <dgm:styleLbl name="parChTrans1D2">
+    <dgm:fillClrLst meth="repeat">
+      <a:schemeClr val="accent3">
+        <a:tint val="90000"/>
+      </a:schemeClr>
+    </dgm:fillClrLst>
+    <dgm:linClrLst meth="repeat">
+      <a:schemeClr val="accent2"/>
+    </dgm:linClrLst>
+    <dgm:effectClrLst/>
+    <dgm:txLinClrLst/>
+    <dgm:txFillClrLst meth="repeat">
+      <a:schemeClr val="tx1"/>
+    </dgm:txFillClrLst>
+    <dgm:txEffectClrLst/>
+  </dgm:styleLbl>
+  <dgm:styleLbl name="parChTrans1D3">
+    <dgm:fillClrLst meth="repeat">
+      <a:schemeClr val="accent4">
+        <a:tint val="70000"/>
+      </a:schemeClr>
+    </dgm:fillClrLst>
+    <dgm:linClrLst meth="repeat">
+      <a:schemeClr val="accent3"/>
+    </dgm:linClrLst>
+    <dgm:effectClrLst/>
+    <dgm:txLinClrLst/>
+    <dgm:txFillClrLst meth="repeat">
+      <a:schemeClr val="tx1"/>
+    </dgm:txFillClrLst>
+    <dgm:txEffectClrLst/>
+  </dgm:styleLbl>
+  <dgm:styleLbl name="parChTrans1D4">
+    <dgm:fillClrLst meth="repeat">
+      <a:schemeClr val="accent5">
+        <a:tint val="50000"/>
+      </a:schemeClr>
+    </dgm:fillClrLst>
+    <dgm:linClrLst meth="repeat">
+      <a:schemeClr val="accent4"/>
+    </dgm:linClrLst>
+    <dgm:effectClrLst/>
+    <dgm:txLinClrLst/>
+    <dgm:txFillClrLst meth="repeat">
+      <a:schemeClr val="tx1"/>
+    </dgm:txFillClrLst>
+    <dgm:txEffectClrLst/>
+  </dgm:styleLbl>
+  <dgm:styleLbl name="fgAcc1">
+    <dgm:fillClrLst meth="repeat">
+      <a:schemeClr val="lt1">
+        <a:alpha val="90000"/>
+      </a:schemeClr>
+    </dgm:fillClrLst>
+    <dgm:linClrLst meth="repeat">
+      <a:schemeClr val="accent2"/>
+      <a:schemeClr val="accent3"/>
+      <a:schemeClr val="accent4"/>
+      <a:schemeClr val="accent5"/>
+      <a:schemeClr val="accent6"/>
+    </dgm:linClrLst>
+    <dgm:effectClrLst/>
+    <dgm:txLinClrLst/>
+    <dgm:txFillClrLst meth="repeat">
+      <a:schemeClr val="dk1"/>
+    </dgm:txFillClrLst>
+    <dgm:txEffectClrLst/>
+  </dgm:styleLbl>
+  <dgm:styleLbl name="conFgAcc1">
+    <dgm:fillClrLst meth="repeat">
+      <a:schemeClr val="lt1">
+        <a:alpha val="90000"/>
+      </a:schemeClr>
+    </dgm:fillClrLst>
+    <dgm:linClrLst meth="repeat">
+      <a:schemeClr val="accent2"/>
+      <a:schemeClr val="accent3"/>
+      <a:schemeClr val="accent4"/>
+      <a:schemeClr val="accent5"/>
+      <a:schemeClr val="accent6"/>
+    </dgm:linClrLst>
+    <dgm:effectClrLst/>
+    <dgm:txLinClrLst/>
+    <dgm:txFillClrLst meth="repeat">
+      <a:schemeClr val="dk1"/>
+    </dgm:txFillClrLst>
+    <dgm:txEffectClrLst/>
+  </dgm:styleLbl>
+  <dgm:styleLbl name="alignAcc1">
+    <dgm:fillClrLst meth="repeat">
+      <a:schemeClr val="lt1">
+        <a:alpha val="90000"/>
+      </a:schemeClr>
+    </dgm:fillClrLst>
+    <dgm:linClrLst meth="repeat">
+      <a:schemeClr val="accent2"/>
+      <a:schemeClr val="accent3"/>
+      <a:schemeClr val="accent4"/>
+      <a:schemeClr val="accent5"/>
+      <a:schemeClr val="accent6"/>
+    </dgm:linClrLst>
+    <dgm:effectClrLst/>
+    <dgm:txLinClrLst/>
+    <dgm:txFillClrLst meth="repeat">
+      <a:schemeClr val="dk1"/>
+    </dgm:txFillClrLst>
+    <dgm:txEffectClrLst/>
+  </dgm:styleLbl>
+  <dgm:styleLbl name="trAlignAcc1">
+    <dgm:fillClrLst meth="repeat">
+      <a:schemeClr val="lt1">
+        <a:alpha val="40000"/>
+      </a:schemeClr>
+    </dgm:fillClrLst>
+    <dgm:linClrLst meth="repeat">
+      <a:schemeClr val="accent1"/>
+    </dgm:linClrLst>
+    <dgm:effectClrLst/>
+    <dgm:txLinClrLst/>
+    <dgm:txFillClrLst meth="repeat">
+      <a:schemeClr val="dk1"/>
+    </dgm:txFillClrLst>
+    <dgm:txEffectClrLst/>
+  </dgm:styleLbl>
+  <dgm:styleLbl name="bgAcc1">
+    <dgm:fillClrLst meth="repeat">
+      <a:schemeClr val="lt1">
+        <a:alpha val="90000"/>
+      </a:schemeClr>
+    </dgm:fillClrLst>
+    <dgm:linClrLst meth="repeat">
+      <a:schemeClr val="accent2"/>
+      <a:schemeClr val="accent3"/>
+      <a:schemeClr val="accent4"/>
+      <a:schemeClr val="accent5"/>
+      <a:schemeClr val="accent6"/>
+    </dgm:linClrLst>
+    <dgm:effectClrLst/>
+    <dgm:txLinClrLst/>
+    <dgm:txFillClrLst meth="repeat">
+      <a:schemeClr val="dk1"/>
+    </dgm:txFillClrLst>
+    <dgm:txEffectClrLst/>
+  </dgm:styleLbl>
+  <dgm:styleLbl name="solidFgAcc1">
+    <dgm:fillClrLst meth="repeat">
+      <a:schemeClr val="lt1"/>
+    </dgm:fillClrLst>
+    <dgm:linClrLst meth="repeat">
+      <a:schemeClr val="accent2"/>
+      <a:schemeClr val="accent3"/>
+      <a:schemeClr val="accent4"/>
+      <a:schemeClr val="accent5"/>
+      <a:schemeClr val="accent6"/>
+    </dgm:linClrLst>
+    <dgm:effectClrLst/>
+    <dgm:txLinClrLst/>
+    <dgm:txFillClrLst meth="repeat">
+      <a:schemeClr val="dk1"/>
+    </dgm:txFillClrLst>
+    <dgm:txEffectClrLst/>
+  </dgm:styleLbl>
+  <dgm:styleLbl name="solidAlignAcc1">
+    <dgm:fillClrLst meth="repeat">
+      <a:schemeClr val="lt1"/>
+    </dgm:fillClrLst>
+    <dgm:linClrLst meth="repeat">
+      <a:schemeClr val="accent2"/>
+      <a:schemeClr val="accent3"/>
+      <a:schemeClr val="accent4"/>
+      <a:schemeClr val="accent5"/>
+      <a:schemeClr val="accent6"/>
+    </dgm:linClrLst>
+    <dgm:effectClrLst/>
+    <dgm:txLinClrLst/>
+    <dgm:txFillClrLst meth="repeat">
+      <a:schemeClr val="dk1"/>
+    </dgm:txFillClrLst>
+    <dgm:txEffectClrLst/>
+  </dgm:styleLbl>
+  <dgm:styleLbl name="solidBgAcc1">
+    <dgm:fillClrLst meth="repeat">
+      <a:schemeClr val="lt1"/>
+    </dgm:fillClrLst>
+    <dgm:linClrLst meth="repeat">
+      <a:schemeClr val="accent2"/>
+      <a:schemeClr val="accent3"/>
+      <a:schemeClr val="accent4"/>
+      <a:schemeClr val="accent5"/>
+      <a:schemeClr val="accent6"/>
+    </dgm:linClrLst>
+    <dgm:effectClrLst/>
+    <dgm:txLinClrLst/>
+    <dgm:txFillClrLst meth="repeat">
+      <a:schemeClr val="dk1"/>
+    </dgm:txFillClrLst>
+    <dgm:txEffectClrLst/>
+  </dgm:styleLbl>
+  <dgm:styleLbl name="fgAccFollowNode1">
+    <dgm:fillClrLst meth="repeat">
+      <a:schemeClr val="accent2">
+        <a:tint val="40000"/>
+        <a:alpha val="90000"/>
+      </a:schemeClr>
+      <a:schemeClr val="accent3">
+        <a:tint val="40000"/>
+        <a:alpha val="90000"/>
+      </a:schemeClr>
+      <a:schemeClr val="accent4">
+        <a:tint val="40000"/>
+        <a:alpha val="90000"/>
+      </a:schemeClr>
+      <a:schemeClr val="accent5">
+        <a:tint val="40000"/>
+        <a:alpha val="90000"/>
+      </a:schemeClr>
+      <a:schemeClr val="accent6">
+        <a:tint val="40000"/>
+        <a:alpha val="90000"/>
+      </a:schemeClr>
+    </dgm:fillClrLst>
+    <dgm:linClrLst meth="repeat">
+      <a:schemeClr val="accent2">
+        <a:tint val="40000"/>
+        <a:alpha val="90000"/>
+      </a:schemeClr>
+      <a:schemeClr val="accent3">
+        <a:tint val="40000"/>
+        <a:alpha val="90000"/>
+      </a:schemeClr>
+      <a:schemeClr val="accent4">
+        <a:tint val="40000"/>
+        <a:alpha val="90000"/>
+      </a:schemeClr>
+      <a:schemeClr val="accent5">
+        <a:tint val="40000"/>
+        <a:alpha val="90000"/>
+      </a:schemeClr>
+      <a:schemeClr val="accent6">
+        <a:tint val="40000"/>
+        <a:alpha val="90000"/>
+      </a:schemeClr>
+    </dgm:linClrLst>
+    <dgm:effectClrLst/>
+    <dgm:txLinClrLst/>
+    <dgm:txFillClrLst meth="repeat">
+      <a:schemeClr val="dk1"/>
+    </dgm:txFillClrLst>
+    <dgm:txEffectClrLst/>
+  </dgm:styleLbl>
+  <dgm:styleLbl name="alignAccFollowNode1">
+    <dgm:fillClrLst meth="repeat">
+      <a:schemeClr val="accent2">
+        <a:tint val="40000"/>
+        <a:alpha val="90000"/>
+      </a:schemeClr>
+      <a:schemeClr val="accent3">
+        <a:tint val="40000"/>
+        <a:alpha val="90000"/>
+      </a:schemeClr>
+      <a:schemeClr val="accent4">
+        <a:tint val="40000"/>
+        <a:alpha val="90000"/>
+      </a:schemeClr>
+      <a:schemeClr val="accent5">
+        <a:tint val="40000"/>
+        <a:alpha val="90000"/>
+      </a:schemeClr>
+      <a:schemeClr val="accent6">
+        <a:tint val="40000"/>
+        <a:alpha val="90000"/>
+      </a:schemeClr>
+    </dgm:fillClrLst>
+    <dgm:linClrLst meth="repeat">
+      <a:schemeClr val="accent2">
+        <a:tint val="40000"/>
+        <a:alpha val="90000"/>
+      </a:schemeClr>
+      <a:schemeClr val="accent3">
+        <a:tint val="40000"/>
+        <a:alpha val="90000"/>
+      </a:schemeClr>
+      <a:schemeClr val="accent4">
+        <a:tint val="40000"/>
+        <a:alpha val="90000"/>
+      </a:schemeClr>
+      <a:schemeClr val="accent5">
+        <a:tint val="40000"/>
+        <a:alpha val="90000"/>
+      </a:schemeClr>
+      <a:schemeClr val="accent6">
+        <a:tint val="40000"/>
+        <a:alpha val="90000"/>
+      </a:schemeClr>
+    </dgm:linClrLst>
+    <dgm:effectClrLst/>
+    <dgm:txLinClrLst/>
+    <dgm:txFillClrLst meth="repeat">
+      <a:schemeClr val="dk1"/>
+    </dgm:txFillClrLst>
+    <dgm:txEffectClrLst/>
+  </dgm:styleLbl>
+  <dgm:styleLbl name="bgAccFollowNode1">
+    <dgm:fillClrLst meth="repeat">
+      <a:schemeClr val="accent2">
+        <a:tint val="40000"/>
+        <a:alpha val="90000"/>
+      </a:schemeClr>
+      <a:schemeClr val="accent3">
+        <a:tint val="40000"/>
+        <a:alpha val="90000"/>
+      </a:schemeClr>
+      <a:schemeClr val="accent4">
+        <a:tint val="40000"/>
+        <a:alpha val="90000"/>
+      </a:schemeClr>
+      <a:schemeClr val="accent5">
+        <a:tint val="40000"/>
+        <a:alpha val="90000"/>
+      </a:schemeClr>
+      <a:schemeClr val="accent6">
+        <a:tint val="40000"/>
+        <a:alpha val="90000"/>
+      </a:schemeClr>
+    </dgm:fillClrLst>
+    <dgm:linClrLst meth="repeat">
+      <a:schemeClr val="accent2">
+        <a:tint val="40000"/>
+        <a:alpha val="90000"/>
+      </a:schemeClr>
+      <a:schemeClr val="accent3">
+        <a:tint val="40000"/>
+        <a:alpha val="90000"/>
+      </a:schemeClr>
+      <a:schemeClr val="accent4">
+        <a:tint val="40000"/>
+        <a:alpha val="90000"/>
+      </a:schemeClr>
+      <a:schemeClr val="accent5">
+        <a:tint val="40000"/>
+        <a:alpha val="90000"/>
+      </a:schemeClr>
+      <a:schemeClr val="accent6">
+        <a:tint val="40000"/>
+        <a:alpha val="90000"/>
+      </a:schemeClr>
+    </dgm:linClrLst>
+    <dgm:effectClrLst/>
+    <dgm:txLinClrLst/>
+    <dgm:txFillClrLst meth="repeat">
+      <a:schemeClr val="dk1"/>
+    </dgm:txFillClrLst>
+    <dgm:txEffectClrLst/>
+  </dgm:styleLbl>
+  <dgm:styleLbl name="fgAcc0">
+    <dgm:fillClrLst meth="repeat">
+      <a:schemeClr val="lt1">
+        <a:alpha val="90000"/>
+      </a:schemeClr>
+    </dgm:fillClrLst>
+    <dgm:linClrLst>
+      <a:schemeClr val="accent1"/>
+    </dgm:linClrLst>
+    <dgm:effectClrLst/>
+    <dgm:txLinClrLst/>
+    <dgm:txFillClrLst meth="repeat">
+      <a:schemeClr val="dk1"/>
+    </dgm:txFillClrLst>
+    <dgm:txEffectClrLst/>
+  </dgm:styleLbl>
+  <dgm:styleLbl name="fgAcc2">
+    <dgm:fillClrLst meth="repeat">
+      <a:schemeClr val="lt1">
+        <a:alpha val="90000"/>
+      </a:schemeClr>
+    </dgm:fillClrLst>
+    <dgm:linClrLst>
+      <a:schemeClr val="accent2"/>
+    </dgm:linClrLst>
+    <dgm:effectClrLst/>
+    <dgm:txLinClrLst/>
+    <dgm:txFillClrLst meth="repeat">
+      <a:schemeClr val="dk1"/>
+    </dgm:txFillClrLst>
+    <dgm:txEffectClrLst/>
+  </dgm:styleLbl>
+  <dgm:styleLbl name="fgAcc3">
+    <dgm:fillClrLst meth="repeat">
+      <a:schemeClr val="lt1">
+        <a:alpha val="90000"/>
+      </a:schemeClr>
+    </dgm:fillClrLst>
+    <dgm:linClrLst>
+      <a:schemeClr val="accent3"/>
+    </dgm:linClrLst>
+    <dgm:effectClrLst/>
+    <dgm:txLinClrLst/>
+    <dgm:txFillClrLst meth="repeat">
+      <a:schemeClr val="dk1"/>
+    </dgm:txFillClrLst>
+    <dgm:txEffectClrLst/>
+  </dgm:styleLbl>
+  <dgm:styleLbl name="fgAcc4">
+    <dgm:fillClrLst meth="repeat">
+      <a:schemeClr val="lt1">
+        <a:alpha val="90000"/>
+      </a:schemeClr>
+    </dgm:fillClrLst>
+    <dgm:linClrLst>
+      <a:schemeClr val="accent4"/>
+    </dgm:linClrLst>
+    <dgm:effectClrLst/>
+    <dgm:txLinClrLst/>
+    <dgm:txFillClrLst meth="repeat">
+      <a:schemeClr val="dk1"/>
+    </dgm:txFillClrLst>
+    <dgm:txEffectClrLst/>
+  </dgm:styleLbl>
+  <dgm:styleLbl name="bgShp">
+    <dgm:fillClrLst meth="repeat">
+      <a:schemeClr val="accent2"/>
+      <a:schemeClr val="accent3"/>
+      <a:schemeClr val="accent4"/>
+      <a:schemeClr val="accent5"/>
+      <a:schemeClr val="accent6"/>
+    </dgm:fillClrLst>
+    <dgm:linClrLst meth="repeat">
+      <a:schemeClr val="lt1">
+        <a:alpha val="0"/>
+      </a:schemeClr>
+    </dgm:linClrLst>
+    <dgm:effectClrLst/>
+    <dgm:txLinClrLst/>
+    <dgm:txFillClrLst/>
+    <dgm:txEffectClrLst/>
+  </dgm:styleLbl>
+  <dgm:styleLbl name="dkBgShp">
+    <dgm:fillClrLst meth="repeat">
+      <a:schemeClr val="accent2">
+        <a:shade val="90000"/>
+      </a:schemeClr>
+    </dgm:fillClrLst>
+    <dgm:linClrLst meth="repeat">
+      <a:schemeClr val="dk1"/>
+    </dgm:linClrLst>
+    <dgm:effectClrLst/>
+    <dgm:txLinClrLst/>
+    <dgm:txFillClrLst meth="repeat">
+      <a:schemeClr val="lt1"/>
+    </dgm:txFillClrLst>
+    <dgm:txEffectClrLst/>
+  </dgm:styleLbl>
+  <dgm:styleLbl name="trBgShp">
+    <dgm:fillClrLst meth="repeat">
+      <a:schemeClr val="accent1">
+        <a:tint val="50000"/>
+        <a:alpha val="40000"/>
+      </a:schemeClr>
+    </dgm:fillClrLst>
+    <dgm:linClrLst meth="repeat">
+      <a:schemeClr val="accent2"/>
+    </dgm:linClrLst>
+    <dgm:effectClrLst/>
+    <dgm:txLinClrLst/>
+    <dgm:txFillClrLst meth="repeat">
+      <a:schemeClr val="lt1"/>
+    </dgm:txFillClrLst>
+    <dgm:txEffectClrLst/>
+  </dgm:styleLbl>
+  <dgm:styleLbl name="fgShp">
+    <dgm:fillClrLst meth="repeat">
+      <a:schemeClr val="accent2">
+        <a:tint val="40000"/>
+      </a:schemeClr>
+    </dgm:fillClrLst>
+    <dgm:linClrLst meth="repeat">
+      <a:schemeClr val="lt1"/>
+    </dgm:linClrLst>
+    <dgm:effectClrLst/>
+    <dgm:txLinClrLst/>
+    <dgm:txFillClrLst meth="repeat">
+      <a:schemeClr val="dk1"/>
+    </dgm:txFillClrLst>
+    <dgm:txEffectClrLst/>
+  </dgm:styleLbl>
+  <dgm:styleLbl name="revTx">
+    <dgm:fillClrLst meth="repeat">
+      <a:schemeClr val="lt1">
+        <a:alpha val="0"/>
+      </a:schemeClr>
+    </dgm:fillClrLst>
+    <dgm:linClrLst meth="repeat">
+      <a:schemeClr val="dk1">
+        <a:alpha val="0"/>
+      </a:schemeClr>
+    </dgm:linClrLst>
+    <dgm:effectClrLst/>
+    <dgm:txLinClrLst/>
+    <dgm:txFillClrLst meth="repeat">
+      <a:schemeClr val="tx1"/>
+    </dgm:txFillClrLst>
+    <dgm:txEffectClrLst/>
+  </dgm:styleLbl>
+</dgm:colorsDef>
+</file>
+
 <file path=ppt/diagrams/data1.xml><?xml version="1.0" encoding="utf-8"?>
+<dgm:dataModel xmlns:dgm="http://schemas.openxmlformats.org/drawingml/2006/diagram" xmlns:a="http://schemas.openxmlformats.org/drawingml/2006/main">
+  <dgm:ptLst>
+    <dgm:pt modelId="{701F2500-EB0B-4AD1-8295-66643BB3C2DD}" type="doc">
+      <dgm:prSet loTypeId="urn:microsoft.com/office/officeart/2005/8/layout/vList2" loCatId="list" qsTypeId="urn:microsoft.com/office/officeart/2005/8/quickstyle/simple1" qsCatId="simple" csTypeId="urn:microsoft.com/office/officeart/2005/8/colors/accent1_2" csCatId="accent1" phldr="1"/>
+      <dgm:spPr/>
+      <dgm:t>
+        <a:bodyPr/>
+        <a:lstStyle/>
+        <a:p>
+          <a:endParaRPr lang="en-US"/>
+        </a:p>
+      </dgm:t>
+    </dgm:pt>
+    <dgm:pt modelId="{C922F2B7-2E22-491B-8D0B-92125A5F9474}">
+      <dgm:prSet/>
+      <dgm:spPr/>
+      <dgm:t>
+        <a:bodyPr/>
+        <a:lstStyle/>
+        <a:p>
+          <a:r>
+            <a:rPr lang="en-US"/>
+            <a:t>From 2001 to 2021</a:t>
+          </a:r>
+        </a:p>
+      </dgm:t>
+    </dgm:pt>
+    <dgm:pt modelId="{B9261ED7-BC0D-4CFB-B86A-98432D29057F}" type="parTrans" cxnId="{CA93DCB1-6D5C-4171-B96D-43312493B63A}">
+      <dgm:prSet/>
+      <dgm:spPr/>
+      <dgm:t>
+        <a:bodyPr/>
+        <a:lstStyle/>
+        <a:p>
+          <a:endParaRPr lang="en-US"/>
+        </a:p>
+      </dgm:t>
+    </dgm:pt>
+    <dgm:pt modelId="{D4ADAC9F-C811-4C8B-B362-D247C83EC270}" type="sibTrans" cxnId="{CA93DCB1-6D5C-4171-B96D-43312493B63A}">
+      <dgm:prSet/>
+      <dgm:spPr/>
+      <dgm:t>
+        <a:bodyPr/>
+        <a:lstStyle/>
+        <a:p>
+          <a:endParaRPr lang="en-US"/>
+        </a:p>
+      </dgm:t>
+    </dgm:pt>
+    <dgm:pt modelId="{0076A318-E22C-4E34-8742-AC957BEED4FE}">
+      <dgm:prSet/>
+      <dgm:spPr/>
+      <dgm:t>
+        <a:bodyPr/>
+        <a:lstStyle/>
+        <a:p>
+          <a:r>
+            <a:rPr lang="en-US" dirty="0"/>
+            <a:t>Total Amount of Crime: 6,691,918</a:t>
+          </a:r>
+        </a:p>
+      </dgm:t>
+    </dgm:pt>
+    <dgm:pt modelId="{43114D97-14BB-4128-9827-5D271C7011C7}" type="parTrans" cxnId="{3275E575-E8F4-4C74-91A7-842D100BAF68}">
+      <dgm:prSet/>
+      <dgm:spPr/>
+      <dgm:t>
+        <a:bodyPr/>
+        <a:lstStyle/>
+        <a:p>
+          <a:endParaRPr lang="en-US"/>
+        </a:p>
+      </dgm:t>
+    </dgm:pt>
+    <dgm:pt modelId="{7038D3FD-D7CB-45E2-B102-29DA72D3C3FD}" type="sibTrans" cxnId="{3275E575-E8F4-4C74-91A7-842D100BAF68}">
+      <dgm:prSet/>
+      <dgm:spPr/>
+      <dgm:t>
+        <a:bodyPr/>
+        <a:lstStyle/>
+        <a:p>
+          <a:endParaRPr lang="en-US"/>
+        </a:p>
+      </dgm:t>
+    </dgm:pt>
+    <dgm:pt modelId="{DC5947FB-7D83-4E7A-8CD4-53054C30772B}">
+      <dgm:prSet/>
+      <dgm:spPr/>
+      <dgm:t>
+        <a:bodyPr/>
+        <a:lstStyle/>
+        <a:p>
+          <a:r>
+            <a:rPr lang="en-US" dirty="0"/>
+            <a:t>Total Amount of Arrest: 1,783,949</a:t>
+          </a:r>
+        </a:p>
+      </dgm:t>
+    </dgm:pt>
+    <dgm:pt modelId="{64F4CB5D-C156-46E6-AF27-658F4678E39F}" type="parTrans" cxnId="{08618687-338A-4B40-9689-06F198941D6A}">
+      <dgm:prSet/>
+      <dgm:spPr/>
+      <dgm:t>
+        <a:bodyPr/>
+        <a:lstStyle/>
+        <a:p>
+          <a:endParaRPr lang="en-US"/>
+        </a:p>
+      </dgm:t>
+    </dgm:pt>
+    <dgm:pt modelId="{EFF0918E-332B-416F-8314-0B82C7F2D190}" type="sibTrans" cxnId="{08618687-338A-4B40-9689-06F198941D6A}">
+      <dgm:prSet/>
+      <dgm:spPr/>
+      <dgm:t>
+        <a:bodyPr/>
+        <a:lstStyle/>
+        <a:p>
+          <a:endParaRPr lang="en-US"/>
+        </a:p>
+      </dgm:t>
+    </dgm:pt>
+    <dgm:pt modelId="{B90B5E9E-A589-6947-99FB-AA19EE1A061E}">
+      <dgm:prSet/>
+      <dgm:spPr/>
+      <dgm:t>
+        <a:bodyPr/>
+        <a:lstStyle/>
+        <a:p>
+          <a:endParaRPr lang="en-US" dirty="0"/>
+        </a:p>
+      </dgm:t>
+    </dgm:pt>
+    <dgm:pt modelId="{5D486E33-B5CD-F548-8406-FC027D20712D}" type="parTrans" cxnId="{1FC03FF6-B925-924E-9874-3BE3CD313F8C}">
+      <dgm:prSet/>
+      <dgm:spPr/>
+      <dgm:t>
+        <a:bodyPr/>
+        <a:lstStyle/>
+        <a:p>
+          <a:endParaRPr lang="en-US"/>
+        </a:p>
+      </dgm:t>
+    </dgm:pt>
+    <dgm:pt modelId="{EB6DDB05-6FD5-3647-8C4A-D68980BD20E8}" type="sibTrans" cxnId="{1FC03FF6-B925-924E-9874-3BE3CD313F8C}">
+      <dgm:prSet/>
+      <dgm:spPr/>
+      <dgm:t>
+        <a:bodyPr/>
+        <a:lstStyle/>
+        <a:p>
+          <a:endParaRPr lang="en-US"/>
+        </a:p>
+      </dgm:t>
+    </dgm:pt>
+    <dgm:pt modelId="{CE50812B-5458-9D4F-822C-941DBD1D2B51}" type="pres">
+      <dgm:prSet presAssocID="{701F2500-EB0B-4AD1-8295-66643BB3C2DD}" presName="linear" presStyleCnt="0">
+        <dgm:presLayoutVars>
+          <dgm:animLvl val="lvl"/>
+          <dgm:resizeHandles val="exact"/>
+        </dgm:presLayoutVars>
+      </dgm:prSet>
+      <dgm:spPr/>
+    </dgm:pt>
+    <dgm:pt modelId="{0A312B03-A69A-184A-AD79-22AF58AB6A1B}" type="pres">
+      <dgm:prSet presAssocID="{C922F2B7-2E22-491B-8D0B-92125A5F9474}" presName="parentText" presStyleLbl="node1" presStyleIdx="0" presStyleCnt="1" custLinFactNeighborY="10544">
+        <dgm:presLayoutVars>
+          <dgm:chMax val="0"/>
+          <dgm:bulletEnabled val="1"/>
+        </dgm:presLayoutVars>
+      </dgm:prSet>
+      <dgm:spPr/>
+    </dgm:pt>
+    <dgm:pt modelId="{90CBCE4A-0B68-3349-B5D1-9786F8157A97}" type="pres">
+      <dgm:prSet presAssocID="{C922F2B7-2E22-491B-8D0B-92125A5F9474}" presName="childText" presStyleLbl="revTx" presStyleIdx="0" presStyleCnt="1">
+        <dgm:presLayoutVars>
+          <dgm:bulletEnabled val="1"/>
+        </dgm:presLayoutVars>
+      </dgm:prSet>
+      <dgm:spPr/>
+    </dgm:pt>
+  </dgm:ptLst>
+  <dgm:cxnLst>
+    <dgm:cxn modelId="{032E080B-94EB-354F-9768-0E73588F7963}" type="presOf" srcId="{DC5947FB-7D83-4E7A-8CD4-53054C30772B}" destId="{90CBCE4A-0B68-3349-B5D1-9786F8157A97}" srcOrd="0" destOrd="2" presId="urn:microsoft.com/office/officeart/2005/8/layout/vList2"/>
+    <dgm:cxn modelId="{54EB890F-507B-B842-8436-87C3B868E787}" type="presOf" srcId="{0076A318-E22C-4E34-8742-AC957BEED4FE}" destId="{90CBCE4A-0B68-3349-B5D1-9786F8157A97}" srcOrd="0" destOrd="1" presId="urn:microsoft.com/office/officeart/2005/8/layout/vList2"/>
+    <dgm:cxn modelId="{3275E575-E8F4-4C74-91A7-842D100BAF68}" srcId="{C922F2B7-2E22-491B-8D0B-92125A5F9474}" destId="{0076A318-E22C-4E34-8742-AC957BEED4FE}" srcOrd="1" destOrd="0" parTransId="{43114D97-14BB-4128-9827-5D271C7011C7}" sibTransId="{7038D3FD-D7CB-45E2-B102-29DA72D3C3FD}"/>
+    <dgm:cxn modelId="{08618687-338A-4B40-9689-06F198941D6A}" srcId="{C922F2B7-2E22-491B-8D0B-92125A5F9474}" destId="{DC5947FB-7D83-4E7A-8CD4-53054C30772B}" srcOrd="2" destOrd="0" parTransId="{64F4CB5D-C156-46E6-AF27-658F4678E39F}" sibTransId="{EFF0918E-332B-416F-8314-0B82C7F2D190}"/>
+    <dgm:cxn modelId="{D43187A1-789E-3345-A6EB-7E07832B629E}" type="presOf" srcId="{701F2500-EB0B-4AD1-8295-66643BB3C2DD}" destId="{CE50812B-5458-9D4F-822C-941DBD1D2B51}" srcOrd="0" destOrd="0" presId="urn:microsoft.com/office/officeart/2005/8/layout/vList2"/>
+    <dgm:cxn modelId="{CA93DCB1-6D5C-4171-B96D-43312493B63A}" srcId="{701F2500-EB0B-4AD1-8295-66643BB3C2DD}" destId="{C922F2B7-2E22-491B-8D0B-92125A5F9474}" srcOrd="0" destOrd="0" parTransId="{B9261ED7-BC0D-4CFB-B86A-98432D29057F}" sibTransId="{D4ADAC9F-C811-4C8B-B362-D247C83EC270}"/>
+    <dgm:cxn modelId="{3552F7D9-C084-3945-A3B0-CE53916CD2E1}" type="presOf" srcId="{B90B5E9E-A589-6947-99FB-AA19EE1A061E}" destId="{90CBCE4A-0B68-3349-B5D1-9786F8157A97}" srcOrd="0" destOrd="0" presId="urn:microsoft.com/office/officeart/2005/8/layout/vList2"/>
+    <dgm:cxn modelId="{1FC03FF6-B925-924E-9874-3BE3CD313F8C}" srcId="{C922F2B7-2E22-491B-8D0B-92125A5F9474}" destId="{B90B5E9E-A589-6947-99FB-AA19EE1A061E}" srcOrd="0" destOrd="0" parTransId="{5D486E33-B5CD-F548-8406-FC027D20712D}" sibTransId="{EB6DDB05-6FD5-3647-8C4A-D68980BD20E8}"/>
+    <dgm:cxn modelId="{21443DF8-7C41-B648-93AB-9878B5097764}" type="presOf" srcId="{C922F2B7-2E22-491B-8D0B-92125A5F9474}" destId="{0A312B03-A69A-184A-AD79-22AF58AB6A1B}" srcOrd="0" destOrd="0" presId="urn:microsoft.com/office/officeart/2005/8/layout/vList2"/>
+    <dgm:cxn modelId="{3D1A326E-66CE-C646-9DA1-DB233F863948}" type="presParOf" srcId="{CE50812B-5458-9D4F-822C-941DBD1D2B51}" destId="{0A312B03-A69A-184A-AD79-22AF58AB6A1B}" srcOrd="0" destOrd="0" presId="urn:microsoft.com/office/officeart/2005/8/layout/vList2"/>
+    <dgm:cxn modelId="{79FE4961-E485-B243-9BC7-F843ACCBE56A}" type="presParOf" srcId="{CE50812B-5458-9D4F-822C-941DBD1D2B51}" destId="{90CBCE4A-0B68-3349-B5D1-9786F8157A97}" srcOrd="1" destOrd="0" presId="urn:microsoft.com/office/officeart/2005/8/layout/vList2"/>
+  </dgm:cxnLst>
+  <dgm:bg/>
+  <dgm:whole/>
+  <dgm:extLst>
+    <a:ext uri="http://schemas.microsoft.com/office/drawing/2008/diagram">
+      <dsp:dataModelExt xmlns:dsp="http://schemas.microsoft.com/office/drawing/2008/diagram" relId="rId6" minVer="http://schemas.openxmlformats.org/drawingml/2006/diagram"/>
+    </a:ext>
+  </dgm:extLst>
+</dgm:dataModel>
+</file>
+
+<file path=ppt/diagrams/data2.xml><?xml version="1.0" encoding="utf-8"?>
 <dgm:dataModel xmlns:dgm="http://schemas.openxmlformats.org/drawingml/2006/diagram" xmlns:a="http://schemas.openxmlformats.org/drawingml/2006/main">
   <dgm:ptLst>
     <dgm:pt modelId="{4D0C1AF6-CDF3-4A51-91F5-321CA456CBFB}" type="doc">
@@ -1068,7 +2939,673 @@
 </dgm:dataModel>
 </file>
 
+<file path=ppt/diagrams/data3.xml><?xml version="1.0" encoding="utf-8"?>
+<dgm:dataModel xmlns:dgm="http://schemas.openxmlformats.org/drawingml/2006/diagram" xmlns:a="http://schemas.openxmlformats.org/drawingml/2006/main">
+  <dgm:ptLst>
+    <dgm:pt modelId="{8E912E4C-8B0F-E94C-AA87-5349C10A8941}" type="doc">
+      <dgm:prSet loTypeId="urn:microsoft.com/office/officeart/2018/5/layout/IconCircleLabelList" loCatId="icon" qsTypeId="urn:microsoft.com/office/officeart/2005/8/quickstyle/simple1" qsCatId="simple" csTypeId="urn:microsoft.com/office/officeart/2018/5/colors/Iconchunking_neutralicon_colorful1" csCatId="colorful" phldr="1"/>
+      <dgm:spPr/>
+      <dgm:t>
+        <a:bodyPr/>
+        <a:lstStyle/>
+        <a:p>
+          <a:endParaRPr lang="en-US"/>
+        </a:p>
+      </dgm:t>
+    </dgm:pt>
+    <dgm:pt modelId="{FF9E4EB0-E52B-7843-AF43-750832FA52A7}">
+      <dgm:prSet phldrT="[Text]"/>
+      <dgm:spPr/>
+      <dgm:t>
+        <a:bodyPr/>
+        <a:lstStyle/>
+        <a:p>
+          <a:pPr>
+            <a:lnSpc>
+              <a:spcPct val="100000"/>
+            </a:lnSpc>
+            <a:defRPr cap="all"/>
+          </a:pPr>
+          <a:r>
+            <a:rPr lang="en-US">
+              <a:latin typeface="arial" panose="020B0604020202020204" pitchFamily="34" charset="0"/>
+            </a:rPr>
+            <a:t>Random Forest Classifier</a:t>
+          </a:r>
+          <a:endParaRPr lang="en-US"/>
+        </a:p>
+      </dgm:t>
+    </dgm:pt>
+    <dgm:pt modelId="{F397BF86-08C4-5B48-8633-BAA913A641D5}" type="parTrans" cxnId="{2D527EDB-0522-C742-BF3A-0C076DF5A61D}">
+      <dgm:prSet/>
+      <dgm:spPr/>
+      <dgm:t>
+        <a:bodyPr/>
+        <a:lstStyle/>
+        <a:p>
+          <a:endParaRPr lang="en-US"/>
+        </a:p>
+      </dgm:t>
+    </dgm:pt>
+    <dgm:pt modelId="{7EC95C46-F108-7A4B-BDDA-2F3A01E5FF10}" type="sibTrans" cxnId="{2D527EDB-0522-C742-BF3A-0C076DF5A61D}">
+      <dgm:prSet/>
+      <dgm:spPr/>
+      <dgm:t>
+        <a:bodyPr/>
+        <a:lstStyle/>
+        <a:p>
+          <a:endParaRPr lang="en-US"/>
+        </a:p>
+      </dgm:t>
+    </dgm:pt>
+    <dgm:pt modelId="{4E8E8A0A-C9ED-6F46-B656-CB3FB5D1D709}">
+      <dgm:prSet phldrT="[Text]" phldr="1"/>
+      <dgm:spPr/>
+      <dgm:t>
+        <a:bodyPr/>
+        <a:lstStyle/>
+        <a:p>
+          <a:endParaRPr lang="en-US" dirty="0"/>
+        </a:p>
+      </dgm:t>
+    </dgm:pt>
+    <dgm:pt modelId="{D1667D0B-83B2-D146-8F57-538775EDD5FB}" type="parTrans" cxnId="{FBE2F3AB-BD57-634B-B926-A9F59397C62F}">
+      <dgm:prSet/>
+      <dgm:spPr/>
+      <dgm:t>
+        <a:bodyPr/>
+        <a:lstStyle/>
+        <a:p>
+          <a:endParaRPr lang="en-US"/>
+        </a:p>
+      </dgm:t>
+    </dgm:pt>
+    <dgm:pt modelId="{AD75148F-0E04-9649-A861-1BB1D6D257C2}" type="sibTrans" cxnId="{FBE2F3AB-BD57-634B-B926-A9F59397C62F}">
+      <dgm:prSet/>
+      <dgm:spPr/>
+      <dgm:t>
+        <a:bodyPr/>
+        <a:lstStyle/>
+        <a:p>
+          <a:endParaRPr lang="en-US"/>
+        </a:p>
+      </dgm:t>
+    </dgm:pt>
+    <dgm:pt modelId="{1E85FF5A-AF22-7544-BEBC-57FF7E7240BF}">
+      <dgm:prSet phldrT="[Text]" phldr="1"/>
+      <dgm:spPr/>
+      <dgm:t>
+        <a:bodyPr/>
+        <a:lstStyle/>
+        <a:p>
+          <a:endParaRPr lang="en-US"/>
+        </a:p>
+      </dgm:t>
+    </dgm:pt>
+    <dgm:pt modelId="{AF761C1D-D836-1A45-8A65-2893F8D51B6B}" type="parTrans" cxnId="{9D26E22E-E33C-4A4D-9072-7CC7381152B2}">
+      <dgm:prSet/>
+      <dgm:spPr/>
+      <dgm:t>
+        <a:bodyPr/>
+        <a:lstStyle/>
+        <a:p>
+          <a:endParaRPr lang="en-US"/>
+        </a:p>
+      </dgm:t>
+    </dgm:pt>
+    <dgm:pt modelId="{65FB6ECB-945B-0849-88A6-DB7638E19AEE}" type="sibTrans" cxnId="{9D26E22E-E33C-4A4D-9072-7CC7381152B2}">
+      <dgm:prSet/>
+      <dgm:spPr/>
+      <dgm:t>
+        <a:bodyPr/>
+        <a:lstStyle/>
+        <a:p>
+          <a:endParaRPr lang="en-US"/>
+        </a:p>
+      </dgm:t>
+    </dgm:pt>
+    <dgm:pt modelId="{FE10F7E4-9E78-1B48-9C06-8AB1C60B4BFD}">
+      <dgm:prSet phldrT="[Text]"/>
+      <dgm:spPr/>
+      <dgm:t>
+        <a:bodyPr/>
+        <a:lstStyle/>
+        <a:p>
+          <a:pPr>
+            <a:lnSpc>
+              <a:spcPct val="100000"/>
+            </a:lnSpc>
+            <a:defRPr cap="all"/>
+          </a:pPr>
+          <a:r>
+            <a:rPr lang="en-US">
+              <a:latin typeface="arial" panose="020B0604020202020204" pitchFamily="34" charset="0"/>
+            </a:rPr>
+            <a:t>Random Forest Classifier_Modified</a:t>
+          </a:r>
+          <a:endParaRPr lang="en-US"/>
+        </a:p>
+      </dgm:t>
+    </dgm:pt>
+    <dgm:pt modelId="{A007973F-D79D-A34B-B0AE-0A66E3EE72FA}" type="parTrans" cxnId="{4E1D9717-AF04-4746-9627-4AB2300070B7}">
+      <dgm:prSet/>
+      <dgm:spPr/>
+      <dgm:t>
+        <a:bodyPr/>
+        <a:lstStyle/>
+        <a:p>
+          <a:endParaRPr lang="en-US"/>
+        </a:p>
+      </dgm:t>
+    </dgm:pt>
+    <dgm:pt modelId="{02268FCB-BEF1-AD42-BF1B-DAC00209154D}" type="sibTrans" cxnId="{4E1D9717-AF04-4746-9627-4AB2300070B7}">
+      <dgm:prSet/>
+      <dgm:spPr/>
+      <dgm:t>
+        <a:bodyPr/>
+        <a:lstStyle/>
+        <a:p>
+          <a:endParaRPr lang="en-US"/>
+        </a:p>
+      </dgm:t>
+    </dgm:pt>
+    <dgm:pt modelId="{0C223A42-5D46-904C-89F6-45AA6B323AB2}">
+      <dgm:prSet phldrT="[Text]" phldr="1"/>
+      <dgm:spPr/>
+      <dgm:t>
+        <a:bodyPr/>
+        <a:lstStyle/>
+        <a:p>
+          <a:endParaRPr lang="en-US"/>
+        </a:p>
+      </dgm:t>
+    </dgm:pt>
+    <dgm:pt modelId="{6BE0EF1E-C8A5-D944-AC58-CD1F8009522D}" type="parTrans" cxnId="{A1D38270-CB55-AD49-8E34-ABF6E0A09DD7}">
+      <dgm:prSet/>
+      <dgm:spPr/>
+      <dgm:t>
+        <a:bodyPr/>
+        <a:lstStyle/>
+        <a:p>
+          <a:endParaRPr lang="en-US"/>
+        </a:p>
+      </dgm:t>
+    </dgm:pt>
+    <dgm:pt modelId="{469F5FB6-2BCF-8447-9EE0-ECB2B5259977}" type="sibTrans" cxnId="{A1D38270-CB55-AD49-8E34-ABF6E0A09DD7}">
+      <dgm:prSet/>
+      <dgm:spPr/>
+      <dgm:t>
+        <a:bodyPr/>
+        <a:lstStyle/>
+        <a:p>
+          <a:endParaRPr lang="en-US"/>
+        </a:p>
+      </dgm:t>
+    </dgm:pt>
+    <dgm:pt modelId="{F1343436-AE5C-4740-8A07-DCFD8BF70641}">
+      <dgm:prSet phldrT="[Text]" phldr="1"/>
+      <dgm:spPr/>
+      <dgm:t>
+        <a:bodyPr/>
+        <a:lstStyle/>
+        <a:p>
+          <a:endParaRPr lang="en-US" dirty="0"/>
+        </a:p>
+      </dgm:t>
+    </dgm:pt>
+    <dgm:pt modelId="{519033A1-E3D4-2B48-91EC-8033CAA1CCC9}" type="parTrans" cxnId="{99F33D87-894E-A74E-9B5D-55A05BDCD27E}">
+      <dgm:prSet/>
+      <dgm:spPr/>
+      <dgm:t>
+        <a:bodyPr/>
+        <a:lstStyle/>
+        <a:p>
+          <a:endParaRPr lang="en-US"/>
+        </a:p>
+      </dgm:t>
+    </dgm:pt>
+    <dgm:pt modelId="{643E107B-343A-9045-A7E9-D0263ACDBE4F}" type="sibTrans" cxnId="{99F33D87-894E-A74E-9B5D-55A05BDCD27E}">
+      <dgm:prSet/>
+      <dgm:spPr/>
+      <dgm:t>
+        <a:bodyPr/>
+        <a:lstStyle/>
+        <a:p>
+          <a:endParaRPr lang="en-US"/>
+        </a:p>
+      </dgm:t>
+    </dgm:pt>
+    <dgm:pt modelId="{4F5AE08A-3468-5F4A-AFF1-980E96F2AC30}">
+      <dgm:prSet phldrT="[Text]"/>
+      <dgm:spPr/>
+      <dgm:t>
+        <a:bodyPr/>
+        <a:lstStyle/>
+        <a:p>
+          <a:pPr>
+            <a:lnSpc>
+              <a:spcPct val="100000"/>
+            </a:lnSpc>
+            <a:defRPr cap="all"/>
+          </a:pPr>
+          <a:r>
+            <a:rPr lang="en-US"/>
+            <a:t>Logistic Regression_undersampling</a:t>
+          </a:r>
+        </a:p>
+      </dgm:t>
+    </dgm:pt>
+    <dgm:pt modelId="{A6AB4968-EB21-084B-B0FC-6A55DED80957}" type="parTrans" cxnId="{F373DA07-1351-C94A-99D6-142888730A9D}">
+      <dgm:prSet/>
+      <dgm:spPr/>
+      <dgm:t>
+        <a:bodyPr/>
+        <a:lstStyle/>
+        <a:p>
+          <a:endParaRPr lang="en-US"/>
+        </a:p>
+      </dgm:t>
+    </dgm:pt>
+    <dgm:pt modelId="{DB7FD37A-2B73-4744-9EB7-78BBE4464246}" type="sibTrans" cxnId="{F373DA07-1351-C94A-99D6-142888730A9D}">
+      <dgm:prSet/>
+      <dgm:spPr/>
+      <dgm:t>
+        <a:bodyPr/>
+        <a:lstStyle/>
+        <a:p>
+          <a:endParaRPr lang="en-US"/>
+        </a:p>
+      </dgm:t>
+    </dgm:pt>
+    <dgm:pt modelId="{AC6E3243-D810-48E7-A4B3-1D14B3393361}" type="pres">
+      <dgm:prSet presAssocID="{8E912E4C-8B0F-E94C-AA87-5349C10A8941}" presName="root" presStyleCnt="0">
+        <dgm:presLayoutVars>
+          <dgm:dir/>
+          <dgm:resizeHandles val="exact"/>
+        </dgm:presLayoutVars>
+      </dgm:prSet>
+      <dgm:spPr/>
+    </dgm:pt>
+    <dgm:pt modelId="{D5BBBF68-0B9A-49AA-8DCA-4BF5498267F5}" type="pres">
+      <dgm:prSet presAssocID="{FF9E4EB0-E52B-7843-AF43-750832FA52A7}" presName="compNode" presStyleCnt="0"/>
+      <dgm:spPr/>
+    </dgm:pt>
+    <dgm:pt modelId="{D117A2F2-F234-4267-9731-35450B0D89BA}" type="pres">
+      <dgm:prSet presAssocID="{FF9E4EB0-E52B-7843-AF43-750832FA52A7}" presName="iconBgRect" presStyleLbl="bgShp" presStyleIdx="0" presStyleCnt="3"/>
+      <dgm:spPr/>
+    </dgm:pt>
+    <dgm:pt modelId="{C88D9E5D-6000-4AC9-B1F4-3D9C957084F3}" type="pres">
+      <dgm:prSet presAssocID="{FF9E4EB0-E52B-7843-AF43-750832FA52A7}" presName="iconRect" presStyleLbl="node1" presStyleIdx="0" presStyleCnt="3"/>
+      <dgm:spPr>
+        <a:blipFill>
+          <a:blip xmlns:r="http://schemas.openxmlformats.org/officeDocument/2006/relationships" r:embed="rId1">
+            <a:extLst>
+              <a:ext uri="{28A0092B-C50C-407E-A947-70E740481C1C}">
+                <a14:useLocalDpi xmlns:a14="http://schemas.microsoft.com/office/drawing/2010/main" val="0"/>
+              </a:ext>
+              <a:ext uri="{96DAC541-7B7A-43D3-8B79-37D633B846F1}">
+                <asvg:svgBlip xmlns:asvg="http://schemas.microsoft.com/office/drawing/2016/SVG/main" r:embed="rId2"/>
+              </a:ext>
+            </a:extLst>
+          </a:blip>
+          <a:stretch>
+            <a:fillRect/>
+          </a:stretch>
+        </a:blipFill>
+        <a:ln>
+          <a:noFill/>
+        </a:ln>
+      </dgm:spPr>
+      <dgm:extLst>
+        <a:ext uri="{E40237B7-FDA0-4F09-8148-C483321AD2D9}">
+          <dgm14:cNvPr xmlns:dgm14="http://schemas.microsoft.com/office/drawing/2010/diagram" id="0" name="" descr="Deciduous tree"/>
+        </a:ext>
+      </dgm:extLst>
+    </dgm:pt>
+    <dgm:pt modelId="{55B966FA-4E9E-4CC0-944E-9694DA4520F1}" type="pres">
+      <dgm:prSet presAssocID="{FF9E4EB0-E52B-7843-AF43-750832FA52A7}" presName="spaceRect" presStyleCnt="0"/>
+      <dgm:spPr/>
+    </dgm:pt>
+    <dgm:pt modelId="{BDA682D6-281F-480B-AAD9-9C4D160B55C2}" type="pres">
+      <dgm:prSet presAssocID="{FF9E4EB0-E52B-7843-AF43-750832FA52A7}" presName="textRect" presStyleLbl="revTx" presStyleIdx="0" presStyleCnt="3">
+        <dgm:presLayoutVars>
+          <dgm:chMax val="1"/>
+          <dgm:chPref val="1"/>
+        </dgm:presLayoutVars>
+      </dgm:prSet>
+      <dgm:spPr/>
+    </dgm:pt>
+    <dgm:pt modelId="{6C49FC2C-E8A0-4537-BFCD-6EFDA34CF9E6}" type="pres">
+      <dgm:prSet presAssocID="{7EC95C46-F108-7A4B-BDDA-2F3A01E5FF10}" presName="sibTrans" presStyleCnt="0"/>
+      <dgm:spPr/>
+    </dgm:pt>
+    <dgm:pt modelId="{C90255FF-39F5-4A1D-A1A9-838C319DE1F9}" type="pres">
+      <dgm:prSet presAssocID="{FE10F7E4-9E78-1B48-9C06-8AB1C60B4BFD}" presName="compNode" presStyleCnt="0"/>
+      <dgm:spPr/>
+    </dgm:pt>
+    <dgm:pt modelId="{44496DF1-AD34-4745-9CDD-E868C4B43751}" type="pres">
+      <dgm:prSet presAssocID="{FE10F7E4-9E78-1B48-9C06-8AB1C60B4BFD}" presName="iconBgRect" presStyleLbl="bgShp" presStyleIdx="1" presStyleCnt="3"/>
+      <dgm:spPr/>
+    </dgm:pt>
+    <dgm:pt modelId="{E0698C2E-1811-4F43-AE8B-4BE032183BBF}" type="pres">
+      <dgm:prSet presAssocID="{FE10F7E4-9E78-1B48-9C06-8AB1C60B4BFD}" presName="iconRect" presStyleLbl="node1" presStyleIdx="1" presStyleCnt="3"/>
+      <dgm:spPr>
+        <a:blipFill>
+          <a:blip xmlns:r="http://schemas.openxmlformats.org/officeDocument/2006/relationships" r:embed="rId3">
+            <a:extLst>
+              <a:ext uri="{28A0092B-C50C-407E-A947-70E740481C1C}">
+                <a14:useLocalDpi xmlns:a14="http://schemas.microsoft.com/office/drawing/2010/main" val="0"/>
+              </a:ext>
+              <a:ext uri="{96DAC541-7B7A-43D3-8B79-37D633B846F1}">
+                <asvg:svgBlip xmlns:asvg="http://schemas.microsoft.com/office/drawing/2016/SVG/main" r:embed="rId4"/>
+              </a:ext>
+            </a:extLst>
+          </a:blip>
+          <a:stretch>
+            <a:fillRect/>
+          </a:stretch>
+        </a:blipFill>
+        <a:ln>
+          <a:noFill/>
+        </a:ln>
+      </dgm:spPr>
+      <dgm:extLst>
+        <a:ext uri="{E40237B7-FDA0-4F09-8148-C483321AD2D9}">
+          <dgm14:cNvPr xmlns:dgm14="http://schemas.microsoft.com/office/drawing/2010/diagram" id="0" name="" descr="Fir tree"/>
+        </a:ext>
+      </dgm:extLst>
+    </dgm:pt>
+    <dgm:pt modelId="{5D6764C5-2EF3-4E18-B7E4-638F3433308E}" type="pres">
+      <dgm:prSet presAssocID="{FE10F7E4-9E78-1B48-9C06-8AB1C60B4BFD}" presName="spaceRect" presStyleCnt="0"/>
+      <dgm:spPr/>
+    </dgm:pt>
+    <dgm:pt modelId="{C8E257DF-BD40-4CA3-BDD1-B2FDC2DC2CCB}" type="pres">
+      <dgm:prSet presAssocID="{FE10F7E4-9E78-1B48-9C06-8AB1C60B4BFD}" presName="textRect" presStyleLbl="revTx" presStyleIdx="1" presStyleCnt="3">
+        <dgm:presLayoutVars>
+          <dgm:chMax val="1"/>
+          <dgm:chPref val="1"/>
+        </dgm:presLayoutVars>
+      </dgm:prSet>
+      <dgm:spPr/>
+    </dgm:pt>
+    <dgm:pt modelId="{D2B8770C-30F3-4DEF-A8BD-FE7113C85664}" type="pres">
+      <dgm:prSet presAssocID="{02268FCB-BEF1-AD42-BF1B-DAC00209154D}" presName="sibTrans" presStyleCnt="0"/>
+      <dgm:spPr/>
+    </dgm:pt>
+    <dgm:pt modelId="{7CF4C420-1E45-4887-8D71-EB4D3DE70378}" type="pres">
+      <dgm:prSet presAssocID="{4F5AE08A-3468-5F4A-AFF1-980E96F2AC30}" presName="compNode" presStyleCnt="0"/>
+      <dgm:spPr/>
+    </dgm:pt>
+    <dgm:pt modelId="{DFCEB4FE-EB17-438B-927C-F48FA9CBDCF2}" type="pres">
+      <dgm:prSet presAssocID="{4F5AE08A-3468-5F4A-AFF1-980E96F2AC30}" presName="iconBgRect" presStyleLbl="bgShp" presStyleIdx="2" presStyleCnt="3"/>
+      <dgm:spPr/>
+    </dgm:pt>
+    <dgm:pt modelId="{11EF2120-79CF-4823-8AF2-F0D61F563090}" type="pres">
+      <dgm:prSet presAssocID="{4F5AE08A-3468-5F4A-AFF1-980E96F2AC30}" presName="iconRect" presStyleLbl="node1" presStyleIdx="2" presStyleCnt="3"/>
+      <dgm:spPr>
+        <a:blipFill>
+          <a:blip xmlns:r="http://schemas.openxmlformats.org/officeDocument/2006/relationships" r:embed="rId5">
+            <a:extLst>
+              <a:ext uri="{28A0092B-C50C-407E-A947-70E740481C1C}">
+                <a14:useLocalDpi xmlns:a14="http://schemas.microsoft.com/office/drawing/2010/main" val="0"/>
+              </a:ext>
+              <a:ext uri="{96DAC541-7B7A-43D3-8B79-37D633B846F1}">
+                <asvg:svgBlip xmlns:asvg="http://schemas.microsoft.com/office/drawing/2016/SVG/main" r:embed="rId6"/>
+              </a:ext>
+            </a:extLst>
+          </a:blip>
+          <a:stretch>
+            <a:fillRect/>
+          </a:stretch>
+        </a:blipFill>
+        <a:ln>
+          <a:noFill/>
+        </a:ln>
+      </dgm:spPr>
+      <dgm:extLst>
+        <a:ext uri="{E40237B7-FDA0-4F09-8148-C483321AD2D9}">
+          <dgm14:cNvPr xmlns:dgm14="http://schemas.microsoft.com/office/drawing/2010/diagram" id="0" name="" descr="Statistics"/>
+        </a:ext>
+      </dgm:extLst>
+    </dgm:pt>
+    <dgm:pt modelId="{7D10C12A-989E-4599-9A30-FA4B7EB7D85F}" type="pres">
+      <dgm:prSet presAssocID="{4F5AE08A-3468-5F4A-AFF1-980E96F2AC30}" presName="spaceRect" presStyleCnt="0"/>
+      <dgm:spPr/>
+    </dgm:pt>
+    <dgm:pt modelId="{6842BB46-63D0-490A-9E63-0EEE1A9DFEC6}" type="pres">
+      <dgm:prSet presAssocID="{4F5AE08A-3468-5F4A-AFF1-980E96F2AC30}" presName="textRect" presStyleLbl="revTx" presStyleIdx="2" presStyleCnt="3">
+        <dgm:presLayoutVars>
+          <dgm:chMax val="1"/>
+          <dgm:chPref val="1"/>
+        </dgm:presLayoutVars>
+      </dgm:prSet>
+      <dgm:spPr/>
+    </dgm:pt>
+  </dgm:ptLst>
+  <dgm:cxnLst>
+    <dgm:cxn modelId="{F373DA07-1351-C94A-99D6-142888730A9D}" srcId="{8E912E4C-8B0F-E94C-AA87-5349C10A8941}" destId="{4F5AE08A-3468-5F4A-AFF1-980E96F2AC30}" srcOrd="2" destOrd="0" parTransId="{A6AB4968-EB21-084B-B0FC-6A55DED80957}" sibTransId="{DB7FD37A-2B73-4744-9EB7-78BBE4464246}"/>
+    <dgm:cxn modelId="{4E1D9717-AF04-4746-9627-4AB2300070B7}" srcId="{8E912E4C-8B0F-E94C-AA87-5349C10A8941}" destId="{FE10F7E4-9E78-1B48-9C06-8AB1C60B4BFD}" srcOrd="1" destOrd="0" parTransId="{A007973F-D79D-A34B-B0AE-0A66E3EE72FA}" sibTransId="{02268FCB-BEF1-AD42-BF1B-DAC00209154D}"/>
+    <dgm:cxn modelId="{9D26E22E-E33C-4A4D-9072-7CC7381152B2}" srcId="{FF9E4EB0-E52B-7843-AF43-750832FA52A7}" destId="{1E85FF5A-AF22-7544-BEBC-57FF7E7240BF}" srcOrd="1" destOrd="0" parTransId="{AF761C1D-D836-1A45-8A65-2893F8D51B6B}" sibTransId="{65FB6ECB-945B-0849-88A6-DB7638E19AEE}"/>
+    <dgm:cxn modelId="{F8B1672F-10F7-CC4F-9AE3-10EB59CD039B}" type="presOf" srcId="{4F5AE08A-3468-5F4A-AFF1-980E96F2AC30}" destId="{6842BB46-63D0-490A-9E63-0EEE1A9DFEC6}" srcOrd="0" destOrd="0" presId="urn:microsoft.com/office/officeart/2018/5/layout/IconCircleLabelList"/>
+    <dgm:cxn modelId="{A1D38270-CB55-AD49-8E34-ABF6E0A09DD7}" srcId="{FE10F7E4-9E78-1B48-9C06-8AB1C60B4BFD}" destId="{0C223A42-5D46-904C-89F6-45AA6B323AB2}" srcOrd="0" destOrd="0" parTransId="{6BE0EF1E-C8A5-D944-AC58-CD1F8009522D}" sibTransId="{469F5FB6-2BCF-8447-9EE0-ECB2B5259977}"/>
+    <dgm:cxn modelId="{99F33D87-894E-A74E-9B5D-55A05BDCD27E}" srcId="{FE10F7E4-9E78-1B48-9C06-8AB1C60B4BFD}" destId="{F1343436-AE5C-4740-8A07-DCFD8BF70641}" srcOrd="1" destOrd="0" parTransId="{519033A1-E3D4-2B48-91EC-8033CAA1CCC9}" sibTransId="{643E107B-343A-9045-A7E9-D0263ACDBE4F}"/>
+    <dgm:cxn modelId="{397B2B95-7A5E-FB4E-9EBE-79B360271443}" type="presOf" srcId="{8E912E4C-8B0F-E94C-AA87-5349C10A8941}" destId="{AC6E3243-D810-48E7-A4B3-1D14B3393361}" srcOrd="0" destOrd="0" presId="urn:microsoft.com/office/officeart/2018/5/layout/IconCircleLabelList"/>
+    <dgm:cxn modelId="{FBE2F3AB-BD57-634B-B926-A9F59397C62F}" srcId="{FF9E4EB0-E52B-7843-AF43-750832FA52A7}" destId="{4E8E8A0A-C9ED-6F46-B656-CB3FB5D1D709}" srcOrd="0" destOrd="0" parTransId="{D1667D0B-83B2-D146-8F57-538775EDD5FB}" sibTransId="{AD75148F-0E04-9649-A861-1BB1D6D257C2}"/>
+    <dgm:cxn modelId="{4DFD0DBA-A2DB-C741-93B8-30DD8395F35B}" type="presOf" srcId="{FF9E4EB0-E52B-7843-AF43-750832FA52A7}" destId="{BDA682D6-281F-480B-AAD9-9C4D160B55C2}" srcOrd="0" destOrd="0" presId="urn:microsoft.com/office/officeart/2018/5/layout/IconCircleLabelList"/>
+    <dgm:cxn modelId="{2D527EDB-0522-C742-BF3A-0C076DF5A61D}" srcId="{8E912E4C-8B0F-E94C-AA87-5349C10A8941}" destId="{FF9E4EB0-E52B-7843-AF43-750832FA52A7}" srcOrd="0" destOrd="0" parTransId="{F397BF86-08C4-5B48-8633-BAA913A641D5}" sibTransId="{7EC95C46-F108-7A4B-BDDA-2F3A01E5FF10}"/>
+    <dgm:cxn modelId="{05923EFA-6146-184E-80F1-AE30C290BC94}" type="presOf" srcId="{FE10F7E4-9E78-1B48-9C06-8AB1C60B4BFD}" destId="{C8E257DF-BD40-4CA3-BDD1-B2FDC2DC2CCB}" srcOrd="0" destOrd="0" presId="urn:microsoft.com/office/officeart/2018/5/layout/IconCircleLabelList"/>
+    <dgm:cxn modelId="{CD373CC2-FE1F-0D49-BACE-F431D3190679}" type="presParOf" srcId="{AC6E3243-D810-48E7-A4B3-1D14B3393361}" destId="{D5BBBF68-0B9A-49AA-8DCA-4BF5498267F5}" srcOrd="0" destOrd="0" presId="urn:microsoft.com/office/officeart/2018/5/layout/IconCircleLabelList"/>
+    <dgm:cxn modelId="{46DC3D3D-7826-2645-88F8-0A4C058718D0}" type="presParOf" srcId="{D5BBBF68-0B9A-49AA-8DCA-4BF5498267F5}" destId="{D117A2F2-F234-4267-9731-35450B0D89BA}" srcOrd="0" destOrd="0" presId="urn:microsoft.com/office/officeart/2018/5/layout/IconCircleLabelList"/>
+    <dgm:cxn modelId="{82872A11-BFA3-C443-8D30-4BE0701AE9B7}" type="presParOf" srcId="{D5BBBF68-0B9A-49AA-8DCA-4BF5498267F5}" destId="{C88D9E5D-6000-4AC9-B1F4-3D9C957084F3}" srcOrd="1" destOrd="0" presId="urn:microsoft.com/office/officeart/2018/5/layout/IconCircleLabelList"/>
+    <dgm:cxn modelId="{7BAD1933-A6A5-2044-A324-AD368F477B82}" type="presParOf" srcId="{D5BBBF68-0B9A-49AA-8DCA-4BF5498267F5}" destId="{55B966FA-4E9E-4CC0-944E-9694DA4520F1}" srcOrd="2" destOrd="0" presId="urn:microsoft.com/office/officeart/2018/5/layout/IconCircleLabelList"/>
+    <dgm:cxn modelId="{9E3F9B1B-D4FF-A74C-97CE-0863938DD337}" type="presParOf" srcId="{D5BBBF68-0B9A-49AA-8DCA-4BF5498267F5}" destId="{BDA682D6-281F-480B-AAD9-9C4D160B55C2}" srcOrd="3" destOrd="0" presId="urn:microsoft.com/office/officeart/2018/5/layout/IconCircleLabelList"/>
+    <dgm:cxn modelId="{4FED7AB2-A9D5-C740-B25F-56BE1F23E165}" type="presParOf" srcId="{AC6E3243-D810-48E7-A4B3-1D14B3393361}" destId="{6C49FC2C-E8A0-4537-BFCD-6EFDA34CF9E6}" srcOrd="1" destOrd="0" presId="urn:microsoft.com/office/officeart/2018/5/layout/IconCircleLabelList"/>
+    <dgm:cxn modelId="{2297D9B8-4BD9-504A-9504-E6FC8DF3A539}" type="presParOf" srcId="{AC6E3243-D810-48E7-A4B3-1D14B3393361}" destId="{C90255FF-39F5-4A1D-A1A9-838C319DE1F9}" srcOrd="2" destOrd="0" presId="urn:microsoft.com/office/officeart/2018/5/layout/IconCircleLabelList"/>
+    <dgm:cxn modelId="{6B486B4B-9938-3A47-9417-CF94F7CB8891}" type="presParOf" srcId="{C90255FF-39F5-4A1D-A1A9-838C319DE1F9}" destId="{44496DF1-AD34-4745-9CDD-E868C4B43751}" srcOrd="0" destOrd="0" presId="urn:microsoft.com/office/officeart/2018/5/layout/IconCircleLabelList"/>
+    <dgm:cxn modelId="{67856146-CD38-9448-888D-68B07303D825}" type="presParOf" srcId="{C90255FF-39F5-4A1D-A1A9-838C319DE1F9}" destId="{E0698C2E-1811-4F43-AE8B-4BE032183BBF}" srcOrd="1" destOrd="0" presId="urn:microsoft.com/office/officeart/2018/5/layout/IconCircleLabelList"/>
+    <dgm:cxn modelId="{F04D6F0C-7AFF-2045-9EFA-83B9D6D73860}" type="presParOf" srcId="{C90255FF-39F5-4A1D-A1A9-838C319DE1F9}" destId="{5D6764C5-2EF3-4E18-B7E4-638F3433308E}" srcOrd="2" destOrd="0" presId="urn:microsoft.com/office/officeart/2018/5/layout/IconCircleLabelList"/>
+    <dgm:cxn modelId="{4CF58D0C-288F-CE45-85BF-F8A0AB59224C}" type="presParOf" srcId="{C90255FF-39F5-4A1D-A1A9-838C319DE1F9}" destId="{C8E257DF-BD40-4CA3-BDD1-B2FDC2DC2CCB}" srcOrd="3" destOrd="0" presId="urn:microsoft.com/office/officeart/2018/5/layout/IconCircleLabelList"/>
+    <dgm:cxn modelId="{542337B6-A379-F740-B632-FA005972A117}" type="presParOf" srcId="{AC6E3243-D810-48E7-A4B3-1D14B3393361}" destId="{D2B8770C-30F3-4DEF-A8BD-FE7113C85664}" srcOrd="3" destOrd="0" presId="urn:microsoft.com/office/officeart/2018/5/layout/IconCircleLabelList"/>
+    <dgm:cxn modelId="{39EC65F3-3665-2D48-AD49-8DC67011B6AE}" type="presParOf" srcId="{AC6E3243-D810-48E7-A4B3-1D14B3393361}" destId="{7CF4C420-1E45-4887-8D71-EB4D3DE70378}" srcOrd="4" destOrd="0" presId="urn:microsoft.com/office/officeart/2018/5/layout/IconCircleLabelList"/>
+    <dgm:cxn modelId="{43DCA148-12E1-CC4F-B6FD-9006BB0748A1}" type="presParOf" srcId="{7CF4C420-1E45-4887-8D71-EB4D3DE70378}" destId="{DFCEB4FE-EB17-438B-927C-F48FA9CBDCF2}" srcOrd="0" destOrd="0" presId="urn:microsoft.com/office/officeart/2018/5/layout/IconCircleLabelList"/>
+    <dgm:cxn modelId="{9A2AE59B-FA4A-894B-A717-559889253A67}" type="presParOf" srcId="{7CF4C420-1E45-4887-8D71-EB4D3DE70378}" destId="{11EF2120-79CF-4823-8AF2-F0D61F563090}" srcOrd="1" destOrd="0" presId="urn:microsoft.com/office/officeart/2018/5/layout/IconCircleLabelList"/>
+    <dgm:cxn modelId="{7491ED00-11C6-CF49-9E11-3F767B460296}" type="presParOf" srcId="{7CF4C420-1E45-4887-8D71-EB4D3DE70378}" destId="{7D10C12A-989E-4599-9A30-FA4B7EB7D85F}" srcOrd="2" destOrd="0" presId="urn:microsoft.com/office/officeart/2018/5/layout/IconCircleLabelList"/>
+    <dgm:cxn modelId="{10B5F3DD-A70E-0142-92B5-8F7A5E9DCBB0}" type="presParOf" srcId="{7CF4C420-1E45-4887-8D71-EB4D3DE70378}" destId="{6842BB46-63D0-490A-9E63-0EEE1A9DFEC6}" srcOrd="3" destOrd="0" presId="urn:microsoft.com/office/officeart/2018/5/layout/IconCircleLabelList"/>
+  </dgm:cxnLst>
+  <dgm:bg/>
+  <dgm:whole/>
+  <dgm:extLst>
+    <a:ext uri="http://schemas.microsoft.com/office/drawing/2008/diagram">
+      <dsp:dataModelExt xmlns:dsp="http://schemas.microsoft.com/office/drawing/2008/diagram" relId="rId6" minVer="http://schemas.openxmlformats.org/drawingml/2006/diagram"/>
+    </a:ext>
+  </dgm:extLst>
+</dgm:dataModel>
+</file>
+
 <file path=ppt/diagrams/drawing1.xml><?xml version="1.0" encoding="utf-8"?>
+<dsp:drawing xmlns:dgm="http://schemas.openxmlformats.org/drawingml/2006/diagram" xmlns:dsp="http://schemas.microsoft.com/office/drawing/2008/diagram" xmlns:a="http://schemas.openxmlformats.org/drawingml/2006/main">
+  <dsp:spTree>
+    <dsp:nvGrpSpPr>
+      <dsp:cNvPr id="0" name=""/>
+      <dsp:cNvGrpSpPr/>
+    </dsp:nvGrpSpPr>
+    <dsp:grpSpPr/>
+    <dsp:sp modelId="{0A312B03-A69A-184A-AD79-22AF58AB6A1B}">
+      <dsp:nvSpPr>
+        <dsp:cNvPr id="0" name=""/>
+        <dsp:cNvSpPr/>
+      </dsp:nvSpPr>
+      <dsp:spPr>
+        <a:xfrm>
+          <a:off x="0" y="246276"/>
+          <a:ext cx="8267296" cy="1175264"/>
+        </a:xfrm>
+        <a:prstGeom prst="roundRect">
+          <a:avLst/>
+        </a:prstGeom>
+        <a:solidFill>
+          <a:schemeClr val="accent1">
+            <a:hueOff val="0"/>
+            <a:satOff val="0"/>
+            <a:lumOff val="0"/>
+            <a:alphaOff val="0"/>
+          </a:schemeClr>
+        </a:solidFill>
+        <a:ln w="12700" cap="flat" cmpd="sng" algn="ctr">
+          <a:solidFill>
+            <a:schemeClr val="lt1">
+              <a:hueOff val="0"/>
+              <a:satOff val="0"/>
+              <a:lumOff val="0"/>
+              <a:alphaOff val="0"/>
+            </a:schemeClr>
+          </a:solidFill>
+          <a:prstDash val="solid"/>
+          <a:miter lim="800000"/>
+        </a:ln>
+        <a:effectLst/>
+      </dsp:spPr>
+      <dsp:style>
+        <a:lnRef idx="2">
+          <a:scrgbClr r="0" g="0" b="0"/>
+        </a:lnRef>
+        <a:fillRef idx="1">
+          <a:scrgbClr r="0" g="0" b="0"/>
+        </a:fillRef>
+        <a:effectRef idx="0">
+          <a:scrgbClr r="0" g="0" b="0"/>
+        </a:effectRef>
+        <a:fontRef idx="minor">
+          <a:schemeClr val="lt1"/>
+        </a:fontRef>
+      </dsp:style>
+      <dsp:txBody>
+        <a:bodyPr spcFirstLastPara="0" vert="horz" wrap="square" lIns="186690" tIns="186690" rIns="186690" bIns="186690" numCol="1" spcCol="1270" anchor="ctr" anchorCtr="0">
+          <a:noAutofit/>
+        </a:bodyPr>
+        <a:lstStyle/>
+        <a:p>
+          <a:pPr marL="0" lvl="0" indent="0" algn="l" defTabSz="2178050">
+            <a:lnSpc>
+              <a:spcPct val="90000"/>
+            </a:lnSpc>
+            <a:spcBef>
+              <a:spcPct val="0"/>
+            </a:spcBef>
+            <a:spcAft>
+              <a:spcPct val="35000"/>
+            </a:spcAft>
+            <a:buNone/>
+          </a:pPr>
+          <a:r>
+            <a:rPr lang="en-US" sz="4900" kern="1200"/>
+            <a:t>From 2001 to 2021</a:t>
+          </a:r>
+        </a:p>
+      </dsp:txBody>
+      <dsp:txXfrm>
+        <a:off x="57372" y="303648"/>
+        <a:ext cx="8152552" cy="1060520"/>
+      </dsp:txXfrm>
+    </dsp:sp>
+    <dsp:sp modelId="{90CBCE4A-0B68-3349-B5D1-9786F8157A97}">
+      <dsp:nvSpPr>
+        <dsp:cNvPr id="0" name=""/>
+        <dsp:cNvSpPr/>
+      </dsp:nvSpPr>
+      <dsp:spPr>
+        <a:xfrm>
+          <a:off x="0" y="1218340"/>
+          <a:ext cx="8267296" cy="1927170"/>
+        </a:xfrm>
+        <a:prstGeom prst="rect">
+          <a:avLst/>
+        </a:prstGeom>
+        <a:noFill/>
+        <a:ln>
+          <a:noFill/>
+        </a:ln>
+        <a:effectLst/>
+      </dsp:spPr>
+      <dsp:style>
+        <a:lnRef idx="0">
+          <a:scrgbClr r="0" g="0" b="0"/>
+        </a:lnRef>
+        <a:fillRef idx="0">
+          <a:scrgbClr r="0" g="0" b="0"/>
+        </a:fillRef>
+        <a:effectRef idx="0">
+          <a:scrgbClr r="0" g="0" b="0"/>
+        </a:effectRef>
+        <a:fontRef idx="minor"/>
+      </dsp:style>
+      <dsp:txBody>
+        <a:bodyPr spcFirstLastPara="0" vert="horz" wrap="square" lIns="262487" tIns="62230" rIns="348488" bIns="62230" numCol="1" spcCol="1270" anchor="t" anchorCtr="0">
+          <a:noAutofit/>
+        </a:bodyPr>
+        <a:lstStyle/>
+        <a:p>
+          <a:pPr marL="285750" lvl="1" indent="-285750" algn="l" defTabSz="1689100">
+            <a:lnSpc>
+              <a:spcPct val="90000"/>
+            </a:lnSpc>
+            <a:spcBef>
+              <a:spcPct val="0"/>
+            </a:spcBef>
+            <a:spcAft>
+              <a:spcPct val="20000"/>
+            </a:spcAft>
+            <a:buChar char="•"/>
+          </a:pPr>
+          <a:endParaRPr lang="en-US" sz="3800" kern="1200" dirty="0"/>
+        </a:p>
+        <a:p>
+          <a:pPr marL="285750" lvl="1" indent="-285750" algn="l" defTabSz="1689100">
+            <a:lnSpc>
+              <a:spcPct val="90000"/>
+            </a:lnSpc>
+            <a:spcBef>
+              <a:spcPct val="0"/>
+            </a:spcBef>
+            <a:spcAft>
+              <a:spcPct val="20000"/>
+            </a:spcAft>
+            <a:buChar char="•"/>
+          </a:pPr>
+          <a:r>
+            <a:rPr lang="en-US" sz="3800" kern="1200" dirty="0"/>
+            <a:t>Total Amount of Crime: 6,691,918</a:t>
+          </a:r>
+        </a:p>
+        <a:p>
+          <a:pPr marL="285750" lvl="1" indent="-285750" algn="l" defTabSz="1689100">
+            <a:lnSpc>
+              <a:spcPct val="90000"/>
+            </a:lnSpc>
+            <a:spcBef>
+              <a:spcPct val="0"/>
+            </a:spcBef>
+            <a:spcAft>
+              <a:spcPct val="20000"/>
+            </a:spcAft>
+            <a:buChar char="•"/>
+          </a:pPr>
+          <a:r>
+            <a:rPr lang="en-US" sz="3800" kern="1200" dirty="0"/>
+            <a:t>Total Amount of Arrest: 1,783,949</a:t>
+          </a:r>
+        </a:p>
+      </dsp:txBody>
+      <dsp:txXfrm>
+        <a:off x="0" y="1218340"/>
+        <a:ext cx="8267296" cy="1927170"/>
+      </dsp:txXfrm>
+    </dsp:sp>
+  </dsp:spTree>
+</dsp:drawing>
+</file>
+
+<file path=ppt/diagrams/drawing2.xml><?xml version="1.0" encoding="utf-8"?>
 <dsp:drawing xmlns:dgm="http://schemas.openxmlformats.org/drawingml/2006/diagram" xmlns:dsp="http://schemas.microsoft.com/office/drawing/2008/diagram" xmlns:a="http://schemas.openxmlformats.org/drawingml/2006/main">
   <dsp:spTree>
     <dsp:nvGrpSpPr>
@@ -1325,6 +3862,474 @@
 </dsp:drawing>
 </file>
 
+<file path=ppt/diagrams/drawing3.xml><?xml version="1.0" encoding="utf-8"?>
+<dsp:drawing xmlns:dgm="http://schemas.openxmlformats.org/drawingml/2006/diagram" xmlns:dsp="http://schemas.microsoft.com/office/drawing/2008/diagram" xmlns:a="http://schemas.openxmlformats.org/drawingml/2006/main">
+  <dsp:spTree>
+    <dsp:nvGrpSpPr>
+      <dsp:cNvPr id="0" name=""/>
+      <dsp:cNvGrpSpPr/>
+    </dsp:nvGrpSpPr>
+    <dsp:grpSpPr/>
+    <dsp:sp modelId="{D117A2F2-F234-4267-9731-35450B0D89BA}">
+      <dsp:nvSpPr>
+        <dsp:cNvPr id="0" name=""/>
+        <dsp:cNvSpPr/>
+      </dsp:nvSpPr>
+      <dsp:spPr>
+        <a:xfrm>
+          <a:off x="831091" y="18849"/>
+          <a:ext cx="1852875" cy="1852875"/>
+        </a:xfrm>
+        <a:prstGeom prst="ellipse">
+          <a:avLst/>
+        </a:prstGeom>
+        <a:solidFill>
+          <a:schemeClr val="accent2">
+            <a:hueOff val="0"/>
+            <a:satOff val="0"/>
+            <a:lumOff val="0"/>
+            <a:alphaOff val="0"/>
+          </a:schemeClr>
+        </a:solidFill>
+        <a:ln>
+          <a:noFill/>
+        </a:ln>
+        <a:effectLst/>
+      </dsp:spPr>
+      <dsp:style>
+        <a:lnRef idx="0">
+          <a:scrgbClr r="0" g="0" b="0"/>
+        </a:lnRef>
+        <a:fillRef idx="1">
+          <a:scrgbClr r="0" g="0" b="0"/>
+        </a:fillRef>
+        <a:effectRef idx="0">
+          <a:scrgbClr r="0" g="0" b="0"/>
+        </a:effectRef>
+        <a:fontRef idx="minor"/>
+      </dsp:style>
+    </dsp:sp>
+    <dsp:sp modelId="{C88D9E5D-6000-4AC9-B1F4-3D9C957084F3}">
+      <dsp:nvSpPr>
+        <dsp:cNvPr id="0" name=""/>
+        <dsp:cNvSpPr/>
+      </dsp:nvSpPr>
+      <dsp:spPr>
+        <a:xfrm>
+          <a:off x="1225967" y="413724"/>
+          <a:ext cx="1063125" cy="1063125"/>
+        </a:xfrm>
+        <a:prstGeom prst="rect">
+          <a:avLst/>
+        </a:prstGeom>
+        <a:blipFill>
+          <a:blip xmlns:r="http://schemas.openxmlformats.org/officeDocument/2006/relationships" r:embed="rId1">
+            <a:extLst>
+              <a:ext uri="{28A0092B-C50C-407E-A947-70E740481C1C}">
+                <a14:useLocalDpi xmlns:a14="http://schemas.microsoft.com/office/drawing/2010/main" val="0"/>
+              </a:ext>
+              <a:ext uri="{96DAC541-7B7A-43D3-8B79-37D633B846F1}">
+                <asvg:svgBlip xmlns:asvg="http://schemas.microsoft.com/office/drawing/2016/SVG/main" r:embed="rId2"/>
+              </a:ext>
+            </a:extLst>
+          </a:blip>
+          <a:stretch>
+            <a:fillRect/>
+          </a:stretch>
+        </a:blipFill>
+        <a:ln w="12700" cap="flat" cmpd="sng" algn="ctr">
+          <a:noFill/>
+          <a:prstDash val="solid"/>
+          <a:miter lim="800000"/>
+        </a:ln>
+        <a:effectLst/>
+      </dsp:spPr>
+      <dsp:style>
+        <a:lnRef idx="2">
+          <a:scrgbClr r="0" g="0" b="0"/>
+        </a:lnRef>
+        <a:fillRef idx="1">
+          <a:scrgbClr r="0" g="0" b="0"/>
+        </a:fillRef>
+        <a:effectRef idx="0">
+          <a:scrgbClr r="0" g="0" b="0"/>
+        </a:effectRef>
+        <a:fontRef idx="minor">
+          <a:schemeClr val="lt1"/>
+        </a:fontRef>
+      </dsp:style>
+    </dsp:sp>
+    <dsp:sp modelId="{BDA682D6-281F-480B-AAD9-9C4D160B55C2}">
+      <dsp:nvSpPr>
+        <dsp:cNvPr id="0" name=""/>
+        <dsp:cNvSpPr/>
+      </dsp:nvSpPr>
+      <dsp:spPr>
+        <a:xfrm>
+          <a:off x="238779" y="2448850"/>
+          <a:ext cx="3037500" cy="720000"/>
+        </a:xfrm>
+        <a:prstGeom prst="rect">
+          <a:avLst/>
+        </a:prstGeom>
+        <a:noFill/>
+        <a:ln>
+          <a:noFill/>
+        </a:ln>
+        <a:effectLst/>
+      </dsp:spPr>
+      <dsp:style>
+        <a:lnRef idx="0">
+          <a:scrgbClr r="0" g="0" b="0"/>
+        </a:lnRef>
+        <a:fillRef idx="0">
+          <a:scrgbClr r="0" g="0" b="0"/>
+        </a:fillRef>
+        <a:effectRef idx="0">
+          <a:scrgbClr r="0" g="0" b="0"/>
+        </a:effectRef>
+        <a:fontRef idx="minor"/>
+      </dsp:style>
+      <dsp:txBody>
+        <a:bodyPr spcFirstLastPara="0" vert="horz" wrap="square" lIns="0" tIns="0" rIns="0" bIns="0" numCol="1" spcCol="1270" anchor="t" anchorCtr="0">
+          <a:noAutofit/>
+        </a:bodyPr>
+        <a:lstStyle/>
+        <a:p>
+          <a:pPr marL="0" lvl="0" indent="0" algn="ctr" defTabSz="755650">
+            <a:lnSpc>
+              <a:spcPct val="100000"/>
+            </a:lnSpc>
+            <a:spcBef>
+              <a:spcPct val="0"/>
+            </a:spcBef>
+            <a:spcAft>
+              <a:spcPct val="35000"/>
+            </a:spcAft>
+            <a:buNone/>
+            <a:defRPr cap="all"/>
+          </a:pPr>
+          <a:r>
+            <a:rPr lang="en-US" sz="1700" kern="1200">
+              <a:latin typeface="arial" panose="020B0604020202020204" pitchFamily="34" charset="0"/>
+            </a:rPr>
+            <a:t>Random Forest Classifier</a:t>
+          </a:r>
+          <a:endParaRPr lang="en-US" sz="1700" kern="1200"/>
+        </a:p>
+      </dsp:txBody>
+      <dsp:txXfrm>
+        <a:off x="238779" y="2448850"/>
+        <a:ext cx="3037500" cy="720000"/>
+      </dsp:txXfrm>
+    </dsp:sp>
+    <dsp:sp modelId="{44496DF1-AD34-4745-9CDD-E868C4B43751}">
+      <dsp:nvSpPr>
+        <dsp:cNvPr id="0" name=""/>
+        <dsp:cNvSpPr/>
+      </dsp:nvSpPr>
+      <dsp:spPr>
+        <a:xfrm>
+          <a:off x="4400154" y="18849"/>
+          <a:ext cx="1852875" cy="1852875"/>
+        </a:xfrm>
+        <a:prstGeom prst="ellipse">
+          <a:avLst/>
+        </a:prstGeom>
+        <a:solidFill>
+          <a:schemeClr val="accent3">
+            <a:hueOff val="0"/>
+            <a:satOff val="0"/>
+            <a:lumOff val="0"/>
+            <a:alphaOff val="0"/>
+          </a:schemeClr>
+        </a:solidFill>
+        <a:ln>
+          <a:noFill/>
+        </a:ln>
+        <a:effectLst/>
+      </dsp:spPr>
+      <dsp:style>
+        <a:lnRef idx="0">
+          <a:scrgbClr r="0" g="0" b="0"/>
+        </a:lnRef>
+        <a:fillRef idx="1">
+          <a:scrgbClr r="0" g="0" b="0"/>
+        </a:fillRef>
+        <a:effectRef idx="0">
+          <a:scrgbClr r="0" g="0" b="0"/>
+        </a:effectRef>
+        <a:fontRef idx="minor"/>
+      </dsp:style>
+    </dsp:sp>
+    <dsp:sp modelId="{E0698C2E-1811-4F43-AE8B-4BE032183BBF}">
+      <dsp:nvSpPr>
+        <dsp:cNvPr id="0" name=""/>
+        <dsp:cNvSpPr/>
+      </dsp:nvSpPr>
+      <dsp:spPr>
+        <a:xfrm>
+          <a:off x="4795029" y="413724"/>
+          <a:ext cx="1063125" cy="1063125"/>
+        </a:xfrm>
+        <a:prstGeom prst="rect">
+          <a:avLst/>
+        </a:prstGeom>
+        <a:blipFill>
+          <a:blip xmlns:r="http://schemas.openxmlformats.org/officeDocument/2006/relationships" r:embed="rId3">
+            <a:extLst>
+              <a:ext uri="{28A0092B-C50C-407E-A947-70E740481C1C}">
+                <a14:useLocalDpi xmlns:a14="http://schemas.microsoft.com/office/drawing/2010/main" val="0"/>
+              </a:ext>
+              <a:ext uri="{96DAC541-7B7A-43D3-8B79-37D633B846F1}">
+                <asvg:svgBlip xmlns:asvg="http://schemas.microsoft.com/office/drawing/2016/SVG/main" r:embed="rId4"/>
+              </a:ext>
+            </a:extLst>
+          </a:blip>
+          <a:stretch>
+            <a:fillRect/>
+          </a:stretch>
+        </a:blipFill>
+        <a:ln w="12700" cap="flat" cmpd="sng" algn="ctr">
+          <a:noFill/>
+          <a:prstDash val="solid"/>
+          <a:miter lim="800000"/>
+        </a:ln>
+        <a:effectLst/>
+      </dsp:spPr>
+      <dsp:style>
+        <a:lnRef idx="2">
+          <a:scrgbClr r="0" g="0" b="0"/>
+        </a:lnRef>
+        <a:fillRef idx="1">
+          <a:scrgbClr r="0" g="0" b="0"/>
+        </a:fillRef>
+        <a:effectRef idx="0">
+          <a:scrgbClr r="0" g="0" b="0"/>
+        </a:effectRef>
+        <a:fontRef idx="minor">
+          <a:schemeClr val="lt1"/>
+        </a:fontRef>
+      </dsp:style>
+    </dsp:sp>
+    <dsp:sp modelId="{C8E257DF-BD40-4CA3-BDD1-B2FDC2DC2CCB}">
+      <dsp:nvSpPr>
+        <dsp:cNvPr id="0" name=""/>
+        <dsp:cNvSpPr/>
+      </dsp:nvSpPr>
+      <dsp:spPr>
+        <a:xfrm>
+          <a:off x="3807842" y="2448850"/>
+          <a:ext cx="3037500" cy="720000"/>
+        </a:xfrm>
+        <a:prstGeom prst="rect">
+          <a:avLst/>
+        </a:prstGeom>
+        <a:noFill/>
+        <a:ln>
+          <a:noFill/>
+        </a:ln>
+        <a:effectLst/>
+      </dsp:spPr>
+      <dsp:style>
+        <a:lnRef idx="0">
+          <a:scrgbClr r="0" g="0" b="0"/>
+        </a:lnRef>
+        <a:fillRef idx="0">
+          <a:scrgbClr r="0" g="0" b="0"/>
+        </a:fillRef>
+        <a:effectRef idx="0">
+          <a:scrgbClr r="0" g="0" b="0"/>
+        </a:effectRef>
+        <a:fontRef idx="minor"/>
+      </dsp:style>
+      <dsp:txBody>
+        <a:bodyPr spcFirstLastPara="0" vert="horz" wrap="square" lIns="0" tIns="0" rIns="0" bIns="0" numCol="1" spcCol="1270" anchor="t" anchorCtr="0">
+          <a:noAutofit/>
+        </a:bodyPr>
+        <a:lstStyle/>
+        <a:p>
+          <a:pPr marL="0" lvl="0" indent="0" algn="ctr" defTabSz="755650">
+            <a:lnSpc>
+              <a:spcPct val="100000"/>
+            </a:lnSpc>
+            <a:spcBef>
+              <a:spcPct val="0"/>
+            </a:spcBef>
+            <a:spcAft>
+              <a:spcPct val="35000"/>
+            </a:spcAft>
+            <a:buNone/>
+            <a:defRPr cap="all"/>
+          </a:pPr>
+          <a:r>
+            <a:rPr lang="en-US" sz="1700" kern="1200">
+              <a:latin typeface="arial" panose="020B0604020202020204" pitchFamily="34" charset="0"/>
+            </a:rPr>
+            <a:t>Random Forest Classifier_Modified</a:t>
+          </a:r>
+          <a:endParaRPr lang="en-US" sz="1700" kern="1200"/>
+        </a:p>
+      </dsp:txBody>
+      <dsp:txXfrm>
+        <a:off x="3807842" y="2448850"/>
+        <a:ext cx="3037500" cy="720000"/>
+      </dsp:txXfrm>
+    </dsp:sp>
+    <dsp:sp modelId="{DFCEB4FE-EB17-438B-927C-F48FA9CBDCF2}">
+      <dsp:nvSpPr>
+        <dsp:cNvPr id="0" name=""/>
+        <dsp:cNvSpPr/>
+      </dsp:nvSpPr>
+      <dsp:spPr>
+        <a:xfrm>
+          <a:off x="7969217" y="18849"/>
+          <a:ext cx="1852875" cy="1852875"/>
+        </a:xfrm>
+        <a:prstGeom prst="ellipse">
+          <a:avLst/>
+        </a:prstGeom>
+        <a:solidFill>
+          <a:schemeClr val="accent4">
+            <a:hueOff val="0"/>
+            <a:satOff val="0"/>
+            <a:lumOff val="0"/>
+            <a:alphaOff val="0"/>
+          </a:schemeClr>
+        </a:solidFill>
+        <a:ln>
+          <a:noFill/>
+        </a:ln>
+        <a:effectLst/>
+      </dsp:spPr>
+      <dsp:style>
+        <a:lnRef idx="0">
+          <a:scrgbClr r="0" g="0" b="0"/>
+        </a:lnRef>
+        <a:fillRef idx="1">
+          <a:scrgbClr r="0" g="0" b="0"/>
+        </a:fillRef>
+        <a:effectRef idx="0">
+          <a:scrgbClr r="0" g="0" b="0"/>
+        </a:effectRef>
+        <a:fontRef idx="minor"/>
+      </dsp:style>
+    </dsp:sp>
+    <dsp:sp modelId="{11EF2120-79CF-4823-8AF2-F0D61F563090}">
+      <dsp:nvSpPr>
+        <dsp:cNvPr id="0" name=""/>
+        <dsp:cNvSpPr/>
+      </dsp:nvSpPr>
+      <dsp:spPr>
+        <a:xfrm>
+          <a:off x="8364092" y="413724"/>
+          <a:ext cx="1063125" cy="1063125"/>
+        </a:xfrm>
+        <a:prstGeom prst="rect">
+          <a:avLst/>
+        </a:prstGeom>
+        <a:blipFill>
+          <a:blip xmlns:r="http://schemas.openxmlformats.org/officeDocument/2006/relationships" r:embed="rId5">
+            <a:extLst>
+              <a:ext uri="{28A0092B-C50C-407E-A947-70E740481C1C}">
+                <a14:useLocalDpi xmlns:a14="http://schemas.microsoft.com/office/drawing/2010/main" val="0"/>
+              </a:ext>
+              <a:ext uri="{96DAC541-7B7A-43D3-8B79-37D633B846F1}">
+                <asvg:svgBlip xmlns:asvg="http://schemas.microsoft.com/office/drawing/2016/SVG/main" r:embed="rId6"/>
+              </a:ext>
+            </a:extLst>
+          </a:blip>
+          <a:stretch>
+            <a:fillRect/>
+          </a:stretch>
+        </a:blipFill>
+        <a:ln w="12700" cap="flat" cmpd="sng" algn="ctr">
+          <a:noFill/>
+          <a:prstDash val="solid"/>
+          <a:miter lim="800000"/>
+        </a:ln>
+        <a:effectLst/>
+      </dsp:spPr>
+      <dsp:style>
+        <a:lnRef idx="2">
+          <a:scrgbClr r="0" g="0" b="0"/>
+        </a:lnRef>
+        <a:fillRef idx="1">
+          <a:scrgbClr r="0" g="0" b="0"/>
+        </a:fillRef>
+        <a:effectRef idx="0">
+          <a:scrgbClr r="0" g="0" b="0"/>
+        </a:effectRef>
+        <a:fontRef idx="minor">
+          <a:schemeClr val="lt1"/>
+        </a:fontRef>
+      </dsp:style>
+    </dsp:sp>
+    <dsp:sp modelId="{6842BB46-63D0-490A-9E63-0EEE1A9DFEC6}">
+      <dsp:nvSpPr>
+        <dsp:cNvPr id="0" name=""/>
+        <dsp:cNvSpPr/>
+      </dsp:nvSpPr>
+      <dsp:spPr>
+        <a:xfrm>
+          <a:off x="7376904" y="2448850"/>
+          <a:ext cx="3037500" cy="720000"/>
+        </a:xfrm>
+        <a:prstGeom prst="rect">
+          <a:avLst/>
+        </a:prstGeom>
+        <a:noFill/>
+        <a:ln>
+          <a:noFill/>
+        </a:ln>
+        <a:effectLst/>
+      </dsp:spPr>
+      <dsp:style>
+        <a:lnRef idx="0">
+          <a:scrgbClr r="0" g="0" b="0"/>
+        </a:lnRef>
+        <a:fillRef idx="0">
+          <a:scrgbClr r="0" g="0" b="0"/>
+        </a:fillRef>
+        <a:effectRef idx="0">
+          <a:scrgbClr r="0" g="0" b="0"/>
+        </a:effectRef>
+        <a:fontRef idx="minor"/>
+      </dsp:style>
+      <dsp:txBody>
+        <a:bodyPr spcFirstLastPara="0" vert="horz" wrap="square" lIns="0" tIns="0" rIns="0" bIns="0" numCol="1" spcCol="1270" anchor="t" anchorCtr="0">
+          <a:noAutofit/>
+        </a:bodyPr>
+        <a:lstStyle/>
+        <a:p>
+          <a:pPr marL="0" lvl="0" indent="0" algn="ctr" defTabSz="755650">
+            <a:lnSpc>
+              <a:spcPct val="100000"/>
+            </a:lnSpc>
+            <a:spcBef>
+              <a:spcPct val="0"/>
+            </a:spcBef>
+            <a:spcAft>
+              <a:spcPct val="35000"/>
+            </a:spcAft>
+            <a:buNone/>
+            <a:defRPr cap="all"/>
+          </a:pPr>
+          <a:r>
+            <a:rPr lang="en-US" sz="1700" kern="1200"/>
+            <a:t>Logistic Regression_undersampling</a:t>
+          </a:r>
+        </a:p>
+      </dsp:txBody>
+      <dsp:txXfrm>
+        <a:off x="7376904" y="2448850"/>
+        <a:ext cx="3037500" cy="720000"/>
+      </dsp:txXfrm>
+    </dsp:sp>
+  </dsp:spTree>
+</dsp:drawing>
+</file>
+
 <file path=ppt/diagrams/layout1.xml><?xml version="1.0" encoding="utf-8"?>
 <dgm:layoutDef xmlns:dgm="http://schemas.openxmlformats.org/drawingml/2006/diagram" xmlns:a="http://schemas.openxmlformats.org/drawingml/2006/main" uniqueId="urn:microsoft.com/office/officeart/2005/8/layout/vList2">
   <dgm:title val=""/>
@@ -1492,7 +4497,2457 @@
 </dgm:layoutDef>
 </file>
 
+<file path=ppt/diagrams/layout2.xml><?xml version="1.0" encoding="utf-8"?>
+<dgm:layoutDef xmlns:dgm="http://schemas.openxmlformats.org/drawingml/2006/diagram" xmlns:a="http://schemas.openxmlformats.org/drawingml/2006/main" uniqueId="urn:microsoft.com/office/officeart/2005/8/layout/vList2">
+  <dgm:title val=""/>
+  <dgm:desc val=""/>
+  <dgm:catLst>
+    <dgm:cat type="list" pri="3000"/>
+    <dgm:cat type="convert" pri="1000"/>
+  </dgm:catLst>
+  <dgm:sampData>
+    <dgm:dataModel>
+      <dgm:ptLst>
+        <dgm:pt modelId="0" type="doc"/>
+        <dgm:pt modelId="1">
+          <dgm:prSet phldr="1"/>
+        </dgm:pt>
+        <dgm:pt modelId="11">
+          <dgm:prSet phldr="1"/>
+        </dgm:pt>
+        <dgm:pt modelId="2">
+          <dgm:prSet phldr="1"/>
+        </dgm:pt>
+        <dgm:pt modelId="21">
+          <dgm:prSet phldr="1"/>
+        </dgm:pt>
+      </dgm:ptLst>
+      <dgm:cxnLst>
+        <dgm:cxn modelId="4" srcId="0" destId="1" srcOrd="0" destOrd="0"/>
+        <dgm:cxn modelId="5" srcId="0" destId="2" srcOrd="1" destOrd="0"/>
+        <dgm:cxn modelId="12" srcId="1" destId="11" srcOrd="0" destOrd="0"/>
+        <dgm:cxn modelId="23" srcId="2" destId="21" srcOrd="0" destOrd="0"/>
+      </dgm:cxnLst>
+      <dgm:bg/>
+      <dgm:whole/>
+    </dgm:dataModel>
+  </dgm:sampData>
+  <dgm:styleData>
+    <dgm:dataModel>
+      <dgm:ptLst>
+        <dgm:pt modelId="0" type="doc"/>
+        <dgm:pt modelId="1"/>
+        <dgm:pt modelId="2"/>
+      </dgm:ptLst>
+      <dgm:cxnLst>
+        <dgm:cxn modelId="3" srcId="0" destId="1" srcOrd="0" destOrd="0"/>
+        <dgm:cxn modelId="4" srcId="0" destId="2" srcOrd="1" destOrd="0"/>
+      </dgm:cxnLst>
+      <dgm:bg/>
+      <dgm:whole/>
+    </dgm:dataModel>
+  </dgm:styleData>
+  <dgm:clrData>
+    <dgm:dataModel>
+      <dgm:ptLst>
+        <dgm:pt modelId="0" type="doc"/>
+        <dgm:pt modelId="1"/>
+        <dgm:pt modelId="2"/>
+        <dgm:pt modelId="3"/>
+        <dgm:pt modelId="4"/>
+      </dgm:ptLst>
+      <dgm:cxnLst>
+        <dgm:cxn modelId="5" srcId="0" destId="1" srcOrd="0" destOrd="0"/>
+        <dgm:cxn modelId="6" srcId="0" destId="2" srcOrd="1" destOrd="0"/>
+        <dgm:cxn modelId="7" srcId="0" destId="3" srcOrd="2" destOrd="0"/>
+        <dgm:cxn modelId="8" srcId="0" destId="4" srcOrd="3" destOrd="0"/>
+      </dgm:cxnLst>
+      <dgm:bg/>
+      <dgm:whole/>
+    </dgm:dataModel>
+  </dgm:clrData>
+  <dgm:layoutNode name="linear">
+    <dgm:varLst>
+      <dgm:animLvl val="lvl"/>
+      <dgm:resizeHandles val="exact"/>
+    </dgm:varLst>
+    <dgm:alg type="lin">
+      <dgm:param type="linDir" val="fromT"/>
+      <dgm:param type="vertAlign" val="mid"/>
+    </dgm:alg>
+    <dgm:shape xmlns:r="http://schemas.openxmlformats.org/officeDocument/2006/relationships" r:blip="">
+      <dgm:adjLst/>
+    </dgm:shape>
+    <dgm:presOf/>
+    <dgm:constrLst>
+      <dgm:constr type="w" for="ch" forName="parentText" refType="w"/>
+      <dgm:constr type="h" for="ch" forName="parentText" refType="primFontSz" refFor="ch" refForName="parentText" fact="0.52"/>
+      <dgm:constr type="w" for="ch" forName="childText" refType="w"/>
+      <dgm:constr type="h" for="ch" forName="childText" refType="primFontSz" refFor="ch" refForName="parentText" fact="0.46"/>
+      <dgm:constr type="h" for="ch" forName="parentText" op="equ"/>
+      <dgm:constr type="primFontSz" for="ch" forName="parentText" op="equ" val="65"/>
+      <dgm:constr type="primFontSz" for="ch" forName="childText" refType="primFontSz" refFor="ch" refForName="parentText" op="equ"/>
+      <dgm:constr type="h" for="ch" forName="spacer" refType="primFontSz" refFor="ch" refForName="parentText" fact="0.08"/>
+    </dgm:constrLst>
+    <dgm:ruleLst>
+      <dgm:rule type="primFontSz" for="ch" forName="parentText" val="5" fact="NaN" max="NaN"/>
+    </dgm:ruleLst>
+    <dgm:forEach name="Name0" axis="ch" ptType="node">
+      <dgm:layoutNode name="parentText" styleLbl="node1">
+        <dgm:varLst>
+          <dgm:chMax val="0"/>
+          <dgm:bulletEnabled val="1"/>
+        </dgm:varLst>
+        <dgm:alg type="tx">
+          <dgm:param type="parTxLTRAlign" val="l"/>
+          <dgm:param type="parTxRTLAlign" val="r"/>
+        </dgm:alg>
+        <dgm:shape xmlns:r="http://schemas.openxmlformats.org/officeDocument/2006/relationships" type="roundRect" r:blip="">
+          <dgm:adjLst/>
+        </dgm:shape>
+        <dgm:presOf axis="self"/>
+        <dgm:constrLst>
+          <dgm:constr type="tMarg" refType="primFontSz" fact="0.3"/>
+          <dgm:constr type="bMarg" refType="primFontSz" fact="0.3"/>
+          <dgm:constr type="lMarg" refType="primFontSz" fact="0.3"/>
+          <dgm:constr type="rMarg" refType="primFontSz" fact="0.3"/>
+        </dgm:constrLst>
+        <dgm:ruleLst>
+          <dgm:rule type="h" val="INF" fact="NaN" max="NaN"/>
+        </dgm:ruleLst>
+      </dgm:layoutNode>
+      <dgm:choose name="Name1">
+        <dgm:if name="Name2" axis="ch" ptType="node" func="cnt" op="gte" val="1">
+          <dgm:layoutNode name="childText" styleLbl="revTx">
+            <dgm:varLst>
+              <dgm:bulletEnabled val="1"/>
+            </dgm:varLst>
+            <dgm:alg type="tx">
+              <dgm:param type="stBulletLvl" val="1"/>
+              <dgm:param type="lnSpAfChP" val="20"/>
+            </dgm:alg>
+            <dgm:shape xmlns:r="http://schemas.openxmlformats.org/officeDocument/2006/relationships" type="rect" r:blip="">
+              <dgm:adjLst/>
+            </dgm:shape>
+            <dgm:presOf axis="des" ptType="node"/>
+            <dgm:constrLst>
+              <dgm:constr type="tMarg" refType="primFontSz" fact="0.1"/>
+              <dgm:constr type="bMarg" refType="primFontSz" fact="0.1"/>
+              <dgm:constr type="lMarg" refType="w" fact="0.09"/>
+            </dgm:constrLst>
+            <dgm:ruleLst>
+              <dgm:rule type="h" val="INF" fact="NaN" max="NaN"/>
+            </dgm:ruleLst>
+          </dgm:layoutNode>
+        </dgm:if>
+        <dgm:else name="Name3">
+          <dgm:choose name="Name4">
+            <dgm:if name="Name5" axis="par ch" ptType="doc node" func="cnt" op="gte" val="2">
+              <dgm:forEach name="Name6" axis="followSib" ptType="sibTrans" cnt="1">
+                <dgm:layoutNode name="spacer">
+                  <dgm:alg type="sp"/>
+                  <dgm:shape xmlns:r="http://schemas.openxmlformats.org/officeDocument/2006/relationships" r:blip="">
+                    <dgm:adjLst/>
+                  </dgm:shape>
+                  <dgm:presOf/>
+                  <dgm:constrLst/>
+                  <dgm:ruleLst/>
+                </dgm:layoutNode>
+              </dgm:forEach>
+            </dgm:if>
+            <dgm:else name="Name7"/>
+          </dgm:choose>
+        </dgm:else>
+      </dgm:choose>
+    </dgm:forEach>
+  </dgm:layoutNode>
+</dgm:layoutDef>
+</file>
+
+<file path=ppt/diagrams/layout3.xml><?xml version="1.0" encoding="utf-8"?>
+<dgm:layoutDef xmlns:dgm="http://schemas.openxmlformats.org/drawingml/2006/diagram" xmlns:a="http://schemas.openxmlformats.org/drawingml/2006/main" uniqueId="urn:microsoft.com/office/officeart/2018/5/layout/IconCircleLabelList">
+  <dgm:title val="Icon Circle Label List"/>
+  <dgm:desc val="Use to show non-sequential or grouped chunks of information accompanied by a related visuals. Works best with icons or small pictures with short text captions."/>
+  <dgm:catLst>
+    <dgm:cat type="icon" pri="500"/>
+  </dgm:catLst>
+  <dgm:sampData useDef="1">
+    <dgm:dataModel>
+      <dgm:ptLst/>
+      <dgm:bg/>
+      <dgm:whole/>
+    </dgm:dataModel>
+  </dgm:sampData>
+  <dgm:styleData useDef="1">
+    <dgm:dataModel>
+      <dgm:ptLst/>
+      <dgm:bg/>
+      <dgm:whole/>
+    </dgm:dataModel>
+  </dgm:styleData>
+  <dgm:clrData useDef="1">
+    <dgm:dataModel>
+      <dgm:ptLst/>
+      <dgm:bg/>
+      <dgm:whole/>
+    </dgm:dataModel>
+  </dgm:clrData>
+  <dgm:layoutNode name="root">
+    <dgm:varLst>
+      <dgm:dir/>
+      <dgm:resizeHandles val="exact"/>
+    </dgm:varLst>
+    <dgm:choose name="Name0">
+      <dgm:if name="Name1" axis="self" func="var" arg="dir" op="equ" val="norm">
+        <dgm:alg type="snake">
+          <dgm:param type="grDir" val="tL"/>
+          <dgm:param type="flowDir" val="row"/>
+          <dgm:param type="contDir" val="sameDir"/>
+          <dgm:param type="off" val="ctr"/>
+          <dgm:param type="vertAlign" val="mid"/>
+          <dgm:param type="horzAlign" val="ctr"/>
+        </dgm:alg>
+      </dgm:if>
+      <dgm:else name="Name2">
+        <dgm:alg type="snake">
+          <dgm:param type="grDir" val="tR"/>
+          <dgm:param type="flowDir" val="row"/>
+          <dgm:param type="contDir" val="sameDir"/>
+          <dgm:param type="off" val="ctr"/>
+          <dgm:param type="vertAlign" val="mid"/>
+          <dgm:param type="horzAlign" val="ctr"/>
+        </dgm:alg>
+      </dgm:else>
+    </dgm:choose>
+    <dgm:shape xmlns:r="http://schemas.openxmlformats.org/officeDocument/2006/relationships" r:blip="">
+      <dgm:adjLst/>
+    </dgm:shape>
+    <dgm:presOf/>
+    <dgm:choose name="Name3">
+      <dgm:if name="Name4" axis="ch" ptType="node" func="cnt" op="lte" val="2">
+        <dgm:constrLst>
+          <dgm:constr type="h" for="ch" forName="compNode" refType="h" fact="0.4"/>
+          <dgm:constr type="w" for="ch" forName="compNode" val="100"/>
+          <dgm:constr type="w" for="ch" forName="sibTrans" refType="w" refFor="ch" refForName="compNode" fact="0.175"/>
+          <dgm:constr type="sp" refType="w" refFor="ch" refForName="compNode" op="equ" fact="0.25"/>
+          <dgm:constr type="primFontSz" for="des" ptType="node" op="equ" val="44"/>
+          <dgm:constr type="h" for="des" forName="compNode" op="equ"/>
+          <dgm:constr type="h" for="des" forName="textRect" op="equ"/>
+        </dgm:constrLst>
+      </dgm:if>
+      <dgm:if name="Name5" axis="ch" ptType="node" func="cnt" op="lte" val="3">
+        <dgm:constrLst>
+          <dgm:constr type="h" for="ch" forName="compNode" refType="h" fact="0.4"/>
+          <dgm:constr type="w" for="ch" forName="compNode" val="100"/>
+          <dgm:constr type="w" for="ch" forName="sibTrans" refType="w" refFor="ch" refForName="compNode" fact="0.175"/>
+          <dgm:constr type="sp" refType="w" refFor="ch" refForName="compNode" op="equ" fact="0.25"/>
+          <dgm:constr type="primFontSz" for="des" ptType="node" op="equ" val="40"/>
+          <dgm:constr type="h" for="des" forName="compNode" op="equ"/>
+          <dgm:constr type="h" for="des" forName="textRect" op="equ"/>
+        </dgm:constrLst>
+      </dgm:if>
+      <dgm:if name="Name6" axis="ch" ptType="node" func="cnt" op="lte" val="4">
+        <dgm:constrLst>
+          <dgm:constr type="h" for="ch" forName="compNode" refType="h" fact="0.4"/>
+          <dgm:constr type="w" for="ch" forName="compNode" refType="w"/>
+          <dgm:constr type="w" for="ch" forName="sibTrans" refType="w" refFor="ch" refForName="compNode" fact="0.175"/>
+          <dgm:constr type="sp" refType="w" refFor="ch" refForName="compNode" op="equ" fact="0.25"/>
+          <dgm:constr type="primFontSz" for="des" ptType="node" op="equ" val="32"/>
+          <dgm:constr type="h" for="des" forName="compNode" op="equ"/>
+          <dgm:constr type="h" for="des" forName="textRect" op="equ"/>
+        </dgm:constrLst>
+      </dgm:if>
+      <dgm:else name="Name7">
+        <dgm:constrLst>
+          <dgm:constr type="h" for="ch" forName="compNode" refType="h" fact="0.4"/>
+          <dgm:constr type="w" for="ch" forName="compNode" refType="w"/>
+          <dgm:constr type="w" for="ch" forName="sibTrans" refType="w" refFor="ch" refForName="compNode" fact="0.175"/>
+          <dgm:constr type="sp" refType="w" refFor="ch" refForName="compNode" op="equ" fact="0.25"/>
+          <dgm:constr type="primFontSz" for="des" ptType="node" op="equ" val="24"/>
+          <dgm:constr type="h" for="des" forName="compNode" op="equ"/>
+          <dgm:constr type="h" for="des" forName="textRect" op="equ"/>
+        </dgm:constrLst>
+      </dgm:else>
+    </dgm:choose>
+    <dgm:ruleLst>
+      <dgm:rule type="w" for="ch" forName="compNode" val="50" fact="NaN" max="NaN"/>
+    </dgm:ruleLst>
+    <dgm:forEach name="Name8" axis="ch" ptType="node">
+      <dgm:layoutNode name="compNode">
+        <dgm:alg type="composite"/>
+        <dgm:shape xmlns:r="http://schemas.openxmlformats.org/officeDocument/2006/relationships" r:blip="">
+          <dgm:adjLst/>
+        </dgm:shape>
+        <dgm:presOf axis="self"/>
+        <dgm:constrLst>
+          <dgm:constr type="w" for="ch" forName="iconBgRect" refType="w" fact="0.61"/>
+          <dgm:constr type="h" for="ch" forName="iconBgRect" refType="w" refFor="ch" refForName="iconBgRect"/>
+          <dgm:constr type="t" for="ch" forName="iconBgRect"/>
+          <dgm:constr type="ctrX" for="ch" forName="iconBgRect" refType="w" fact="0.5"/>
+          <dgm:constr type="w" for="ch" forName="iconRect" refType="w" fact="0.35"/>
+          <dgm:constr type="h" for="ch" forName="iconRect" refType="w" refFor="ch" refForName="iconRect"/>
+          <dgm:constr type="ctrX" for="ch" forName="iconRect" refType="ctrX" refFor="ch" refForName="iconBgRect"/>
+          <dgm:constr type="ctrY" for="ch" forName="iconRect" refType="ctrY" refFor="ch" refForName="iconBgRect"/>
+          <dgm:constr type="h" for="ch" forName="spaceRect" refType="w" fact="0.19"/>
+          <dgm:constr type="w" for="ch" forName="spaceRect" refType="w"/>
+          <dgm:constr type="l" for="ch" forName="spaceRect"/>
+          <dgm:constr type="t" for="ch" forName="spaceRect" refType="b" refFor="ch" refForName="iconBgRect"/>
+          <dgm:constr type="h" for="ch" forName="textRect" val="20"/>
+          <dgm:constr type="w" for="ch" forName="textRect" refType="w"/>
+          <dgm:constr type="l" for="ch" forName="textRect"/>
+          <dgm:constr type="t" for="ch" forName="textRect" refType="b" refFor="ch" refForName="spaceRect"/>
+        </dgm:constrLst>
+        <dgm:ruleLst>
+          <dgm:rule type="h" val="INF" fact="NaN" max="NaN"/>
+        </dgm:ruleLst>
+        <dgm:layoutNode name="iconBgRect" styleLbl="bgShp">
+          <dgm:alg type="sp"/>
+          <dgm:shape xmlns:r="http://schemas.openxmlformats.org/officeDocument/2006/relationships" type="ellipse" r:blip="">
+            <dgm:adjLst/>
+          </dgm:shape>
+          <dgm:presOf/>
+          <dgm:constrLst/>
+          <dgm:ruleLst/>
+        </dgm:layoutNode>
+        <dgm:layoutNode name="iconRect" styleLbl="node1">
+          <dgm:alg type="sp"/>
+          <dgm:shape xmlns:r="http://schemas.openxmlformats.org/officeDocument/2006/relationships" type="rect" r:blip="" blipPhldr="1">
+            <dgm:adjLst/>
+          </dgm:shape>
+          <dgm:presOf/>
+          <dgm:constrLst/>
+          <dgm:ruleLst/>
+        </dgm:layoutNode>
+        <dgm:layoutNode name="spaceRect">
+          <dgm:alg type="sp"/>
+          <dgm:shape xmlns:r="http://schemas.openxmlformats.org/officeDocument/2006/relationships" r:blip="">
+            <dgm:adjLst/>
+          </dgm:shape>
+          <dgm:presOf/>
+          <dgm:constrLst/>
+          <dgm:ruleLst/>
+        </dgm:layoutNode>
+        <dgm:layoutNode name="textRect" styleLbl="revTx">
+          <dgm:varLst>
+            <dgm:chMax val="1"/>
+            <dgm:chPref val="1"/>
+          </dgm:varLst>
+          <dgm:alg type="tx">
+            <dgm:param type="txAnchorVert" val="t"/>
+          </dgm:alg>
+          <dgm:shape xmlns:r="http://schemas.openxmlformats.org/officeDocument/2006/relationships" type="rect" r:blip="">
+            <dgm:adjLst/>
+          </dgm:shape>
+          <dgm:presOf axis="self" ptType="node"/>
+          <dgm:constrLst>
+            <dgm:constr type="lMarg"/>
+            <dgm:constr type="rMarg"/>
+            <dgm:constr type="tMarg"/>
+            <dgm:constr type="bMarg"/>
+          </dgm:constrLst>
+          <dgm:ruleLst>
+            <dgm:rule type="primFontSz" val="11" fact="NaN" max="NaN"/>
+            <dgm:rule type="h" val="INF" fact="NaN" max="NaN"/>
+          </dgm:ruleLst>
+        </dgm:layoutNode>
+      </dgm:layoutNode>
+      <dgm:forEach name="Name9" axis="followSib" ptType="sibTrans" cnt="1">
+        <dgm:layoutNode name="sibTrans">
+          <dgm:alg type="sp"/>
+          <dgm:shape xmlns:r="http://schemas.openxmlformats.org/officeDocument/2006/relationships" r:blip="">
+            <dgm:adjLst/>
+          </dgm:shape>
+          <dgm:presOf axis="self"/>
+          <dgm:constrLst/>
+          <dgm:ruleLst/>
+        </dgm:layoutNode>
+      </dgm:forEach>
+    </dgm:forEach>
+  </dgm:layoutNode>
+  <dgm:extLst>
+    <a:ext uri="{68A01E43-0DF5-4B5B-8FA6-DAF915123BFB}">
+      <dgm1612:lstStyle xmlns:dgm1612="http://schemas.microsoft.com/office/drawing/2016/12/diagram">
+        <a:lvl1pPr>
+          <a:lnSpc>
+            <a:spcPct val="100000"/>
+          </a:lnSpc>
+          <a:defRPr cap="all"/>
+        </a:lvl1pPr>
+      </dgm1612:lstStyle>
+    </a:ext>
+  </dgm:extLst>
+</dgm:layoutDef>
+</file>
+
 <file path=ppt/diagrams/quickStyle1.xml><?xml version="1.0" encoding="utf-8"?>
+<dgm:styleDef xmlns:dgm="http://schemas.openxmlformats.org/drawingml/2006/diagram" xmlns:a="http://schemas.openxmlformats.org/drawingml/2006/main" uniqueId="urn:microsoft.com/office/officeart/2005/8/quickstyle/simple1">
+  <dgm:title val=""/>
+  <dgm:desc val=""/>
+  <dgm:catLst>
+    <dgm:cat type="simple" pri="10100"/>
+  </dgm:catLst>
+  <dgm:scene3d>
+    <a:camera prst="orthographicFront"/>
+    <a:lightRig rig="threePt" dir="t"/>
+  </dgm:scene3d>
+  <dgm:styleLbl name="node0">
+    <dgm:scene3d>
+      <a:camera prst="orthographicFront"/>
+      <a:lightRig rig="threePt" dir="t"/>
+    </dgm:scene3d>
+    <dgm:sp3d/>
+    <dgm:txPr/>
+    <dgm:style>
+      <a:lnRef idx="2">
+        <a:scrgbClr r="0" g="0" b="0"/>
+      </a:lnRef>
+      <a:fillRef idx="1">
+        <a:scrgbClr r="0" g="0" b="0"/>
+      </a:fillRef>
+      <a:effectRef idx="0">
+        <a:scrgbClr r="0" g="0" b="0"/>
+      </a:effectRef>
+      <a:fontRef idx="minor">
+        <a:schemeClr val="lt1"/>
+      </a:fontRef>
+    </dgm:style>
+  </dgm:styleLbl>
+  <dgm:styleLbl name="lnNode1">
+    <dgm:scene3d>
+      <a:camera prst="orthographicFront"/>
+      <a:lightRig rig="threePt" dir="t"/>
+    </dgm:scene3d>
+    <dgm:sp3d/>
+    <dgm:txPr/>
+    <dgm:style>
+      <a:lnRef idx="2">
+        <a:scrgbClr r="0" g="0" b="0"/>
+      </a:lnRef>
+      <a:fillRef idx="1">
+        <a:scrgbClr r="0" g="0" b="0"/>
+      </a:fillRef>
+      <a:effectRef idx="0">
+        <a:scrgbClr r="0" g="0" b="0"/>
+      </a:effectRef>
+      <a:fontRef idx="minor">
+        <a:schemeClr val="lt1"/>
+      </a:fontRef>
+    </dgm:style>
+  </dgm:styleLbl>
+  <dgm:styleLbl name="vennNode1">
+    <dgm:scene3d>
+      <a:camera prst="orthographicFront"/>
+      <a:lightRig rig="threePt" dir="t"/>
+    </dgm:scene3d>
+    <dgm:sp3d/>
+    <dgm:txPr/>
+    <dgm:style>
+      <a:lnRef idx="2">
+        <a:scrgbClr r="0" g="0" b="0"/>
+      </a:lnRef>
+      <a:fillRef idx="1">
+        <a:scrgbClr r="0" g="0" b="0"/>
+      </a:fillRef>
+      <a:effectRef idx="0">
+        <a:scrgbClr r="0" g="0" b="0"/>
+      </a:effectRef>
+      <a:fontRef idx="minor">
+        <a:schemeClr val="tx1"/>
+      </a:fontRef>
+    </dgm:style>
+  </dgm:styleLbl>
+  <dgm:styleLbl name="alignNode1">
+    <dgm:scene3d>
+      <a:camera prst="orthographicFront"/>
+      <a:lightRig rig="threePt" dir="t"/>
+    </dgm:scene3d>
+    <dgm:sp3d/>
+    <dgm:txPr/>
+    <dgm:style>
+      <a:lnRef idx="2">
+        <a:scrgbClr r="0" g="0" b="0"/>
+      </a:lnRef>
+      <a:fillRef idx="1">
+        <a:scrgbClr r="0" g="0" b="0"/>
+      </a:fillRef>
+      <a:effectRef idx="0">
+        <a:scrgbClr r="0" g="0" b="0"/>
+      </a:effectRef>
+      <a:fontRef idx="minor">
+        <a:schemeClr val="lt1"/>
+      </a:fontRef>
+    </dgm:style>
+  </dgm:styleLbl>
+  <dgm:styleLbl name="node1">
+    <dgm:scene3d>
+      <a:camera prst="orthographicFront"/>
+      <a:lightRig rig="threePt" dir="t"/>
+    </dgm:scene3d>
+    <dgm:sp3d/>
+    <dgm:txPr/>
+    <dgm:style>
+      <a:lnRef idx="2">
+        <a:scrgbClr r="0" g="0" b="0"/>
+      </a:lnRef>
+      <a:fillRef idx="1">
+        <a:scrgbClr r="0" g="0" b="0"/>
+      </a:fillRef>
+      <a:effectRef idx="0">
+        <a:scrgbClr r="0" g="0" b="0"/>
+      </a:effectRef>
+      <a:fontRef idx="minor">
+        <a:schemeClr val="lt1"/>
+      </a:fontRef>
+    </dgm:style>
+  </dgm:styleLbl>
+  <dgm:styleLbl name="node2">
+    <dgm:scene3d>
+      <a:camera prst="orthographicFront"/>
+      <a:lightRig rig="threePt" dir="t"/>
+    </dgm:scene3d>
+    <dgm:sp3d/>
+    <dgm:txPr/>
+    <dgm:style>
+      <a:lnRef idx="2">
+        <a:scrgbClr r="0" g="0" b="0"/>
+      </a:lnRef>
+      <a:fillRef idx="1">
+        <a:scrgbClr r="0" g="0" b="0"/>
+      </a:fillRef>
+      <a:effectRef idx="0">
+        <a:scrgbClr r="0" g="0" b="0"/>
+      </a:effectRef>
+      <a:fontRef idx="minor">
+        <a:schemeClr val="lt1"/>
+      </a:fontRef>
+    </dgm:style>
+  </dgm:styleLbl>
+  <dgm:styleLbl name="node3">
+    <dgm:scene3d>
+      <a:camera prst="orthographicFront"/>
+      <a:lightRig rig="threePt" dir="t"/>
+    </dgm:scene3d>
+    <dgm:sp3d/>
+    <dgm:txPr/>
+    <dgm:style>
+      <a:lnRef idx="2">
+        <a:scrgbClr r="0" g="0" b="0"/>
+      </a:lnRef>
+      <a:fillRef idx="1">
+        <a:scrgbClr r="0" g="0" b="0"/>
+      </a:fillRef>
+      <a:effectRef idx="0">
+        <a:scrgbClr r="0" g="0" b="0"/>
+      </a:effectRef>
+      <a:fontRef idx="minor">
+        <a:schemeClr val="lt1"/>
+      </a:fontRef>
+    </dgm:style>
+  </dgm:styleLbl>
+  <dgm:styleLbl name="node4">
+    <dgm:scene3d>
+      <a:camera prst="orthographicFront"/>
+      <a:lightRig rig="threePt" dir="t"/>
+    </dgm:scene3d>
+    <dgm:sp3d/>
+    <dgm:txPr/>
+    <dgm:style>
+      <a:lnRef idx="2">
+        <a:scrgbClr r="0" g="0" b="0"/>
+      </a:lnRef>
+      <a:fillRef idx="1">
+        <a:scrgbClr r="0" g="0" b="0"/>
+      </a:fillRef>
+      <a:effectRef idx="0">
+        <a:scrgbClr r="0" g="0" b="0"/>
+      </a:effectRef>
+      <a:fontRef idx="minor">
+        <a:schemeClr val="lt1"/>
+      </a:fontRef>
+    </dgm:style>
+  </dgm:styleLbl>
+  <dgm:styleLbl name="fgImgPlace1">
+    <dgm:scene3d>
+      <a:camera prst="orthographicFront"/>
+      <a:lightRig rig="threePt" dir="t"/>
+    </dgm:scene3d>
+    <dgm:sp3d/>
+    <dgm:txPr/>
+    <dgm:style>
+      <a:lnRef idx="2">
+        <a:scrgbClr r="0" g="0" b="0"/>
+      </a:lnRef>
+      <a:fillRef idx="1">
+        <a:scrgbClr r="0" g="0" b="0"/>
+      </a:fillRef>
+      <a:effectRef idx="0">
+        <a:scrgbClr r="0" g="0" b="0"/>
+      </a:effectRef>
+      <a:fontRef idx="minor"/>
+    </dgm:style>
+  </dgm:styleLbl>
+  <dgm:styleLbl name="alignImgPlace1">
+    <dgm:scene3d>
+      <a:camera prst="orthographicFront"/>
+      <a:lightRig rig="threePt" dir="t"/>
+    </dgm:scene3d>
+    <dgm:sp3d/>
+    <dgm:txPr/>
+    <dgm:style>
+      <a:lnRef idx="2">
+        <a:scrgbClr r="0" g="0" b="0"/>
+      </a:lnRef>
+      <a:fillRef idx="1">
+        <a:scrgbClr r="0" g="0" b="0"/>
+      </a:fillRef>
+      <a:effectRef idx="0">
+        <a:scrgbClr r="0" g="0" b="0"/>
+      </a:effectRef>
+      <a:fontRef idx="minor"/>
+    </dgm:style>
+  </dgm:styleLbl>
+  <dgm:styleLbl name="bgImgPlace1">
+    <dgm:scene3d>
+      <a:camera prst="orthographicFront"/>
+      <a:lightRig rig="threePt" dir="t"/>
+    </dgm:scene3d>
+    <dgm:sp3d/>
+    <dgm:txPr/>
+    <dgm:style>
+      <a:lnRef idx="2">
+        <a:scrgbClr r="0" g="0" b="0"/>
+      </a:lnRef>
+      <a:fillRef idx="1">
+        <a:scrgbClr r="0" g="0" b="0"/>
+      </a:fillRef>
+      <a:effectRef idx="0">
+        <a:scrgbClr r="0" g="0" b="0"/>
+      </a:effectRef>
+      <a:fontRef idx="minor"/>
+    </dgm:style>
+  </dgm:styleLbl>
+  <dgm:styleLbl name="sibTrans2D1">
+    <dgm:scene3d>
+      <a:camera prst="orthographicFront"/>
+      <a:lightRig rig="threePt" dir="t"/>
+    </dgm:scene3d>
+    <dgm:sp3d/>
+    <dgm:txPr/>
+    <dgm:style>
+      <a:lnRef idx="0">
+        <a:scrgbClr r="0" g="0" b="0"/>
+      </a:lnRef>
+      <a:fillRef idx="1">
+        <a:scrgbClr r="0" g="0" b="0"/>
+      </a:fillRef>
+      <a:effectRef idx="0">
+        <a:scrgbClr r="0" g="0" b="0"/>
+      </a:effectRef>
+      <a:fontRef idx="minor">
+        <a:schemeClr val="lt1"/>
+      </a:fontRef>
+    </dgm:style>
+  </dgm:styleLbl>
+  <dgm:styleLbl name="fgSibTrans2D1">
+    <dgm:scene3d>
+      <a:camera prst="orthographicFront"/>
+      <a:lightRig rig="threePt" dir="t"/>
+    </dgm:scene3d>
+    <dgm:sp3d/>
+    <dgm:txPr/>
+    <dgm:style>
+      <a:lnRef idx="0">
+        <a:scrgbClr r="0" g="0" b="0"/>
+      </a:lnRef>
+      <a:fillRef idx="1">
+        <a:scrgbClr r="0" g="0" b="0"/>
+      </a:fillRef>
+      <a:effectRef idx="0">
+        <a:scrgbClr r="0" g="0" b="0"/>
+      </a:effectRef>
+      <a:fontRef idx="minor">
+        <a:schemeClr val="lt1"/>
+      </a:fontRef>
+    </dgm:style>
+  </dgm:styleLbl>
+  <dgm:styleLbl name="bgSibTrans2D1">
+    <dgm:scene3d>
+      <a:camera prst="orthographicFront"/>
+      <a:lightRig rig="threePt" dir="t"/>
+    </dgm:scene3d>
+    <dgm:sp3d/>
+    <dgm:txPr/>
+    <dgm:style>
+      <a:lnRef idx="0">
+        <a:scrgbClr r="0" g="0" b="0"/>
+      </a:lnRef>
+      <a:fillRef idx="1">
+        <a:scrgbClr r="0" g="0" b="0"/>
+      </a:fillRef>
+      <a:effectRef idx="0">
+        <a:scrgbClr r="0" g="0" b="0"/>
+      </a:effectRef>
+      <a:fontRef idx="minor">
+        <a:schemeClr val="lt1"/>
+      </a:fontRef>
+    </dgm:style>
+  </dgm:styleLbl>
+  <dgm:styleLbl name="sibTrans1D1">
+    <dgm:scene3d>
+      <a:camera prst="orthographicFront"/>
+      <a:lightRig rig="threePt" dir="t"/>
+    </dgm:scene3d>
+    <dgm:sp3d/>
+    <dgm:txPr/>
+    <dgm:style>
+      <a:lnRef idx="1">
+        <a:scrgbClr r="0" g="0" b="0"/>
+      </a:lnRef>
+      <a:fillRef idx="0">
+        <a:scrgbClr r="0" g="0" b="0"/>
+      </a:fillRef>
+      <a:effectRef idx="0">
+        <a:scrgbClr r="0" g="0" b="0"/>
+      </a:effectRef>
+      <a:fontRef idx="minor"/>
+    </dgm:style>
+  </dgm:styleLbl>
+  <dgm:styleLbl name="callout">
+    <dgm:scene3d>
+      <a:camera prst="orthographicFront"/>
+      <a:lightRig rig="threePt" dir="t"/>
+    </dgm:scene3d>
+    <dgm:sp3d/>
+    <dgm:txPr/>
+    <dgm:style>
+      <a:lnRef idx="2">
+        <a:scrgbClr r="0" g="0" b="0"/>
+      </a:lnRef>
+      <a:fillRef idx="1">
+        <a:scrgbClr r="0" g="0" b="0"/>
+      </a:fillRef>
+      <a:effectRef idx="0">
+        <a:scrgbClr r="0" g="0" b="0"/>
+      </a:effectRef>
+      <a:fontRef idx="minor"/>
+    </dgm:style>
+  </dgm:styleLbl>
+  <dgm:styleLbl name="asst0">
+    <dgm:scene3d>
+      <a:camera prst="orthographicFront"/>
+      <a:lightRig rig="threePt" dir="t"/>
+    </dgm:scene3d>
+    <dgm:sp3d/>
+    <dgm:txPr/>
+    <dgm:style>
+      <a:lnRef idx="2">
+        <a:scrgbClr r="0" g="0" b="0"/>
+      </a:lnRef>
+      <a:fillRef idx="1">
+        <a:scrgbClr r="0" g="0" b="0"/>
+      </a:fillRef>
+      <a:effectRef idx="0">
+        <a:scrgbClr r="0" g="0" b="0"/>
+      </a:effectRef>
+      <a:fontRef idx="minor">
+        <a:schemeClr val="lt1"/>
+      </a:fontRef>
+    </dgm:style>
+  </dgm:styleLbl>
+  <dgm:styleLbl name="asst1">
+    <dgm:scene3d>
+      <a:camera prst="orthographicFront"/>
+      <a:lightRig rig="threePt" dir="t"/>
+    </dgm:scene3d>
+    <dgm:sp3d/>
+    <dgm:txPr/>
+    <dgm:style>
+      <a:lnRef idx="2">
+        <a:scrgbClr r="0" g="0" b="0"/>
+      </a:lnRef>
+      <a:fillRef idx="1">
+        <a:scrgbClr r="0" g="0" b="0"/>
+      </a:fillRef>
+      <a:effectRef idx="0">
+        <a:scrgbClr r="0" g="0" b="0"/>
+      </a:effectRef>
+      <a:fontRef idx="minor">
+        <a:schemeClr val="lt1"/>
+      </a:fontRef>
+    </dgm:style>
+  </dgm:styleLbl>
+  <dgm:styleLbl name="asst2">
+    <dgm:scene3d>
+      <a:camera prst="orthographicFront"/>
+      <a:lightRig rig="threePt" dir="t"/>
+    </dgm:scene3d>
+    <dgm:sp3d/>
+    <dgm:txPr/>
+    <dgm:style>
+      <a:lnRef idx="2">
+        <a:scrgbClr r="0" g="0" b="0"/>
+      </a:lnRef>
+      <a:fillRef idx="1">
+        <a:scrgbClr r="0" g="0" b="0"/>
+      </a:fillRef>
+      <a:effectRef idx="0">
+        <a:scrgbClr r="0" g="0" b="0"/>
+      </a:effectRef>
+      <a:fontRef idx="minor">
+        <a:schemeClr val="lt1"/>
+      </a:fontRef>
+    </dgm:style>
+  </dgm:styleLbl>
+  <dgm:styleLbl name="asst3">
+    <dgm:scene3d>
+      <a:camera prst="orthographicFront"/>
+      <a:lightRig rig="threePt" dir="t"/>
+    </dgm:scene3d>
+    <dgm:sp3d/>
+    <dgm:txPr/>
+    <dgm:style>
+      <a:lnRef idx="2">
+        <a:scrgbClr r="0" g="0" b="0"/>
+      </a:lnRef>
+      <a:fillRef idx="1">
+        <a:scrgbClr r="0" g="0" b="0"/>
+      </a:fillRef>
+      <a:effectRef idx="0">
+        <a:scrgbClr r="0" g="0" b="0"/>
+      </a:effectRef>
+      <a:fontRef idx="minor">
+        <a:schemeClr val="lt1"/>
+      </a:fontRef>
+    </dgm:style>
+  </dgm:styleLbl>
+  <dgm:styleLbl name="asst4">
+    <dgm:scene3d>
+      <a:camera prst="orthographicFront"/>
+      <a:lightRig rig="threePt" dir="t"/>
+    </dgm:scene3d>
+    <dgm:sp3d/>
+    <dgm:txPr/>
+    <dgm:style>
+      <a:lnRef idx="2">
+        <a:scrgbClr r="0" g="0" b="0"/>
+      </a:lnRef>
+      <a:fillRef idx="1">
+        <a:scrgbClr r="0" g="0" b="0"/>
+      </a:fillRef>
+      <a:effectRef idx="0">
+        <a:scrgbClr r="0" g="0" b="0"/>
+      </a:effectRef>
+      <a:fontRef idx="minor">
+        <a:schemeClr val="lt1"/>
+      </a:fontRef>
+    </dgm:style>
+  </dgm:styleLbl>
+  <dgm:styleLbl name="parChTrans2D1">
+    <dgm:scene3d>
+      <a:camera prst="orthographicFront"/>
+      <a:lightRig rig="threePt" dir="t"/>
+    </dgm:scene3d>
+    <dgm:sp3d/>
+    <dgm:txPr/>
+    <dgm:style>
+      <a:lnRef idx="2">
+        <a:scrgbClr r="0" g="0" b="0"/>
+      </a:lnRef>
+      <a:fillRef idx="1">
+        <a:scrgbClr r="0" g="0" b="0"/>
+      </a:fillRef>
+      <a:effectRef idx="0">
+        <a:scrgbClr r="0" g="0" b="0"/>
+      </a:effectRef>
+      <a:fontRef idx="minor">
+        <a:schemeClr val="lt1"/>
+      </a:fontRef>
+    </dgm:style>
+  </dgm:styleLbl>
+  <dgm:styleLbl name="parChTrans2D2">
+    <dgm:scene3d>
+      <a:camera prst="orthographicFront"/>
+      <a:lightRig rig="threePt" dir="t"/>
+    </dgm:scene3d>
+    <dgm:sp3d/>
+    <dgm:txPr/>
+    <dgm:style>
+      <a:lnRef idx="2">
+        <a:scrgbClr r="0" g="0" b="0"/>
+      </a:lnRef>
+      <a:fillRef idx="1">
+        <a:scrgbClr r="0" g="0" b="0"/>
+      </a:fillRef>
+      <a:effectRef idx="0">
+        <a:scrgbClr r="0" g="0" b="0"/>
+      </a:effectRef>
+      <a:fontRef idx="minor">
+        <a:schemeClr val="lt1"/>
+      </a:fontRef>
+    </dgm:style>
+  </dgm:styleLbl>
+  <dgm:styleLbl name="parChTrans2D3">
+    <dgm:scene3d>
+      <a:camera prst="orthographicFront"/>
+      <a:lightRig rig="threePt" dir="t"/>
+    </dgm:scene3d>
+    <dgm:sp3d/>
+    <dgm:txPr/>
+    <dgm:style>
+      <a:lnRef idx="2">
+        <a:scrgbClr r="0" g="0" b="0"/>
+      </a:lnRef>
+      <a:fillRef idx="1">
+        <a:scrgbClr r="0" g="0" b="0"/>
+      </a:fillRef>
+      <a:effectRef idx="0">
+        <a:scrgbClr r="0" g="0" b="0"/>
+      </a:effectRef>
+      <a:fontRef idx="minor">
+        <a:schemeClr val="lt1"/>
+      </a:fontRef>
+    </dgm:style>
+  </dgm:styleLbl>
+  <dgm:styleLbl name="parChTrans2D4">
+    <dgm:scene3d>
+      <a:camera prst="orthographicFront"/>
+      <a:lightRig rig="threePt" dir="t"/>
+    </dgm:scene3d>
+    <dgm:sp3d/>
+    <dgm:txPr/>
+    <dgm:style>
+      <a:lnRef idx="2">
+        <a:scrgbClr r="0" g="0" b="0"/>
+      </a:lnRef>
+      <a:fillRef idx="1">
+        <a:scrgbClr r="0" g="0" b="0"/>
+      </a:fillRef>
+      <a:effectRef idx="0">
+        <a:scrgbClr r="0" g="0" b="0"/>
+      </a:effectRef>
+      <a:fontRef idx="minor">
+        <a:schemeClr val="lt1"/>
+      </a:fontRef>
+    </dgm:style>
+  </dgm:styleLbl>
+  <dgm:styleLbl name="parChTrans1D1">
+    <dgm:scene3d>
+      <a:camera prst="orthographicFront"/>
+      <a:lightRig rig="threePt" dir="t"/>
+    </dgm:scene3d>
+    <dgm:sp3d/>
+    <dgm:txPr/>
+    <dgm:style>
+      <a:lnRef idx="2">
+        <a:scrgbClr r="0" g="0" b="0"/>
+      </a:lnRef>
+      <a:fillRef idx="0">
+        <a:scrgbClr r="0" g="0" b="0"/>
+      </a:fillRef>
+      <a:effectRef idx="0">
+        <a:scrgbClr r="0" g="0" b="0"/>
+      </a:effectRef>
+      <a:fontRef idx="minor"/>
+    </dgm:style>
+  </dgm:styleLbl>
+  <dgm:styleLbl name="parChTrans1D2">
+    <dgm:scene3d>
+      <a:camera prst="orthographicFront"/>
+      <a:lightRig rig="threePt" dir="t"/>
+    </dgm:scene3d>
+    <dgm:sp3d/>
+    <dgm:txPr/>
+    <dgm:style>
+      <a:lnRef idx="2">
+        <a:scrgbClr r="0" g="0" b="0"/>
+      </a:lnRef>
+      <a:fillRef idx="0">
+        <a:scrgbClr r="0" g="0" b="0"/>
+      </a:fillRef>
+      <a:effectRef idx="0">
+        <a:scrgbClr r="0" g="0" b="0"/>
+      </a:effectRef>
+      <a:fontRef idx="minor"/>
+    </dgm:style>
+  </dgm:styleLbl>
+  <dgm:styleLbl name="parChTrans1D3">
+    <dgm:scene3d>
+      <a:camera prst="orthographicFront"/>
+      <a:lightRig rig="threePt" dir="t"/>
+    </dgm:scene3d>
+    <dgm:sp3d/>
+    <dgm:txPr/>
+    <dgm:style>
+      <a:lnRef idx="2">
+        <a:scrgbClr r="0" g="0" b="0"/>
+      </a:lnRef>
+      <a:fillRef idx="0">
+        <a:scrgbClr r="0" g="0" b="0"/>
+      </a:fillRef>
+      <a:effectRef idx="0">
+        <a:scrgbClr r="0" g="0" b="0"/>
+      </a:effectRef>
+      <a:fontRef idx="minor"/>
+    </dgm:style>
+  </dgm:styleLbl>
+  <dgm:styleLbl name="parChTrans1D4">
+    <dgm:scene3d>
+      <a:camera prst="orthographicFront"/>
+      <a:lightRig rig="threePt" dir="t"/>
+    </dgm:scene3d>
+    <dgm:sp3d/>
+    <dgm:txPr/>
+    <dgm:style>
+      <a:lnRef idx="2">
+        <a:scrgbClr r="0" g="0" b="0"/>
+      </a:lnRef>
+      <a:fillRef idx="0">
+        <a:scrgbClr r="0" g="0" b="0"/>
+      </a:fillRef>
+      <a:effectRef idx="0">
+        <a:scrgbClr r="0" g="0" b="0"/>
+      </a:effectRef>
+      <a:fontRef idx="minor"/>
+    </dgm:style>
+  </dgm:styleLbl>
+  <dgm:styleLbl name="fgAcc1">
+    <dgm:scene3d>
+      <a:camera prst="orthographicFront"/>
+      <a:lightRig rig="threePt" dir="t"/>
+    </dgm:scene3d>
+    <dgm:sp3d/>
+    <dgm:txPr/>
+    <dgm:style>
+      <a:lnRef idx="2">
+        <a:scrgbClr r="0" g="0" b="0"/>
+      </a:lnRef>
+      <a:fillRef idx="1">
+        <a:scrgbClr r="0" g="0" b="0"/>
+      </a:fillRef>
+      <a:effectRef idx="0">
+        <a:scrgbClr r="0" g="0" b="0"/>
+      </a:effectRef>
+      <a:fontRef idx="minor"/>
+    </dgm:style>
+  </dgm:styleLbl>
+  <dgm:styleLbl name="conFgAcc1">
+    <dgm:scene3d>
+      <a:camera prst="orthographicFront"/>
+      <a:lightRig rig="threePt" dir="t"/>
+    </dgm:scene3d>
+    <dgm:sp3d/>
+    <dgm:txPr/>
+    <dgm:style>
+      <a:lnRef idx="2">
+        <a:scrgbClr r="0" g="0" b="0"/>
+      </a:lnRef>
+      <a:fillRef idx="1">
+        <a:scrgbClr r="0" g="0" b="0"/>
+      </a:fillRef>
+      <a:effectRef idx="0">
+        <a:scrgbClr r="0" g="0" b="0"/>
+      </a:effectRef>
+      <a:fontRef idx="minor"/>
+    </dgm:style>
+  </dgm:styleLbl>
+  <dgm:styleLbl name="alignAcc1">
+    <dgm:scene3d>
+      <a:camera prst="orthographicFront"/>
+      <a:lightRig rig="threePt" dir="t"/>
+    </dgm:scene3d>
+    <dgm:sp3d/>
+    <dgm:txPr/>
+    <dgm:style>
+      <a:lnRef idx="2">
+        <a:scrgbClr r="0" g="0" b="0"/>
+      </a:lnRef>
+      <a:fillRef idx="1">
+        <a:scrgbClr r="0" g="0" b="0"/>
+      </a:fillRef>
+      <a:effectRef idx="0">
+        <a:scrgbClr r="0" g="0" b="0"/>
+      </a:effectRef>
+      <a:fontRef idx="minor"/>
+    </dgm:style>
+  </dgm:styleLbl>
+  <dgm:styleLbl name="trAlignAcc1">
+    <dgm:scene3d>
+      <a:camera prst="orthographicFront"/>
+      <a:lightRig rig="threePt" dir="t"/>
+    </dgm:scene3d>
+    <dgm:sp3d/>
+    <dgm:txPr/>
+    <dgm:style>
+      <a:lnRef idx="1">
+        <a:scrgbClr r="0" g="0" b="0"/>
+      </a:lnRef>
+      <a:fillRef idx="1">
+        <a:scrgbClr r="0" g="0" b="0"/>
+      </a:fillRef>
+      <a:effectRef idx="0">
+        <a:scrgbClr r="0" g="0" b="0"/>
+      </a:effectRef>
+      <a:fontRef idx="minor"/>
+    </dgm:style>
+  </dgm:styleLbl>
+  <dgm:styleLbl name="bgAcc1">
+    <dgm:scene3d>
+      <a:camera prst="orthographicFront"/>
+      <a:lightRig rig="threePt" dir="t"/>
+    </dgm:scene3d>
+    <dgm:sp3d/>
+    <dgm:txPr/>
+    <dgm:style>
+      <a:lnRef idx="2">
+        <a:scrgbClr r="0" g="0" b="0"/>
+      </a:lnRef>
+      <a:fillRef idx="1">
+        <a:scrgbClr r="0" g="0" b="0"/>
+      </a:fillRef>
+      <a:effectRef idx="0">
+        <a:scrgbClr r="0" g="0" b="0"/>
+      </a:effectRef>
+      <a:fontRef idx="minor"/>
+    </dgm:style>
+  </dgm:styleLbl>
+  <dgm:styleLbl name="solidFgAcc1">
+    <dgm:scene3d>
+      <a:camera prst="orthographicFront"/>
+      <a:lightRig rig="threePt" dir="t"/>
+    </dgm:scene3d>
+    <dgm:sp3d/>
+    <dgm:txPr/>
+    <dgm:style>
+      <a:lnRef idx="2">
+        <a:scrgbClr r="0" g="0" b="0"/>
+      </a:lnRef>
+      <a:fillRef idx="1">
+        <a:scrgbClr r="0" g="0" b="0"/>
+      </a:fillRef>
+      <a:effectRef idx="0">
+        <a:scrgbClr r="0" g="0" b="0"/>
+      </a:effectRef>
+      <a:fontRef idx="minor"/>
+    </dgm:style>
+  </dgm:styleLbl>
+  <dgm:styleLbl name="solidAlignAcc1">
+    <dgm:scene3d>
+      <a:camera prst="orthographicFront"/>
+      <a:lightRig rig="threePt" dir="t"/>
+    </dgm:scene3d>
+    <dgm:sp3d/>
+    <dgm:txPr/>
+    <dgm:style>
+      <a:lnRef idx="2">
+        <a:scrgbClr r="0" g="0" b="0"/>
+      </a:lnRef>
+      <a:fillRef idx="1">
+        <a:scrgbClr r="0" g="0" b="0"/>
+      </a:fillRef>
+      <a:effectRef idx="0">
+        <a:scrgbClr r="0" g="0" b="0"/>
+      </a:effectRef>
+      <a:fontRef idx="minor"/>
+    </dgm:style>
+  </dgm:styleLbl>
+  <dgm:styleLbl name="solidBgAcc1">
+    <dgm:scene3d>
+      <a:camera prst="orthographicFront"/>
+      <a:lightRig rig="threePt" dir="t"/>
+    </dgm:scene3d>
+    <dgm:sp3d/>
+    <dgm:txPr/>
+    <dgm:style>
+      <a:lnRef idx="2">
+        <a:scrgbClr r="0" g="0" b="0"/>
+      </a:lnRef>
+      <a:fillRef idx="1">
+        <a:scrgbClr r="0" g="0" b="0"/>
+      </a:fillRef>
+      <a:effectRef idx="0">
+        <a:scrgbClr r="0" g="0" b="0"/>
+      </a:effectRef>
+      <a:fontRef idx="minor"/>
+    </dgm:style>
+  </dgm:styleLbl>
+  <dgm:styleLbl name="fgAccFollowNode1">
+    <dgm:scene3d>
+      <a:camera prst="orthographicFront"/>
+      <a:lightRig rig="threePt" dir="t"/>
+    </dgm:scene3d>
+    <dgm:sp3d/>
+    <dgm:txPr/>
+    <dgm:style>
+      <a:lnRef idx="2">
+        <a:scrgbClr r="0" g="0" b="0"/>
+      </a:lnRef>
+      <a:fillRef idx="1">
+        <a:scrgbClr r="0" g="0" b="0"/>
+      </a:fillRef>
+      <a:effectRef idx="0">
+        <a:scrgbClr r="0" g="0" b="0"/>
+      </a:effectRef>
+      <a:fontRef idx="minor"/>
+    </dgm:style>
+  </dgm:styleLbl>
+  <dgm:styleLbl name="alignAccFollowNode1">
+    <dgm:scene3d>
+      <a:camera prst="orthographicFront"/>
+      <a:lightRig rig="threePt" dir="t"/>
+    </dgm:scene3d>
+    <dgm:sp3d/>
+    <dgm:txPr/>
+    <dgm:style>
+      <a:lnRef idx="2">
+        <a:scrgbClr r="0" g="0" b="0"/>
+      </a:lnRef>
+      <a:fillRef idx="1">
+        <a:scrgbClr r="0" g="0" b="0"/>
+      </a:fillRef>
+      <a:effectRef idx="0">
+        <a:scrgbClr r="0" g="0" b="0"/>
+      </a:effectRef>
+      <a:fontRef idx="minor"/>
+    </dgm:style>
+  </dgm:styleLbl>
+  <dgm:styleLbl name="bgAccFollowNode1">
+    <dgm:scene3d>
+      <a:camera prst="orthographicFront"/>
+      <a:lightRig rig="threePt" dir="t"/>
+    </dgm:scene3d>
+    <dgm:sp3d/>
+    <dgm:txPr/>
+    <dgm:style>
+      <a:lnRef idx="2">
+        <a:scrgbClr r="0" g="0" b="0"/>
+      </a:lnRef>
+      <a:fillRef idx="1">
+        <a:scrgbClr r="0" g="0" b="0"/>
+      </a:fillRef>
+      <a:effectRef idx="0">
+        <a:scrgbClr r="0" g="0" b="0"/>
+      </a:effectRef>
+      <a:fontRef idx="minor"/>
+    </dgm:style>
+  </dgm:styleLbl>
+  <dgm:styleLbl name="fgAcc0">
+    <dgm:scene3d>
+      <a:camera prst="orthographicFront"/>
+      <a:lightRig rig="threePt" dir="t"/>
+    </dgm:scene3d>
+    <dgm:sp3d/>
+    <dgm:txPr/>
+    <dgm:style>
+      <a:lnRef idx="2">
+        <a:scrgbClr r="0" g="0" b="0"/>
+      </a:lnRef>
+      <a:fillRef idx="1">
+        <a:scrgbClr r="0" g="0" b="0"/>
+      </a:fillRef>
+      <a:effectRef idx="0">
+        <a:scrgbClr r="0" g="0" b="0"/>
+      </a:effectRef>
+      <a:fontRef idx="minor"/>
+    </dgm:style>
+  </dgm:styleLbl>
+  <dgm:styleLbl name="fgAcc2">
+    <dgm:scene3d>
+      <a:camera prst="orthographicFront"/>
+      <a:lightRig rig="threePt" dir="t"/>
+    </dgm:scene3d>
+    <dgm:sp3d/>
+    <dgm:txPr/>
+    <dgm:style>
+      <a:lnRef idx="2">
+        <a:scrgbClr r="0" g="0" b="0"/>
+      </a:lnRef>
+      <a:fillRef idx="1">
+        <a:scrgbClr r="0" g="0" b="0"/>
+      </a:fillRef>
+      <a:effectRef idx="0">
+        <a:scrgbClr r="0" g="0" b="0"/>
+      </a:effectRef>
+      <a:fontRef idx="minor"/>
+    </dgm:style>
+  </dgm:styleLbl>
+  <dgm:styleLbl name="fgAcc3">
+    <dgm:scene3d>
+      <a:camera prst="orthographicFront"/>
+      <a:lightRig rig="threePt" dir="t"/>
+    </dgm:scene3d>
+    <dgm:sp3d/>
+    <dgm:txPr/>
+    <dgm:style>
+      <a:lnRef idx="2">
+        <a:scrgbClr r="0" g="0" b="0"/>
+      </a:lnRef>
+      <a:fillRef idx="1">
+        <a:scrgbClr r="0" g="0" b="0"/>
+      </a:fillRef>
+      <a:effectRef idx="0">
+        <a:scrgbClr r="0" g="0" b="0"/>
+      </a:effectRef>
+      <a:fontRef idx="minor"/>
+    </dgm:style>
+  </dgm:styleLbl>
+  <dgm:styleLbl name="fgAcc4">
+    <dgm:scene3d>
+      <a:camera prst="orthographicFront"/>
+      <a:lightRig rig="threePt" dir="t"/>
+    </dgm:scene3d>
+    <dgm:sp3d/>
+    <dgm:txPr/>
+    <dgm:style>
+      <a:lnRef idx="2">
+        <a:scrgbClr r="0" g="0" b="0"/>
+      </a:lnRef>
+      <a:fillRef idx="1">
+        <a:scrgbClr r="0" g="0" b="0"/>
+      </a:fillRef>
+      <a:effectRef idx="0">
+        <a:scrgbClr r="0" g="0" b="0"/>
+      </a:effectRef>
+      <a:fontRef idx="minor"/>
+    </dgm:style>
+  </dgm:styleLbl>
+  <dgm:styleLbl name="bgShp">
+    <dgm:scene3d>
+      <a:camera prst="orthographicFront"/>
+      <a:lightRig rig="threePt" dir="t"/>
+    </dgm:scene3d>
+    <dgm:sp3d/>
+    <dgm:txPr/>
+    <dgm:style>
+      <a:lnRef idx="0">
+        <a:scrgbClr r="0" g="0" b="0"/>
+      </a:lnRef>
+      <a:fillRef idx="1">
+        <a:scrgbClr r="0" g="0" b="0"/>
+      </a:fillRef>
+      <a:effectRef idx="0">
+        <a:scrgbClr r="0" g="0" b="0"/>
+      </a:effectRef>
+      <a:fontRef idx="minor"/>
+    </dgm:style>
+  </dgm:styleLbl>
+  <dgm:styleLbl name="dkBgShp">
+    <dgm:scene3d>
+      <a:camera prst="orthographicFront"/>
+      <a:lightRig rig="threePt" dir="t"/>
+    </dgm:scene3d>
+    <dgm:sp3d/>
+    <dgm:txPr/>
+    <dgm:style>
+      <a:lnRef idx="0">
+        <a:scrgbClr r="0" g="0" b="0"/>
+      </a:lnRef>
+      <a:fillRef idx="1">
+        <a:scrgbClr r="0" g="0" b="0"/>
+      </a:fillRef>
+      <a:effectRef idx="0">
+        <a:scrgbClr r="0" g="0" b="0"/>
+      </a:effectRef>
+      <a:fontRef idx="minor"/>
+    </dgm:style>
+  </dgm:styleLbl>
+  <dgm:styleLbl name="trBgShp">
+    <dgm:scene3d>
+      <a:camera prst="orthographicFront"/>
+      <a:lightRig rig="threePt" dir="t"/>
+    </dgm:scene3d>
+    <dgm:sp3d/>
+    <dgm:txPr/>
+    <dgm:style>
+      <a:lnRef idx="0">
+        <a:scrgbClr r="0" g="0" b="0"/>
+      </a:lnRef>
+      <a:fillRef idx="1">
+        <a:scrgbClr r="0" g="0" b="0"/>
+      </a:fillRef>
+      <a:effectRef idx="0">
+        <a:scrgbClr r="0" g="0" b="0"/>
+      </a:effectRef>
+      <a:fontRef idx="minor"/>
+    </dgm:style>
+  </dgm:styleLbl>
+  <dgm:styleLbl name="fgShp">
+    <dgm:scene3d>
+      <a:camera prst="orthographicFront"/>
+      <a:lightRig rig="threePt" dir="t"/>
+    </dgm:scene3d>
+    <dgm:sp3d/>
+    <dgm:txPr/>
+    <dgm:style>
+      <a:lnRef idx="2">
+        <a:scrgbClr r="0" g="0" b="0"/>
+      </a:lnRef>
+      <a:fillRef idx="1">
+        <a:scrgbClr r="0" g="0" b="0"/>
+      </a:fillRef>
+      <a:effectRef idx="0">
+        <a:scrgbClr r="0" g="0" b="0"/>
+      </a:effectRef>
+      <a:fontRef idx="minor"/>
+    </dgm:style>
+  </dgm:styleLbl>
+  <dgm:styleLbl name="revTx">
+    <dgm:scene3d>
+      <a:camera prst="orthographicFront"/>
+      <a:lightRig rig="threePt" dir="t"/>
+    </dgm:scene3d>
+    <dgm:sp3d/>
+    <dgm:txPr/>
+    <dgm:style>
+      <a:lnRef idx="0">
+        <a:scrgbClr r="0" g="0" b="0"/>
+      </a:lnRef>
+      <a:fillRef idx="0">
+        <a:scrgbClr r="0" g="0" b="0"/>
+      </a:fillRef>
+      <a:effectRef idx="0">
+        <a:scrgbClr r="0" g="0" b="0"/>
+      </a:effectRef>
+      <a:fontRef idx="minor"/>
+    </dgm:style>
+  </dgm:styleLbl>
+</dgm:styleDef>
+</file>
+
+<file path=ppt/diagrams/quickStyle2.xml><?xml version="1.0" encoding="utf-8"?>
+<dgm:styleDef xmlns:dgm="http://schemas.openxmlformats.org/drawingml/2006/diagram" xmlns:a="http://schemas.openxmlformats.org/drawingml/2006/main" uniqueId="urn:microsoft.com/office/officeart/2005/8/quickstyle/simple1">
+  <dgm:title val=""/>
+  <dgm:desc val=""/>
+  <dgm:catLst>
+    <dgm:cat type="simple" pri="10100"/>
+  </dgm:catLst>
+  <dgm:scene3d>
+    <a:camera prst="orthographicFront"/>
+    <a:lightRig rig="threePt" dir="t"/>
+  </dgm:scene3d>
+  <dgm:styleLbl name="node0">
+    <dgm:scene3d>
+      <a:camera prst="orthographicFront"/>
+      <a:lightRig rig="threePt" dir="t"/>
+    </dgm:scene3d>
+    <dgm:sp3d/>
+    <dgm:txPr/>
+    <dgm:style>
+      <a:lnRef idx="2">
+        <a:scrgbClr r="0" g="0" b="0"/>
+      </a:lnRef>
+      <a:fillRef idx="1">
+        <a:scrgbClr r="0" g="0" b="0"/>
+      </a:fillRef>
+      <a:effectRef idx="0">
+        <a:scrgbClr r="0" g="0" b="0"/>
+      </a:effectRef>
+      <a:fontRef idx="minor">
+        <a:schemeClr val="lt1"/>
+      </a:fontRef>
+    </dgm:style>
+  </dgm:styleLbl>
+  <dgm:styleLbl name="lnNode1">
+    <dgm:scene3d>
+      <a:camera prst="orthographicFront"/>
+      <a:lightRig rig="threePt" dir="t"/>
+    </dgm:scene3d>
+    <dgm:sp3d/>
+    <dgm:txPr/>
+    <dgm:style>
+      <a:lnRef idx="2">
+        <a:scrgbClr r="0" g="0" b="0"/>
+      </a:lnRef>
+      <a:fillRef idx="1">
+        <a:scrgbClr r="0" g="0" b="0"/>
+      </a:fillRef>
+      <a:effectRef idx="0">
+        <a:scrgbClr r="0" g="0" b="0"/>
+      </a:effectRef>
+      <a:fontRef idx="minor">
+        <a:schemeClr val="lt1"/>
+      </a:fontRef>
+    </dgm:style>
+  </dgm:styleLbl>
+  <dgm:styleLbl name="vennNode1">
+    <dgm:scene3d>
+      <a:camera prst="orthographicFront"/>
+      <a:lightRig rig="threePt" dir="t"/>
+    </dgm:scene3d>
+    <dgm:sp3d/>
+    <dgm:txPr/>
+    <dgm:style>
+      <a:lnRef idx="2">
+        <a:scrgbClr r="0" g="0" b="0"/>
+      </a:lnRef>
+      <a:fillRef idx="1">
+        <a:scrgbClr r="0" g="0" b="0"/>
+      </a:fillRef>
+      <a:effectRef idx="0">
+        <a:scrgbClr r="0" g="0" b="0"/>
+      </a:effectRef>
+      <a:fontRef idx="minor">
+        <a:schemeClr val="tx1"/>
+      </a:fontRef>
+    </dgm:style>
+  </dgm:styleLbl>
+  <dgm:styleLbl name="alignNode1">
+    <dgm:scene3d>
+      <a:camera prst="orthographicFront"/>
+      <a:lightRig rig="threePt" dir="t"/>
+    </dgm:scene3d>
+    <dgm:sp3d/>
+    <dgm:txPr/>
+    <dgm:style>
+      <a:lnRef idx="2">
+        <a:scrgbClr r="0" g="0" b="0"/>
+      </a:lnRef>
+      <a:fillRef idx="1">
+        <a:scrgbClr r="0" g="0" b="0"/>
+      </a:fillRef>
+      <a:effectRef idx="0">
+        <a:scrgbClr r="0" g="0" b="0"/>
+      </a:effectRef>
+      <a:fontRef idx="minor">
+        <a:schemeClr val="lt1"/>
+      </a:fontRef>
+    </dgm:style>
+  </dgm:styleLbl>
+  <dgm:styleLbl name="node1">
+    <dgm:scene3d>
+      <a:camera prst="orthographicFront"/>
+      <a:lightRig rig="threePt" dir="t"/>
+    </dgm:scene3d>
+    <dgm:sp3d/>
+    <dgm:txPr/>
+    <dgm:style>
+      <a:lnRef idx="2">
+        <a:scrgbClr r="0" g="0" b="0"/>
+      </a:lnRef>
+      <a:fillRef idx="1">
+        <a:scrgbClr r="0" g="0" b="0"/>
+      </a:fillRef>
+      <a:effectRef idx="0">
+        <a:scrgbClr r="0" g="0" b="0"/>
+      </a:effectRef>
+      <a:fontRef idx="minor">
+        <a:schemeClr val="lt1"/>
+      </a:fontRef>
+    </dgm:style>
+  </dgm:styleLbl>
+  <dgm:styleLbl name="node2">
+    <dgm:scene3d>
+      <a:camera prst="orthographicFront"/>
+      <a:lightRig rig="threePt" dir="t"/>
+    </dgm:scene3d>
+    <dgm:sp3d/>
+    <dgm:txPr/>
+    <dgm:style>
+      <a:lnRef idx="2">
+        <a:scrgbClr r="0" g="0" b="0"/>
+      </a:lnRef>
+      <a:fillRef idx="1">
+        <a:scrgbClr r="0" g="0" b="0"/>
+      </a:fillRef>
+      <a:effectRef idx="0">
+        <a:scrgbClr r="0" g="0" b="0"/>
+      </a:effectRef>
+      <a:fontRef idx="minor">
+        <a:schemeClr val="lt1"/>
+      </a:fontRef>
+    </dgm:style>
+  </dgm:styleLbl>
+  <dgm:styleLbl name="node3">
+    <dgm:scene3d>
+      <a:camera prst="orthographicFront"/>
+      <a:lightRig rig="threePt" dir="t"/>
+    </dgm:scene3d>
+    <dgm:sp3d/>
+    <dgm:txPr/>
+    <dgm:style>
+      <a:lnRef idx="2">
+        <a:scrgbClr r="0" g="0" b="0"/>
+      </a:lnRef>
+      <a:fillRef idx="1">
+        <a:scrgbClr r="0" g="0" b="0"/>
+      </a:fillRef>
+      <a:effectRef idx="0">
+        <a:scrgbClr r="0" g="0" b="0"/>
+      </a:effectRef>
+      <a:fontRef idx="minor">
+        <a:schemeClr val="lt1"/>
+      </a:fontRef>
+    </dgm:style>
+  </dgm:styleLbl>
+  <dgm:styleLbl name="node4">
+    <dgm:scene3d>
+      <a:camera prst="orthographicFront"/>
+      <a:lightRig rig="threePt" dir="t"/>
+    </dgm:scene3d>
+    <dgm:sp3d/>
+    <dgm:txPr/>
+    <dgm:style>
+      <a:lnRef idx="2">
+        <a:scrgbClr r="0" g="0" b="0"/>
+      </a:lnRef>
+      <a:fillRef idx="1">
+        <a:scrgbClr r="0" g="0" b="0"/>
+      </a:fillRef>
+      <a:effectRef idx="0">
+        <a:scrgbClr r="0" g="0" b="0"/>
+      </a:effectRef>
+      <a:fontRef idx="minor">
+        <a:schemeClr val="lt1"/>
+      </a:fontRef>
+    </dgm:style>
+  </dgm:styleLbl>
+  <dgm:styleLbl name="fgImgPlace1">
+    <dgm:scene3d>
+      <a:camera prst="orthographicFront"/>
+      <a:lightRig rig="threePt" dir="t"/>
+    </dgm:scene3d>
+    <dgm:sp3d/>
+    <dgm:txPr/>
+    <dgm:style>
+      <a:lnRef idx="2">
+        <a:scrgbClr r="0" g="0" b="0"/>
+      </a:lnRef>
+      <a:fillRef idx="1">
+        <a:scrgbClr r="0" g="0" b="0"/>
+      </a:fillRef>
+      <a:effectRef idx="0">
+        <a:scrgbClr r="0" g="0" b="0"/>
+      </a:effectRef>
+      <a:fontRef idx="minor"/>
+    </dgm:style>
+  </dgm:styleLbl>
+  <dgm:styleLbl name="alignImgPlace1">
+    <dgm:scene3d>
+      <a:camera prst="orthographicFront"/>
+      <a:lightRig rig="threePt" dir="t"/>
+    </dgm:scene3d>
+    <dgm:sp3d/>
+    <dgm:txPr/>
+    <dgm:style>
+      <a:lnRef idx="2">
+        <a:scrgbClr r="0" g="0" b="0"/>
+      </a:lnRef>
+      <a:fillRef idx="1">
+        <a:scrgbClr r="0" g="0" b="0"/>
+      </a:fillRef>
+      <a:effectRef idx="0">
+        <a:scrgbClr r="0" g="0" b="0"/>
+      </a:effectRef>
+      <a:fontRef idx="minor"/>
+    </dgm:style>
+  </dgm:styleLbl>
+  <dgm:styleLbl name="bgImgPlace1">
+    <dgm:scene3d>
+      <a:camera prst="orthographicFront"/>
+      <a:lightRig rig="threePt" dir="t"/>
+    </dgm:scene3d>
+    <dgm:sp3d/>
+    <dgm:txPr/>
+    <dgm:style>
+      <a:lnRef idx="2">
+        <a:scrgbClr r="0" g="0" b="0"/>
+      </a:lnRef>
+      <a:fillRef idx="1">
+        <a:scrgbClr r="0" g="0" b="0"/>
+      </a:fillRef>
+      <a:effectRef idx="0">
+        <a:scrgbClr r="0" g="0" b="0"/>
+      </a:effectRef>
+      <a:fontRef idx="minor"/>
+    </dgm:style>
+  </dgm:styleLbl>
+  <dgm:styleLbl name="sibTrans2D1">
+    <dgm:scene3d>
+      <a:camera prst="orthographicFront"/>
+      <a:lightRig rig="threePt" dir="t"/>
+    </dgm:scene3d>
+    <dgm:sp3d/>
+    <dgm:txPr/>
+    <dgm:style>
+      <a:lnRef idx="0">
+        <a:scrgbClr r="0" g="0" b="0"/>
+      </a:lnRef>
+      <a:fillRef idx="1">
+        <a:scrgbClr r="0" g="0" b="0"/>
+      </a:fillRef>
+      <a:effectRef idx="0">
+        <a:scrgbClr r="0" g="0" b="0"/>
+      </a:effectRef>
+      <a:fontRef idx="minor">
+        <a:schemeClr val="lt1"/>
+      </a:fontRef>
+    </dgm:style>
+  </dgm:styleLbl>
+  <dgm:styleLbl name="fgSibTrans2D1">
+    <dgm:scene3d>
+      <a:camera prst="orthographicFront"/>
+      <a:lightRig rig="threePt" dir="t"/>
+    </dgm:scene3d>
+    <dgm:sp3d/>
+    <dgm:txPr/>
+    <dgm:style>
+      <a:lnRef idx="0">
+        <a:scrgbClr r="0" g="0" b="0"/>
+      </a:lnRef>
+      <a:fillRef idx="1">
+        <a:scrgbClr r="0" g="0" b="0"/>
+      </a:fillRef>
+      <a:effectRef idx="0">
+        <a:scrgbClr r="0" g="0" b="0"/>
+      </a:effectRef>
+      <a:fontRef idx="minor">
+        <a:schemeClr val="lt1"/>
+      </a:fontRef>
+    </dgm:style>
+  </dgm:styleLbl>
+  <dgm:styleLbl name="bgSibTrans2D1">
+    <dgm:scene3d>
+      <a:camera prst="orthographicFront"/>
+      <a:lightRig rig="threePt" dir="t"/>
+    </dgm:scene3d>
+    <dgm:sp3d/>
+    <dgm:txPr/>
+    <dgm:style>
+      <a:lnRef idx="0">
+        <a:scrgbClr r="0" g="0" b="0"/>
+      </a:lnRef>
+      <a:fillRef idx="1">
+        <a:scrgbClr r="0" g="0" b="0"/>
+      </a:fillRef>
+      <a:effectRef idx="0">
+        <a:scrgbClr r="0" g="0" b="0"/>
+      </a:effectRef>
+      <a:fontRef idx="minor">
+        <a:schemeClr val="lt1"/>
+      </a:fontRef>
+    </dgm:style>
+  </dgm:styleLbl>
+  <dgm:styleLbl name="sibTrans1D1">
+    <dgm:scene3d>
+      <a:camera prst="orthographicFront"/>
+      <a:lightRig rig="threePt" dir="t"/>
+    </dgm:scene3d>
+    <dgm:sp3d/>
+    <dgm:txPr/>
+    <dgm:style>
+      <a:lnRef idx="1">
+        <a:scrgbClr r="0" g="0" b="0"/>
+      </a:lnRef>
+      <a:fillRef idx="0">
+        <a:scrgbClr r="0" g="0" b="0"/>
+      </a:fillRef>
+      <a:effectRef idx="0">
+        <a:scrgbClr r="0" g="0" b="0"/>
+      </a:effectRef>
+      <a:fontRef idx="minor"/>
+    </dgm:style>
+  </dgm:styleLbl>
+  <dgm:styleLbl name="callout">
+    <dgm:scene3d>
+      <a:camera prst="orthographicFront"/>
+      <a:lightRig rig="threePt" dir="t"/>
+    </dgm:scene3d>
+    <dgm:sp3d/>
+    <dgm:txPr/>
+    <dgm:style>
+      <a:lnRef idx="2">
+        <a:scrgbClr r="0" g="0" b="0"/>
+      </a:lnRef>
+      <a:fillRef idx="1">
+        <a:scrgbClr r="0" g="0" b="0"/>
+      </a:fillRef>
+      <a:effectRef idx="0">
+        <a:scrgbClr r="0" g="0" b="0"/>
+      </a:effectRef>
+      <a:fontRef idx="minor"/>
+    </dgm:style>
+  </dgm:styleLbl>
+  <dgm:styleLbl name="asst0">
+    <dgm:scene3d>
+      <a:camera prst="orthographicFront"/>
+      <a:lightRig rig="threePt" dir="t"/>
+    </dgm:scene3d>
+    <dgm:sp3d/>
+    <dgm:txPr/>
+    <dgm:style>
+      <a:lnRef idx="2">
+        <a:scrgbClr r="0" g="0" b="0"/>
+      </a:lnRef>
+      <a:fillRef idx="1">
+        <a:scrgbClr r="0" g="0" b="0"/>
+      </a:fillRef>
+      <a:effectRef idx="0">
+        <a:scrgbClr r="0" g="0" b="0"/>
+      </a:effectRef>
+      <a:fontRef idx="minor">
+        <a:schemeClr val="lt1"/>
+      </a:fontRef>
+    </dgm:style>
+  </dgm:styleLbl>
+  <dgm:styleLbl name="asst1">
+    <dgm:scene3d>
+      <a:camera prst="orthographicFront"/>
+      <a:lightRig rig="threePt" dir="t"/>
+    </dgm:scene3d>
+    <dgm:sp3d/>
+    <dgm:txPr/>
+    <dgm:style>
+      <a:lnRef idx="2">
+        <a:scrgbClr r="0" g="0" b="0"/>
+      </a:lnRef>
+      <a:fillRef idx="1">
+        <a:scrgbClr r="0" g="0" b="0"/>
+      </a:fillRef>
+      <a:effectRef idx="0">
+        <a:scrgbClr r="0" g="0" b="0"/>
+      </a:effectRef>
+      <a:fontRef idx="minor">
+        <a:schemeClr val="lt1"/>
+      </a:fontRef>
+    </dgm:style>
+  </dgm:styleLbl>
+  <dgm:styleLbl name="asst2">
+    <dgm:scene3d>
+      <a:camera prst="orthographicFront"/>
+      <a:lightRig rig="threePt" dir="t"/>
+    </dgm:scene3d>
+    <dgm:sp3d/>
+    <dgm:txPr/>
+    <dgm:style>
+      <a:lnRef idx="2">
+        <a:scrgbClr r="0" g="0" b="0"/>
+      </a:lnRef>
+      <a:fillRef idx="1">
+        <a:scrgbClr r="0" g="0" b="0"/>
+      </a:fillRef>
+      <a:effectRef idx="0">
+        <a:scrgbClr r="0" g="0" b="0"/>
+      </a:effectRef>
+      <a:fontRef idx="minor">
+        <a:schemeClr val="lt1"/>
+      </a:fontRef>
+    </dgm:style>
+  </dgm:styleLbl>
+  <dgm:styleLbl name="asst3">
+    <dgm:scene3d>
+      <a:camera prst="orthographicFront"/>
+      <a:lightRig rig="threePt" dir="t"/>
+    </dgm:scene3d>
+    <dgm:sp3d/>
+    <dgm:txPr/>
+    <dgm:style>
+      <a:lnRef idx="2">
+        <a:scrgbClr r="0" g="0" b="0"/>
+      </a:lnRef>
+      <a:fillRef idx="1">
+        <a:scrgbClr r="0" g="0" b="0"/>
+      </a:fillRef>
+      <a:effectRef idx="0">
+        <a:scrgbClr r="0" g="0" b="0"/>
+      </a:effectRef>
+      <a:fontRef idx="minor">
+        <a:schemeClr val="lt1"/>
+      </a:fontRef>
+    </dgm:style>
+  </dgm:styleLbl>
+  <dgm:styleLbl name="asst4">
+    <dgm:scene3d>
+      <a:camera prst="orthographicFront"/>
+      <a:lightRig rig="threePt" dir="t"/>
+    </dgm:scene3d>
+    <dgm:sp3d/>
+    <dgm:txPr/>
+    <dgm:style>
+      <a:lnRef idx="2">
+        <a:scrgbClr r="0" g="0" b="0"/>
+      </a:lnRef>
+      <a:fillRef idx="1">
+        <a:scrgbClr r="0" g="0" b="0"/>
+      </a:fillRef>
+      <a:effectRef idx="0">
+        <a:scrgbClr r="0" g="0" b="0"/>
+      </a:effectRef>
+      <a:fontRef idx="minor">
+        <a:schemeClr val="lt1"/>
+      </a:fontRef>
+    </dgm:style>
+  </dgm:styleLbl>
+  <dgm:styleLbl name="parChTrans2D1">
+    <dgm:scene3d>
+      <a:camera prst="orthographicFront"/>
+      <a:lightRig rig="threePt" dir="t"/>
+    </dgm:scene3d>
+    <dgm:sp3d/>
+    <dgm:txPr/>
+    <dgm:style>
+      <a:lnRef idx="2">
+        <a:scrgbClr r="0" g="0" b="0"/>
+      </a:lnRef>
+      <a:fillRef idx="1">
+        <a:scrgbClr r="0" g="0" b="0"/>
+      </a:fillRef>
+      <a:effectRef idx="0">
+        <a:scrgbClr r="0" g="0" b="0"/>
+      </a:effectRef>
+      <a:fontRef idx="minor">
+        <a:schemeClr val="lt1"/>
+      </a:fontRef>
+    </dgm:style>
+  </dgm:styleLbl>
+  <dgm:styleLbl name="parChTrans2D2">
+    <dgm:scene3d>
+      <a:camera prst="orthographicFront"/>
+      <a:lightRig rig="threePt" dir="t"/>
+    </dgm:scene3d>
+    <dgm:sp3d/>
+    <dgm:txPr/>
+    <dgm:style>
+      <a:lnRef idx="2">
+        <a:scrgbClr r="0" g="0" b="0"/>
+      </a:lnRef>
+      <a:fillRef idx="1">
+        <a:scrgbClr r="0" g="0" b="0"/>
+      </a:fillRef>
+      <a:effectRef idx="0">
+        <a:scrgbClr r="0" g="0" b="0"/>
+      </a:effectRef>
+      <a:fontRef idx="minor">
+        <a:schemeClr val="lt1"/>
+      </a:fontRef>
+    </dgm:style>
+  </dgm:styleLbl>
+  <dgm:styleLbl name="parChTrans2D3">
+    <dgm:scene3d>
+      <a:camera prst="orthographicFront"/>
+      <a:lightRig rig="threePt" dir="t"/>
+    </dgm:scene3d>
+    <dgm:sp3d/>
+    <dgm:txPr/>
+    <dgm:style>
+      <a:lnRef idx="2">
+        <a:scrgbClr r="0" g="0" b="0"/>
+      </a:lnRef>
+      <a:fillRef idx="1">
+        <a:scrgbClr r="0" g="0" b="0"/>
+      </a:fillRef>
+      <a:effectRef idx="0">
+        <a:scrgbClr r="0" g="0" b="0"/>
+      </a:effectRef>
+      <a:fontRef idx="minor">
+        <a:schemeClr val="lt1"/>
+      </a:fontRef>
+    </dgm:style>
+  </dgm:styleLbl>
+  <dgm:styleLbl name="parChTrans2D4">
+    <dgm:scene3d>
+      <a:camera prst="orthographicFront"/>
+      <a:lightRig rig="threePt" dir="t"/>
+    </dgm:scene3d>
+    <dgm:sp3d/>
+    <dgm:txPr/>
+    <dgm:style>
+      <a:lnRef idx="2">
+        <a:scrgbClr r="0" g="0" b="0"/>
+      </a:lnRef>
+      <a:fillRef idx="1">
+        <a:scrgbClr r="0" g="0" b="0"/>
+      </a:fillRef>
+      <a:effectRef idx="0">
+        <a:scrgbClr r="0" g="0" b="0"/>
+      </a:effectRef>
+      <a:fontRef idx="minor">
+        <a:schemeClr val="lt1"/>
+      </a:fontRef>
+    </dgm:style>
+  </dgm:styleLbl>
+  <dgm:styleLbl name="parChTrans1D1">
+    <dgm:scene3d>
+      <a:camera prst="orthographicFront"/>
+      <a:lightRig rig="threePt" dir="t"/>
+    </dgm:scene3d>
+    <dgm:sp3d/>
+    <dgm:txPr/>
+    <dgm:style>
+      <a:lnRef idx="2">
+        <a:scrgbClr r="0" g="0" b="0"/>
+      </a:lnRef>
+      <a:fillRef idx="0">
+        <a:scrgbClr r="0" g="0" b="0"/>
+      </a:fillRef>
+      <a:effectRef idx="0">
+        <a:scrgbClr r="0" g="0" b="0"/>
+      </a:effectRef>
+      <a:fontRef idx="minor"/>
+    </dgm:style>
+  </dgm:styleLbl>
+  <dgm:styleLbl name="parChTrans1D2">
+    <dgm:scene3d>
+      <a:camera prst="orthographicFront"/>
+      <a:lightRig rig="threePt" dir="t"/>
+    </dgm:scene3d>
+    <dgm:sp3d/>
+    <dgm:txPr/>
+    <dgm:style>
+      <a:lnRef idx="2">
+        <a:scrgbClr r="0" g="0" b="0"/>
+      </a:lnRef>
+      <a:fillRef idx="0">
+        <a:scrgbClr r="0" g="0" b="0"/>
+      </a:fillRef>
+      <a:effectRef idx="0">
+        <a:scrgbClr r="0" g="0" b="0"/>
+      </a:effectRef>
+      <a:fontRef idx="minor"/>
+    </dgm:style>
+  </dgm:styleLbl>
+  <dgm:styleLbl name="parChTrans1D3">
+    <dgm:scene3d>
+      <a:camera prst="orthographicFront"/>
+      <a:lightRig rig="threePt" dir="t"/>
+    </dgm:scene3d>
+    <dgm:sp3d/>
+    <dgm:txPr/>
+    <dgm:style>
+      <a:lnRef idx="2">
+        <a:scrgbClr r="0" g="0" b="0"/>
+      </a:lnRef>
+      <a:fillRef idx="0">
+        <a:scrgbClr r="0" g="0" b="0"/>
+      </a:fillRef>
+      <a:effectRef idx="0">
+        <a:scrgbClr r="0" g="0" b="0"/>
+      </a:effectRef>
+      <a:fontRef idx="minor"/>
+    </dgm:style>
+  </dgm:styleLbl>
+  <dgm:styleLbl name="parChTrans1D4">
+    <dgm:scene3d>
+      <a:camera prst="orthographicFront"/>
+      <a:lightRig rig="threePt" dir="t"/>
+    </dgm:scene3d>
+    <dgm:sp3d/>
+    <dgm:txPr/>
+    <dgm:style>
+      <a:lnRef idx="2">
+        <a:scrgbClr r="0" g="0" b="0"/>
+      </a:lnRef>
+      <a:fillRef idx="0">
+        <a:scrgbClr r="0" g="0" b="0"/>
+      </a:fillRef>
+      <a:effectRef idx="0">
+        <a:scrgbClr r="0" g="0" b="0"/>
+      </a:effectRef>
+      <a:fontRef idx="minor"/>
+    </dgm:style>
+  </dgm:styleLbl>
+  <dgm:styleLbl name="fgAcc1">
+    <dgm:scene3d>
+      <a:camera prst="orthographicFront"/>
+      <a:lightRig rig="threePt" dir="t"/>
+    </dgm:scene3d>
+    <dgm:sp3d/>
+    <dgm:txPr/>
+    <dgm:style>
+      <a:lnRef idx="2">
+        <a:scrgbClr r="0" g="0" b="0"/>
+      </a:lnRef>
+      <a:fillRef idx="1">
+        <a:scrgbClr r="0" g="0" b="0"/>
+      </a:fillRef>
+      <a:effectRef idx="0">
+        <a:scrgbClr r="0" g="0" b="0"/>
+      </a:effectRef>
+      <a:fontRef idx="minor"/>
+    </dgm:style>
+  </dgm:styleLbl>
+  <dgm:styleLbl name="conFgAcc1">
+    <dgm:scene3d>
+      <a:camera prst="orthographicFront"/>
+      <a:lightRig rig="threePt" dir="t"/>
+    </dgm:scene3d>
+    <dgm:sp3d/>
+    <dgm:txPr/>
+    <dgm:style>
+      <a:lnRef idx="2">
+        <a:scrgbClr r="0" g="0" b="0"/>
+      </a:lnRef>
+      <a:fillRef idx="1">
+        <a:scrgbClr r="0" g="0" b="0"/>
+      </a:fillRef>
+      <a:effectRef idx="0">
+        <a:scrgbClr r="0" g="0" b="0"/>
+      </a:effectRef>
+      <a:fontRef idx="minor"/>
+    </dgm:style>
+  </dgm:styleLbl>
+  <dgm:styleLbl name="alignAcc1">
+    <dgm:scene3d>
+      <a:camera prst="orthographicFront"/>
+      <a:lightRig rig="threePt" dir="t"/>
+    </dgm:scene3d>
+    <dgm:sp3d/>
+    <dgm:txPr/>
+    <dgm:style>
+      <a:lnRef idx="2">
+        <a:scrgbClr r="0" g="0" b="0"/>
+      </a:lnRef>
+      <a:fillRef idx="1">
+        <a:scrgbClr r="0" g="0" b="0"/>
+      </a:fillRef>
+      <a:effectRef idx="0">
+        <a:scrgbClr r="0" g="0" b="0"/>
+      </a:effectRef>
+      <a:fontRef idx="minor"/>
+    </dgm:style>
+  </dgm:styleLbl>
+  <dgm:styleLbl name="trAlignAcc1">
+    <dgm:scene3d>
+      <a:camera prst="orthographicFront"/>
+      <a:lightRig rig="threePt" dir="t"/>
+    </dgm:scene3d>
+    <dgm:sp3d/>
+    <dgm:txPr/>
+    <dgm:style>
+      <a:lnRef idx="1">
+        <a:scrgbClr r="0" g="0" b="0"/>
+      </a:lnRef>
+      <a:fillRef idx="1">
+        <a:scrgbClr r="0" g="0" b="0"/>
+      </a:fillRef>
+      <a:effectRef idx="0">
+        <a:scrgbClr r="0" g="0" b="0"/>
+      </a:effectRef>
+      <a:fontRef idx="minor"/>
+    </dgm:style>
+  </dgm:styleLbl>
+  <dgm:styleLbl name="bgAcc1">
+    <dgm:scene3d>
+      <a:camera prst="orthographicFront"/>
+      <a:lightRig rig="threePt" dir="t"/>
+    </dgm:scene3d>
+    <dgm:sp3d/>
+    <dgm:txPr/>
+    <dgm:style>
+      <a:lnRef idx="2">
+        <a:scrgbClr r="0" g="0" b="0"/>
+      </a:lnRef>
+      <a:fillRef idx="1">
+        <a:scrgbClr r="0" g="0" b="0"/>
+      </a:fillRef>
+      <a:effectRef idx="0">
+        <a:scrgbClr r="0" g="0" b="0"/>
+      </a:effectRef>
+      <a:fontRef idx="minor"/>
+    </dgm:style>
+  </dgm:styleLbl>
+  <dgm:styleLbl name="solidFgAcc1">
+    <dgm:scene3d>
+      <a:camera prst="orthographicFront"/>
+      <a:lightRig rig="threePt" dir="t"/>
+    </dgm:scene3d>
+    <dgm:sp3d/>
+    <dgm:txPr/>
+    <dgm:style>
+      <a:lnRef idx="2">
+        <a:scrgbClr r="0" g="0" b="0"/>
+      </a:lnRef>
+      <a:fillRef idx="1">
+        <a:scrgbClr r="0" g="0" b="0"/>
+      </a:fillRef>
+      <a:effectRef idx="0">
+        <a:scrgbClr r="0" g="0" b="0"/>
+      </a:effectRef>
+      <a:fontRef idx="minor"/>
+    </dgm:style>
+  </dgm:styleLbl>
+  <dgm:styleLbl name="solidAlignAcc1">
+    <dgm:scene3d>
+      <a:camera prst="orthographicFront"/>
+      <a:lightRig rig="threePt" dir="t"/>
+    </dgm:scene3d>
+    <dgm:sp3d/>
+    <dgm:txPr/>
+    <dgm:style>
+      <a:lnRef idx="2">
+        <a:scrgbClr r="0" g="0" b="0"/>
+      </a:lnRef>
+      <a:fillRef idx="1">
+        <a:scrgbClr r="0" g="0" b="0"/>
+      </a:fillRef>
+      <a:effectRef idx="0">
+        <a:scrgbClr r="0" g="0" b="0"/>
+      </a:effectRef>
+      <a:fontRef idx="minor"/>
+    </dgm:style>
+  </dgm:styleLbl>
+  <dgm:styleLbl name="solidBgAcc1">
+    <dgm:scene3d>
+      <a:camera prst="orthographicFront"/>
+      <a:lightRig rig="threePt" dir="t"/>
+    </dgm:scene3d>
+    <dgm:sp3d/>
+    <dgm:txPr/>
+    <dgm:style>
+      <a:lnRef idx="2">
+        <a:scrgbClr r="0" g="0" b="0"/>
+      </a:lnRef>
+      <a:fillRef idx="1">
+        <a:scrgbClr r="0" g="0" b="0"/>
+      </a:fillRef>
+      <a:effectRef idx="0">
+        <a:scrgbClr r="0" g="0" b="0"/>
+      </a:effectRef>
+      <a:fontRef idx="minor"/>
+    </dgm:style>
+  </dgm:styleLbl>
+  <dgm:styleLbl name="fgAccFollowNode1">
+    <dgm:scene3d>
+      <a:camera prst="orthographicFront"/>
+      <a:lightRig rig="threePt" dir="t"/>
+    </dgm:scene3d>
+    <dgm:sp3d/>
+    <dgm:txPr/>
+    <dgm:style>
+      <a:lnRef idx="2">
+        <a:scrgbClr r="0" g="0" b="0"/>
+      </a:lnRef>
+      <a:fillRef idx="1">
+        <a:scrgbClr r="0" g="0" b="0"/>
+      </a:fillRef>
+      <a:effectRef idx="0">
+        <a:scrgbClr r="0" g="0" b="0"/>
+      </a:effectRef>
+      <a:fontRef idx="minor"/>
+    </dgm:style>
+  </dgm:styleLbl>
+  <dgm:styleLbl name="alignAccFollowNode1">
+    <dgm:scene3d>
+      <a:camera prst="orthographicFront"/>
+      <a:lightRig rig="threePt" dir="t"/>
+    </dgm:scene3d>
+    <dgm:sp3d/>
+    <dgm:txPr/>
+    <dgm:style>
+      <a:lnRef idx="2">
+        <a:scrgbClr r="0" g="0" b="0"/>
+      </a:lnRef>
+      <a:fillRef idx="1">
+        <a:scrgbClr r="0" g="0" b="0"/>
+      </a:fillRef>
+      <a:effectRef idx="0">
+        <a:scrgbClr r="0" g="0" b="0"/>
+      </a:effectRef>
+      <a:fontRef idx="minor"/>
+    </dgm:style>
+  </dgm:styleLbl>
+  <dgm:styleLbl name="bgAccFollowNode1">
+    <dgm:scene3d>
+      <a:camera prst="orthographicFront"/>
+      <a:lightRig rig="threePt" dir="t"/>
+    </dgm:scene3d>
+    <dgm:sp3d/>
+    <dgm:txPr/>
+    <dgm:style>
+      <a:lnRef idx="2">
+        <a:scrgbClr r="0" g="0" b="0"/>
+      </a:lnRef>
+      <a:fillRef idx="1">
+        <a:scrgbClr r="0" g="0" b="0"/>
+      </a:fillRef>
+      <a:effectRef idx="0">
+        <a:scrgbClr r="0" g="0" b="0"/>
+      </a:effectRef>
+      <a:fontRef idx="minor"/>
+    </dgm:style>
+  </dgm:styleLbl>
+  <dgm:styleLbl name="fgAcc0">
+    <dgm:scene3d>
+      <a:camera prst="orthographicFront"/>
+      <a:lightRig rig="threePt" dir="t"/>
+    </dgm:scene3d>
+    <dgm:sp3d/>
+    <dgm:txPr/>
+    <dgm:style>
+      <a:lnRef idx="2">
+        <a:scrgbClr r="0" g="0" b="0"/>
+      </a:lnRef>
+      <a:fillRef idx="1">
+        <a:scrgbClr r="0" g="0" b="0"/>
+      </a:fillRef>
+      <a:effectRef idx="0">
+        <a:scrgbClr r="0" g="0" b="0"/>
+      </a:effectRef>
+      <a:fontRef idx="minor"/>
+    </dgm:style>
+  </dgm:styleLbl>
+  <dgm:styleLbl name="fgAcc2">
+    <dgm:scene3d>
+      <a:camera prst="orthographicFront"/>
+      <a:lightRig rig="threePt" dir="t"/>
+    </dgm:scene3d>
+    <dgm:sp3d/>
+    <dgm:txPr/>
+    <dgm:style>
+      <a:lnRef idx="2">
+        <a:scrgbClr r="0" g="0" b="0"/>
+      </a:lnRef>
+      <a:fillRef idx="1">
+        <a:scrgbClr r="0" g="0" b="0"/>
+      </a:fillRef>
+      <a:effectRef idx="0">
+        <a:scrgbClr r="0" g="0" b="0"/>
+      </a:effectRef>
+      <a:fontRef idx="minor"/>
+    </dgm:style>
+  </dgm:styleLbl>
+  <dgm:styleLbl name="fgAcc3">
+    <dgm:scene3d>
+      <a:camera prst="orthographicFront"/>
+      <a:lightRig rig="threePt" dir="t"/>
+    </dgm:scene3d>
+    <dgm:sp3d/>
+    <dgm:txPr/>
+    <dgm:style>
+      <a:lnRef idx="2">
+        <a:scrgbClr r="0" g="0" b="0"/>
+      </a:lnRef>
+      <a:fillRef idx="1">
+        <a:scrgbClr r="0" g="0" b="0"/>
+      </a:fillRef>
+      <a:effectRef idx="0">
+        <a:scrgbClr r="0" g="0" b="0"/>
+      </a:effectRef>
+      <a:fontRef idx="minor"/>
+    </dgm:style>
+  </dgm:styleLbl>
+  <dgm:styleLbl name="fgAcc4">
+    <dgm:scene3d>
+      <a:camera prst="orthographicFront"/>
+      <a:lightRig rig="threePt" dir="t"/>
+    </dgm:scene3d>
+    <dgm:sp3d/>
+    <dgm:txPr/>
+    <dgm:style>
+      <a:lnRef idx="2">
+        <a:scrgbClr r="0" g="0" b="0"/>
+      </a:lnRef>
+      <a:fillRef idx="1">
+        <a:scrgbClr r="0" g="0" b="0"/>
+      </a:fillRef>
+      <a:effectRef idx="0">
+        <a:scrgbClr r="0" g="0" b="0"/>
+      </a:effectRef>
+      <a:fontRef idx="minor"/>
+    </dgm:style>
+  </dgm:styleLbl>
+  <dgm:styleLbl name="bgShp">
+    <dgm:scene3d>
+      <a:camera prst="orthographicFront"/>
+      <a:lightRig rig="threePt" dir="t"/>
+    </dgm:scene3d>
+    <dgm:sp3d/>
+    <dgm:txPr/>
+    <dgm:style>
+      <a:lnRef idx="0">
+        <a:scrgbClr r="0" g="0" b="0"/>
+      </a:lnRef>
+      <a:fillRef idx="1">
+        <a:scrgbClr r="0" g="0" b="0"/>
+      </a:fillRef>
+      <a:effectRef idx="0">
+        <a:scrgbClr r="0" g="0" b="0"/>
+      </a:effectRef>
+      <a:fontRef idx="minor"/>
+    </dgm:style>
+  </dgm:styleLbl>
+  <dgm:styleLbl name="dkBgShp">
+    <dgm:scene3d>
+      <a:camera prst="orthographicFront"/>
+      <a:lightRig rig="threePt" dir="t"/>
+    </dgm:scene3d>
+    <dgm:sp3d/>
+    <dgm:txPr/>
+    <dgm:style>
+      <a:lnRef idx="0">
+        <a:scrgbClr r="0" g="0" b="0"/>
+      </a:lnRef>
+      <a:fillRef idx="1">
+        <a:scrgbClr r="0" g="0" b="0"/>
+      </a:fillRef>
+      <a:effectRef idx="0">
+        <a:scrgbClr r="0" g="0" b="0"/>
+      </a:effectRef>
+      <a:fontRef idx="minor"/>
+    </dgm:style>
+  </dgm:styleLbl>
+  <dgm:styleLbl name="trBgShp">
+    <dgm:scene3d>
+      <a:camera prst="orthographicFront"/>
+      <a:lightRig rig="threePt" dir="t"/>
+    </dgm:scene3d>
+    <dgm:sp3d/>
+    <dgm:txPr/>
+    <dgm:style>
+      <a:lnRef idx="0">
+        <a:scrgbClr r="0" g="0" b="0"/>
+      </a:lnRef>
+      <a:fillRef idx="1">
+        <a:scrgbClr r="0" g="0" b="0"/>
+      </a:fillRef>
+      <a:effectRef idx="0">
+        <a:scrgbClr r="0" g="0" b="0"/>
+      </a:effectRef>
+      <a:fontRef idx="minor"/>
+    </dgm:style>
+  </dgm:styleLbl>
+  <dgm:styleLbl name="fgShp">
+    <dgm:scene3d>
+      <a:camera prst="orthographicFront"/>
+      <a:lightRig rig="threePt" dir="t"/>
+    </dgm:scene3d>
+    <dgm:sp3d/>
+    <dgm:txPr/>
+    <dgm:style>
+      <a:lnRef idx="2">
+        <a:scrgbClr r="0" g="0" b="0"/>
+      </a:lnRef>
+      <a:fillRef idx="1">
+        <a:scrgbClr r="0" g="0" b="0"/>
+      </a:fillRef>
+      <a:effectRef idx="0">
+        <a:scrgbClr r="0" g="0" b="0"/>
+      </a:effectRef>
+      <a:fontRef idx="minor"/>
+    </dgm:style>
+  </dgm:styleLbl>
+  <dgm:styleLbl name="revTx">
+    <dgm:scene3d>
+      <a:camera prst="orthographicFront"/>
+      <a:lightRig rig="threePt" dir="t"/>
+    </dgm:scene3d>
+    <dgm:sp3d/>
+    <dgm:txPr/>
+    <dgm:style>
+      <a:lnRef idx="0">
+        <a:scrgbClr r="0" g="0" b="0"/>
+      </a:lnRef>
+      <a:fillRef idx="0">
+        <a:scrgbClr r="0" g="0" b="0"/>
+      </a:fillRef>
+      <a:effectRef idx="0">
+        <a:scrgbClr r="0" g="0" b="0"/>
+      </a:effectRef>
+      <a:fontRef idx="minor"/>
+    </dgm:style>
+  </dgm:styleLbl>
+</dgm:styleDef>
+</file>
+
+<file path=ppt/diagrams/quickStyle3.xml><?xml version="1.0" encoding="utf-8"?>
 <dgm:styleDef xmlns:dgm="http://schemas.openxmlformats.org/drawingml/2006/diagram" xmlns:a="http://schemas.openxmlformats.org/drawingml/2006/main" uniqueId="urn:microsoft.com/office/officeart/2005/8/quickstyle/simple1">
   <dgm:title val=""/>
   <dgm:desc val=""/>
@@ -7798,7 +13253,7 @@
         <p:spPr>
           <a:xfrm>
             <a:off x="986362" y="4466845"/>
-            <a:ext cx="3882842" cy="882904"/>
+            <a:ext cx="4436538" cy="882904"/>
           </a:xfrm>
         </p:spPr>
         <p:txBody>
@@ -7809,7 +13264,7 @@
           <a:p>
             <a:r>
               <a:rPr lang="en-US" dirty="0"/>
-              <a:t>A tool for Police Dispatchers</a:t>
+              <a:t>A Tool for Police Dispatchers</a:t>
             </a:r>
           </a:p>
         </p:txBody>
@@ -7893,7 +13348,7 @@
         </p:nvSpPr>
         <p:spPr>
           <a:xfrm>
-            <a:off x="797106" y="5232392"/>
+            <a:off x="864009" y="5422873"/>
             <a:ext cx="4762034" cy="916991"/>
           </a:xfrm>
           <a:prstGeom prst="rect">
@@ -8222,16 +13677,35 @@
           <a:p>
             <a:r>
               <a:rPr lang="en-US" dirty="0"/>
-              <a:t>Our proposal could be used to possibly predict arrest by specific inputs (type of crime, location, hour, etc.). </a:t>
+              <a:t>Our proposal could be used to possibly predict</a:t>
+            </a:r>
+            <a:r>
+              <a:rPr lang="en-US" b="1" dirty="0"/>
+              <a:t> ARREST </a:t>
+            </a:r>
+            <a:r>
+              <a:rPr lang="en-US" dirty="0"/>
+              <a:t>by specific inputs (type of crime, location, hour, etc.). </a:t>
             </a:r>
           </a:p>
           <a:p>
+            <a:pPr marL="0" indent="0">
+              <a:buNone/>
+            </a:pPr>
             <a:endParaRPr lang="en-US" dirty="0"/>
           </a:p>
           <a:p>
             <a:r>
               <a:rPr lang="en-US" dirty="0"/>
-              <a:t>This information seeks to be relevant for Police Dispatchers as a tool for deploying resources in a request of presumable crime.</a:t>
+              <a:t>This information seeks to be relevant for </a:t>
+            </a:r>
+            <a:r>
+              <a:rPr lang="en-US" b="1" dirty="0"/>
+              <a:t>Police Dispatchers </a:t>
+            </a:r>
+            <a:r>
+              <a:rPr lang="en-US" dirty="0"/>
+              <a:t>as a tool for deploying resources in a request of presumable crime.</a:t>
             </a:r>
           </a:p>
         </p:txBody>
@@ -8252,8 +13726,8 @@
         </p:nvSpPr>
         <p:spPr>
           <a:xfrm>
-            <a:off x="470414" y="3313594"/>
-            <a:ext cx="4760612" cy="5031335"/>
+            <a:off x="470414" y="3313595"/>
+            <a:ext cx="4760612" cy="3266724"/>
           </a:xfrm>
           <a:prstGeom prst="rect">
             <a:avLst/>
@@ -8261,7 +13735,7 @@
         </p:spPr>
         <p:txBody>
           <a:bodyPr vert="horz" lIns="91440" tIns="45720" rIns="91440" bIns="45720" rtlCol="0">
-            <a:normAutofit/>
+            <a:normAutofit fontScale="85000" lnSpcReduction="20000"/>
           </a:bodyPr>
           <a:lstStyle>
             <a:lvl1pPr marL="228600" indent="-228600" algn="l" defTabSz="914400" rtl="0" eaLnBrk="1" latinLnBrk="0" hangingPunct="1">
@@ -8434,6 +13908,18 @@
             </a:r>
           </a:p>
           <a:p>
+            <a:endParaRPr lang="en-US" dirty="0"/>
+          </a:p>
+          <a:p>
+            <a:endParaRPr lang="en-US" dirty="0"/>
+          </a:p>
+          <a:p>
+            <a:endParaRPr lang="en-US" dirty="0"/>
+          </a:p>
+          <a:p>
+            <a:endParaRPr lang="en-US" dirty="0"/>
+          </a:p>
+          <a:p>
             <a:pPr lvl="1"/>
             <a:r>
               <a:rPr lang="en-US" dirty="0"/>
@@ -8441,7 +13927,13 @@
             </a:r>
           </a:p>
           <a:p>
-            <a:pPr lvl="2"/>
+            <a:pPr marL="457200" lvl="1" indent="0">
+              <a:buNone/>
+            </a:pPr>
+            <a:endParaRPr lang="en-US" dirty="0"/>
+          </a:p>
+          <a:p>
+            <a:pPr lvl="1"/>
             <a:r>
               <a:rPr lang="en-US" dirty="0">
                 <a:hlinkClick r:id="rId2">
@@ -8454,12 +13946,6 @@
               </a:rPr>
               <a:t>https://data.cityofchicago.org/Public-Safety/Crimes-2001-to-Present/ijzp-q8t2</a:t>
             </a:r>
-            <a:r>
-              <a:rPr lang="en-US" dirty="0"/>
-              <a:t> </a:t>
-            </a:r>
-          </a:p>
-          <a:p>
             <a:endParaRPr lang="en-US" dirty="0"/>
           </a:p>
         </p:txBody>
@@ -8491,17 +13977,17 @@
           <a:lstStyle/>
           <a:p>
             <a:r>
-              <a:rPr lang="en-CA" dirty="0"/>
+              <a:rPr lang="en-CA" b="1" dirty="0"/>
               <a:t>PROJECT </a:t>
             </a:r>
             <a:br>
-              <a:rPr lang="en-CA" dirty="0"/>
+              <a:rPr lang="en-CA" b="1" dirty="0"/>
             </a:br>
             <a:r>
-              <a:rPr lang="en-CA" dirty="0"/>
+              <a:rPr lang="en-CA" b="1" dirty="0"/>
               <a:t>DESCRIPTION</a:t>
             </a:r>
-            <a:endParaRPr lang="en-US" dirty="0"/>
+            <a:endParaRPr lang="en-US" b="1" dirty="0"/>
           </a:p>
         </p:txBody>
       </p:sp>
@@ -8551,6 +14037,37 @@
           </a:p>
         </p:txBody>
       </p:sp>
+      <p:pic>
+        <p:nvPicPr>
+          <p:cNvPr id="8" name="Picture 7" descr="Graphical user interface, text, application&#10;&#10;Description automatically generated">
+            <a:hlinkClick r:id="rId2"/>
+            <a:extLst>
+              <a:ext uri="{FF2B5EF4-FFF2-40B4-BE49-F238E27FC236}">
+                <a16:creationId xmlns:a16="http://schemas.microsoft.com/office/drawing/2014/main" id="{89C19FE1-07F5-C544-90E9-6109E0E5BB02}"/>
+              </a:ext>
+            </a:extLst>
+          </p:cNvPr>
+          <p:cNvPicPr>
+            <a:picLocks noChangeAspect="1"/>
+          </p:cNvPicPr>
+          <p:nvPr/>
+        </p:nvPicPr>
+        <p:blipFill>
+          <a:blip r:embed="rId3"/>
+          <a:stretch>
+            <a:fillRect/>
+          </a:stretch>
+        </p:blipFill>
+        <p:spPr>
+          <a:xfrm>
+            <a:off x="803188" y="3664482"/>
+            <a:ext cx="4090260" cy="1282475"/>
+          </a:xfrm>
+          <a:prstGeom prst="rect">
+            <a:avLst/>
+          </a:prstGeom>
+        </p:spPr>
+      </p:pic>
     </p:spTree>
     <p:extLst>
       <p:ext uri="{BB962C8B-B14F-4D97-AF65-F5344CB8AC3E}">
@@ -8892,17 +14409,17 @@
           </a:lstStyle>
           <a:p>
             <a:r>
-              <a:rPr lang="en-CA" dirty="0"/>
+              <a:rPr lang="en-CA" b="1" dirty="0"/>
               <a:t>CHICAGO CRIME </a:t>
             </a:r>
             <a:br>
-              <a:rPr lang="en-CA" dirty="0"/>
+              <a:rPr lang="en-CA" b="1" dirty="0"/>
             </a:br>
             <a:r>
-              <a:rPr lang="en-CA" dirty="0"/>
+              <a:rPr lang="en-CA" b="1" dirty="0"/>
               <a:t>City Context</a:t>
             </a:r>
-            <a:endParaRPr lang="en-US" dirty="0"/>
+            <a:endParaRPr lang="en-US" b="1" dirty="0"/>
           </a:p>
         </p:txBody>
       </p:sp>
@@ -8952,109 +14469,146 @@
           </a:p>
         </p:txBody>
       </p:sp>
-      <p:sp>
-        <p:nvSpPr>
-          <p:cNvPr id="15" name="TextBox 14">
+      <p:graphicFrame>
+        <p:nvGraphicFramePr>
+          <p:cNvPr id="21" name="Content Placeholder 18">
             <a:extLst>
               <a:ext uri="{FF2B5EF4-FFF2-40B4-BE49-F238E27FC236}">
-                <a16:creationId xmlns:a16="http://schemas.microsoft.com/office/drawing/2014/main" id="{0AB8CC18-2589-B546-BAF5-B6100455B1A6}"/>
+                <a16:creationId xmlns:a16="http://schemas.microsoft.com/office/drawing/2014/main" id="{9F29E7BF-6D58-40EA-996C-CA88B3C69935}"/>
               </a:ext>
             </a:extLst>
           </p:cNvPr>
-          <p:cNvSpPr txBox="1"/>
-          <p:nvPr/>
-        </p:nvSpPr>
-        <p:spPr>
-          <a:xfrm>
-            <a:off x="9598349" y="2096346"/>
-            <a:ext cx="2277351" cy="2308324"/>
-          </a:xfrm>
-          <a:prstGeom prst="rect">
-            <a:avLst/>
-          </a:prstGeom>
-          <a:noFill/>
-          <a:ln w="57150">
-            <a:solidFill>
-              <a:schemeClr val="tx1"/>
-            </a:solidFill>
-            <a:prstDash val="lgDashDot"/>
-          </a:ln>
-        </p:spPr>
-        <p:txBody>
-          <a:bodyPr wrap="square" rtlCol="0">
-            <a:spAutoFit/>
-          </a:bodyPr>
-          <a:lstStyle/>
-          <a:p>
-            <a:r>
-              <a:rPr lang="en-US" dirty="0"/>
-              <a:t>From 2001 to 2021</a:t>
-            </a:r>
-          </a:p>
-          <a:p>
-            <a:endParaRPr lang="en-US" dirty="0"/>
-          </a:p>
-          <a:p>
-            <a:pPr marL="285750" indent="-285750">
-              <a:buFont typeface="Arial" panose="020B0604020202020204" pitchFamily="34" charset="0"/>
-              <a:buChar char="•"/>
-            </a:pPr>
-            <a:endParaRPr lang="en-US" dirty="0"/>
-          </a:p>
-          <a:p>
-            <a:pPr marL="285750" indent="-285750">
-              <a:buFont typeface="Arial" panose="020B0604020202020204" pitchFamily="34" charset="0"/>
-              <a:buChar char="•"/>
-            </a:pPr>
-            <a:r>
-              <a:rPr lang="en-US" dirty="0"/>
-              <a:t>Total Amount of Crime: 6,691,918</a:t>
-            </a:r>
-          </a:p>
-          <a:p>
-            <a:pPr marL="285750" indent="-285750">
-              <a:buFont typeface="Arial" panose="020B0604020202020204" pitchFamily="34" charset="0"/>
-              <a:buChar char="•"/>
-            </a:pPr>
-            <a:endParaRPr lang="en-US" dirty="0"/>
-          </a:p>
-          <a:p>
-            <a:pPr marL="285750" indent="-285750">
-              <a:buFont typeface="Arial" panose="020B0604020202020204" pitchFamily="34" charset="0"/>
-              <a:buChar char="•"/>
-            </a:pPr>
-            <a:r>
-              <a:rPr lang="en-US" dirty="0"/>
-              <a:t>Total Amount of Arrest: 1,783,949</a:t>
-            </a:r>
-          </a:p>
-        </p:txBody>
-      </p:sp>
-      <p:sp>
-        <p:nvSpPr>
-          <p:cNvPr id="19" name="Content Placeholder 18">
+          <p:cNvGraphicFramePr>
+            <a:graphicFrameLocks noGrp="1"/>
+          </p:cNvGraphicFramePr>
+          <p:nvPr>
+            <p:ph idx="1"/>
+            <p:extLst>
+              <p:ext uri="{D42A27DB-BD31-4B8C-83A1-F6EECF244321}">
+                <p14:modId xmlns:p14="http://schemas.microsoft.com/office/powerpoint/2010/main" val="1952170425"/>
+              </p:ext>
+            </p:extLst>
+          </p:nvPr>
+        </p:nvGraphicFramePr>
+        <p:xfrm>
+          <a:off x="565150" y="2691638"/>
+          <a:ext cx="8267296" cy="3188586"/>
+        </p:xfrm>
+        <a:graphic>
+          <a:graphicData uri="http://schemas.openxmlformats.org/drawingml/2006/diagram">
+            <dgm:relIds xmlns:dgm="http://schemas.openxmlformats.org/drawingml/2006/diagram" xmlns:r="http://schemas.openxmlformats.org/officeDocument/2006/relationships" r:dm="rId2" r:lo="rId3" r:qs="rId4" r:cs="rId5"/>
+          </a:graphicData>
+        </a:graphic>
+      </p:graphicFrame>
+      <p:grpSp>
+        <p:nvGrpSpPr>
+          <p:cNvPr id="5" name="Group 4">
             <a:extLst>
               <a:ext uri="{FF2B5EF4-FFF2-40B4-BE49-F238E27FC236}">
-                <a16:creationId xmlns:a16="http://schemas.microsoft.com/office/drawing/2014/main" id="{EB5D9AC3-BB5C-764D-A543-C30D51E3A171}"/>
+                <a16:creationId xmlns:a16="http://schemas.microsoft.com/office/drawing/2014/main" id="{620B128A-CC97-7443-BDD9-362425F07FA4}"/>
               </a:ext>
             </a:extLst>
           </p:cNvPr>
-          <p:cNvSpPr>
-            <a:spLocks noGrp="1"/>
-          </p:cNvSpPr>
-          <p:nvPr>
-            <p:ph idx="1"/>
-          </p:nvPr>
-        </p:nvSpPr>
-        <p:spPr/>
-        <p:txBody>
-          <a:bodyPr/>
-          <a:lstStyle/>
-          <a:p>
-            <a:endParaRPr lang="en-US"/>
-          </a:p>
-        </p:txBody>
-      </p:sp>
+          <p:cNvGrpSpPr/>
+          <p:nvPr/>
+        </p:nvGrpSpPr>
+        <p:grpSpPr>
+          <a:xfrm>
+            <a:off x="9521719" y="3225801"/>
+            <a:ext cx="2508873" cy="2776728"/>
+            <a:chOff x="9699983" y="3329592"/>
+            <a:chExt cx="2152346" cy="2289311"/>
+          </a:xfrm>
+        </p:grpSpPr>
+        <p:sp>
+          <p:nvSpPr>
+            <p:cNvPr id="4" name="Oval 3">
+              <a:extLst>
+                <a:ext uri="{FF2B5EF4-FFF2-40B4-BE49-F238E27FC236}">
+                  <a16:creationId xmlns:a16="http://schemas.microsoft.com/office/drawing/2014/main" id="{A85CB6E8-98AA-4549-A61E-8B85F14ACDD5}"/>
+                </a:ext>
+              </a:extLst>
+            </p:cNvPr>
+            <p:cNvSpPr/>
+            <p:nvPr/>
+          </p:nvSpPr>
+          <p:spPr>
+            <a:xfrm>
+              <a:off x="9699983" y="3329592"/>
+              <a:ext cx="2152346" cy="2289311"/>
+            </a:xfrm>
+            <a:prstGeom prst="ellipse">
+              <a:avLst/>
+            </a:prstGeom>
+            <a:ln>
+              <a:noFill/>
+            </a:ln>
+          </p:spPr>
+          <p:style>
+            <a:lnRef idx="2">
+              <a:schemeClr val="accent1">
+                <a:shade val="50000"/>
+              </a:schemeClr>
+            </a:lnRef>
+            <a:fillRef idx="1">
+              <a:schemeClr val="accent1"/>
+            </a:fillRef>
+            <a:effectRef idx="0">
+              <a:schemeClr val="accent1"/>
+            </a:effectRef>
+            <a:fontRef idx="minor">
+              <a:schemeClr val="lt1"/>
+            </a:fontRef>
+          </p:style>
+          <p:txBody>
+            <a:bodyPr rtlCol="0" anchor="ctr"/>
+            <a:lstStyle/>
+            <a:p>
+              <a:pPr algn="ctr"/>
+              <a:endParaRPr lang="en-US"/>
+            </a:p>
+          </p:txBody>
+        </p:sp>
+        <p:sp>
+          <p:nvSpPr>
+            <p:cNvPr id="3" name="Rectangle 2">
+              <a:extLst>
+                <a:ext uri="{FF2B5EF4-FFF2-40B4-BE49-F238E27FC236}">
+                  <a16:creationId xmlns:a16="http://schemas.microsoft.com/office/drawing/2014/main" id="{EB99FAF6-2A1F-8F47-9ACF-867758E7DF44}"/>
+                </a:ext>
+              </a:extLst>
+            </p:cNvPr>
+            <p:cNvSpPr/>
+            <p:nvPr/>
+          </p:nvSpPr>
+          <p:spPr>
+            <a:xfrm>
+              <a:off x="10266620" y="4071122"/>
+              <a:ext cx="1377813" cy="1015663"/>
+            </a:xfrm>
+            <a:prstGeom prst="rect">
+              <a:avLst/>
+            </a:prstGeom>
+          </p:spPr>
+          <p:txBody>
+            <a:bodyPr wrap="none">
+              <a:spAutoFit/>
+            </a:bodyPr>
+            <a:lstStyle/>
+            <a:p>
+              <a:pPr lvl="0"/>
+              <a:r>
+                <a:rPr lang="en-US" sz="6000" b="1" dirty="0">
+                  <a:solidFill>
+                    <a:schemeClr val="bg1"/>
+                  </a:solidFill>
+                </a:rPr>
+                <a:t>27%</a:t>
+              </a:r>
+            </a:p>
+          </p:txBody>
+        </p:sp>
+      </p:grpSp>
     </p:spTree>
     <p:extLst>
       <p:ext uri="{BB962C8B-B14F-4D97-AF65-F5344CB8AC3E}">
@@ -9377,6 +14931,14 @@
 <file path=ppt/slides/slide5.xml><?xml version="1.0" encoding="utf-8"?>
 <p:sld xmlns:a="http://schemas.openxmlformats.org/drawingml/2006/main" xmlns:r="http://schemas.openxmlformats.org/officeDocument/2006/relationships" xmlns:p="http://schemas.openxmlformats.org/presentationml/2006/main">
   <p:cSld>
+    <p:bg>
+      <p:bgPr>
+        <a:solidFill>
+          <a:schemeClr val="bg1"/>
+        </a:solidFill>
+        <a:effectLst/>
+      </p:bgPr>
+    </p:bg>
     <p:spTree>
       <p:nvGrpSpPr>
         <p:cNvPr id="1" name=""/>
@@ -9393,6 +14955,257 @@
       </p:grpSpPr>
       <p:sp>
         <p:nvSpPr>
+          <p:cNvPr id="55" name="Rectangle 54">
+            <a:extLst>
+              <a:ext uri="{FF2B5EF4-FFF2-40B4-BE49-F238E27FC236}">
+                <a16:creationId xmlns:a16="http://schemas.microsoft.com/office/drawing/2014/main" id="{9F291BE0-7A7E-D04F-974F-9F4577FB2F46}"/>
+              </a:ext>
+              <a:ext uri="{C183D7F6-B498-43B3-948B-1728B52AA6E4}">
+                <adec:decorative xmlns:adec="http://schemas.microsoft.com/office/drawing/2017/decorative" val="1"/>
+              </a:ext>
+            </a:extLst>
+          </p:cNvPr>
+          <p:cNvSpPr>
+            <a:spLocks noGrp="1" noRot="1" noChangeAspect="1" noMove="1" noResize="1" noEditPoints="1" noAdjustHandles="1" noChangeArrowheads="1" noChangeShapeType="1" noTextEdit="1"/>
+          </p:cNvSpPr>
+          <p:nvPr>
+            <p:extLst>
+              <p:ext uri="{386F3935-93C4-4BCD-93E2-E3B085C9AB24}">
+                <p16:designElem xmlns:p16="http://schemas.microsoft.com/office/powerpoint/2015/main" val="1"/>
+              </p:ext>
+            </p:extLst>
+          </p:nvPr>
+        </p:nvSpPr>
+        <p:spPr>
+          <a:xfrm>
+            <a:off x="6163735" y="1096772"/>
+            <a:ext cx="5571066" cy="5761228"/>
+          </a:xfrm>
+          <a:prstGeom prst="rect">
+            <a:avLst/>
+          </a:prstGeom>
+          <a:solidFill>
+            <a:schemeClr val="bg2"/>
+          </a:solidFill>
+          <a:ln>
+            <a:noFill/>
+          </a:ln>
+        </p:spPr>
+        <p:style>
+          <a:lnRef idx="2">
+            <a:schemeClr val="accent1">
+              <a:shade val="50000"/>
+            </a:schemeClr>
+          </a:lnRef>
+          <a:fillRef idx="1">
+            <a:schemeClr val="accent1"/>
+          </a:fillRef>
+          <a:effectRef idx="0">
+            <a:schemeClr val="accent1"/>
+          </a:effectRef>
+          <a:fontRef idx="minor">
+            <a:schemeClr val="lt1"/>
+          </a:fontRef>
+        </p:style>
+        <p:txBody>
+          <a:bodyPr rtlCol="0" anchor="ctr"/>
+          <a:lstStyle/>
+          <a:p>
+            <a:pPr algn="ctr"/>
+            <a:endParaRPr lang="en-US"/>
+          </a:p>
+        </p:txBody>
+      </p:sp>
+      <p:sp>
+        <p:nvSpPr>
+          <p:cNvPr id="57" name="Cross 56">
+            <a:extLst>
+              <a:ext uri="{FF2B5EF4-FFF2-40B4-BE49-F238E27FC236}">
+                <a16:creationId xmlns:a16="http://schemas.microsoft.com/office/drawing/2014/main" id="{BD33FF1F-6094-0B4A-A3E4-6B0D9283DB44}"/>
+              </a:ext>
+              <a:ext uri="{C183D7F6-B498-43B3-948B-1728B52AA6E4}">
+                <adec:decorative xmlns:adec="http://schemas.microsoft.com/office/drawing/2017/decorative" val="1"/>
+              </a:ext>
+            </a:extLst>
+          </p:cNvPr>
+          <p:cNvSpPr>
+            <a:spLocks noGrp="1" noRot="1" noChangeAspect="1" noMove="1" noResize="1" noEditPoints="1" noAdjustHandles="1" noChangeArrowheads="1" noChangeShapeType="1" noTextEdit="1"/>
+          </p:cNvSpPr>
+          <p:nvPr>
+            <p:extLst>
+              <p:ext uri="{386F3935-93C4-4BCD-93E2-E3B085C9AB24}">
+                <p16:designElem xmlns:p16="http://schemas.microsoft.com/office/powerpoint/2015/main" val="1"/>
+              </p:ext>
+            </p:extLst>
+          </p:nvPr>
+        </p:nvSpPr>
+        <p:spPr>
+          <a:xfrm>
+            <a:off x="11529484" y="5618903"/>
+            <a:ext cx="524933" cy="524933"/>
+          </a:xfrm>
+          <a:prstGeom prst="plus">
+            <a:avLst>
+              <a:gd name="adj" fmla="val 39516"/>
+            </a:avLst>
+          </a:prstGeom>
+          <a:solidFill>
+            <a:schemeClr val="tx1"/>
+          </a:solidFill>
+          <a:ln>
+            <a:noFill/>
+          </a:ln>
+        </p:spPr>
+        <p:style>
+          <a:lnRef idx="2">
+            <a:schemeClr val="accent1">
+              <a:shade val="50000"/>
+            </a:schemeClr>
+          </a:lnRef>
+          <a:fillRef idx="1">
+            <a:schemeClr val="accent1"/>
+          </a:fillRef>
+          <a:effectRef idx="0">
+            <a:schemeClr val="accent1"/>
+          </a:effectRef>
+          <a:fontRef idx="minor">
+            <a:schemeClr val="lt1"/>
+          </a:fontRef>
+        </p:style>
+        <p:txBody>
+          <a:bodyPr rtlCol="0" anchor="ctr"/>
+          <a:lstStyle/>
+          <a:p>
+            <a:pPr algn="ctr"/>
+            <a:endParaRPr lang="en-US"/>
+          </a:p>
+        </p:txBody>
+      </p:sp>
+      <p:sp>
+        <p:nvSpPr>
+          <p:cNvPr id="59" name="Rectangle 58">
+            <a:extLst>
+              <a:ext uri="{FF2B5EF4-FFF2-40B4-BE49-F238E27FC236}">
+                <a16:creationId xmlns:a16="http://schemas.microsoft.com/office/drawing/2014/main" id="{B78A6D9C-C7A5-414B-8CB7-E31470D7D280}"/>
+              </a:ext>
+              <a:ext uri="{C183D7F6-B498-43B3-948B-1728B52AA6E4}">
+                <adec:decorative xmlns:adec="http://schemas.microsoft.com/office/drawing/2017/decorative" val="1"/>
+              </a:ext>
+            </a:extLst>
+          </p:cNvPr>
+          <p:cNvSpPr>
+            <a:spLocks noGrp="1" noRot="1" noChangeAspect="1" noMove="1" noResize="1" noEditPoints="1" noAdjustHandles="1" noChangeArrowheads="1" noChangeShapeType="1" noTextEdit="1"/>
+          </p:cNvSpPr>
+          <p:nvPr>
+            <p:extLst>
+              <p:ext uri="{386F3935-93C4-4BCD-93E2-E3B085C9AB24}">
+                <p16:designElem xmlns:p16="http://schemas.microsoft.com/office/powerpoint/2015/main" val="1"/>
+              </p:ext>
+            </p:extLst>
+          </p:nvPr>
+        </p:nvSpPr>
+        <p:spPr>
+          <a:xfrm>
+            <a:off x="9881559" y="976630"/>
+            <a:ext cx="1336774" cy="120142"/>
+          </a:xfrm>
+          <a:prstGeom prst="rect">
+            <a:avLst/>
+          </a:prstGeom>
+          <a:solidFill>
+            <a:schemeClr val="tx1"/>
+          </a:solidFill>
+          <a:ln>
+            <a:noFill/>
+          </a:ln>
+        </p:spPr>
+        <p:style>
+          <a:lnRef idx="2">
+            <a:schemeClr val="accent1">
+              <a:shade val="50000"/>
+            </a:schemeClr>
+          </a:lnRef>
+          <a:fillRef idx="1">
+            <a:schemeClr val="accent1"/>
+          </a:fillRef>
+          <a:effectRef idx="0">
+            <a:schemeClr val="accent1"/>
+          </a:effectRef>
+          <a:fontRef idx="minor">
+            <a:schemeClr val="lt1"/>
+          </a:fontRef>
+        </p:style>
+        <p:txBody>
+          <a:bodyPr rtlCol="0" anchor="ctr"/>
+          <a:lstStyle/>
+          <a:p>
+            <a:pPr algn="ctr"/>
+            <a:endParaRPr lang="en-US"/>
+          </a:p>
+        </p:txBody>
+      </p:sp>
+      <p:sp useBgFill="1">
+        <p:nvSpPr>
+          <p:cNvPr id="61" name="Rectangle 60">
+            <a:extLst>
+              <a:ext uri="{FF2B5EF4-FFF2-40B4-BE49-F238E27FC236}">
+                <a16:creationId xmlns:a16="http://schemas.microsoft.com/office/drawing/2014/main" id="{579E3846-8D0B-B14A-817A-7FAC9DDAB4D8}"/>
+              </a:ext>
+              <a:ext uri="{C183D7F6-B498-43B3-948B-1728B52AA6E4}">
+                <adec:decorative xmlns:adec="http://schemas.microsoft.com/office/drawing/2017/decorative" val="1"/>
+              </a:ext>
+            </a:extLst>
+          </p:cNvPr>
+          <p:cNvSpPr>
+            <a:spLocks noGrp="1" noRot="1" noChangeAspect="1" noMove="1" noResize="1" noEditPoints="1" noAdjustHandles="1" noChangeArrowheads="1" noChangeShapeType="1" noTextEdit="1"/>
+          </p:cNvSpPr>
+          <p:nvPr>
+            <p:extLst>
+              <p:ext uri="{386F3935-93C4-4BCD-93E2-E3B085C9AB24}">
+                <p16:designElem xmlns:p16="http://schemas.microsoft.com/office/powerpoint/2015/main" val="1"/>
+              </p:ext>
+            </p:extLst>
+          </p:nvPr>
+        </p:nvSpPr>
+        <p:spPr>
+          <a:xfrm>
+            <a:off x="0" y="0"/>
+            <a:ext cx="12192000" cy="6858000"/>
+          </a:xfrm>
+          <a:prstGeom prst="rect">
+            <a:avLst/>
+          </a:prstGeom>
+          <a:ln>
+            <a:noFill/>
+          </a:ln>
+        </p:spPr>
+        <p:style>
+          <a:lnRef idx="2">
+            <a:schemeClr val="accent1">
+              <a:shade val="50000"/>
+            </a:schemeClr>
+          </a:lnRef>
+          <a:fillRef idx="1">
+            <a:schemeClr val="accent1"/>
+          </a:fillRef>
+          <a:effectRef idx="0">
+            <a:schemeClr val="accent1"/>
+          </a:effectRef>
+          <a:fontRef idx="minor">
+            <a:schemeClr val="lt1"/>
+          </a:fontRef>
+        </p:style>
+        <p:txBody>
+          <a:bodyPr rtlCol="0" anchor="ctr"/>
+          <a:lstStyle/>
+          <a:p>
+            <a:pPr algn="ctr"/>
+            <a:endParaRPr lang="en-US"/>
+          </a:p>
+        </p:txBody>
+      </p:sp>
+      <p:sp>
+        <p:nvSpPr>
           <p:cNvPr id="4" name="Title 3">
             <a:extLst>
               <a:ext uri="{FF2B5EF4-FFF2-40B4-BE49-F238E27FC236}">
@@ -9407,13 +15220,27 @@
             <p:ph type="title"/>
           </p:nvPr>
         </p:nvSpPr>
-        <p:spPr/>
+        <p:spPr>
+          <a:xfrm>
+            <a:off x="565149" y="1204721"/>
+            <a:ext cx="8267296" cy="1446550"/>
+          </a:xfrm>
+        </p:spPr>
         <p:txBody>
-          <a:bodyPr/>
+          <a:bodyPr vert="horz" lIns="91440" tIns="45720" rIns="91440" bIns="45720" rtlCol="0" anchor="t">
+            <a:normAutofit/>
+          </a:bodyPr>
           <a:lstStyle/>
           <a:p>
             <a:r>
-              <a:rPr lang="en-US" dirty="0"/>
+              <a:rPr lang="en-US" kern="1200">
+                <a:solidFill>
+                  <a:schemeClr val="tx1"/>
+                </a:solidFill>
+                <a:latin typeface="+mj-lt"/>
+                <a:ea typeface="+mj-ea"/>
+                <a:cs typeface="+mj-cs"/>
+              </a:rPr>
               <a:t>Other models</a:t>
             </a:r>
           </a:p>
@@ -9421,84 +15248,227 @@
       </p:sp>
       <p:sp>
         <p:nvSpPr>
-          <p:cNvPr id="5" name="Rectangle 4">
+          <p:cNvPr id="63" name="Rectangle 62">
             <a:extLst>
               <a:ext uri="{FF2B5EF4-FFF2-40B4-BE49-F238E27FC236}">
-                <a16:creationId xmlns:a16="http://schemas.microsoft.com/office/drawing/2014/main" id="{3E34C328-6F83-AA4E-85CF-4F90C3423EBF}"/>
+                <a16:creationId xmlns:a16="http://schemas.microsoft.com/office/drawing/2014/main" id="{FB1CD9BE-93F1-ED44-946B-8354D74B0B9F}"/>
+              </a:ext>
+              <a:ext uri="{C183D7F6-B498-43B3-948B-1728B52AA6E4}">
+                <adec:decorative xmlns:adec="http://schemas.microsoft.com/office/drawing/2017/decorative" val="1"/>
               </a:ext>
             </a:extLst>
           </p:cNvPr>
-          <p:cNvSpPr/>
-          <p:nvPr/>
+          <p:cNvSpPr>
+            <a:spLocks noGrp="1" noRot="1" noChangeAspect="1" noMove="1" noResize="1" noEditPoints="1" noAdjustHandles="1" noChangeArrowheads="1" noChangeShapeType="1" noTextEdit="1"/>
+          </p:cNvSpPr>
+          <p:nvPr>
+            <p:extLst>
+              <p:ext uri="{386F3935-93C4-4BCD-93E2-E3B085C9AB24}">
+                <p16:designElem xmlns:p16="http://schemas.microsoft.com/office/powerpoint/2015/main" val="1"/>
+              </p:ext>
+            </p:extLst>
+          </p:nvPr>
         </p:nvSpPr>
         <p:spPr>
           <a:xfrm>
-            <a:off x="4746912" y="3244334"/>
-            <a:ext cx="2569934" cy="369332"/>
+            <a:off x="11738231" y="1096772"/>
+            <a:ext cx="453769" cy="5761228"/>
           </a:xfrm>
           <a:prstGeom prst="rect">
             <a:avLst/>
           </a:prstGeom>
+          <a:solidFill>
+            <a:schemeClr val="bg2"/>
+          </a:solidFill>
+          <a:ln>
+            <a:noFill/>
+          </a:ln>
         </p:spPr>
+        <p:style>
+          <a:lnRef idx="2">
+            <a:schemeClr val="accent1">
+              <a:shade val="50000"/>
+            </a:schemeClr>
+          </a:lnRef>
+          <a:fillRef idx="1">
+            <a:schemeClr val="accent1"/>
+          </a:fillRef>
+          <a:effectRef idx="0">
+            <a:schemeClr val="accent1"/>
+          </a:effectRef>
+          <a:fontRef idx="minor">
+            <a:schemeClr val="lt1"/>
+          </a:fontRef>
+        </p:style>
         <p:txBody>
-          <a:bodyPr wrap="none">
-            <a:spAutoFit/>
-          </a:bodyPr>
+          <a:bodyPr rtlCol="0" anchor="ctr"/>
           <a:lstStyle/>
           <a:p>
-            <a:r>
-              <a:rPr lang="en-US" dirty="0">
-                <a:solidFill>
-                  <a:srgbClr val="202124"/>
-                </a:solidFill>
-                <a:latin typeface="arial" panose="020B0604020202020204" pitchFamily="34" charset="0"/>
-              </a:rPr>
-              <a:t>random forest classifier</a:t>
-            </a:r>
-            <a:endParaRPr lang="en-US" dirty="0"/>
+            <a:pPr algn="ctr"/>
+            <a:endParaRPr lang="en-US">
+              <a:solidFill>
+                <a:schemeClr val="bg2"/>
+              </a:solidFill>
+            </a:endParaRPr>
           </a:p>
         </p:txBody>
       </p:sp>
       <p:sp>
         <p:nvSpPr>
-          <p:cNvPr id="6" name="Rectangle 5">
+          <p:cNvPr id="65" name="Rectangle 64">
             <a:extLst>
               <a:ext uri="{FF2B5EF4-FFF2-40B4-BE49-F238E27FC236}">
-                <a16:creationId xmlns:a16="http://schemas.microsoft.com/office/drawing/2014/main" id="{2FD4674B-18A4-BE49-BE80-7CCB2FA3E6CB}"/>
+                <a16:creationId xmlns:a16="http://schemas.microsoft.com/office/drawing/2014/main" id="{882E6E09-FCB0-5F41-8BAE-C0581D54B5FD}"/>
+              </a:ext>
+              <a:ext uri="{C183D7F6-B498-43B3-948B-1728B52AA6E4}">
+                <adec:decorative xmlns:adec="http://schemas.microsoft.com/office/drawing/2017/decorative" val="1"/>
               </a:ext>
             </a:extLst>
           </p:cNvPr>
-          <p:cNvSpPr/>
-          <p:nvPr/>
+          <p:cNvSpPr>
+            <a:spLocks noGrp="1" noRot="1" noChangeAspect="1" noMove="1" noResize="1" noEditPoints="1" noAdjustHandles="1" noChangeArrowheads="1" noChangeShapeType="1" noTextEdit="1"/>
+          </p:cNvSpPr>
+          <p:nvPr>
+            <p:extLst>
+              <p:ext uri="{386F3935-93C4-4BCD-93E2-E3B085C9AB24}">
+                <p16:designElem xmlns:p16="http://schemas.microsoft.com/office/powerpoint/2015/main" val="1"/>
+              </p:ext>
+            </p:extLst>
+          </p:nvPr>
         </p:nvSpPr>
         <p:spPr>
           <a:xfrm>
-            <a:off x="4259600" y="4827969"/>
-            <a:ext cx="3518912" cy="369332"/>
+            <a:off x="9881559" y="976630"/>
+            <a:ext cx="1336774" cy="120142"/>
           </a:xfrm>
           <a:prstGeom prst="rect">
             <a:avLst/>
           </a:prstGeom>
+          <a:solidFill>
+            <a:schemeClr val="tx1"/>
+          </a:solidFill>
+          <a:ln>
+            <a:noFill/>
+          </a:ln>
         </p:spPr>
+        <p:style>
+          <a:lnRef idx="2">
+            <a:schemeClr val="accent1">
+              <a:shade val="50000"/>
+            </a:schemeClr>
+          </a:lnRef>
+          <a:fillRef idx="1">
+            <a:schemeClr val="accent1"/>
+          </a:fillRef>
+          <a:effectRef idx="0">
+            <a:schemeClr val="accent1"/>
+          </a:effectRef>
+          <a:fontRef idx="minor">
+            <a:schemeClr val="lt1"/>
+          </a:fontRef>
+        </p:style>
         <p:txBody>
-          <a:bodyPr wrap="none">
-            <a:spAutoFit/>
-          </a:bodyPr>
+          <a:bodyPr rtlCol="0" anchor="ctr"/>
           <a:lstStyle/>
           <a:p>
-            <a:r>
-              <a:rPr lang="en-US" dirty="0">
-                <a:solidFill>
-                  <a:srgbClr val="202124"/>
-                </a:solidFill>
-                <a:latin typeface="arial" panose="020B0604020202020204" pitchFamily="34" charset="0"/>
-              </a:rPr>
-              <a:t>random forest classifier-modified</a:t>
-            </a:r>
-            <a:endParaRPr lang="en-US" dirty="0"/>
+            <a:pPr algn="ctr"/>
+            <a:endParaRPr lang="en-US"/>
           </a:p>
         </p:txBody>
       </p:sp>
+      <p:sp>
+        <p:nvSpPr>
+          <p:cNvPr id="67" name="Cross 66">
+            <a:extLst>
+              <a:ext uri="{FF2B5EF4-FFF2-40B4-BE49-F238E27FC236}">
+                <a16:creationId xmlns:a16="http://schemas.microsoft.com/office/drawing/2014/main" id="{D269DB01-9C3C-7841-B8E8-6FDFEF70CB7D}"/>
+              </a:ext>
+              <a:ext uri="{C183D7F6-B498-43B3-948B-1728B52AA6E4}">
+                <adec:decorative xmlns:adec="http://schemas.microsoft.com/office/drawing/2017/decorative" val="1"/>
+              </a:ext>
+            </a:extLst>
+          </p:cNvPr>
+          <p:cNvSpPr>
+            <a:spLocks noGrp="1" noRot="1" noChangeAspect="1" noMove="1" noResize="1" noEditPoints="1" noAdjustHandles="1" noChangeArrowheads="1" noChangeShapeType="1" noTextEdit="1"/>
+          </p:cNvSpPr>
+          <p:nvPr>
+            <p:extLst>
+              <p:ext uri="{386F3935-93C4-4BCD-93E2-E3B085C9AB24}">
+                <p16:designElem xmlns:p16="http://schemas.microsoft.com/office/powerpoint/2015/main" val="1"/>
+              </p:ext>
+            </p:extLst>
+          </p:nvPr>
+        </p:nvSpPr>
+        <p:spPr>
+          <a:xfrm>
+            <a:off x="11531286" y="5618903"/>
+            <a:ext cx="524933" cy="524933"/>
+          </a:xfrm>
+          <a:prstGeom prst="plus">
+            <a:avLst>
+              <a:gd name="adj" fmla="val 39516"/>
+            </a:avLst>
+          </a:prstGeom>
+          <a:solidFill>
+            <a:schemeClr val="tx1"/>
+          </a:solidFill>
+          <a:ln>
+            <a:noFill/>
+          </a:ln>
+        </p:spPr>
+        <p:style>
+          <a:lnRef idx="2">
+            <a:schemeClr val="accent1">
+              <a:shade val="50000"/>
+            </a:schemeClr>
+          </a:lnRef>
+          <a:fillRef idx="1">
+            <a:schemeClr val="accent1"/>
+          </a:fillRef>
+          <a:effectRef idx="0">
+            <a:schemeClr val="accent1"/>
+          </a:effectRef>
+          <a:fontRef idx="minor">
+            <a:schemeClr val="lt1"/>
+          </a:fontRef>
+        </p:style>
+        <p:txBody>
+          <a:bodyPr rtlCol="0" anchor="ctr"/>
+          <a:lstStyle/>
+          <a:p>
+            <a:pPr algn="ctr"/>
+            <a:endParaRPr lang="en-US"/>
+          </a:p>
+        </p:txBody>
+      </p:sp>
+      <p:graphicFrame>
+        <p:nvGraphicFramePr>
+          <p:cNvPr id="8" name="Diagram 7">
+            <a:extLst>
+              <a:ext uri="{FF2B5EF4-FFF2-40B4-BE49-F238E27FC236}">
+                <a16:creationId xmlns:a16="http://schemas.microsoft.com/office/drawing/2014/main" id="{5D09B0E5-27F0-6845-B2EE-D43D842873F0}"/>
+              </a:ext>
+            </a:extLst>
+          </p:cNvPr>
+          <p:cNvGraphicFramePr/>
+          <p:nvPr>
+            <p:extLst>
+              <p:ext uri="{D42A27DB-BD31-4B8C-83A1-F6EECF244321}">
+                <p14:modId xmlns:p14="http://schemas.microsoft.com/office/powerpoint/2010/main" val="531373047"/>
+              </p:ext>
+            </p:extLst>
+          </p:nvPr>
+        </p:nvGraphicFramePr>
+        <p:xfrm>
+          <a:off x="565149" y="2692400"/>
+          <a:ext cx="10653184" cy="3187700"/>
+        </p:xfrm>
+        <a:graphic>
+          <a:graphicData uri="http://schemas.openxmlformats.org/drawingml/2006/diagram">
+            <dgm:relIds xmlns:dgm="http://schemas.openxmlformats.org/drawingml/2006/diagram" xmlns:r="http://schemas.openxmlformats.org/officeDocument/2006/relationships" r:dm="rId2" r:lo="rId3" r:qs="rId4" r:cs="rId5"/>
+          </a:graphicData>
+        </a:graphic>
+      </p:graphicFrame>
     </p:spTree>
     <p:extLst>
       <p:ext uri="{BB962C8B-B14F-4D97-AF65-F5344CB8AC3E}">
@@ -9513,86 +15483,6 @@
 </file>
 
 <file path=ppt/slides/slide6.xml><?xml version="1.0" encoding="utf-8"?>
-<p:sld xmlns:a="http://schemas.openxmlformats.org/drawingml/2006/main" xmlns:r="http://schemas.openxmlformats.org/officeDocument/2006/relationships" xmlns:p="http://schemas.openxmlformats.org/presentationml/2006/main">
-  <p:cSld>
-    <p:spTree>
-      <p:nvGrpSpPr>
-        <p:cNvPr id="1" name=""/>
-        <p:cNvGrpSpPr/>
-        <p:nvPr/>
-      </p:nvGrpSpPr>
-      <p:grpSpPr>
-        <a:xfrm>
-          <a:off x="0" y="0"/>
-          <a:ext cx="0" cy="0"/>
-          <a:chOff x="0" y="0"/>
-          <a:chExt cx="0" cy="0"/>
-        </a:xfrm>
-      </p:grpSpPr>
-      <p:sp>
-        <p:nvSpPr>
-          <p:cNvPr id="2" name="Title 1">
-            <a:extLst>
-              <a:ext uri="{FF2B5EF4-FFF2-40B4-BE49-F238E27FC236}">
-                <a16:creationId xmlns:a16="http://schemas.microsoft.com/office/drawing/2014/main" id="{1FC4A0B2-6A18-F742-B4FA-F685A3A311B2}"/>
-              </a:ext>
-            </a:extLst>
-          </p:cNvPr>
-          <p:cNvSpPr>
-            <a:spLocks noGrp="1"/>
-          </p:cNvSpPr>
-          <p:nvPr>
-            <p:ph type="title"/>
-          </p:nvPr>
-        </p:nvSpPr>
-        <p:spPr/>
-        <p:txBody>
-          <a:bodyPr/>
-          <a:lstStyle/>
-          <a:p>
-            <a:endParaRPr lang="en-US"/>
-          </a:p>
-        </p:txBody>
-      </p:sp>
-      <p:sp>
-        <p:nvSpPr>
-          <p:cNvPr id="3" name="Content Placeholder 2">
-            <a:extLst>
-              <a:ext uri="{FF2B5EF4-FFF2-40B4-BE49-F238E27FC236}">
-                <a16:creationId xmlns:a16="http://schemas.microsoft.com/office/drawing/2014/main" id="{6449CD31-9574-FE43-804A-E3772B1CDBE8}"/>
-              </a:ext>
-            </a:extLst>
-          </p:cNvPr>
-          <p:cNvSpPr>
-            <a:spLocks noGrp="1"/>
-          </p:cNvSpPr>
-          <p:nvPr>
-            <p:ph idx="1"/>
-          </p:nvPr>
-        </p:nvSpPr>
-        <p:spPr/>
-        <p:txBody>
-          <a:bodyPr/>
-          <a:lstStyle/>
-          <a:p>
-            <a:endParaRPr lang="en-US" dirty="0"/>
-          </a:p>
-        </p:txBody>
-      </p:sp>
-    </p:spTree>
-    <p:extLst>
-      <p:ext uri="{BB962C8B-B14F-4D97-AF65-F5344CB8AC3E}">
-        <p14:creationId xmlns:p14="http://schemas.microsoft.com/office/powerpoint/2010/main" val="2505748360"/>
-      </p:ext>
-    </p:extLst>
-  </p:cSld>
-  <p:clrMapOvr>
-    <a:masterClrMapping/>
-  </p:clrMapOvr>
-</p:sld>
-</file>
-
-<file path=ppt/slides/slide7.xml><?xml version="1.0" encoding="utf-8"?>
 <p:sld xmlns:a="http://schemas.openxmlformats.org/drawingml/2006/main" xmlns:r="http://schemas.openxmlformats.org/officeDocument/2006/relationships" xmlns:p="http://schemas.openxmlformats.org/presentationml/2006/main" showMasterSp="0">
   <p:cSld>
     <p:bg>
@@ -11825,36 +17715,6 @@
 </p:sld>
 </file>
 
-<file path=ppt/slides/slide8.xml><?xml version="1.0" encoding="utf-8"?>
-<p:sld xmlns:a="http://schemas.openxmlformats.org/drawingml/2006/main" xmlns:r="http://schemas.openxmlformats.org/officeDocument/2006/relationships" xmlns:p="http://schemas.openxmlformats.org/presentationml/2006/main">
-  <p:cSld>
-    <p:spTree>
-      <p:nvGrpSpPr>
-        <p:cNvPr id="1" name=""/>
-        <p:cNvGrpSpPr/>
-        <p:nvPr/>
-      </p:nvGrpSpPr>
-      <p:grpSpPr>
-        <a:xfrm>
-          <a:off x="0" y="0"/>
-          <a:ext cx="0" cy="0"/>
-          <a:chOff x="0" y="0"/>
-          <a:chExt cx="0" cy="0"/>
-        </a:xfrm>
-      </p:grpSpPr>
-    </p:spTree>
-    <p:extLst>
-      <p:ext uri="{BB962C8B-B14F-4D97-AF65-F5344CB8AC3E}">
-        <p14:creationId xmlns:p14="http://schemas.microsoft.com/office/powerpoint/2010/main" val="3676519118"/>
-      </p:ext>
-    </p:extLst>
-  </p:cSld>
-  <p:clrMapOvr>
-    <a:masterClrMapping/>
-  </p:clrMapOvr>
-</p:sld>
-</file>
-
 <file path=ppt/theme/theme1.xml><?xml version="1.0" encoding="utf-8"?>
 <a:theme xmlns:a="http://schemas.openxmlformats.org/drawingml/2006/main" name="MadridVTI">
   <a:themeElements>

--- a/Group 2 - Arrest predictor.pptx
+++ b/Group 2 - Arrest predictor.pptx
@@ -2388,7 +2388,7 @@
         <a:lstStyle/>
         <a:p>
           <a:r>
-            <a:rPr lang="en-US"/>
+            <a:rPr lang="en-US" dirty="0"/>
             <a:t>From 2001 to 2021</a:t>
           </a:r>
         </a:p>
@@ -2585,50 +2585,6 @@
         </a:p>
       </dgm:t>
     </dgm:pt>
-    <dgm:pt modelId="{FF9E4EB0-E52B-7843-AF43-750832FA52A7}">
-      <dgm:prSet phldrT="[Text]"/>
-      <dgm:spPr/>
-      <dgm:t>
-        <a:bodyPr/>
-        <a:lstStyle/>
-        <a:p>
-          <a:pPr>
-            <a:lnSpc>
-              <a:spcPct val="100000"/>
-            </a:lnSpc>
-          </a:pPr>
-          <a:r>
-            <a:rPr lang="en-US">
-              <a:latin typeface="arial" panose="020B0604020202020204" pitchFamily="34" charset="0"/>
-            </a:rPr>
-            <a:t>Random Forest Classifier</a:t>
-          </a:r>
-          <a:endParaRPr lang="en-US"/>
-        </a:p>
-      </dgm:t>
-    </dgm:pt>
-    <dgm:pt modelId="{F397BF86-08C4-5B48-8633-BAA913A641D5}" type="parTrans" cxnId="{2D527EDB-0522-C742-BF3A-0C076DF5A61D}">
-      <dgm:prSet/>
-      <dgm:spPr/>
-      <dgm:t>
-        <a:bodyPr/>
-        <a:lstStyle/>
-        <a:p>
-          <a:endParaRPr lang="en-US"/>
-        </a:p>
-      </dgm:t>
-    </dgm:pt>
-    <dgm:pt modelId="{7EC95C46-F108-7A4B-BDDA-2F3A01E5FF10}" type="sibTrans" cxnId="{2D527EDB-0522-C742-BF3A-0C076DF5A61D}">
-      <dgm:prSet/>
-      <dgm:spPr/>
-      <dgm:t>
-        <a:bodyPr/>
-        <a:lstStyle/>
-        <a:p>
-          <a:endParaRPr lang="en-US"/>
-        </a:p>
-      </dgm:t>
-    </dgm:pt>
     <dgm:pt modelId="{FE10F7E4-9E78-1B48-9C06-8AB1C60B4BFD}">
       <dgm:prSet phldrT="[Text]"/>
       <dgm:spPr/>
@@ -2714,54 +2670,6 @@
         </a:p>
       </dgm:t>
     </dgm:pt>
-    <dgm:pt modelId="{D32894C7-9FB7-B44B-AB64-994711165674}">
-      <dgm:prSet phldrT="[Text]"/>
-      <dgm:spPr/>
-      <dgm:t>
-        <a:bodyPr/>
-        <a:lstStyle/>
-        <a:p>
-          <a:pPr>
-            <a:lnSpc>
-              <a:spcPct val="100000"/>
-            </a:lnSpc>
-          </a:pPr>
-          <a:r>
-            <a:rPr lang="en-US" dirty="0"/>
-            <a:t>Logistic Regression</a:t>
-          </a:r>
-          <a:br>
-            <a:rPr lang="en-US" dirty="0"/>
-          </a:br>
-          <a:r>
-            <a:rPr lang="en-US" dirty="0"/>
-            <a:t>Undersampling</a:t>
-          </a:r>
-        </a:p>
-      </dgm:t>
-    </dgm:pt>
-    <dgm:pt modelId="{047D4469-6F16-3848-8EF2-53765E438E02}" type="parTrans" cxnId="{64565C8A-9DDD-0344-B4EC-9DDA449437BB}">
-      <dgm:prSet/>
-      <dgm:spPr/>
-      <dgm:t>
-        <a:bodyPr/>
-        <a:lstStyle/>
-        <a:p>
-          <a:endParaRPr lang="en-US"/>
-        </a:p>
-      </dgm:t>
-    </dgm:pt>
-    <dgm:pt modelId="{A78EBC42-042B-7D41-804F-8E9874B58210}" type="sibTrans" cxnId="{64565C8A-9DDD-0344-B4EC-9DDA449437BB}">
-      <dgm:prSet/>
-      <dgm:spPr/>
-      <dgm:t>
-        <a:bodyPr/>
-        <a:lstStyle/>
-        <a:p>
-          <a:endParaRPr lang="en-US"/>
-        </a:p>
-      </dgm:t>
-    </dgm:pt>
     <dgm:pt modelId="{1E92277E-F268-DA43-AFDC-2D86D2A6A96B}">
       <dgm:prSet/>
       <dgm:spPr/>
@@ -2836,39 +2744,6 @@
         </a:p>
       </dgm:t>
     </dgm:pt>
-    <dgm:pt modelId="{6AB341F2-2E39-6F48-A3D9-D0CF3A89BDB8}">
-      <dgm:prSet/>
-      <dgm:spPr/>
-      <dgm:t>
-        <a:bodyPr/>
-        <a:lstStyle/>
-        <a:p>
-          <a:endParaRPr lang="en-US" dirty="0"/>
-        </a:p>
-      </dgm:t>
-    </dgm:pt>
-    <dgm:pt modelId="{70986BC8-0F78-1A4F-B392-9596B0DE4182}" type="parTrans" cxnId="{C0409430-D522-B84E-BCCF-AEA5B1781C3E}">
-      <dgm:prSet/>
-      <dgm:spPr/>
-      <dgm:t>
-        <a:bodyPr/>
-        <a:lstStyle/>
-        <a:p>
-          <a:endParaRPr lang="en-US"/>
-        </a:p>
-      </dgm:t>
-    </dgm:pt>
-    <dgm:pt modelId="{B10BCAFD-14A7-EF45-A176-513DB7867356}" type="sibTrans" cxnId="{C0409430-D522-B84E-BCCF-AEA5B1781C3E}">
-      <dgm:prSet/>
-      <dgm:spPr/>
-      <dgm:t>
-        <a:bodyPr/>
-        <a:lstStyle/>
-        <a:p>
-          <a:endParaRPr lang="en-US"/>
-        </a:p>
-      </dgm:t>
-    </dgm:pt>
     <dgm:pt modelId="{C9DC3652-0115-4E40-BE58-1A0B9FB33CD0}" type="pres">
       <dgm:prSet presAssocID="{8E912E4C-8B0F-E94C-AA87-5349C10A8941}" presName="root" presStyleCnt="0">
         <dgm:presLayoutVars>
@@ -2878,12 +2753,12 @@
       </dgm:prSet>
       <dgm:spPr/>
     </dgm:pt>
-    <dgm:pt modelId="{EC15765B-B6ED-4D8D-94EB-0DD660EBD08A}" type="pres">
-      <dgm:prSet presAssocID="{FE10F7E4-9E78-1B48-9C06-8AB1C60B4BFD}" presName="compNode" presStyleCnt="0"/>
+    <dgm:pt modelId="{4F8A3E7C-EEE7-43D1-B87E-248AEDF4CC9F}" type="pres">
+      <dgm:prSet presAssocID="{4F5AE08A-3468-5F4A-AFF1-980E96F2AC30}" presName="compNode" presStyleCnt="0"/>
       <dgm:spPr/>
     </dgm:pt>
-    <dgm:pt modelId="{0183E4AD-8F6C-4F50-85CE-443FCC41F15F}" type="pres">
-      <dgm:prSet presAssocID="{FE10F7E4-9E78-1B48-9C06-8AB1C60B4BFD}" presName="iconRect" presStyleLbl="node1" presStyleIdx="0" presStyleCnt="5"/>
+    <dgm:pt modelId="{14AD0B90-8024-4678-9F4C-8B69F0A1C9C8}" type="pres">
+      <dgm:prSet presAssocID="{4F5AE08A-3468-5F4A-AFF1-980E96F2AC30}" presName="iconRect" presStyleLbl="node1" presStyleIdx="0" presStyleCnt="3" custLinFactNeighborX="2852" custLinFactNeighborY="363"/>
       <dgm:spPr>
         <a:blipFill>
           <a:blip xmlns:r="http://schemas.openxmlformats.org/officeDocument/2006/relationships" r:embed="rId1">
@@ -2906,16 +2781,16 @@
       </dgm:spPr>
       <dgm:extLst>
         <a:ext uri="{E40237B7-FDA0-4F09-8148-C483321AD2D9}">
-          <dgm14:cNvPr xmlns:dgm14="http://schemas.microsoft.com/office/drawing/2010/diagram" id="0" name="" descr="Fir tree"/>
+          <dgm14:cNvPr xmlns:dgm14="http://schemas.microsoft.com/office/drawing/2010/diagram" id="0" name="" descr="Bar chart"/>
         </a:ext>
       </dgm:extLst>
     </dgm:pt>
-    <dgm:pt modelId="{353ED593-4ADD-4452-A2DB-7C6F40AA7439}" type="pres">
-      <dgm:prSet presAssocID="{FE10F7E4-9E78-1B48-9C06-8AB1C60B4BFD}" presName="spaceRect" presStyleCnt="0"/>
+    <dgm:pt modelId="{AA70A5EF-70C4-49D9-BC47-F518E406D069}" type="pres">
+      <dgm:prSet presAssocID="{4F5AE08A-3468-5F4A-AFF1-980E96F2AC30}" presName="spaceRect" presStyleCnt="0"/>
       <dgm:spPr/>
     </dgm:pt>
-    <dgm:pt modelId="{23DB569C-312B-4420-96A3-D604DB075BF6}" type="pres">
-      <dgm:prSet presAssocID="{FE10F7E4-9E78-1B48-9C06-8AB1C60B4BFD}" presName="textRect" presStyleLbl="revTx" presStyleIdx="0" presStyleCnt="5">
+    <dgm:pt modelId="{FD42C456-E415-4CAA-9B24-0FC6C89F1AE8}" type="pres">
+      <dgm:prSet presAssocID="{4F5AE08A-3468-5F4A-AFF1-980E96F2AC30}" presName="textRect" presStyleLbl="revTx" presStyleIdx="0" presStyleCnt="3">
         <dgm:presLayoutVars>
           <dgm:chMax val="1"/>
           <dgm:chPref val="1"/>
@@ -2923,16 +2798,16 @@
       </dgm:prSet>
       <dgm:spPr/>
     </dgm:pt>
-    <dgm:pt modelId="{77AA61CB-DDCD-4BC7-B61C-DE08FA51E818}" type="pres">
-      <dgm:prSet presAssocID="{02268FCB-BEF1-AD42-BF1B-DAC00209154D}" presName="sibTrans" presStyleCnt="0"/>
+    <dgm:pt modelId="{2F7AFD53-1562-4419-96A6-02AF7272694E}" type="pres">
+      <dgm:prSet presAssocID="{DB7FD37A-2B73-4744-9EB7-78BBE4464246}" presName="sibTrans" presStyleCnt="0"/>
       <dgm:spPr/>
     </dgm:pt>
-    <dgm:pt modelId="{2BCDB9B0-323A-48DD-8169-E59C2C05FA36}" type="pres">
-      <dgm:prSet presAssocID="{FF9E4EB0-E52B-7843-AF43-750832FA52A7}" presName="compNode" presStyleCnt="0"/>
+    <dgm:pt modelId="{EC15765B-B6ED-4D8D-94EB-0DD660EBD08A}" type="pres">
+      <dgm:prSet presAssocID="{FE10F7E4-9E78-1B48-9C06-8AB1C60B4BFD}" presName="compNode" presStyleCnt="0"/>
       <dgm:spPr/>
     </dgm:pt>
-    <dgm:pt modelId="{6A77F158-CF88-418E-80AF-87AF14353718}" type="pres">
-      <dgm:prSet presAssocID="{FF9E4EB0-E52B-7843-AF43-750832FA52A7}" presName="iconRect" presStyleLbl="node1" presStyleIdx="1" presStyleCnt="5"/>
+    <dgm:pt modelId="{0183E4AD-8F6C-4F50-85CE-443FCC41F15F}" type="pres">
+      <dgm:prSet presAssocID="{FE10F7E4-9E78-1B48-9C06-8AB1C60B4BFD}" presName="iconRect" presStyleLbl="node1" presStyleIdx="1" presStyleCnt="3"/>
       <dgm:spPr>
         <a:blipFill>
           <a:blip xmlns:r="http://schemas.openxmlformats.org/officeDocument/2006/relationships" r:embed="rId3">
@@ -2955,16 +2830,16 @@
       </dgm:spPr>
       <dgm:extLst>
         <a:ext uri="{E40237B7-FDA0-4F09-8148-C483321AD2D9}">
-          <dgm14:cNvPr xmlns:dgm14="http://schemas.microsoft.com/office/drawing/2010/diagram" id="0" name="" descr="Deciduous tree"/>
+          <dgm14:cNvPr xmlns:dgm14="http://schemas.microsoft.com/office/drawing/2010/diagram" id="0" name="" descr="Fir tree"/>
         </a:ext>
       </dgm:extLst>
     </dgm:pt>
-    <dgm:pt modelId="{AD7DE067-4A25-43EE-B91F-C32CA290E222}" type="pres">
-      <dgm:prSet presAssocID="{FF9E4EB0-E52B-7843-AF43-750832FA52A7}" presName="spaceRect" presStyleCnt="0"/>
+    <dgm:pt modelId="{353ED593-4ADD-4452-A2DB-7C6F40AA7439}" type="pres">
+      <dgm:prSet presAssocID="{FE10F7E4-9E78-1B48-9C06-8AB1C60B4BFD}" presName="spaceRect" presStyleCnt="0"/>
       <dgm:spPr/>
     </dgm:pt>
-    <dgm:pt modelId="{77FC8481-A8E3-4FAB-BC2E-A5A06AA7AF0F}" type="pres">
-      <dgm:prSet presAssocID="{FF9E4EB0-E52B-7843-AF43-750832FA52A7}" presName="textRect" presStyleLbl="revTx" presStyleIdx="1" presStyleCnt="5">
+    <dgm:pt modelId="{23DB569C-312B-4420-96A3-D604DB075BF6}" type="pres">
+      <dgm:prSet presAssocID="{FE10F7E4-9E78-1B48-9C06-8AB1C60B4BFD}" presName="textRect" presStyleLbl="revTx" presStyleIdx="1" presStyleCnt="3">
         <dgm:presLayoutVars>
           <dgm:chMax val="1"/>
           <dgm:chPref val="1"/>
@@ -2972,65 +2847,16 @@
       </dgm:prSet>
       <dgm:spPr/>
     </dgm:pt>
-    <dgm:pt modelId="{EDA4847A-4D0C-4C0C-8222-B2BB193C16D1}" type="pres">
-      <dgm:prSet presAssocID="{7EC95C46-F108-7A4B-BDDA-2F3A01E5FF10}" presName="sibTrans" presStyleCnt="0"/>
+    <dgm:pt modelId="{77AA61CB-DDCD-4BC7-B61C-DE08FA51E818}" type="pres">
+      <dgm:prSet presAssocID="{02268FCB-BEF1-AD42-BF1B-DAC00209154D}" presName="sibTrans" presStyleCnt="0"/>
       <dgm:spPr/>
     </dgm:pt>
-    <dgm:pt modelId="{4F8A3E7C-EEE7-43D1-B87E-248AEDF4CC9F}" type="pres">
-      <dgm:prSet presAssocID="{4F5AE08A-3468-5F4A-AFF1-980E96F2AC30}" presName="compNode" presStyleCnt="0"/>
+    <dgm:pt modelId="{8A2D2925-57D5-9641-9115-6C8BAC0FBC61}" type="pres">
+      <dgm:prSet presAssocID="{1E92277E-F268-DA43-AFDC-2D86D2A6A96B}" presName="compNode" presStyleCnt="0"/>
       <dgm:spPr/>
     </dgm:pt>
-    <dgm:pt modelId="{14AD0B90-8024-4678-9F4C-8B69F0A1C9C8}" type="pres">
-      <dgm:prSet presAssocID="{4F5AE08A-3468-5F4A-AFF1-980E96F2AC30}" presName="iconRect" presStyleLbl="node1" presStyleIdx="2" presStyleCnt="5" custLinFactNeighborX="2852" custLinFactNeighborY="363"/>
-      <dgm:spPr>
-        <a:blipFill>
-          <a:blip xmlns:r="http://schemas.openxmlformats.org/officeDocument/2006/relationships" r:embed="rId5">
-            <a:extLst>
-              <a:ext uri="{28A0092B-C50C-407E-A947-70E740481C1C}">
-                <a14:useLocalDpi xmlns:a14="http://schemas.microsoft.com/office/drawing/2010/main" val="0"/>
-              </a:ext>
-              <a:ext uri="{96DAC541-7B7A-43D3-8B79-37D633B846F1}">
-                <asvg:svgBlip xmlns:asvg="http://schemas.microsoft.com/office/drawing/2016/SVG/main" r:embed="rId6"/>
-              </a:ext>
-            </a:extLst>
-          </a:blip>
-          <a:stretch>
-            <a:fillRect/>
-          </a:stretch>
-        </a:blipFill>
-        <a:ln>
-          <a:noFill/>
-        </a:ln>
-      </dgm:spPr>
-      <dgm:extLst>
-        <a:ext uri="{E40237B7-FDA0-4F09-8148-C483321AD2D9}">
-          <dgm14:cNvPr xmlns:dgm14="http://schemas.microsoft.com/office/drawing/2010/diagram" id="0" name="" descr="Bar chart"/>
-        </a:ext>
-      </dgm:extLst>
-    </dgm:pt>
-    <dgm:pt modelId="{AA70A5EF-70C4-49D9-BC47-F518E406D069}" type="pres">
-      <dgm:prSet presAssocID="{4F5AE08A-3468-5F4A-AFF1-980E96F2AC30}" presName="spaceRect" presStyleCnt="0"/>
-      <dgm:spPr/>
-    </dgm:pt>
-    <dgm:pt modelId="{FD42C456-E415-4CAA-9B24-0FC6C89F1AE8}" type="pres">
-      <dgm:prSet presAssocID="{4F5AE08A-3468-5F4A-AFF1-980E96F2AC30}" presName="textRect" presStyleLbl="revTx" presStyleIdx="2" presStyleCnt="5">
-        <dgm:presLayoutVars>
-          <dgm:chMax val="1"/>
-          <dgm:chPref val="1"/>
-        </dgm:presLayoutVars>
-      </dgm:prSet>
-      <dgm:spPr/>
-    </dgm:pt>
-    <dgm:pt modelId="{2F7AFD53-1562-4419-96A6-02AF7272694E}" type="pres">
-      <dgm:prSet presAssocID="{DB7FD37A-2B73-4744-9EB7-78BBE4464246}" presName="sibTrans" presStyleCnt="0"/>
-      <dgm:spPr/>
-    </dgm:pt>
-    <dgm:pt modelId="{E18A73F0-3052-4118-85DF-13E21E940520}" type="pres">
-      <dgm:prSet presAssocID="{D32894C7-9FB7-B44B-AB64-994711165674}" presName="compNode" presStyleCnt="0"/>
-      <dgm:spPr/>
-    </dgm:pt>
-    <dgm:pt modelId="{19612C32-F0B3-48E0-8D76-71C9C21E9C5E}" type="pres">
-      <dgm:prSet presAssocID="{D32894C7-9FB7-B44B-AB64-994711165674}" presName="iconRect" presStyleLbl="node1" presStyleIdx="3" presStyleCnt="5"/>
+    <dgm:pt modelId="{0B2F3A7A-A9E8-F341-B7C6-CDAE2DC66D1E}" type="pres">
+      <dgm:prSet presAssocID="{1E92277E-F268-DA43-AFDC-2D86D2A6A96B}" presName="iconRect" presStyleLbl="node1" presStyleIdx="2" presStyleCnt="3"/>
       <dgm:spPr>
         <a:blipFill rotWithShape="1">
           <a:blip xmlns:r="http://schemas.openxmlformats.org/officeDocument/2006/relationships" r:embed="rId5">
@@ -3048,56 +2874,6 @@
             <a:fillRect/>
           </a:stretch>
         </a:blipFill>
-        <a:ln>
-          <a:noFill/>
-        </a:ln>
-      </dgm:spPr>
-      <dgm:extLst>
-        <a:ext uri="{E40237B7-FDA0-4F09-8148-C483321AD2D9}">
-          <dgm14:cNvPr xmlns:dgm14="http://schemas.microsoft.com/office/drawing/2010/diagram" id="0" name="" descr="Statistics"/>
-        </a:ext>
-      </dgm:extLst>
-    </dgm:pt>
-    <dgm:pt modelId="{F372FE98-0CB3-412B-807A-6925B180B8E5}" type="pres">
-      <dgm:prSet presAssocID="{D32894C7-9FB7-B44B-AB64-994711165674}" presName="spaceRect" presStyleCnt="0"/>
-      <dgm:spPr/>
-    </dgm:pt>
-    <dgm:pt modelId="{2F85E289-3A22-4E24-BEDD-16C6A41ADA77}" type="pres">
-      <dgm:prSet presAssocID="{D32894C7-9FB7-B44B-AB64-994711165674}" presName="textRect" presStyleLbl="revTx" presStyleIdx="3" presStyleCnt="5">
-        <dgm:presLayoutVars>
-          <dgm:chMax val="1"/>
-          <dgm:chPref val="1"/>
-        </dgm:presLayoutVars>
-      </dgm:prSet>
-      <dgm:spPr/>
-    </dgm:pt>
-    <dgm:pt modelId="{190D8627-565E-F646-83E1-492D1A1D45C6}" type="pres">
-      <dgm:prSet presAssocID="{A78EBC42-042B-7D41-804F-8E9874B58210}" presName="sibTrans" presStyleCnt="0"/>
-      <dgm:spPr/>
-    </dgm:pt>
-    <dgm:pt modelId="{8A2D2925-57D5-9641-9115-6C8BAC0FBC61}" type="pres">
-      <dgm:prSet presAssocID="{1E92277E-F268-DA43-AFDC-2D86D2A6A96B}" presName="compNode" presStyleCnt="0"/>
-      <dgm:spPr/>
-    </dgm:pt>
-    <dgm:pt modelId="{0B2F3A7A-A9E8-F341-B7C6-CDAE2DC66D1E}" type="pres">
-      <dgm:prSet presAssocID="{1E92277E-F268-DA43-AFDC-2D86D2A6A96B}" presName="iconRect" presStyleLbl="node1" presStyleIdx="4" presStyleCnt="5"/>
-      <dgm:spPr>
-        <a:blipFill rotWithShape="1">
-          <a:blip xmlns:r="http://schemas.openxmlformats.org/officeDocument/2006/relationships" r:embed="rId7">
-            <a:extLst>
-              <a:ext uri="{28A0092B-C50C-407E-A947-70E740481C1C}">
-                <a14:useLocalDpi xmlns:a14="http://schemas.microsoft.com/office/drawing/2010/main" val="0"/>
-              </a:ext>
-              <a:ext uri="{96DAC541-7B7A-43D3-8B79-37D633B846F1}">
-                <asvg:svgBlip xmlns:asvg="http://schemas.microsoft.com/office/drawing/2016/SVG/main" r:embed="rId8"/>
-              </a:ext>
-            </a:extLst>
-          </a:blip>
-          <a:srcRect/>
-          <a:stretch>
-            <a:fillRect/>
-          </a:stretch>
-        </a:blipFill>
       </dgm:spPr>
     </dgm:pt>
     <dgm:pt modelId="{4E48F10B-B290-0546-BC92-C19879F08BC4}" type="pres">
@@ -3105,7 +2881,7 @@
       <dgm:spPr/>
     </dgm:pt>
     <dgm:pt modelId="{3B7F87BB-0E69-9C42-AB0F-38F0A8DA276F}" type="pres">
-      <dgm:prSet presAssocID="{1E92277E-F268-DA43-AFDC-2D86D2A6A96B}" presName="textRect" presStyleLbl="revTx" presStyleIdx="4" presStyleCnt="5">
+      <dgm:prSet presAssocID="{1E92277E-F268-DA43-AFDC-2D86D2A6A96B}" presName="textRect" presStyleLbl="revTx" presStyleIdx="2" presStyleCnt="3">
         <dgm:presLayoutVars>
           <dgm:chMax val="1"/>
           <dgm:chPref val="1"/>
@@ -3115,43 +2891,28 @@
     </dgm:pt>
   </dgm:ptLst>
   <dgm:cxnLst>
-    <dgm:cxn modelId="{F373DA07-1351-C94A-99D6-142888730A9D}" srcId="{8E912E4C-8B0F-E94C-AA87-5349C10A8941}" destId="{4F5AE08A-3468-5F4A-AFF1-980E96F2AC30}" srcOrd="2" destOrd="0" parTransId="{A6AB4968-EB21-084B-B0FC-6A55DED80957}" sibTransId="{DB7FD37A-2B73-4744-9EB7-78BBE4464246}"/>
-    <dgm:cxn modelId="{4E1D9717-AF04-4746-9627-4AB2300070B7}" srcId="{8E912E4C-8B0F-E94C-AA87-5349C10A8941}" destId="{FE10F7E4-9E78-1B48-9C06-8AB1C60B4BFD}" srcOrd="0" destOrd="0" parTransId="{A007973F-D79D-A34B-B0AE-0A66E3EE72FA}" sibTransId="{02268FCB-BEF1-AD42-BF1B-DAC00209154D}"/>
-    <dgm:cxn modelId="{D181151E-BD5C-F04A-94A4-5183DA7E58EE}" type="presOf" srcId="{1E92277E-F268-DA43-AFDC-2D86D2A6A96B}" destId="{3B7F87BB-0E69-9C42-AB0F-38F0A8DA276F}" srcOrd="0" destOrd="0" presId="urn:microsoft.com/office/officeart/2018/2/layout/IconLabelList"/>
-    <dgm:cxn modelId="{C0409430-D522-B84E-BCCF-AEA5B1781C3E}" srcId="{D32894C7-9FB7-B44B-AB64-994711165674}" destId="{6AB341F2-2E39-6F48-A3D9-D0CF3A89BDB8}" srcOrd="0" destOrd="0" parTransId="{70986BC8-0F78-1A4F-B392-9596B0DE4182}" sibTransId="{B10BCAFD-14A7-EF45-A176-513DB7867356}"/>
-    <dgm:cxn modelId="{7BBA903D-8412-8C40-8889-F3074C7ADEE7}" type="presOf" srcId="{FF9E4EB0-E52B-7843-AF43-750832FA52A7}" destId="{77FC8481-A8E3-4FAB-BC2E-A5A06AA7AF0F}" srcOrd="0" destOrd="0" presId="urn:microsoft.com/office/officeart/2018/2/layout/IconLabelList"/>
+    <dgm:cxn modelId="{F373DA07-1351-C94A-99D6-142888730A9D}" srcId="{8E912E4C-8B0F-E94C-AA87-5349C10A8941}" destId="{4F5AE08A-3468-5F4A-AFF1-980E96F2AC30}" srcOrd="0" destOrd="0" parTransId="{A6AB4968-EB21-084B-B0FC-6A55DED80957}" sibTransId="{DB7FD37A-2B73-4744-9EB7-78BBE4464246}"/>
+    <dgm:cxn modelId="{4E1D9717-AF04-4746-9627-4AB2300070B7}" srcId="{8E912E4C-8B0F-E94C-AA87-5349C10A8941}" destId="{FE10F7E4-9E78-1B48-9C06-8AB1C60B4BFD}" srcOrd="1" destOrd="0" parTransId="{A007973F-D79D-A34B-B0AE-0A66E3EE72FA}" sibTransId="{02268FCB-BEF1-AD42-BF1B-DAC00209154D}"/>
+    <dgm:cxn modelId="{C919851B-D159-FA4A-9A67-7743D3008D3A}" type="presOf" srcId="{4F5AE08A-3468-5F4A-AFF1-980E96F2AC30}" destId="{FD42C456-E415-4CAA-9B24-0FC6C89F1AE8}" srcOrd="0" destOrd="0" presId="urn:microsoft.com/office/officeart/2018/2/layout/IconLabelList"/>
     <dgm:cxn modelId="{61FA9341-0579-8743-A4D0-4C5951EFC54B}" srcId="{1E92277E-F268-DA43-AFDC-2D86D2A6A96B}" destId="{2A0CB49C-95BB-FC46-8855-3C3D973A02F3}" srcOrd="0" destOrd="0" parTransId="{697213B8-D114-A844-9471-A471D1A323EA}" sibTransId="{17B03B7D-BBB1-1E4A-B239-5ABA5210EB04}"/>
-    <dgm:cxn modelId="{64565C8A-9DDD-0344-B4EC-9DDA449437BB}" srcId="{8E912E4C-8B0F-E94C-AA87-5349C10A8941}" destId="{D32894C7-9FB7-B44B-AB64-994711165674}" srcOrd="3" destOrd="0" parTransId="{047D4469-6F16-3848-8EF2-53765E438E02}" sibTransId="{A78EBC42-042B-7D41-804F-8E9874B58210}"/>
-    <dgm:cxn modelId="{E4A367C6-6CBD-504E-A613-879982131F9D}" type="presOf" srcId="{D32894C7-9FB7-B44B-AB64-994711165674}" destId="{2F85E289-3A22-4E24-BEDD-16C6A41ADA77}" srcOrd="0" destOrd="0" presId="urn:microsoft.com/office/officeart/2018/2/layout/IconLabelList"/>
-    <dgm:cxn modelId="{034B3DCF-1E26-1C4C-9BEA-CD2B850A6E05}" srcId="{8E912E4C-8B0F-E94C-AA87-5349C10A8941}" destId="{1E92277E-F268-DA43-AFDC-2D86D2A6A96B}" srcOrd="4" destOrd="0" parTransId="{85F847B4-C154-1D45-A230-C49C61233805}" sibTransId="{C2837EEA-12D7-774E-A625-F15F8468794A}"/>
-    <dgm:cxn modelId="{1E22CAD6-8828-2348-9E85-926507C2BBF3}" type="presOf" srcId="{4F5AE08A-3468-5F4A-AFF1-980E96F2AC30}" destId="{FD42C456-E415-4CAA-9B24-0FC6C89F1AE8}" srcOrd="0" destOrd="0" presId="urn:microsoft.com/office/officeart/2018/2/layout/IconLabelList"/>
-    <dgm:cxn modelId="{2D527EDB-0522-C742-BF3A-0C076DF5A61D}" srcId="{8E912E4C-8B0F-E94C-AA87-5349C10A8941}" destId="{FF9E4EB0-E52B-7843-AF43-750832FA52A7}" srcOrd="1" destOrd="0" parTransId="{F397BF86-08C4-5B48-8633-BAA913A641D5}" sibTransId="{7EC95C46-F108-7A4B-BDDA-2F3A01E5FF10}"/>
+    <dgm:cxn modelId="{B0E38ACD-2A4F-BD44-88E6-CB2556E142C3}" type="presOf" srcId="{FE10F7E4-9E78-1B48-9C06-8AB1C60B4BFD}" destId="{23DB569C-312B-4420-96A3-D604DB075BF6}" srcOrd="0" destOrd="0" presId="urn:microsoft.com/office/officeart/2018/2/layout/IconLabelList"/>
+    <dgm:cxn modelId="{034B3DCF-1E26-1C4C-9BEA-CD2B850A6E05}" srcId="{8E912E4C-8B0F-E94C-AA87-5349C10A8941}" destId="{1E92277E-F268-DA43-AFDC-2D86D2A6A96B}" srcOrd="2" destOrd="0" parTransId="{85F847B4-C154-1D45-A230-C49C61233805}" sibTransId="{C2837EEA-12D7-774E-A625-F15F8468794A}"/>
     <dgm:cxn modelId="{438693DC-9C97-B147-9E9B-831F33A09DEC}" type="presOf" srcId="{8E912E4C-8B0F-E94C-AA87-5349C10A8941}" destId="{C9DC3652-0115-4E40-BE58-1A0B9FB33CD0}" srcOrd="0" destOrd="0" presId="urn:microsoft.com/office/officeart/2018/2/layout/IconLabelList"/>
-    <dgm:cxn modelId="{6F6D04EB-4183-5B44-99E8-8F56665BB669}" type="presOf" srcId="{FE10F7E4-9E78-1B48-9C06-8AB1C60B4BFD}" destId="{23DB569C-312B-4420-96A3-D604DB075BF6}" srcOrd="0" destOrd="0" presId="urn:microsoft.com/office/officeart/2018/2/layout/IconLabelList"/>
-    <dgm:cxn modelId="{79CA87E8-83AA-CD45-A086-B71689AA8292}" type="presParOf" srcId="{C9DC3652-0115-4E40-BE58-1A0B9FB33CD0}" destId="{EC15765B-B6ED-4D8D-94EB-0DD660EBD08A}" srcOrd="0" destOrd="0" presId="urn:microsoft.com/office/officeart/2018/2/layout/IconLabelList"/>
-    <dgm:cxn modelId="{C174BA5D-F6FB-074A-A469-E74F598AB948}" type="presParOf" srcId="{EC15765B-B6ED-4D8D-94EB-0DD660EBD08A}" destId="{0183E4AD-8F6C-4F50-85CE-443FCC41F15F}" srcOrd="0" destOrd="0" presId="urn:microsoft.com/office/officeart/2018/2/layout/IconLabelList"/>
-    <dgm:cxn modelId="{39C12D44-8542-5F46-A86F-03F29450946D}" type="presParOf" srcId="{EC15765B-B6ED-4D8D-94EB-0DD660EBD08A}" destId="{353ED593-4ADD-4452-A2DB-7C6F40AA7439}" srcOrd="1" destOrd="0" presId="urn:microsoft.com/office/officeart/2018/2/layout/IconLabelList"/>
-    <dgm:cxn modelId="{D3993A00-0B62-EF45-BD3C-7DE86BC66DA6}" type="presParOf" srcId="{EC15765B-B6ED-4D8D-94EB-0DD660EBD08A}" destId="{23DB569C-312B-4420-96A3-D604DB075BF6}" srcOrd="2" destOrd="0" presId="urn:microsoft.com/office/officeart/2018/2/layout/IconLabelList"/>
-    <dgm:cxn modelId="{2ECF877A-F3FF-1A4A-92E3-94E8AE704FD1}" type="presParOf" srcId="{C9DC3652-0115-4E40-BE58-1A0B9FB33CD0}" destId="{77AA61CB-DDCD-4BC7-B61C-DE08FA51E818}" srcOrd="1" destOrd="0" presId="urn:microsoft.com/office/officeart/2018/2/layout/IconLabelList"/>
-    <dgm:cxn modelId="{21ADC750-4D7C-4E46-88A0-4CA7108B6FE5}" type="presParOf" srcId="{C9DC3652-0115-4E40-BE58-1A0B9FB33CD0}" destId="{2BCDB9B0-323A-48DD-8169-E59C2C05FA36}" srcOrd="2" destOrd="0" presId="urn:microsoft.com/office/officeart/2018/2/layout/IconLabelList"/>
-    <dgm:cxn modelId="{19BE8C7B-4C93-AD49-ADD7-8E31F8C2F468}" type="presParOf" srcId="{2BCDB9B0-323A-48DD-8169-E59C2C05FA36}" destId="{6A77F158-CF88-418E-80AF-87AF14353718}" srcOrd="0" destOrd="0" presId="urn:microsoft.com/office/officeart/2018/2/layout/IconLabelList"/>
-    <dgm:cxn modelId="{68ED70F7-9735-2B4B-9D71-20F5EF29128B}" type="presParOf" srcId="{2BCDB9B0-323A-48DD-8169-E59C2C05FA36}" destId="{AD7DE067-4A25-43EE-B91F-C32CA290E222}" srcOrd="1" destOrd="0" presId="urn:microsoft.com/office/officeart/2018/2/layout/IconLabelList"/>
-    <dgm:cxn modelId="{F3BD500A-B431-2E46-B4CD-6C443173D0FB}" type="presParOf" srcId="{2BCDB9B0-323A-48DD-8169-E59C2C05FA36}" destId="{77FC8481-A8E3-4FAB-BC2E-A5A06AA7AF0F}" srcOrd="2" destOrd="0" presId="urn:microsoft.com/office/officeart/2018/2/layout/IconLabelList"/>
-    <dgm:cxn modelId="{FE5AA737-AA97-9D40-84EA-E67FB6D03A73}" type="presParOf" srcId="{C9DC3652-0115-4E40-BE58-1A0B9FB33CD0}" destId="{EDA4847A-4D0C-4C0C-8222-B2BB193C16D1}" srcOrd="3" destOrd="0" presId="urn:microsoft.com/office/officeart/2018/2/layout/IconLabelList"/>
-    <dgm:cxn modelId="{B07529FE-15C9-1D40-8BF9-78FC23833904}" type="presParOf" srcId="{C9DC3652-0115-4E40-BE58-1A0B9FB33CD0}" destId="{4F8A3E7C-EEE7-43D1-B87E-248AEDF4CC9F}" srcOrd="4" destOrd="0" presId="urn:microsoft.com/office/officeart/2018/2/layout/IconLabelList"/>
-    <dgm:cxn modelId="{A1F53FAF-B1A2-4C46-8BF3-2EEA163745A7}" type="presParOf" srcId="{4F8A3E7C-EEE7-43D1-B87E-248AEDF4CC9F}" destId="{14AD0B90-8024-4678-9F4C-8B69F0A1C9C8}" srcOrd="0" destOrd="0" presId="urn:microsoft.com/office/officeart/2018/2/layout/IconLabelList"/>
-    <dgm:cxn modelId="{4A2344E8-6F54-6C49-A21F-8CFC467984CD}" type="presParOf" srcId="{4F8A3E7C-EEE7-43D1-B87E-248AEDF4CC9F}" destId="{AA70A5EF-70C4-49D9-BC47-F518E406D069}" srcOrd="1" destOrd="0" presId="urn:microsoft.com/office/officeart/2018/2/layout/IconLabelList"/>
-    <dgm:cxn modelId="{204055AA-9309-1E43-B719-9A934B9B281A}" type="presParOf" srcId="{4F8A3E7C-EEE7-43D1-B87E-248AEDF4CC9F}" destId="{FD42C456-E415-4CAA-9B24-0FC6C89F1AE8}" srcOrd="2" destOrd="0" presId="urn:microsoft.com/office/officeart/2018/2/layout/IconLabelList"/>
-    <dgm:cxn modelId="{5A3CBABC-47DF-D348-AD90-71B2CF3B7323}" type="presParOf" srcId="{C9DC3652-0115-4E40-BE58-1A0B9FB33CD0}" destId="{2F7AFD53-1562-4419-96A6-02AF7272694E}" srcOrd="5" destOrd="0" presId="urn:microsoft.com/office/officeart/2018/2/layout/IconLabelList"/>
-    <dgm:cxn modelId="{433B684A-50E1-E94E-B685-083EEEE68E3C}" type="presParOf" srcId="{C9DC3652-0115-4E40-BE58-1A0B9FB33CD0}" destId="{E18A73F0-3052-4118-85DF-13E21E940520}" srcOrd="6" destOrd="0" presId="urn:microsoft.com/office/officeart/2018/2/layout/IconLabelList"/>
-    <dgm:cxn modelId="{B6BDB29E-0B32-7241-A938-8332AA82A7D1}" type="presParOf" srcId="{E18A73F0-3052-4118-85DF-13E21E940520}" destId="{19612C32-F0B3-48E0-8D76-71C9C21E9C5E}" srcOrd="0" destOrd="0" presId="urn:microsoft.com/office/officeart/2018/2/layout/IconLabelList"/>
-    <dgm:cxn modelId="{19EBF1A8-07BA-6340-9641-35F590287FF1}" type="presParOf" srcId="{E18A73F0-3052-4118-85DF-13E21E940520}" destId="{F372FE98-0CB3-412B-807A-6925B180B8E5}" srcOrd="1" destOrd="0" presId="urn:microsoft.com/office/officeart/2018/2/layout/IconLabelList"/>
-    <dgm:cxn modelId="{22FECC1F-7EC7-F047-ABED-2B2EF888A341}" type="presParOf" srcId="{E18A73F0-3052-4118-85DF-13E21E940520}" destId="{2F85E289-3A22-4E24-BEDD-16C6A41ADA77}" srcOrd="2" destOrd="0" presId="urn:microsoft.com/office/officeart/2018/2/layout/IconLabelList"/>
-    <dgm:cxn modelId="{A6E00B00-639D-F246-9D8A-B821F78017DD}" type="presParOf" srcId="{C9DC3652-0115-4E40-BE58-1A0B9FB33CD0}" destId="{190D8627-565E-F646-83E1-492D1A1D45C6}" srcOrd="7" destOrd="0" presId="urn:microsoft.com/office/officeart/2018/2/layout/IconLabelList"/>
-    <dgm:cxn modelId="{68A0108C-6929-A741-805A-54E469E7D31B}" type="presParOf" srcId="{C9DC3652-0115-4E40-BE58-1A0B9FB33CD0}" destId="{8A2D2925-57D5-9641-9115-6C8BAC0FBC61}" srcOrd="8" destOrd="0" presId="urn:microsoft.com/office/officeart/2018/2/layout/IconLabelList"/>
-    <dgm:cxn modelId="{88712131-1FC1-BF42-B31D-E7069918DE07}" type="presParOf" srcId="{8A2D2925-57D5-9641-9115-6C8BAC0FBC61}" destId="{0B2F3A7A-A9E8-F341-B7C6-CDAE2DC66D1E}" srcOrd="0" destOrd="0" presId="urn:microsoft.com/office/officeart/2018/2/layout/IconLabelList"/>
-    <dgm:cxn modelId="{5868450C-681B-CE4E-967D-E0D3BA544E37}" type="presParOf" srcId="{8A2D2925-57D5-9641-9115-6C8BAC0FBC61}" destId="{4E48F10B-B290-0546-BC92-C19879F08BC4}" srcOrd="1" destOrd="0" presId="urn:microsoft.com/office/officeart/2018/2/layout/IconLabelList"/>
-    <dgm:cxn modelId="{0D49FB8A-737B-084A-8A61-1326C25CC1F3}" type="presParOf" srcId="{8A2D2925-57D5-9641-9115-6C8BAC0FBC61}" destId="{3B7F87BB-0E69-9C42-AB0F-38F0A8DA276F}" srcOrd="2" destOrd="0" presId="urn:microsoft.com/office/officeart/2018/2/layout/IconLabelList"/>
+    <dgm:cxn modelId="{999725F5-8255-4145-A53E-E646131E9106}" type="presOf" srcId="{1E92277E-F268-DA43-AFDC-2D86D2A6A96B}" destId="{3B7F87BB-0E69-9C42-AB0F-38F0A8DA276F}" srcOrd="0" destOrd="0" presId="urn:microsoft.com/office/officeart/2018/2/layout/IconLabelList"/>
+    <dgm:cxn modelId="{D592B760-8898-034C-B52C-881926EA5ADA}" type="presParOf" srcId="{C9DC3652-0115-4E40-BE58-1A0B9FB33CD0}" destId="{4F8A3E7C-EEE7-43D1-B87E-248AEDF4CC9F}" srcOrd="0" destOrd="0" presId="urn:microsoft.com/office/officeart/2018/2/layout/IconLabelList"/>
+    <dgm:cxn modelId="{64EAA4E5-84E3-4849-857A-B9ABDC299BB2}" type="presParOf" srcId="{4F8A3E7C-EEE7-43D1-B87E-248AEDF4CC9F}" destId="{14AD0B90-8024-4678-9F4C-8B69F0A1C9C8}" srcOrd="0" destOrd="0" presId="urn:microsoft.com/office/officeart/2018/2/layout/IconLabelList"/>
+    <dgm:cxn modelId="{2D4EB16B-0BD6-AC40-9742-3DBC45880E22}" type="presParOf" srcId="{4F8A3E7C-EEE7-43D1-B87E-248AEDF4CC9F}" destId="{AA70A5EF-70C4-49D9-BC47-F518E406D069}" srcOrd="1" destOrd="0" presId="urn:microsoft.com/office/officeart/2018/2/layout/IconLabelList"/>
+    <dgm:cxn modelId="{8B26146F-A4AB-3247-B805-3B25FF29C045}" type="presParOf" srcId="{4F8A3E7C-EEE7-43D1-B87E-248AEDF4CC9F}" destId="{FD42C456-E415-4CAA-9B24-0FC6C89F1AE8}" srcOrd="2" destOrd="0" presId="urn:microsoft.com/office/officeart/2018/2/layout/IconLabelList"/>
+    <dgm:cxn modelId="{DA4AB1C9-9C17-3C4C-ABBD-E1032C8D8BF1}" type="presParOf" srcId="{C9DC3652-0115-4E40-BE58-1A0B9FB33CD0}" destId="{2F7AFD53-1562-4419-96A6-02AF7272694E}" srcOrd="1" destOrd="0" presId="urn:microsoft.com/office/officeart/2018/2/layout/IconLabelList"/>
+    <dgm:cxn modelId="{C3435394-CE09-5D47-A93D-FF83055801E8}" type="presParOf" srcId="{C9DC3652-0115-4E40-BE58-1A0B9FB33CD0}" destId="{EC15765B-B6ED-4D8D-94EB-0DD660EBD08A}" srcOrd="2" destOrd="0" presId="urn:microsoft.com/office/officeart/2018/2/layout/IconLabelList"/>
+    <dgm:cxn modelId="{05EDF3CC-FB04-E94D-81B2-582CBFF8F4F0}" type="presParOf" srcId="{EC15765B-B6ED-4D8D-94EB-0DD660EBD08A}" destId="{0183E4AD-8F6C-4F50-85CE-443FCC41F15F}" srcOrd="0" destOrd="0" presId="urn:microsoft.com/office/officeart/2018/2/layout/IconLabelList"/>
+    <dgm:cxn modelId="{CFE48A3A-E408-AA4E-ADE6-5EB695CA53FA}" type="presParOf" srcId="{EC15765B-B6ED-4D8D-94EB-0DD660EBD08A}" destId="{353ED593-4ADD-4452-A2DB-7C6F40AA7439}" srcOrd="1" destOrd="0" presId="urn:microsoft.com/office/officeart/2018/2/layout/IconLabelList"/>
+    <dgm:cxn modelId="{994D0228-4C50-A349-8CA6-5E8C48E6FEBD}" type="presParOf" srcId="{EC15765B-B6ED-4D8D-94EB-0DD660EBD08A}" destId="{23DB569C-312B-4420-96A3-D604DB075BF6}" srcOrd="2" destOrd="0" presId="urn:microsoft.com/office/officeart/2018/2/layout/IconLabelList"/>
+    <dgm:cxn modelId="{C09F7958-A76E-B14C-B92F-9379388F892C}" type="presParOf" srcId="{C9DC3652-0115-4E40-BE58-1A0B9FB33CD0}" destId="{77AA61CB-DDCD-4BC7-B61C-DE08FA51E818}" srcOrd="3" destOrd="0" presId="urn:microsoft.com/office/officeart/2018/2/layout/IconLabelList"/>
+    <dgm:cxn modelId="{F5808CC2-FA5A-E343-B41E-B18D9BD1D6E0}" type="presParOf" srcId="{C9DC3652-0115-4E40-BE58-1A0B9FB33CD0}" destId="{8A2D2925-57D5-9641-9115-6C8BAC0FBC61}" srcOrd="4" destOrd="0" presId="urn:microsoft.com/office/officeart/2018/2/layout/IconLabelList"/>
+    <dgm:cxn modelId="{08D1E0EF-59E3-FD46-944E-77DB183712C2}" type="presParOf" srcId="{8A2D2925-57D5-9641-9115-6C8BAC0FBC61}" destId="{0B2F3A7A-A9E8-F341-B7C6-CDAE2DC66D1E}" srcOrd="0" destOrd="0" presId="urn:microsoft.com/office/officeart/2018/2/layout/IconLabelList"/>
+    <dgm:cxn modelId="{B209DE12-75A3-DF4A-9E71-66680C0F856F}" type="presParOf" srcId="{8A2D2925-57D5-9641-9115-6C8BAC0FBC61}" destId="{4E48F10B-B290-0546-BC92-C19879F08BC4}" srcOrd="1" destOrd="0" presId="urn:microsoft.com/office/officeart/2018/2/layout/IconLabelList"/>
+    <dgm:cxn modelId="{6860A373-0E92-7347-9762-EACEB317798C}" type="presParOf" srcId="{8A2D2925-57D5-9641-9115-6C8BAC0FBC61}" destId="{3B7F87BB-0E69-9C42-AB0F-38F0A8DA276F}" srcOrd="2" destOrd="0" presId="urn:microsoft.com/office/officeart/2018/2/layout/IconLabelList"/>
   </dgm:cxnLst>
   <dgm:bg/>
   <dgm:whole/>
@@ -3240,197 +3001,6 @@
         </a:p>
       </dgm:t>
     </dgm:pt>
-    <dgm:pt modelId="{FE10F7E4-9E78-1B48-9C06-8AB1C60B4BFD}">
-      <dgm:prSet phldrT="[Text]"/>
-      <dgm:spPr>
-        <a:ln>
-          <a:solidFill>
-            <a:schemeClr val="accent6">
-              <a:lumMod val="60000"/>
-              <a:lumOff val="40000"/>
-            </a:schemeClr>
-          </a:solidFill>
-        </a:ln>
-      </dgm:spPr>
-      <dgm:t>
-        <a:bodyPr/>
-        <a:lstStyle/>
-        <a:p>
-          <a:r>
-            <a:rPr lang="en-US" b="0" i="0" dirty="0"/>
-            <a:t>Training Score: 86.75% </a:t>
-          </a:r>
-        </a:p>
-        <a:p>
-          <a:r>
-            <a:rPr lang="en-US" b="0" i="0" dirty="0"/>
-            <a:t>Testing Score: 86.74%</a:t>
-          </a:r>
-        </a:p>
-        <a:p>
-          <a:r>
-            <a:rPr lang="en-US" b="0" i="0" dirty="0"/>
-            <a:t>F1 Weighted Average: 62%</a:t>
-          </a:r>
-        </a:p>
-        <a:p>
-          <a:r>
-            <a:rPr lang="en-US" b="0" i="0" dirty="0"/>
-            <a:t>Result: Overfitting </a:t>
-          </a:r>
-          <a:endParaRPr lang="en-US" dirty="0"/>
-        </a:p>
-      </dgm:t>
-    </dgm:pt>
-    <dgm:pt modelId="{A007973F-D79D-A34B-B0AE-0A66E3EE72FA}" type="parTrans" cxnId="{4E1D9717-AF04-4746-9627-4AB2300070B7}">
-      <dgm:prSet/>
-      <dgm:spPr/>
-      <dgm:t>
-        <a:bodyPr/>
-        <a:lstStyle/>
-        <a:p>
-          <a:endParaRPr lang="en-US"/>
-        </a:p>
-      </dgm:t>
-    </dgm:pt>
-    <dgm:pt modelId="{02268FCB-BEF1-AD42-BF1B-DAC00209154D}" type="sibTrans" cxnId="{4E1D9717-AF04-4746-9627-4AB2300070B7}">
-      <dgm:prSet/>
-      <dgm:spPr/>
-      <dgm:t>
-        <a:bodyPr/>
-        <a:lstStyle/>
-        <a:p>
-          <a:endParaRPr lang="en-US"/>
-        </a:p>
-      </dgm:t>
-    </dgm:pt>
-    <dgm:pt modelId="{4F5AE08A-3468-5F4A-AFF1-980E96F2AC30}">
-      <dgm:prSet phldrT="[Text]"/>
-      <dgm:spPr>
-        <a:ln>
-          <a:solidFill>
-            <a:schemeClr val="accent6">
-              <a:lumMod val="75000"/>
-            </a:schemeClr>
-          </a:solidFill>
-        </a:ln>
-      </dgm:spPr>
-      <dgm:t>
-        <a:bodyPr/>
-        <a:lstStyle/>
-        <a:p>
-          <a:r>
-            <a:rPr lang="en-US" b="0" i="0" dirty="0"/>
-            <a:t>Training Score: 86.55% </a:t>
-          </a:r>
-        </a:p>
-        <a:p>
-          <a:r>
-            <a:rPr lang="en-US" b="0" i="0" dirty="0"/>
-            <a:t>Testing Score: 86.57%</a:t>
-          </a:r>
-        </a:p>
-        <a:p>
-          <a:r>
-            <a:rPr lang="en-US" b="0" i="0" dirty="0"/>
-            <a:t>F1 Weighted Average: 84%</a:t>
-          </a:r>
-        </a:p>
-        <a:p>
-          <a:r>
-            <a:rPr lang="en-US" b="0" i="0" dirty="0"/>
-            <a:t>Result: Fitting </a:t>
-          </a:r>
-          <a:endParaRPr lang="en-US" dirty="0"/>
-        </a:p>
-      </dgm:t>
-    </dgm:pt>
-    <dgm:pt modelId="{A6AB4968-EB21-084B-B0FC-6A55DED80957}" type="parTrans" cxnId="{F373DA07-1351-C94A-99D6-142888730A9D}">
-      <dgm:prSet/>
-      <dgm:spPr/>
-      <dgm:t>
-        <a:bodyPr/>
-        <a:lstStyle/>
-        <a:p>
-          <a:endParaRPr lang="en-US"/>
-        </a:p>
-      </dgm:t>
-    </dgm:pt>
-    <dgm:pt modelId="{DB7FD37A-2B73-4744-9EB7-78BBE4464246}" type="sibTrans" cxnId="{F373DA07-1351-C94A-99D6-142888730A9D}">
-      <dgm:prSet/>
-      <dgm:spPr/>
-      <dgm:t>
-        <a:bodyPr/>
-        <a:lstStyle/>
-        <a:p>
-          <a:endParaRPr lang="en-US"/>
-        </a:p>
-      </dgm:t>
-    </dgm:pt>
-    <dgm:pt modelId="{D32894C7-9FB7-B44B-AB64-994711165674}">
-      <dgm:prSet phldrT="[Text]"/>
-      <dgm:spPr>
-        <a:ln>
-          <a:solidFill>
-            <a:schemeClr val="accent6">
-              <a:lumMod val="60000"/>
-              <a:lumOff val="40000"/>
-            </a:schemeClr>
-          </a:solidFill>
-        </a:ln>
-      </dgm:spPr>
-      <dgm:t>
-        <a:bodyPr/>
-        <a:lstStyle/>
-        <a:p>
-          <a:r>
-            <a:rPr lang="en-US" b="0" i="0" dirty="0"/>
-            <a:t>Training Score: 76.42% </a:t>
-          </a:r>
-        </a:p>
-        <a:p>
-          <a:r>
-            <a:rPr lang="en-US" b="0" i="0" dirty="0"/>
-            <a:t>Testing Score: 84.50%</a:t>
-          </a:r>
-        </a:p>
-        <a:p>
-          <a:r>
-            <a:rPr lang="en-US" b="0" i="0" dirty="0"/>
-            <a:t>F1 Weighted Average: 11%</a:t>
-          </a:r>
-        </a:p>
-        <a:p>
-          <a:r>
-            <a:rPr lang="en-US" b="0" i="0" dirty="0"/>
-            <a:t>Result: Overfitting </a:t>
-          </a:r>
-          <a:endParaRPr lang="en-US" dirty="0"/>
-        </a:p>
-      </dgm:t>
-    </dgm:pt>
-    <dgm:pt modelId="{047D4469-6F16-3848-8EF2-53765E438E02}" type="parTrans" cxnId="{64565C8A-9DDD-0344-B4EC-9DDA449437BB}">
-      <dgm:prSet/>
-      <dgm:spPr/>
-      <dgm:t>
-        <a:bodyPr/>
-        <a:lstStyle/>
-        <a:p>
-          <a:endParaRPr lang="en-US"/>
-        </a:p>
-      </dgm:t>
-    </dgm:pt>
-    <dgm:pt modelId="{A78EBC42-042B-7D41-804F-8E9874B58210}" type="sibTrans" cxnId="{64565C8A-9DDD-0344-B4EC-9DDA449437BB}">
-      <dgm:prSet/>
-      <dgm:spPr/>
-      <dgm:t>
-        <a:bodyPr/>
-        <a:lstStyle/>
-        <a:p>
-          <a:endParaRPr lang="en-US"/>
-        </a:p>
-      </dgm:t>
-    </dgm:pt>
     <dgm:pt modelId="{6FCC6D74-B5A1-5849-8C40-0E65940E0745}">
       <dgm:prSet phldrT="[Text]"/>
       <dgm:spPr>
@@ -3495,6 +3065,69 @@
         </a:p>
       </dgm:t>
     </dgm:pt>
+    <dgm:pt modelId="{4F5AE08A-3468-5F4A-AFF1-980E96F2AC30}">
+      <dgm:prSet phldrT="[Text]"/>
+      <dgm:spPr>
+        <a:ln>
+          <a:solidFill>
+            <a:schemeClr val="accent6">
+              <a:lumMod val="75000"/>
+            </a:schemeClr>
+          </a:solidFill>
+        </a:ln>
+      </dgm:spPr>
+      <dgm:t>
+        <a:bodyPr/>
+        <a:lstStyle/>
+        <a:p>
+          <a:r>
+            <a:rPr lang="en-US" b="0" i="0" dirty="0"/>
+            <a:t>Training Score: 86.55% </a:t>
+          </a:r>
+        </a:p>
+        <a:p>
+          <a:r>
+            <a:rPr lang="en-US" b="0" i="0" dirty="0"/>
+            <a:t>Testing Score: 86.57%</a:t>
+          </a:r>
+        </a:p>
+        <a:p>
+          <a:r>
+            <a:rPr lang="en-US" b="0" i="0" dirty="0"/>
+            <a:t>F1 Weighted Average: 84%</a:t>
+          </a:r>
+        </a:p>
+        <a:p>
+          <a:r>
+            <a:rPr lang="en-US" b="0" i="0" dirty="0"/>
+            <a:t>Result: Fitting </a:t>
+          </a:r>
+          <a:endParaRPr lang="en-US" dirty="0"/>
+        </a:p>
+      </dgm:t>
+    </dgm:pt>
+    <dgm:pt modelId="{DB7FD37A-2B73-4744-9EB7-78BBE4464246}" type="sibTrans" cxnId="{F373DA07-1351-C94A-99D6-142888730A9D}">
+      <dgm:prSet/>
+      <dgm:spPr/>
+      <dgm:t>
+        <a:bodyPr/>
+        <a:lstStyle/>
+        <a:p>
+          <a:endParaRPr lang="en-US"/>
+        </a:p>
+      </dgm:t>
+    </dgm:pt>
+    <dgm:pt modelId="{A6AB4968-EB21-084B-B0FC-6A55DED80957}" type="parTrans" cxnId="{F373DA07-1351-C94A-99D6-142888730A9D}">
+      <dgm:prSet/>
+      <dgm:spPr/>
+      <dgm:t>
+        <a:bodyPr/>
+        <a:lstStyle/>
+        <a:p>
+          <a:endParaRPr lang="en-US"/>
+        </a:p>
+      </dgm:t>
+    </dgm:pt>
     <dgm:pt modelId="{4061D889-8E61-2D47-B0DF-8FF99A39278A}" type="pres">
       <dgm:prSet presAssocID="{8E912E4C-8B0F-E94C-AA87-5349C10A8941}" presName="hierChild1" presStyleCnt="0">
         <dgm:presLayoutVars>
@@ -3507,6 +3140,36 @@
       </dgm:prSet>
       <dgm:spPr/>
     </dgm:pt>
+    <dgm:pt modelId="{AA18F536-EB7D-3746-9DD9-34351F9F2E95}" type="pres">
+      <dgm:prSet presAssocID="{4F5AE08A-3468-5F4A-AFF1-980E96F2AC30}" presName="hierRoot1" presStyleCnt="0"/>
+      <dgm:spPr/>
+    </dgm:pt>
+    <dgm:pt modelId="{A1CDB1A7-BAF5-DB4A-AA43-CFA7FCEE1827}" type="pres">
+      <dgm:prSet presAssocID="{4F5AE08A-3468-5F4A-AFF1-980E96F2AC30}" presName="composite" presStyleCnt="0"/>
+      <dgm:spPr/>
+    </dgm:pt>
+    <dgm:pt modelId="{67A261C4-96F7-544D-8DAB-62154AB723E9}" type="pres">
+      <dgm:prSet presAssocID="{4F5AE08A-3468-5F4A-AFF1-980E96F2AC30}" presName="background" presStyleLbl="node0" presStyleIdx="0" presStyleCnt="3"/>
+      <dgm:spPr>
+        <a:solidFill>
+          <a:schemeClr val="accent6">
+            <a:lumMod val="75000"/>
+          </a:schemeClr>
+        </a:solidFill>
+      </dgm:spPr>
+    </dgm:pt>
+    <dgm:pt modelId="{384C6D2E-CB7F-8C47-BA66-6397AA66DEA4}" type="pres">
+      <dgm:prSet presAssocID="{4F5AE08A-3468-5F4A-AFF1-980E96F2AC30}" presName="text" presStyleLbl="fgAcc0" presStyleIdx="0" presStyleCnt="3" custLinFactNeighborX="-32500" custLinFactNeighborY="-15011">
+        <dgm:presLayoutVars>
+          <dgm:chPref val="3"/>
+        </dgm:presLayoutVars>
+      </dgm:prSet>
+      <dgm:spPr/>
+    </dgm:pt>
+    <dgm:pt modelId="{9953CC25-8727-5148-B802-49ED2FE66E72}" type="pres">
+      <dgm:prSet presAssocID="{4F5AE08A-3468-5F4A-AFF1-980E96F2AC30}" presName="hierChild2" presStyleCnt="0"/>
+      <dgm:spPr/>
+    </dgm:pt>
     <dgm:pt modelId="{1A7993BA-F521-D845-85F4-6C73EA1EB91B}" type="pres">
       <dgm:prSet presAssocID="{FF9E4EB0-E52B-7843-AF43-750832FA52A7}" presName="hierRoot1" presStyleCnt="0"/>
       <dgm:spPr/>
@@ -3516,7 +3179,7 @@
       <dgm:spPr/>
     </dgm:pt>
     <dgm:pt modelId="{F5B1EA47-FA6D-A64C-B122-165257EF360E}" type="pres">
-      <dgm:prSet presAssocID="{FF9E4EB0-E52B-7843-AF43-750832FA52A7}" presName="background" presStyleLbl="node0" presStyleIdx="0" presStyleCnt="5"/>
+      <dgm:prSet presAssocID="{FF9E4EB0-E52B-7843-AF43-750832FA52A7}" presName="background" presStyleLbl="node0" presStyleIdx="1" presStyleCnt="3"/>
       <dgm:spPr>
         <a:solidFill>
           <a:schemeClr val="accent5">
@@ -3529,7 +3192,7 @@
       </dgm:spPr>
     </dgm:pt>
     <dgm:pt modelId="{A8FE90AD-1E14-5647-A5F6-91DC70DC563F}" type="pres">
-      <dgm:prSet presAssocID="{FF9E4EB0-E52B-7843-AF43-750832FA52A7}" presName="text" presStyleLbl="fgAcc0" presStyleIdx="0" presStyleCnt="5" custLinFactNeighborX="21016" custLinFactNeighborY="-33990">
+      <dgm:prSet presAssocID="{FF9E4EB0-E52B-7843-AF43-750832FA52A7}" presName="text" presStyleLbl="fgAcc0" presStyleIdx="1" presStyleCnt="3" custLinFactNeighborX="-7239" custLinFactNeighborY="-15011">
         <dgm:presLayoutVars>
           <dgm:chPref val="3"/>
         </dgm:presLayoutVars>
@@ -3538,101 +3201,6 @@
     </dgm:pt>
     <dgm:pt modelId="{137BD8BB-65A3-144B-BFBD-303EDDC9D27C}" type="pres">
       <dgm:prSet presAssocID="{FF9E4EB0-E52B-7843-AF43-750832FA52A7}" presName="hierChild2" presStyleCnt="0"/>
-      <dgm:spPr/>
-    </dgm:pt>
-    <dgm:pt modelId="{04B9C6C6-8DA0-794F-8DD4-C89F1FD6C19F}" type="pres">
-      <dgm:prSet presAssocID="{FE10F7E4-9E78-1B48-9C06-8AB1C60B4BFD}" presName="hierRoot1" presStyleCnt="0"/>
-      <dgm:spPr/>
-    </dgm:pt>
-    <dgm:pt modelId="{0E906183-67C3-6845-99B2-854321E6EF73}" type="pres">
-      <dgm:prSet presAssocID="{FE10F7E4-9E78-1B48-9C06-8AB1C60B4BFD}" presName="composite" presStyleCnt="0"/>
-      <dgm:spPr/>
-    </dgm:pt>
-    <dgm:pt modelId="{40A5D50D-2F8A-E440-BB28-5FA72B2B53C6}" type="pres">
-      <dgm:prSet presAssocID="{FE10F7E4-9E78-1B48-9C06-8AB1C60B4BFD}" presName="background" presStyleLbl="node0" presStyleIdx="1" presStyleCnt="5"/>
-      <dgm:spPr>
-        <a:solidFill>
-          <a:schemeClr val="accent6">
-            <a:lumMod val="60000"/>
-            <a:lumOff val="40000"/>
-          </a:schemeClr>
-        </a:solidFill>
-        <a:ln>
-          <a:noFill/>
-        </a:ln>
-      </dgm:spPr>
-    </dgm:pt>
-    <dgm:pt modelId="{E7A802DB-6EA4-E142-B1F4-1543E4E762AF}" type="pres">
-      <dgm:prSet presAssocID="{FE10F7E4-9E78-1B48-9C06-8AB1C60B4BFD}" presName="text" presStyleLbl="fgAcc0" presStyleIdx="1" presStyleCnt="5" custLinFactNeighborX="17125" custLinFactNeighborY="-31922">
-        <dgm:presLayoutVars>
-          <dgm:chPref val="3"/>
-        </dgm:presLayoutVars>
-      </dgm:prSet>
-      <dgm:spPr/>
-    </dgm:pt>
-    <dgm:pt modelId="{1A616FB9-9CD0-1C48-AD01-AF2CB9B62EF5}" type="pres">
-      <dgm:prSet presAssocID="{FE10F7E4-9E78-1B48-9C06-8AB1C60B4BFD}" presName="hierChild2" presStyleCnt="0"/>
-      <dgm:spPr/>
-    </dgm:pt>
-    <dgm:pt modelId="{AA18F536-EB7D-3746-9DD9-34351F9F2E95}" type="pres">
-      <dgm:prSet presAssocID="{4F5AE08A-3468-5F4A-AFF1-980E96F2AC30}" presName="hierRoot1" presStyleCnt="0"/>
-      <dgm:spPr/>
-    </dgm:pt>
-    <dgm:pt modelId="{A1CDB1A7-BAF5-DB4A-AA43-CFA7FCEE1827}" type="pres">
-      <dgm:prSet presAssocID="{4F5AE08A-3468-5F4A-AFF1-980E96F2AC30}" presName="composite" presStyleCnt="0"/>
-      <dgm:spPr/>
-    </dgm:pt>
-    <dgm:pt modelId="{67A261C4-96F7-544D-8DAB-62154AB723E9}" type="pres">
-      <dgm:prSet presAssocID="{4F5AE08A-3468-5F4A-AFF1-980E96F2AC30}" presName="background" presStyleLbl="node0" presStyleIdx="2" presStyleCnt="5"/>
-      <dgm:spPr>
-        <a:solidFill>
-          <a:schemeClr val="accent6">
-            <a:lumMod val="75000"/>
-          </a:schemeClr>
-        </a:solidFill>
-      </dgm:spPr>
-    </dgm:pt>
-    <dgm:pt modelId="{384C6D2E-CB7F-8C47-BA66-6397AA66DEA4}" type="pres">
-      <dgm:prSet presAssocID="{4F5AE08A-3468-5F4A-AFF1-980E96F2AC30}" presName="text" presStyleLbl="fgAcc0" presStyleIdx="2" presStyleCnt="5" custLinFactNeighborX="9796" custLinFactNeighborY="-33758">
-        <dgm:presLayoutVars>
-          <dgm:chPref val="3"/>
-        </dgm:presLayoutVars>
-      </dgm:prSet>
-      <dgm:spPr/>
-    </dgm:pt>
-    <dgm:pt modelId="{9953CC25-8727-5148-B802-49ED2FE66E72}" type="pres">
-      <dgm:prSet presAssocID="{4F5AE08A-3468-5F4A-AFF1-980E96F2AC30}" presName="hierChild2" presStyleCnt="0"/>
-      <dgm:spPr/>
-    </dgm:pt>
-    <dgm:pt modelId="{37A6C772-F2B4-0240-8060-B64C0CE4B1E4}" type="pres">
-      <dgm:prSet presAssocID="{D32894C7-9FB7-B44B-AB64-994711165674}" presName="hierRoot1" presStyleCnt="0"/>
-      <dgm:spPr/>
-    </dgm:pt>
-    <dgm:pt modelId="{E1A60F15-3296-1745-815B-C545C78CD375}" type="pres">
-      <dgm:prSet presAssocID="{D32894C7-9FB7-B44B-AB64-994711165674}" presName="composite" presStyleCnt="0"/>
-      <dgm:spPr/>
-    </dgm:pt>
-    <dgm:pt modelId="{E636A308-136D-E741-9A95-30B7F168B102}" type="pres">
-      <dgm:prSet presAssocID="{D32894C7-9FB7-B44B-AB64-994711165674}" presName="background" presStyleLbl="node0" presStyleIdx="3" presStyleCnt="5"/>
-      <dgm:spPr>
-        <a:solidFill>
-          <a:schemeClr val="accent6">
-            <a:lumMod val="60000"/>
-            <a:lumOff val="40000"/>
-          </a:schemeClr>
-        </a:solidFill>
-      </dgm:spPr>
-    </dgm:pt>
-    <dgm:pt modelId="{0E4D5185-041C-4742-B577-201FE4A10384}" type="pres">
-      <dgm:prSet presAssocID="{D32894C7-9FB7-B44B-AB64-994711165674}" presName="text" presStyleLbl="fgAcc0" presStyleIdx="3" presStyleCnt="5" custLinFactNeighborX="3475" custLinFactNeighborY="-30720">
-        <dgm:presLayoutVars>
-          <dgm:chPref val="3"/>
-        </dgm:presLayoutVars>
-      </dgm:prSet>
-      <dgm:spPr/>
-    </dgm:pt>
-    <dgm:pt modelId="{DFDBAFD7-9F98-F94F-91E9-CBE564374506}" type="pres">
-      <dgm:prSet presAssocID="{D32894C7-9FB7-B44B-AB64-994711165674}" presName="hierChild2" presStyleCnt="0"/>
       <dgm:spPr/>
     </dgm:pt>
     <dgm:pt modelId="{4E9B92B5-50D9-774D-87D6-C7848D8861C9}" type="pres">
@@ -3644,7 +3212,7 @@
       <dgm:spPr/>
     </dgm:pt>
     <dgm:pt modelId="{C97CFB74-2C78-FF4B-A640-8A1D01289717}" type="pres">
-      <dgm:prSet presAssocID="{6FCC6D74-B5A1-5849-8C40-0E65940E0745}" presName="background" presStyleLbl="node0" presStyleIdx="4" presStyleCnt="5"/>
+      <dgm:prSet presAssocID="{6FCC6D74-B5A1-5849-8C40-0E65940E0745}" presName="background" presStyleLbl="node0" presStyleIdx="2" presStyleCnt="3"/>
       <dgm:spPr>
         <a:solidFill>
           <a:schemeClr val="accent6">
@@ -3661,7 +3229,7 @@
       </dgm:spPr>
     </dgm:pt>
     <dgm:pt modelId="{258C2AFB-160A-144B-A39E-0BF52DB0D626}" type="pres">
-      <dgm:prSet presAssocID="{6FCC6D74-B5A1-5849-8C40-0E65940E0745}" presName="text" presStyleLbl="fgAcc0" presStyleIdx="4" presStyleCnt="5" custLinFactNeighborX="-3069" custLinFactNeighborY="-28996">
+      <dgm:prSet presAssocID="{6FCC6D74-B5A1-5849-8C40-0E65940E0745}" presName="text" presStyleLbl="fgAcc0" presStyleIdx="2" presStyleCnt="3" custLinFactNeighborX="29788" custLinFactNeighborY="-15011">
         <dgm:presLayoutVars>
           <dgm:chPref val="3"/>
         </dgm:presLayoutVars>
@@ -3674,42 +3242,28 @@
     </dgm:pt>
   </dgm:ptLst>
   <dgm:cxnLst>
-    <dgm:cxn modelId="{F373DA07-1351-C94A-99D6-142888730A9D}" srcId="{8E912E4C-8B0F-E94C-AA87-5349C10A8941}" destId="{4F5AE08A-3468-5F4A-AFF1-980E96F2AC30}" srcOrd="2" destOrd="0" parTransId="{A6AB4968-EB21-084B-B0FC-6A55DED80957}" sibTransId="{DB7FD37A-2B73-4744-9EB7-78BBE4464246}"/>
-    <dgm:cxn modelId="{4E1D9717-AF04-4746-9627-4AB2300070B7}" srcId="{8E912E4C-8B0F-E94C-AA87-5349C10A8941}" destId="{FE10F7E4-9E78-1B48-9C06-8AB1C60B4BFD}" srcOrd="1" destOrd="0" parTransId="{A007973F-D79D-A34B-B0AE-0A66E3EE72FA}" sibTransId="{02268FCB-BEF1-AD42-BF1B-DAC00209154D}"/>
-    <dgm:cxn modelId="{2144F02A-1CD5-7B46-95CF-4F09F9E1CD7D}" type="presOf" srcId="{FF9E4EB0-E52B-7843-AF43-750832FA52A7}" destId="{A8FE90AD-1E14-5647-A5F6-91DC70DC563F}" srcOrd="0" destOrd="0" presId="urn:microsoft.com/office/officeart/2005/8/layout/hierarchy1"/>
+    <dgm:cxn modelId="{F373DA07-1351-C94A-99D6-142888730A9D}" srcId="{8E912E4C-8B0F-E94C-AA87-5349C10A8941}" destId="{4F5AE08A-3468-5F4A-AFF1-980E96F2AC30}" srcOrd="0" destOrd="0" parTransId="{A6AB4968-EB21-084B-B0FC-6A55DED80957}" sibTransId="{DB7FD37A-2B73-4744-9EB7-78BBE4464246}"/>
+    <dgm:cxn modelId="{5BB48C14-2DD2-114E-A1F4-7928A4FEE41E}" type="presOf" srcId="{6FCC6D74-B5A1-5849-8C40-0E65940E0745}" destId="{258C2AFB-160A-144B-A39E-0BF52DB0D626}" srcOrd="0" destOrd="0" presId="urn:microsoft.com/office/officeart/2005/8/layout/hierarchy1"/>
+    <dgm:cxn modelId="{06FFFA32-5581-4F42-9945-78BEBEAE049F}" type="presOf" srcId="{4F5AE08A-3468-5F4A-AFF1-980E96F2AC30}" destId="{384C6D2E-CB7F-8C47-BA66-6397AA66DEA4}" srcOrd="0" destOrd="0" presId="urn:microsoft.com/office/officeart/2005/8/layout/hierarchy1"/>
     <dgm:cxn modelId="{FA80657F-DFAC-554A-AF56-95B7F8BD89ED}" type="presOf" srcId="{8E912E4C-8B0F-E94C-AA87-5349C10A8941}" destId="{4061D889-8E61-2D47-B0DF-8FF99A39278A}" srcOrd="0" destOrd="0" presId="urn:microsoft.com/office/officeart/2005/8/layout/hierarchy1"/>
-    <dgm:cxn modelId="{64565C8A-9DDD-0344-B4EC-9DDA449437BB}" srcId="{8E912E4C-8B0F-E94C-AA87-5349C10A8941}" destId="{D32894C7-9FB7-B44B-AB64-994711165674}" srcOrd="3" destOrd="0" parTransId="{047D4469-6F16-3848-8EF2-53765E438E02}" sibTransId="{A78EBC42-042B-7D41-804F-8E9874B58210}"/>
-    <dgm:cxn modelId="{B705728C-C1DB-0447-ADF8-E39833D390D6}" type="presOf" srcId="{6FCC6D74-B5A1-5849-8C40-0E65940E0745}" destId="{258C2AFB-160A-144B-A39E-0BF52DB0D626}" srcOrd="0" destOrd="0" presId="urn:microsoft.com/office/officeart/2005/8/layout/hierarchy1"/>
-    <dgm:cxn modelId="{ADDE089C-BF0E-9243-A9CE-6188B71585AD}" type="presOf" srcId="{FE10F7E4-9E78-1B48-9C06-8AB1C60B4BFD}" destId="{E7A802DB-6EA4-E142-B1F4-1543E4E762AF}" srcOrd="0" destOrd="0" presId="urn:microsoft.com/office/officeart/2005/8/layout/hierarchy1"/>
-    <dgm:cxn modelId="{F690A9A4-F9F8-EC45-AFE5-6E7966836FE7}" type="presOf" srcId="{4F5AE08A-3468-5F4A-AFF1-980E96F2AC30}" destId="{384C6D2E-CB7F-8C47-BA66-6397AA66DEA4}" srcOrd="0" destOrd="0" presId="urn:microsoft.com/office/officeart/2005/8/layout/hierarchy1"/>
-    <dgm:cxn modelId="{27307FBC-5F89-F342-840C-881F36646EDC}" srcId="{8E912E4C-8B0F-E94C-AA87-5349C10A8941}" destId="{6FCC6D74-B5A1-5849-8C40-0E65940E0745}" srcOrd="4" destOrd="0" parTransId="{B02927A8-993F-EE43-A90A-71D7D54BEE51}" sibTransId="{2F375BCF-A3FA-8841-AA83-6C3DD722288D}"/>
-    <dgm:cxn modelId="{C45CBAD0-38F2-584A-963E-B17FF736DB1E}" type="presOf" srcId="{D32894C7-9FB7-B44B-AB64-994711165674}" destId="{0E4D5185-041C-4742-B577-201FE4A10384}" srcOrd="0" destOrd="0" presId="urn:microsoft.com/office/officeart/2005/8/layout/hierarchy1"/>
-    <dgm:cxn modelId="{2D527EDB-0522-C742-BF3A-0C076DF5A61D}" srcId="{8E912E4C-8B0F-E94C-AA87-5349C10A8941}" destId="{FF9E4EB0-E52B-7843-AF43-750832FA52A7}" srcOrd="0" destOrd="0" parTransId="{F397BF86-08C4-5B48-8633-BAA913A641D5}" sibTransId="{7EC95C46-F108-7A4B-BDDA-2F3A01E5FF10}"/>
-    <dgm:cxn modelId="{9259B601-BB9C-1342-87F2-31B31FE6B083}" type="presParOf" srcId="{4061D889-8E61-2D47-B0DF-8FF99A39278A}" destId="{1A7993BA-F521-D845-85F4-6C73EA1EB91B}" srcOrd="0" destOrd="0" presId="urn:microsoft.com/office/officeart/2005/8/layout/hierarchy1"/>
-    <dgm:cxn modelId="{5870BDC7-D026-5E46-8B69-D2FC8413068B}" type="presParOf" srcId="{1A7993BA-F521-D845-85F4-6C73EA1EB91B}" destId="{9A2D40A0-7024-BA4D-AF01-397B4F515403}" srcOrd="0" destOrd="0" presId="urn:microsoft.com/office/officeart/2005/8/layout/hierarchy1"/>
-    <dgm:cxn modelId="{12682749-9765-1748-AF10-C27E662F22CA}" type="presParOf" srcId="{9A2D40A0-7024-BA4D-AF01-397B4F515403}" destId="{F5B1EA47-FA6D-A64C-B122-165257EF360E}" srcOrd="0" destOrd="0" presId="urn:microsoft.com/office/officeart/2005/8/layout/hierarchy1"/>
-    <dgm:cxn modelId="{DFFF36BD-8569-5A46-BAC4-C9FADC1C3B71}" type="presParOf" srcId="{9A2D40A0-7024-BA4D-AF01-397B4F515403}" destId="{A8FE90AD-1E14-5647-A5F6-91DC70DC563F}" srcOrd="1" destOrd="0" presId="urn:microsoft.com/office/officeart/2005/8/layout/hierarchy1"/>
-    <dgm:cxn modelId="{456F7A3A-E152-314C-B0F1-5FA402F588E9}" type="presParOf" srcId="{1A7993BA-F521-D845-85F4-6C73EA1EB91B}" destId="{137BD8BB-65A3-144B-BFBD-303EDDC9D27C}" srcOrd="1" destOrd="0" presId="urn:microsoft.com/office/officeart/2005/8/layout/hierarchy1"/>
-    <dgm:cxn modelId="{8ACB9537-7332-9F4D-926A-C41E4BFA6414}" type="presParOf" srcId="{4061D889-8E61-2D47-B0DF-8FF99A39278A}" destId="{04B9C6C6-8DA0-794F-8DD4-C89F1FD6C19F}" srcOrd="1" destOrd="0" presId="urn:microsoft.com/office/officeart/2005/8/layout/hierarchy1"/>
-    <dgm:cxn modelId="{8E2980A8-8797-4C4B-8A3B-B8D9D9B9CE94}" type="presParOf" srcId="{04B9C6C6-8DA0-794F-8DD4-C89F1FD6C19F}" destId="{0E906183-67C3-6845-99B2-854321E6EF73}" srcOrd="0" destOrd="0" presId="urn:microsoft.com/office/officeart/2005/8/layout/hierarchy1"/>
-    <dgm:cxn modelId="{12C6FA00-AB88-D841-AB9A-05203929C377}" type="presParOf" srcId="{0E906183-67C3-6845-99B2-854321E6EF73}" destId="{40A5D50D-2F8A-E440-BB28-5FA72B2B53C6}" srcOrd="0" destOrd="0" presId="urn:microsoft.com/office/officeart/2005/8/layout/hierarchy1"/>
-    <dgm:cxn modelId="{FE091C7A-44B3-6540-8D53-A2BAEEF9FB05}" type="presParOf" srcId="{0E906183-67C3-6845-99B2-854321E6EF73}" destId="{E7A802DB-6EA4-E142-B1F4-1543E4E762AF}" srcOrd="1" destOrd="0" presId="urn:microsoft.com/office/officeart/2005/8/layout/hierarchy1"/>
-    <dgm:cxn modelId="{0CB6B334-9170-774A-A5C7-C24D24DA2F51}" type="presParOf" srcId="{04B9C6C6-8DA0-794F-8DD4-C89F1FD6C19F}" destId="{1A616FB9-9CD0-1C48-AD01-AF2CB9B62EF5}" srcOrd="1" destOrd="0" presId="urn:microsoft.com/office/officeart/2005/8/layout/hierarchy1"/>
-    <dgm:cxn modelId="{270C3A18-8864-A44A-A784-DCBE5EBDC895}" type="presParOf" srcId="{4061D889-8E61-2D47-B0DF-8FF99A39278A}" destId="{AA18F536-EB7D-3746-9DD9-34351F9F2E95}" srcOrd="2" destOrd="0" presId="urn:microsoft.com/office/officeart/2005/8/layout/hierarchy1"/>
-    <dgm:cxn modelId="{3EA81971-CC97-7C4C-80A1-DC54F9F5647E}" type="presParOf" srcId="{AA18F536-EB7D-3746-9DD9-34351F9F2E95}" destId="{A1CDB1A7-BAF5-DB4A-AA43-CFA7FCEE1827}" srcOrd="0" destOrd="0" presId="urn:microsoft.com/office/officeart/2005/8/layout/hierarchy1"/>
-    <dgm:cxn modelId="{72A6B645-E3CF-A341-85F2-A73FAFFEC92D}" type="presParOf" srcId="{A1CDB1A7-BAF5-DB4A-AA43-CFA7FCEE1827}" destId="{67A261C4-96F7-544D-8DAB-62154AB723E9}" srcOrd="0" destOrd="0" presId="urn:microsoft.com/office/officeart/2005/8/layout/hierarchy1"/>
-    <dgm:cxn modelId="{F9442BC3-9A63-EA48-8F40-FDDA7D81D40E}" type="presParOf" srcId="{A1CDB1A7-BAF5-DB4A-AA43-CFA7FCEE1827}" destId="{384C6D2E-CB7F-8C47-BA66-6397AA66DEA4}" srcOrd="1" destOrd="0" presId="urn:microsoft.com/office/officeart/2005/8/layout/hierarchy1"/>
-    <dgm:cxn modelId="{690628B4-7D64-6640-BAE9-C6FEE5DC4620}" type="presParOf" srcId="{AA18F536-EB7D-3746-9DD9-34351F9F2E95}" destId="{9953CC25-8727-5148-B802-49ED2FE66E72}" srcOrd="1" destOrd="0" presId="urn:microsoft.com/office/officeart/2005/8/layout/hierarchy1"/>
-    <dgm:cxn modelId="{69FCF26D-51E3-E043-B6F7-DAF2538F2E98}" type="presParOf" srcId="{4061D889-8E61-2D47-B0DF-8FF99A39278A}" destId="{37A6C772-F2B4-0240-8060-B64C0CE4B1E4}" srcOrd="3" destOrd="0" presId="urn:microsoft.com/office/officeart/2005/8/layout/hierarchy1"/>
-    <dgm:cxn modelId="{AC636DF6-9304-154A-A0FD-CFC16E11D49A}" type="presParOf" srcId="{37A6C772-F2B4-0240-8060-B64C0CE4B1E4}" destId="{E1A60F15-3296-1745-815B-C545C78CD375}" srcOrd="0" destOrd="0" presId="urn:microsoft.com/office/officeart/2005/8/layout/hierarchy1"/>
-    <dgm:cxn modelId="{727A9FF8-C53F-964E-AD5F-611E59FFF125}" type="presParOf" srcId="{E1A60F15-3296-1745-815B-C545C78CD375}" destId="{E636A308-136D-E741-9A95-30B7F168B102}" srcOrd="0" destOrd="0" presId="urn:microsoft.com/office/officeart/2005/8/layout/hierarchy1"/>
-    <dgm:cxn modelId="{024DAA0D-597E-3245-891F-0B8D05D1D647}" type="presParOf" srcId="{E1A60F15-3296-1745-815B-C545C78CD375}" destId="{0E4D5185-041C-4742-B577-201FE4A10384}" srcOrd="1" destOrd="0" presId="urn:microsoft.com/office/officeart/2005/8/layout/hierarchy1"/>
-    <dgm:cxn modelId="{83ECCC69-721D-3D4A-BE02-6654EBF48C9B}" type="presParOf" srcId="{37A6C772-F2B4-0240-8060-B64C0CE4B1E4}" destId="{DFDBAFD7-9F98-F94F-91E9-CBE564374506}" srcOrd="1" destOrd="0" presId="urn:microsoft.com/office/officeart/2005/8/layout/hierarchy1"/>
-    <dgm:cxn modelId="{5DE306A9-B1B7-6342-B2F0-A120898D2EE2}" type="presParOf" srcId="{4061D889-8E61-2D47-B0DF-8FF99A39278A}" destId="{4E9B92B5-50D9-774D-87D6-C7848D8861C9}" srcOrd="4" destOrd="0" presId="urn:microsoft.com/office/officeart/2005/8/layout/hierarchy1"/>
-    <dgm:cxn modelId="{5562136D-BF37-D146-A1C0-572C9D75BBCC}" type="presParOf" srcId="{4E9B92B5-50D9-774D-87D6-C7848D8861C9}" destId="{52D51F43-8B09-C846-AC4B-55A65FDAD700}" srcOrd="0" destOrd="0" presId="urn:microsoft.com/office/officeart/2005/8/layout/hierarchy1"/>
-    <dgm:cxn modelId="{2400D90E-6F1A-FB4A-88E0-2FC58074DFFD}" type="presParOf" srcId="{52D51F43-8B09-C846-AC4B-55A65FDAD700}" destId="{C97CFB74-2C78-FF4B-A640-8A1D01289717}" srcOrd="0" destOrd="0" presId="urn:microsoft.com/office/officeart/2005/8/layout/hierarchy1"/>
-    <dgm:cxn modelId="{0CF4DA5B-7016-9B42-AE19-65E8DAB037A6}" type="presParOf" srcId="{52D51F43-8B09-C846-AC4B-55A65FDAD700}" destId="{258C2AFB-160A-144B-A39E-0BF52DB0D626}" srcOrd="1" destOrd="0" presId="urn:microsoft.com/office/officeart/2005/8/layout/hierarchy1"/>
-    <dgm:cxn modelId="{965B9A0A-494F-9444-8388-E481D620066F}" type="presParOf" srcId="{4E9B92B5-50D9-774D-87D6-C7848D8861C9}" destId="{652C5178-8F1F-1B4C-BCE5-AF9BCCF4E914}" srcOrd="1" destOrd="0" presId="urn:microsoft.com/office/officeart/2005/8/layout/hierarchy1"/>
+    <dgm:cxn modelId="{27307FBC-5F89-F342-840C-881F36646EDC}" srcId="{8E912E4C-8B0F-E94C-AA87-5349C10A8941}" destId="{6FCC6D74-B5A1-5849-8C40-0E65940E0745}" srcOrd="2" destOrd="0" parTransId="{B02927A8-993F-EE43-A90A-71D7D54BEE51}" sibTransId="{2F375BCF-A3FA-8841-AA83-6C3DD722288D}"/>
+    <dgm:cxn modelId="{5E9286BF-4CA1-5849-A82F-EA2FAC6C6528}" type="presOf" srcId="{FF9E4EB0-E52B-7843-AF43-750832FA52A7}" destId="{A8FE90AD-1E14-5647-A5F6-91DC70DC563F}" srcOrd="0" destOrd="0" presId="urn:microsoft.com/office/officeart/2005/8/layout/hierarchy1"/>
+    <dgm:cxn modelId="{2D527EDB-0522-C742-BF3A-0C076DF5A61D}" srcId="{8E912E4C-8B0F-E94C-AA87-5349C10A8941}" destId="{FF9E4EB0-E52B-7843-AF43-750832FA52A7}" srcOrd="1" destOrd="0" parTransId="{F397BF86-08C4-5B48-8633-BAA913A641D5}" sibTransId="{7EC95C46-F108-7A4B-BDDA-2F3A01E5FF10}"/>
+    <dgm:cxn modelId="{1E3AD662-BD49-3B41-BF74-A13DFB284954}" type="presParOf" srcId="{4061D889-8E61-2D47-B0DF-8FF99A39278A}" destId="{AA18F536-EB7D-3746-9DD9-34351F9F2E95}" srcOrd="0" destOrd="0" presId="urn:microsoft.com/office/officeart/2005/8/layout/hierarchy1"/>
+    <dgm:cxn modelId="{AE876265-399C-E04A-8520-FEFC034B1184}" type="presParOf" srcId="{AA18F536-EB7D-3746-9DD9-34351F9F2E95}" destId="{A1CDB1A7-BAF5-DB4A-AA43-CFA7FCEE1827}" srcOrd="0" destOrd="0" presId="urn:microsoft.com/office/officeart/2005/8/layout/hierarchy1"/>
+    <dgm:cxn modelId="{4C43DB3F-8085-044A-BECB-732F94C04194}" type="presParOf" srcId="{A1CDB1A7-BAF5-DB4A-AA43-CFA7FCEE1827}" destId="{67A261C4-96F7-544D-8DAB-62154AB723E9}" srcOrd="0" destOrd="0" presId="urn:microsoft.com/office/officeart/2005/8/layout/hierarchy1"/>
+    <dgm:cxn modelId="{8E647B02-D3D0-0941-8278-9904ADBD3E93}" type="presParOf" srcId="{A1CDB1A7-BAF5-DB4A-AA43-CFA7FCEE1827}" destId="{384C6D2E-CB7F-8C47-BA66-6397AA66DEA4}" srcOrd="1" destOrd="0" presId="urn:microsoft.com/office/officeart/2005/8/layout/hierarchy1"/>
+    <dgm:cxn modelId="{2816DD3D-E692-3544-8EBB-52520D6A07D2}" type="presParOf" srcId="{AA18F536-EB7D-3746-9DD9-34351F9F2E95}" destId="{9953CC25-8727-5148-B802-49ED2FE66E72}" srcOrd="1" destOrd="0" presId="urn:microsoft.com/office/officeart/2005/8/layout/hierarchy1"/>
+    <dgm:cxn modelId="{80504924-9619-5F4D-AFD1-9A9183BD0C83}" type="presParOf" srcId="{4061D889-8E61-2D47-B0DF-8FF99A39278A}" destId="{1A7993BA-F521-D845-85F4-6C73EA1EB91B}" srcOrd="1" destOrd="0" presId="urn:microsoft.com/office/officeart/2005/8/layout/hierarchy1"/>
+    <dgm:cxn modelId="{E9C4B770-C939-AC4B-B210-36727BCEE418}" type="presParOf" srcId="{1A7993BA-F521-D845-85F4-6C73EA1EB91B}" destId="{9A2D40A0-7024-BA4D-AF01-397B4F515403}" srcOrd="0" destOrd="0" presId="urn:microsoft.com/office/officeart/2005/8/layout/hierarchy1"/>
+    <dgm:cxn modelId="{EE2D7349-F98A-C142-ABF8-2C63C5DA8E5F}" type="presParOf" srcId="{9A2D40A0-7024-BA4D-AF01-397B4F515403}" destId="{F5B1EA47-FA6D-A64C-B122-165257EF360E}" srcOrd="0" destOrd="0" presId="urn:microsoft.com/office/officeart/2005/8/layout/hierarchy1"/>
+    <dgm:cxn modelId="{F4FC47C3-7EAC-D149-BBE2-970037CA5ACE}" type="presParOf" srcId="{9A2D40A0-7024-BA4D-AF01-397B4F515403}" destId="{A8FE90AD-1E14-5647-A5F6-91DC70DC563F}" srcOrd="1" destOrd="0" presId="urn:microsoft.com/office/officeart/2005/8/layout/hierarchy1"/>
+    <dgm:cxn modelId="{9CFC71E3-7B4C-7E4B-B431-A9936A3F0143}" type="presParOf" srcId="{1A7993BA-F521-D845-85F4-6C73EA1EB91B}" destId="{137BD8BB-65A3-144B-BFBD-303EDDC9D27C}" srcOrd="1" destOrd="0" presId="urn:microsoft.com/office/officeart/2005/8/layout/hierarchy1"/>
+    <dgm:cxn modelId="{5B146D82-347A-614A-A6BF-19B3101BD60A}" type="presParOf" srcId="{4061D889-8E61-2D47-B0DF-8FF99A39278A}" destId="{4E9B92B5-50D9-774D-87D6-C7848D8861C9}" srcOrd="2" destOrd="0" presId="urn:microsoft.com/office/officeart/2005/8/layout/hierarchy1"/>
+    <dgm:cxn modelId="{B64F621D-A2A6-0E4B-9C66-3D787B2944CB}" type="presParOf" srcId="{4E9B92B5-50D9-774D-87D6-C7848D8861C9}" destId="{52D51F43-8B09-C846-AC4B-55A65FDAD700}" srcOrd="0" destOrd="0" presId="urn:microsoft.com/office/officeart/2005/8/layout/hierarchy1"/>
+    <dgm:cxn modelId="{D70C2CA9-D6C9-EF49-89BF-7B52FCBDE82F}" type="presParOf" srcId="{52D51F43-8B09-C846-AC4B-55A65FDAD700}" destId="{C97CFB74-2C78-FF4B-A640-8A1D01289717}" srcOrd="0" destOrd="0" presId="urn:microsoft.com/office/officeart/2005/8/layout/hierarchy1"/>
+    <dgm:cxn modelId="{1F08B49F-4A56-DC42-984F-92D8159E7CD1}" type="presParOf" srcId="{52D51F43-8B09-C846-AC4B-55A65FDAD700}" destId="{258C2AFB-160A-144B-A39E-0BF52DB0D626}" srcOrd="1" destOrd="0" presId="urn:microsoft.com/office/officeart/2005/8/layout/hierarchy1"/>
+    <dgm:cxn modelId="{FD9C0C09-8261-044A-BEBF-A71FDF5BE47B}" type="presParOf" srcId="{4E9B92B5-50D9-774D-87D6-C7848D8861C9}" destId="{652C5178-8F1F-1B4C-BCE5-AF9BCCF4E914}" srcOrd="1" destOrd="0" presId="urn:microsoft.com/office/officeart/2005/8/layout/hierarchy1"/>
   </dgm:cxnLst>
   <dgm:bg/>
   <dgm:whole/>
@@ -3736,8 +3290,8 @@
       </dsp:nvSpPr>
       <dsp:spPr>
         <a:xfrm>
-          <a:off x="0" y="246276"/>
-          <a:ext cx="8267296" cy="1175264"/>
+          <a:off x="0" y="245833"/>
+          <a:ext cx="8267700" cy="1175264"/>
         </a:xfrm>
         <a:prstGeom prst="roundRect">
           <a:avLst/>
@@ -3794,14 +3348,14 @@
             <a:buNone/>
           </a:pPr>
           <a:r>
-            <a:rPr lang="en-US" sz="4900" kern="1200"/>
+            <a:rPr lang="en-US" sz="4900" kern="1200" dirty="0"/>
             <a:t>From 2001 to 2021</a:t>
           </a:r>
         </a:p>
       </dsp:txBody>
       <dsp:txXfrm>
-        <a:off x="57372" y="303648"/>
-        <a:ext cx="8152552" cy="1060520"/>
+        <a:off x="57372" y="303205"/>
+        <a:ext cx="8152956" cy="1060520"/>
       </dsp:txXfrm>
     </dsp:sp>
     <dsp:sp modelId="{90CBCE4A-0B68-3349-B5D1-9786F8157A97}">
@@ -3811,8 +3365,8 @@
       </dsp:nvSpPr>
       <dsp:spPr>
         <a:xfrm>
-          <a:off x="0" y="1218340"/>
-          <a:ext cx="8267296" cy="1927170"/>
+          <a:off x="0" y="1217897"/>
+          <a:ext cx="8267700" cy="1927170"/>
         </a:xfrm>
         <a:prstGeom prst="rect">
           <a:avLst/>
@@ -3836,7 +3390,7 @@
         <a:fontRef idx="minor"/>
       </dsp:style>
       <dsp:txBody>
-        <a:bodyPr spcFirstLastPara="0" vert="horz" wrap="square" lIns="262487" tIns="62230" rIns="348488" bIns="62230" numCol="1" spcCol="1270" anchor="t" anchorCtr="0">
+        <a:bodyPr spcFirstLastPara="0" vert="horz" wrap="square" lIns="262499" tIns="62230" rIns="348488" bIns="62230" numCol="1" spcCol="1270" anchor="t" anchorCtr="0">
           <a:noAutofit/>
         </a:bodyPr>
         <a:lstStyle/>
@@ -3893,8 +3447,8 @@
         </a:p>
       </dsp:txBody>
       <dsp:txXfrm>
-        <a:off x="0" y="1218340"/>
-        <a:ext cx="8267296" cy="1927170"/>
+        <a:off x="0" y="1217897"/>
+        <a:ext cx="8267700" cy="1927170"/>
       </dsp:txXfrm>
     </dsp:sp>
   </dsp:spTree>
@@ -3909,15 +3463,15 @@
       <dsp:cNvGrpSpPr/>
     </dsp:nvGrpSpPr>
     <dsp:grpSpPr/>
-    <dsp:sp modelId="{0183E4AD-8F6C-4F50-85CE-443FCC41F15F}">
+    <dsp:sp modelId="{14AD0B90-8024-4678-9F4C-8B69F0A1C9C8}">
       <dsp:nvSpPr>
         <dsp:cNvPr id="0" name=""/>
         <dsp:cNvSpPr/>
       </dsp:nvSpPr>
       <dsp:spPr>
         <a:xfrm>
-          <a:off x="691592" y="693808"/>
-          <a:ext cx="810000" cy="810000"/>
+          <a:off x="1294588" y="405574"/>
+          <a:ext cx="1307991" cy="1307991"/>
         </a:xfrm>
         <a:prstGeom prst="rect">
           <a:avLst/>
@@ -3959,15 +3513,15 @@
         </a:fontRef>
       </dsp:style>
     </dsp:sp>
-    <dsp:sp modelId="{23DB569C-312B-4420-96A3-D604DB075BF6}">
+    <dsp:sp modelId="{FD42C456-E415-4CAA-9B24-0FC6C89F1AE8}">
       <dsp:nvSpPr>
         <dsp:cNvPr id="0" name=""/>
         <dsp:cNvSpPr/>
       </dsp:nvSpPr>
       <dsp:spPr>
         <a:xfrm>
-          <a:off x="196591" y="1773891"/>
-          <a:ext cx="1800000" cy="720000"/>
+          <a:off x="457956" y="2066873"/>
+          <a:ext cx="2906648" cy="720000"/>
         </a:xfrm>
         <a:prstGeom prst="rect">
           <a:avLst/>
@@ -3996,7 +3550,7 @@
         </a:bodyPr>
         <a:lstStyle/>
         <a:p>
-          <a:pPr marL="0" lvl="0" indent="0" algn="ctr" defTabSz="755650">
+          <a:pPr marL="0" lvl="0" indent="0" algn="ctr" defTabSz="1066800">
             <a:lnSpc>
               <a:spcPct val="100000"/>
             </a:lnSpc>
@@ -4009,28 +3563,25 @@
             <a:buNone/>
           </a:pPr>
           <a:r>
-            <a:rPr lang="en-US" sz="1700" kern="1200" dirty="0">
-              <a:latin typeface="arial" panose="020B0604020202020204" pitchFamily="34" charset="0"/>
-            </a:rPr>
-            <a:t>Random Forest Classifier </a:t>
+            <a:rPr lang="en-US" sz="2400" kern="1200" dirty="0"/>
+            <a:t>Logistic Regression</a:t>
           </a:r>
-          <a:endParaRPr lang="en-US" sz="1700" kern="1200" dirty="0"/>
         </a:p>
       </dsp:txBody>
       <dsp:txXfrm>
-        <a:off x="196591" y="1773891"/>
-        <a:ext cx="1800000" cy="720000"/>
+        <a:off x="457956" y="2066873"/>
+        <a:ext cx="2906648" cy="720000"/>
       </dsp:txXfrm>
     </dsp:sp>
-    <dsp:sp modelId="{6A77F158-CF88-418E-80AF-87AF14353718}">
+    <dsp:sp modelId="{0183E4AD-8F6C-4F50-85CE-443FCC41F15F}">
       <dsp:nvSpPr>
         <dsp:cNvPr id="0" name=""/>
         <dsp:cNvSpPr/>
       </dsp:nvSpPr>
       <dsp:spPr>
         <a:xfrm>
-          <a:off x="2806592" y="693808"/>
-          <a:ext cx="810000" cy="810000"/>
+          <a:off x="4672596" y="400826"/>
+          <a:ext cx="1307991" cy="1307991"/>
         </a:xfrm>
         <a:prstGeom prst="rect">
           <a:avLst/>
@@ -4072,15 +3623,15 @@
         </a:fontRef>
       </dsp:style>
     </dsp:sp>
-    <dsp:sp modelId="{77FC8481-A8E3-4FAB-BC2E-A5A06AA7AF0F}">
+    <dsp:sp modelId="{23DB569C-312B-4420-96A3-D604DB075BF6}">
       <dsp:nvSpPr>
         <dsp:cNvPr id="0" name=""/>
         <dsp:cNvSpPr/>
       </dsp:nvSpPr>
       <dsp:spPr>
         <a:xfrm>
-          <a:off x="2311592" y="1773891"/>
-          <a:ext cx="1800000" cy="720000"/>
+          <a:off x="3873268" y="2066873"/>
+          <a:ext cx="2906648" cy="720000"/>
         </a:xfrm>
         <a:prstGeom prst="rect">
           <a:avLst/>
@@ -4109,7 +3660,7 @@
         </a:bodyPr>
         <a:lstStyle/>
         <a:p>
-          <a:pPr marL="0" lvl="0" indent="0" algn="ctr" defTabSz="755650">
+          <a:pPr marL="0" lvl="0" indent="0" algn="ctr" defTabSz="1066800">
             <a:lnSpc>
               <a:spcPct val="100000"/>
             </a:lnSpc>
@@ -4122,138 +3673,28 @@
             <a:buNone/>
           </a:pPr>
           <a:r>
-            <a:rPr lang="en-US" sz="1700" kern="1200">
+            <a:rPr lang="en-US" sz="2400" kern="1200" dirty="0">
               <a:latin typeface="arial" panose="020B0604020202020204" pitchFamily="34" charset="0"/>
             </a:rPr>
-            <a:t>Random Forest Classifier</a:t>
+            <a:t>Random Forest Classifier </a:t>
           </a:r>
-          <a:endParaRPr lang="en-US" sz="1700" kern="1200"/>
+          <a:endParaRPr lang="en-US" sz="2400" kern="1200" dirty="0"/>
         </a:p>
       </dsp:txBody>
       <dsp:txXfrm>
-        <a:off x="2311592" y="1773891"/>
-        <a:ext cx="1800000" cy="720000"/>
+        <a:off x="3873268" y="2066873"/>
+        <a:ext cx="2906648" cy="720000"/>
       </dsp:txXfrm>
     </dsp:sp>
-    <dsp:sp modelId="{14AD0B90-8024-4678-9F4C-8B69F0A1C9C8}">
+    <dsp:sp modelId="{0B2F3A7A-A9E8-F341-B7C6-CDAE2DC66D1E}">
       <dsp:nvSpPr>
         <dsp:cNvPr id="0" name=""/>
         <dsp:cNvSpPr/>
       </dsp:nvSpPr>
       <dsp:spPr>
         <a:xfrm>
-          <a:off x="4944693" y="696748"/>
-          <a:ext cx="810000" cy="810000"/>
-        </a:xfrm>
-        <a:prstGeom prst="rect">
-          <a:avLst/>
-        </a:prstGeom>
-        <a:blipFill>
-          <a:blip xmlns:r="http://schemas.openxmlformats.org/officeDocument/2006/relationships" r:embed="rId5">
-            <a:extLst>
-              <a:ext uri="{28A0092B-C50C-407E-A947-70E740481C1C}">
-                <a14:useLocalDpi xmlns:a14="http://schemas.microsoft.com/office/drawing/2010/main" val="0"/>
-              </a:ext>
-              <a:ext uri="{96DAC541-7B7A-43D3-8B79-37D633B846F1}">
-                <asvg:svgBlip xmlns:asvg="http://schemas.microsoft.com/office/drawing/2016/SVG/main" r:embed="rId6"/>
-              </a:ext>
-            </a:extLst>
-          </a:blip>
-          <a:stretch>
-            <a:fillRect/>
-          </a:stretch>
-        </a:blipFill>
-        <a:ln w="12700" cap="flat" cmpd="sng" algn="ctr">
-          <a:noFill/>
-          <a:prstDash val="solid"/>
-          <a:miter lim="800000"/>
-        </a:ln>
-        <a:effectLst/>
-      </dsp:spPr>
-      <dsp:style>
-        <a:lnRef idx="2">
-          <a:scrgbClr r="0" g="0" b="0"/>
-        </a:lnRef>
-        <a:fillRef idx="1">
-          <a:scrgbClr r="0" g="0" b="0"/>
-        </a:fillRef>
-        <a:effectRef idx="0">
-          <a:scrgbClr r="0" g="0" b="0"/>
-        </a:effectRef>
-        <a:fontRef idx="minor">
-          <a:schemeClr val="lt1"/>
-        </a:fontRef>
-      </dsp:style>
-    </dsp:sp>
-    <dsp:sp modelId="{FD42C456-E415-4CAA-9B24-0FC6C89F1AE8}">
-      <dsp:nvSpPr>
-        <dsp:cNvPr id="0" name=""/>
-        <dsp:cNvSpPr/>
-      </dsp:nvSpPr>
-      <dsp:spPr>
-        <a:xfrm>
-          <a:off x="4426592" y="1773891"/>
-          <a:ext cx="1800000" cy="720000"/>
-        </a:xfrm>
-        <a:prstGeom prst="rect">
-          <a:avLst/>
-        </a:prstGeom>
-        <a:noFill/>
-        <a:ln>
-          <a:noFill/>
-        </a:ln>
-        <a:effectLst/>
-      </dsp:spPr>
-      <dsp:style>
-        <a:lnRef idx="0">
-          <a:scrgbClr r="0" g="0" b="0"/>
-        </a:lnRef>
-        <a:fillRef idx="0">
-          <a:scrgbClr r="0" g="0" b="0"/>
-        </a:fillRef>
-        <a:effectRef idx="0">
-          <a:scrgbClr r="0" g="0" b="0"/>
-        </a:effectRef>
-        <a:fontRef idx="minor"/>
-      </dsp:style>
-      <dsp:txBody>
-        <a:bodyPr spcFirstLastPara="0" vert="horz" wrap="square" lIns="0" tIns="0" rIns="0" bIns="0" numCol="1" spcCol="1270" anchor="t" anchorCtr="0">
-          <a:noAutofit/>
-        </a:bodyPr>
-        <a:lstStyle/>
-        <a:p>
-          <a:pPr marL="0" lvl="0" indent="0" algn="ctr" defTabSz="755650">
-            <a:lnSpc>
-              <a:spcPct val="100000"/>
-            </a:lnSpc>
-            <a:spcBef>
-              <a:spcPct val="0"/>
-            </a:spcBef>
-            <a:spcAft>
-              <a:spcPct val="35000"/>
-            </a:spcAft>
-            <a:buNone/>
-          </a:pPr>
-          <a:r>
-            <a:rPr lang="en-US" sz="1700" kern="1200" dirty="0"/>
-            <a:t>Logistic Regression</a:t>
-          </a:r>
-        </a:p>
-      </dsp:txBody>
-      <dsp:txXfrm>
-        <a:off x="4426592" y="1773891"/>
-        <a:ext cx="1800000" cy="720000"/>
-      </dsp:txXfrm>
-    </dsp:sp>
-    <dsp:sp modelId="{19612C32-F0B3-48E0-8D76-71C9C21E9C5E}">
-      <dsp:nvSpPr>
-        <dsp:cNvPr id="0" name=""/>
-        <dsp:cNvSpPr/>
-      </dsp:nvSpPr>
-      <dsp:spPr>
-        <a:xfrm>
-          <a:off x="7036592" y="693808"/>
-          <a:ext cx="810000" cy="810000"/>
+          <a:off x="8087907" y="400826"/>
+          <a:ext cx="1307991" cy="1307991"/>
         </a:xfrm>
         <a:prstGeom prst="rect">
           <a:avLst/>
@@ -4266,124 +3707,6 @@
               </a:ext>
               <a:ext uri="{96DAC541-7B7A-43D3-8B79-37D633B846F1}">
                 <asvg:svgBlip xmlns:asvg="http://schemas.microsoft.com/office/drawing/2016/SVG/main" r:embed="rId6"/>
-              </a:ext>
-            </a:extLst>
-          </a:blip>
-          <a:srcRect/>
-          <a:stretch>
-            <a:fillRect/>
-          </a:stretch>
-        </a:blipFill>
-        <a:ln w="12700" cap="flat" cmpd="sng" algn="ctr">
-          <a:noFill/>
-          <a:prstDash val="solid"/>
-          <a:miter lim="800000"/>
-        </a:ln>
-        <a:effectLst/>
-      </dsp:spPr>
-      <dsp:style>
-        <a:lnRef idx="2">
-          <a:scrgbClr r="0" g="0" b="0"/>
-        </a:lnRef>
-        <a:fillRef idx="1">
-          <a:scrgbClr r="0" g="0" b="0"/>
-        </a:fillRef>
-        <a:effectRef idx="0">
-          <a:scrgbClr r="0" g="0" b="0"/>
-        </a:effectRef>
-        <a:fontRef idx="minor">
-          <a:schemeClr val="lt1"/>
-        </a:fontRef>
-      </dsp:style>
-    </dsp:sp>
-    <dsp:sp modelId="{2F85E289-3A22-4E24-BEDD-16C6A41ADA77}">
-      <dsp:nvSpPr>
-        <dsp:cNvPr id="0" name=""/>
-        <dsp:cNvSpPr/>
-      </dsp:nvSpPr>
-      <dsp:spPr>
-        <a:xfrm>
-          <a:off x="6541592" y="1773891"/>
-          <a:ext cx="1800000" cy="720000"/>
-        </a:xfrm>
-        <a:prstGeom prst="rect">
-          <a:avLst/>
-        </a:prstGeom>
-        <a:noFill/>
-        <a:ln>
-          <a:noFill/>
-        </a:ln>
-        <a:effectLst/>
-      </dsp:spPr>
-      <dsp:style>
-        <a:lnRef idx="0">
-          <a:scrgbClr r="0" g="0" b="0"/>
-        </a:lnRef>
-        <a:fillRef idx="0">
-          <a:scrgbClr r="0" g="0" b="0"/>
-        </a:fillRef>
-        <a:effectRef idx="0">
-          <a:scrgbClr r="0" g="0" b="0"/>
-        </a:effectRef>
-        <a:fontRef idx="minor"/>
-      </dsp:style>
-      <dsp:txBody>
-        <a:bodyPr spcFirstLastPara="0" vert="horz" wrap="square" lIns="0" tIns="0" rIns="0" bIns="0" numCol="1" spcCol="1270" anchor="t" anchorCtr="0">
-          <a:noAutofit/>
-        </a:bodyPr>
-        <a:lstStyle/>
-        <a:p>
-          <a:pPr marL="0" lvl="0" indent="0" algn="ctr" defTabSz="755650">
-            <a:lnSpc>
-              <a:spcPct val="100000"/>
-            </a:lnSpc>
-            <a:spcBef>
-              <a:spcPct val="0"/>
-            </a:spcBef>
-            <a:spcAft>
-              <a:spcPct val="35000"/>
-            </a:spcAft>
-            <a:buNone/>
-          </a:pPr>
-          <a:r>
-            <a:rPr lang="en-US" sz="1700" kern="1200" dirty="0"/>
-            <a:t>Logistic Regression</a:t>
-          </a:r>
-          <a:br>
-            <a:rPr lang="en-US" sz="1700" kern="1200" dirty="0"/>
-          </a:br>
-          <a:r>
-            <a:rPr lang="en-US" sz="1700" kern="1200" dirty="0"/>
-            <a:t>Undersampling</a:t>
-          </a:r>
-        </a:p>
-      </dsp:txBody>
-      <dsp:txXfrm>
-        <a:off x="6541592" y="1773891"/>
-        <a:ext cx="1800000" cy="720000"/>
-      </dsp:txXfrm>
-    </dsp:sp>
-    <dsp:sp modelId="{0B2F3A7A-A9E8-F341-B7C6-CDAE2DC66D1E}">
-      <dsp:nvSpPr>
-        <dsp:cNvPr id="0" name=""/>
-        <dsp:cNvSpPr/>
-      </dsp:nvSpPr>
-      <dsp:spPr>
-        <a:xfrm>
-          <a:off x="9151592" y="693808"/>
-          <a:ext cx="810000" cy="810000"/>
-        </a:xfrm>
-        <a:prstGeom prst="rect">
-          <a:avLst/>
-        </a:prstGeom>
-        <a:blipFill rotWithShape="1">
-          <a:blip xmlns:r="http://schemas.openxmlformats.org/officeDocument/2006/relationships" r:embed="rId7">
-            <a:extLst>
-              <a:ext uri="{28A0092B-C50C-407E-A947-70E740481C1C}">
-                <a14:useLocalDpi xmlns:a14="http://schemas.microsoft.com/office/drawing/2010/main" val="0"/>
-              </a:ext>
-              <a:ext uri="{96DAC541-7B7A-43D3-8B79-37D633B846F1}">
-                <asvg:svgBlip xmlns:asvg="http://schemas.microsoft.com/office/drawing/2016/SVG/main" r:embed="rId8"/>
               </a:ext>
             </a:extLst>
           </a:blip>
@@ -4429,8 +3752,8 @@
       </dsp:nvSpPr>
       <dsp:spPr>
         <a:xfrm>
-          <a:off x="8656592" y="1773891"/>
-          <a:ext cx="1800000" cy="720000"/>
+          <a:off x="7288579" y="2066873"/>
+          <a:ext cx="2906648" cy="720000"/>
         </a:xfrm>
         <a:prstGeom prst="rect">
           <a:avLst/>
@@ -4459,7 +3782,7 @@
         </a:bodyPr>
         <a:lstStyle/>
         <a:p>
-          <a:pPr marL="0" lvl="0" indent="0" algn="ctr" defTabSz="755650">
+          <a:pPr marL="0" lvl="0" indent="0" algn="ctr" defTabSz="1066800">
             <a:lnSpc>
               <a:spcPct val="100000"/>
             </a:lnSpc>
@@ -4472,14 +3795,14 @@
             <a:buNone/>
           </a:pPr>
           <a:r>
-            <a:rPr lang="en-US" sz="1700" kern="1200" dirty="0"/>
+            <a:rPr lang="en-US" sz="2400" kern="1200" dirty="0"/>
             <a:t>Neural Network</a:t>
           </a:r>
         </a:p>
       </dsp:txBody>
       <dsp:txXfrm>
-        <a:off x="8656592" y="1773891"/>
-        <a:ext cx="1800000" cy="720000"/>
+        <a:off x="7288579" y="2066873"/>
+        <a:ext cx="2906648" cy="720000"/>
       </dsp:txXfrm>
     </dsp:sp>
   </dsp:spTree>
@@ -4494,354 +3817,6 @@
       <dsp:cNvGrpSpPr/>
     </dsp:nvGrpSpPr>
     <dsp:grpSpPr/>
-    <dsp:sp modelId="{F5B1EA47-FA6D-A64C-B122-165257EF360E}">
-      <dsp:nvSpPr>
-        <dsp:cNvPr id="0" name=""/>
-        <dsp:cNvSpPr/>
-      </dsp:nvSpPr>
-      <dsp:spPr>
-        <a:xfrm>
-          <a:off x="391707" y="511983"/>
-          <a:ext cx="1845829" cy="1172101"/>
-        </a:xfrm>
-        <a:prstGeom prst="roundRect">
-          <a:avLst>
-            <a:gd name="adj" fmla="val 10000"/>
-          </a:avLst>
-        </a:prstGeom>
-        <a:solidFill>
-          <a:schemeClr val="accent5">
-            <a:lumMod val="75000"/>
-          </a:schemeClr>
-        </a:solidFill>
-        <a:ln w="12700" cap="flat" cmpd="sng" algn="ctr">
-          <a:noFill/>
-          <a:prstDash val="solid"/>
-          <a:miter lim="800000"/>
-        </a:ln>
-        <a:effectLst/>
-      </dsp:spPr>
-      <dsp:style>
-        <a:lnRef idx="2">
-          <a:scrgbClr r="0" g="0" b="0"/>
-        </a:lnRef>
-        <a:fillRef idx="1">
-          <a:scrgbClr r="0" g="0" b="0"/>
-        </a:fillRef>
-        <a:effectRef idx="0">
-          <a:scrgbClr r="0" g="0" b="0"/>
-        </a:effectRef>
-        <a:fontRef idx="minor">
-          <a:schemeClr val="lt1"/>
-        </a:fontRef>
-      </dsp:style>
-    </dsp:sp>
-    <dsp:sp modelId="{A8FE90AD-1E14-5647-A5F6-91DC70DC563F}">
-      <dsp:nvSpPr>
-        <dsp:cNvPr id="0" name=""/>
-        <dsp:cNvSpPr/>
-      </dsp:nvSpPr>
-      <dsp:spPr>
-        <a:xfrm>
-          <a:off x="596799" y="706820"/>
-          <a:ext cx="1845829" cy="1172101"/>
-        </a:xfrm>
-        <a:prstGeom prst="roundRect">
-          <a:avLst>
-            <a:gd name="adj" fmla="val 10000"/>
-          </a:avLst>
-        </a:prstGeom>
-        <a:solidFill>
-          <a:schemeClr val="lt1">
-            <a:alpha val="90000"/>
-            <a:hueOff val="0"/>
-            <a:satOff val="0"/>
-            <a:lumOff val="0"/>
-            <a:alphaOff val="0"/>
-          </a:schemeClr>
-        </a:solidFill>
-        <a:ln w="12700" cap="flat" cmpd="sng" algn="ctr">
-          <a:solidFill>
-            <a:schemeClr val="accent5">
-              <a:lumMod val="75000"/>
-            </a:schemeClr>
-          </a:solidFill>
-          <a:prstDash val="solid"/>
-          <a:miter lim="800000"/>
-        </a:ln>
-        <a:effectLst/>
-      </dsp:spPr>
-      <dsp:style>
-        <a:lnRef idx="2">
-          <a:scrgbClr r="0" g="0" b="0"/>
-        </a:lnRef>
-        <a:fillRef idx="1">
-          <a:scrgbClr r="0" g="0" b="0"/>
-        </a:fillRef>
-        <a:effectRef idx="0">
-          <a:scrgbClr r="0" g="0" b="0"/>
-        </a:effectRef>
-        <a:fontRef idx="minor"/>
-      </dsp:style>
-      <dsp:txBody>
-        <a:bodyPr spcFirstLastPara="0" vert="horz" wrap="square" lIns="41910" tIns="41910" rIns="41910" bIns="41910" numCol="1" spcCol="1270" anchor="ctr" anchorCtr="0">
-          <a:noAutofit/>
-        </a:bodyPr>
-        <a:lstStyle/>
-        <a:p>
-          <a:pPr marL="0" lvl="0" indent="0" algn="ctr" defTabSz="488950">
-            <a:lnSpc>
-              <a:spcPct val="90000"/>
-            </a:lnSpc>
-            <a:spcBef>
-              <a:spcPct val="0"/>
-            </a:spcBef>
-            <a:spcAft>
-              <a:spcPct val="35000"/>
-            </a:spcAft>
-            <a:buNone/>
-          </a:pPr>
-          <a:r>
-            <a:rPr lang="en-US" sz="1100" b="0" i="0" kern="1200" dirty="0"/>
-            <a:t>Training Score: 84.12% </a:t>
-          </a:r>
-        </a:p>
-        <a:p>
-          <a:pPr marL="0" lvl="0" indent="0" algn="ctr" defTabSz="488950">
-            <a:lnSpc>
-              <a:spcPct val="90000"/>
-            </a:lnSpc>
-            <a:spcBef>
-              <a:spcPct val="0"/>
-            </a:spcBef>
-            <a:spcAft>
-              <a:spcPct val="35000"/>
-            </a:spcAft>
-            <a:buNone/>
-          </a:pPr>
-          <a:r>
-            <a:rPr lang="en-US" sz="1100" b="0" i="0" kern="1200" dirty="0"/>
-            <a:t>Testing Score: 84.13%</a:t>
-          </a:r>
-        </a:p>
-        <a:p>
-          <a:pPr marL="0" lvl="0" indent="0" algn="ctr" defTabSz="488950">
-            <a:lnSpc>
-              <a:spcPct val="90000"/>
-            </a:lnSpc>
-            <a:spcBef>
-              <a:spcPct val="0"/>
-            </a:spcBef>
-            <a:spcAft>
-              <a:spcPct val="35000"/>
-            </a:spcAft>
-            <a:buNone/>
-          </a:pPr>
-          <a:r>
-            <a:rPr lang="en-US" sz="1100" b="0" i="0" kern="1200" dirty="0"/>
-            <a:t>F1 Weighted Average: 82%</a:t>
-          </a:r>
-        </a:p>
-        <a:p>
-          <a:pPr marL="0" lvl="0" indent="0" algn="ctr" defTabSz="488950">
-            <a:lnSpc>
-              <a:spcPct val="90000"/>
-            </a:lnSpc>
-            <a:spcBef>
-              <a:spcPct val="0"/>
-            </a:spcBef>
-            <a:spcAft>
-              <a:spcPct val="35000"/>
-            </a:spcAft>
-            <a:buNone/>
-          </a:pPr>
-          <a:r>
-            <a:rPr lang="en-US" sz="1100" b="0" i="0" kern="1200" dirty="0"/>
-            <a:t>Result: Fitting </a:t>
-          </a:r>
-          <a:endParaRPr lang="en-US" sz="1100" kern="1200" dirty="0"/>
-        </a:p>
-      </dsp:txBody>
-      <dsp:txXfrm>
-        <a:off x="631129" y="741150"/>
-        <a:ext cx="1777169" cy="1103441"/>
-      </dsp:txXfrm>
-    </dsp:sp>
-    <dsp:sp modelId="{40A5D50D-2F8A-E440-BB28-5FA72B2B53C6}">
-      <dsp:nvSpPr>
-        <dsp:cNvPr id="0" name=""/>
-        <dsp:cNvSpPr/>
-      </dsp:nvSpPr>
-      <dsp:spPr>
-        <a:xfrm>
-          <a:off x="2575899" y="536222"/>
-          <a:ext cx="1845829" cy="1172101"/>
-        </a:xfrm>
-        <a:prstGeom prst="roundRect">
-          <a:avLst>
-            <a:gd name="adj" fmla="val 10000"/>
-          </a:avLst>
-        </a:prstGeom>
-        <a:solidFill>
-          <a:schemeClr val="accent6">
-            <a:lumMod val="60000"/>
-            <a:lumOff val="40000"/>
-          </a:schemeClr>
-        </a:solidFill>
-        <a:ln w="12700" cap="flat" cmpd="sng" algn="ctr">
-          <a:noFill/>
-          <a:prstDash val="solid"/>
-          <a:miter lim="800000"/>
-        </a:ln>
-        <a:effectLst/>
-      </dsp:spPr>
-      <dsp:style>
-        <a:lnRef idx="2">
-          <a:scrgbClr r="0" g="0" b="0"/>
-        </a:lnRef>
-        <a:fillRef idx="1">
-          <a:scrgbClr r="0" g="0" b="0"/>
-        </a:fillRef>
-        <a:effectRef idx="0">
-          <a:scrgbClr r="0" g="0" b="0"/>
-        </a:effectRef>
-        <a:fontRef idx="minor">
-          <a:schemeClr val="lt1"/>
-        </a:fontRef>
-      </dsp:style>
-    </dsp:sp>
-    <dsp:sp modelId="{E7A802DB-6EA4-E142-B1F4-1543E4E762AF}">
-      <dsp:nvSpPr>
-        <dsp:cNvPr id="0" name=""/>
-        <dsp:cNvSpPr/>
-      </dsp:nvSpPr>
-      <dsp:spPr>
-        <a:xfrm>
-          <a:off x="2780992" y="731059"/>
-          <a:ext cx="1845829" cy="1172101"/>
-        </a:xfrm>
-        <a:prstGeom prst="roundRect">
-          <a:avLst>
-            <a:gd name="adj" fmla="val 10000"/>
-          </a:avLst>
-        </a:prstGeom>
-        <a:solidFill>
-          <a:schemeClr val="lt1">
-            <a:alpha val="90000"/>
-            <a:hueOff val="0"/>
-            <a:satOff val="0"/>
-            <a:lumOff val="0"/>
-            <a:alphaOff val="0"/>
-          </a:schemeClr>
-        </a:solidFill>
-        <a:ln w="12700" cap="flat" cmpd="sng" algn="ctr">
-          <a:solidFill>
-            <a:schemeClr val="accent6">
-              <a:lumMod val="60000"/>
-              <a:lumOff val="40000"/>
-            </a:schemeClr>
-          </a:solidFill>
-          <a:prstDash val="solid"/>
-          <a:miter lim="800000"/>
-        </a:ln>
-        <a:effectLst/>
-      </dsp:spPr>
-      <dsp:style>
-        <a:lnRef idx="2">
-          <a:scrgbClr r="0" g="0" b="0"/>
-        </a:lnRef>
-        <a:fillRef idx="1">
-          <a:scrgbClr r="0" g="0" b="0"/>
-        </a:fillRef>
-        <a:effectRef idx="0">
-          <a:scrgbClr r="0" g="0" b="0"/>
-        </a:effectRef>
-        <a:fontRef idx="minor"/>
-      </dsp:style>
-      <dsp:txBody>
-        <a:bodyPr spcFirstLastPara="0" vert="horz" wrap="square" lIns="41910" tIns="41910" rIns="41910" bIns="41910" numCol="1" spcCol="1270" anchor="ctr" anchorCtr="0">
-          <a:noAutofit/>
-        </a:bodyPr>
-        <a:lstStyle/>
-        <a:p>
-          <a:pPr marL="0" lvl="0" indent="0" algn="ctr" defTabSz="488950">
-            <a:lnSpc>
-              <a:spcPct val="90000"/>
-            </a:lnSpc>
-            <a:spcBef>
-              <a:spcPct val="0"/>
-            </a:spcBef>
-            <a:spcAft>
-              <a:spcPct val="35000"/>
-            </a:spcAft>
-            <a:buNone/>
-          </a:pPr>
-          <a:r>
-            <a:rPr lang="en-US" sz="1100" b="0" i="0" kern="1200" dirty="0"/>
-            <a:t>Training Score: 86.75% </a:t>
-          </a:r>
-        </a:p>
-        <a:p>
-          <a:pPr marL="0" lvl="0" indent="0" algn="ctr" defTabSz="488950">
-            <a:lnSpc>
-              <a:spcPct val="90000"/>
-            </a:lnSpc>
-            <a:spcBef>
-              <a:spcPct val="0"/>
-            </a:spcBef>
-            <a:spcAft>
-              <a:spcPct val="35000"/>
-            </a:spcAft>
-            <a:buNone/>
-          </a:pPr>
-          <a:r>
-            <a:rPr lang="en-US" sz="1100" b="0" i="0" kern="1200" dirty="0"/>
-            <a:t>Testing Score: 86.74%</a:t>
-          </a:r>
-        </a:p>
-        <a:p>
-          <a:pPr marL="0" lvl="0" indent="0" algn="ctr" defTabSz="488950">
-            <a:lnSpc>
-              <a:spcPct val="90000"/>
-            </a:lnSpc>
-            <a:spcBef>
-              <a:spcPct val="0"/>
-            </a:spcBef>
-            <a:spcAft>
-              <a:spcPct val="35000"/>
-            </a:spcAft>
-            <a:buNone/>
-          </a:pPr>
-          <a:r>
-            <a:rPr lang="en-US" sz="1100" b="0" i="0" kern="1200" dirty="0"/>
-            <a:t>F1 Weighted Average: 62%</a:t>
-          </a:r>
-        </a:p>
-        <a:p>
-          <a:pPr marL="0" lvl="0" indent="0" algn="ctr" defTabSz="488950">
-            <a:lnSpc>
-              <a:spcPct val="90000"/>
-            </a:lnSpc>
-            <a:spcBef>
-              <a:spcPct val="0"/>
-            </a:spcBef>
-            <a:spcAft>
-              <a:spcPct val="35000"/>
-            </a:spcAft>
-            <a:buNone/>
-          </a:pPr>
-          <a:r>
-            <a:rPr lang="en-US" sz="1100" b="0" i="0" kern="1200" dirty="0"/>
-            <a:t>Result: Overfitting </a:t>
-          </a:r>
-          <a:endParaRPr lang="en-US" sz="1100" kern="1200" dirty="0"/>
-        </a:p>
-      </dsp:txBody>
-      <dsp:txXfrm>
-        <a:off x="2815322" y="765389"/>
-        <a:ext cx="1777169" cy="1103441"/>
-      </dsp:txXfrm>
-    </dsp:sp>
     <dsp:sp modelId="{67A261C4-96F7-544D-8DAB-62154AB723E9}">
       <dsp:nvSpPr>
         <dsp:cNvPr id="0" name=""/>
@@ -4849,8 +3824,8 @@
       </dsp:nvSpPr>
       <dsp:spPr>
         <a:xfrm>
-          <a:off x="4696632" y="514702"/>
-          <a:ext cx="1845829" cy="1172101"/>
+          <a:off x="709849" y="-215943"/>
+          <a:ext cx="2268714" cy="1440633"/>
         </a:xfrm>
         <a:prstGeom prst="roundRect">
           <a:avLst>
@@ -4898,8 +3873,8 @@
       </dsp:nvSpPr>
       <dsp:spPr>
         <a:xfrm>
-          <a:off x="4901724" y="709539"/>
-          <a:ext cx="1845829" cy="1172101"/>
+          <a:off x="961929" y="23531"/>
+          <a:ext cx="2268714" cy="1440633"/>
         </a:xfrm>
         <a:prstGeom prst="roundRect">
           <a:avLst>
@@ -4939,12 +3914,12 @@
         <a:fontRef idx="minor"/>
       </dsp:style>
       <dsp:txBody>
-        <a:bodyPr spcFirstLastPara="0" vert="horz" wrap="square" lIns="41910" tIns="41910" rIns="41910" bIns="41910" numCol="1" spcCol="1270" anchor="ctr" anchorCtr="0">
+        <a:bodyPr spcFirstLastPara="0" vert="horz" wrap="square" lIns="53340" tIns="53340" rIns="53340" bIns="53340" numCol="1" spcCol="1270" anchor="ctr" anchorCtr="0">
           <a:noAutofit/>
         </a:bodyPr>
         <a:lstStyle/>
         <a:p>
-          <a:pPr marL="0" lvl="0" indent="0" algn="ctr" defTabSz="488950">
+          <a:pPr marL="0" lvl="0" indent="0" algn="ctr" defTabSz="622300">
             <a:lnSpc>
               <a:spcPct val="90000"/>
             </a:lnSpc>
@@ -4957,12 +3932,12 @@
             <a:buNone/>
           </a:pPr>
           <a:r>
-            <a:rPr lang="en-US" sz="1100" b="0" i="0" kern="1200" dirty="0"/>
+            <a:rPr lang="en-US" sz="1400" b="0" i="0" kern="1200" dirty="0"/>
             <a:t>Training Score: 86.55% </a:t>
           </a:r>
         </a:p>
         <a:p>
-          <a:pPr marL="0" lvl="0" indent="0" algn="ctr" defTabSz="488950">
+          <a:pPr marL="0" lvl="0" indent="0" algn="ctr" defTabSz="622300">
             <a:lnSpc>
               <a:spcPct val="90000"/>
             </a:lnSpc>
@@ -4975,12 +3950,12 @@
             <a:buNone/>
           </a:pPr>
           <a:r>
-            <a:rPr lang="en-US" sz="1100" b="0" i="0" kern="1200" dirty="0"/>
+            <a:rPr lang="en-US" sz="1400" b="0" i="0" kern="1200" dirty="0"/>
             <a:t>Testing Score: 86.57%</a:t>
           </a:r>
         </a:p>
         <a:p>
-          <a:pPr marL="0" lvl="0" indent="0" algn="ctr" defTabSz="488950">
+          <a:pPr marL="0" lvl="0" indent="0" algn="ctr" defTabSz="622300">
             <a:lnSpc>
               <a:spcPct val="90000"/>
             </a:lnSpc>
@@ -4993,12 +3968,12 @@
             <a:buNone/>
           </a:pPr>
           <a:r>
-            <a:rPr lang="en-US" sz="1100" b="0" i="0" kern="1200" dirty="0"/>
+            <a:rPr lang="en-US" sz="1400" b="0" i="0" kern="1200" dirty="0"/>
             <a:t>F1 Weighted Average: 84%</a:t>
           </a:r>
         </a:p>
         <a:p>
-          <a:pPr marL="0" lvl="0" indent="0" algn="ctr" defTabSz="488950">
+          <a:pPr marL="0" lvl="0" indent="0" algn="ctr" defTabSz="622300">
             <a:lnSpc>
               <a:spcPct val="90000"/>
             </a:lnSpc>
@@ -5011,26 +3986,26 @@
             <a:buNone/>
           </a:pPr>
           <a:r>
-            <a:rPr lang="en-US" sz="1100" b="0" i="0" kern="1200" dirty="0"/>
+            <a:rPr lang="en-US" sz="1400" b="0" i="0" kern="1200" dirty="0"/>
             <a:t>Result: Fitting </a:t>
           </a:r>
-          <a:endParaRPr lang="en-US" sz="1100" kern="1200" dirty="0"/>
+          <a:endParaRPr lang="en-US" sz="1400" kern="1200" dirty="0"/>
         </a:p>
       </dsp:txBody>
       <dsp:txXfrm>
-        <a:off x="4936054" y="743869"/>
-        <a:ext cx="1777169" cy="1103441"/>
+        <a:off x="1004124" y="65726"/>
+        <a:ext cx="2184324" cy="1356243"/>
       </dsp:txXfrm>
     </dsp:sp>
-    <dsp:sp modelId="{E636A308-136D-E741-9A95-30B7F168B102}">
+    <dsp:sp modelId="{F5B1EA47-FA6D-A64C-B122-165257EF360E}">
       <dsp:nvSpPr>
         <dsp:cNvPr id="0" name=""/>
         <dsp:cNvSpPr/>
       </dsp:nvSpPr>
       <dsp:spPr>
         <a:xfrm>
-          <a:off x="6835971" y="550310"/>
-          <a:ext cx="1845829" cy="1172101"/>
+          <a:off x="4055823" y="-215943"/>
+          <a:ext cx="2268714" cy="1440633"/>
         </a:xfrm>
         <a:prstGeom prst="roundRect">
           <a:avLst>
@@ -5038,20 +4013,12 @@
           </a:avLst>
         </a:prstGeom>
         <a:solidFill>
-          <a:schemeClr val="accent6">
-            <a:lumMod val="60000"/>
-            <a:lumOff val="40000"/>
+          <a:schemeClr val="accent5">
+            <a:lumMod val="75000"/>
           </a:schemeClr>
         </a:solidFill>
         <a:ln w="12700" cap="flat" cmpd="sng" algn="ctr">
-          <a:solidFill>
-            <a:schemeClr val="lt1">
-              <a:hueOff val="0"/>
-              <a:satOff val="0"/>
-              <a:lumOff val="0"/>
-              <a:alphaOff val="0"/>
-            </a:schemeClr>
-          </a:solidFill>
+          <a:noFill/>
           <a:prstDash val="solid"/>
           <a:miter lim="800000"/>
         </a:ln>
@@ -5072,15 +4039,15 @@
         </a:fontRef>
       </dsp:style>
     </dsp:sp>
-    <dsp:sp modelId="{0E4D5185-041C-4742-B577-201FE4A10384}">
+    <dsp:sp modelId="{A8FE90AD-1E14-5647-A5F6-91DC70DC563F}">
       <dsp:nvSpPr>
         <dsp:cNvPr id="0" name=""/>
         <dsp:cNvSpPr/>
       </dsp:nvSpPr>
       <dsp:spPr>
         <a:xfrm>
-          <a:off x="7041063" y="745148"/>
-          <a:ext cx="1845829" cy="1172101"/>
+          <a:off x="4307902" y="23531"/>
+          <a:ext cx="2268714" cy="1440633"/>
         </a:xfrm>
         <a:prstGeom prst="roundRect">
           <a:avLst>
@@ -5098,9 +4065,8 @@
         </a:solidFill>
         <a:ln w="12700" cap="flat" cmpd="sng" algn="ctr">
           <a:solidFill>
-            <a:schemeClr val="accent6">
-              <a:lumMod val="60000"/>
-              <a:lumOff val="40000"/>
+            <a:schemeClr val="accent5">
+              <a:lumMod val="75000"/>
             </a:schemeClr>
           </a:solidFill>
           <a:prstDash val="solid"/>
@@ -5121,12 +4087,12 @@
         <a:fontRef idx="minor"/>
       </dsp:style>
       <dsp:txBody>
-        <a:bodyPr spcFirstLastPara="0" vert="horz" wrap="square" lIns="41910" tIns="41910" rIns="41910" bIns="41910" numCol="1" spcCol="1270" anchor="ctr" anchorCtr="0">
+        <a:bodyPr spcFirstLastPara="0" vert="horz" wrap="square" lIns="53340" tIns="53340" rIns="53340" bIns="53340" numCol="1" spcCol="1270" anchor="ctr" anchorCtr="0">
           <a:noAutofit/>
         </a:bodyPr>
         <a:lstStyle/>
         <a:p>
-          <a:pPr marL="0" lvl="0" indent="0" algn="ctr" defTabSz="488950">
+          <a:pPr marL="0" lvl="0" indent="0" algn="ctr" defTabSz="622300">
             <a:lnSpc>
               <a:spcPct val="90000"/>
             </a:lnSpc>
@@ -5139,12 +4105,12 @@
             <a:buNone/>
           </a:pPr>
           <a:r>
-            <a:rPr lang="en-US" sz="1100" b="0" i="0" kern="1200" dirty="0"/>
-            <a:t>Training Score: 76.42% </a:t>
+            <a:rPr lang="en-US" sz="1400" b="0" i="0" kern="1200" dirty="0"/>
+            <a:t>Training Score: 84.12% </a:t>
           </a:r>
         </a:p>
         <a:p>
-          <a:pPr marL="0" lvl="0" indent="0" algn="ctr" defTabSz="488950">
+          <a:pPr marL="0" lvl="0" indent="0" algn="ctr" defTabSz="622300">
             <a:lnSpc>
               <a:spcPct val="90000"/>
             </a:lnSpc>
@@ -5157,12 +4123,12 @@
             <a:buNone/>
           </a:pPr>
           <a:r>
-            <a:rPr lang="en-US" sz="1100" b="0" i="0" kern="1200" dirty="0"/>
-            <a:t>Testing Score: 84.50%</a:t>
+            <a:rPr lang="en-US" sz="1400" b="0" i="0" kern="1200" dirty="0"/>
+            <a:t>Testing Score: 84.13%</a:t>
           </a:r>
         </a:p>
         <a:p>
-          <a:pPr marL="0" lvl="0" indent="0" algn="ctr" defTabSz="488950">
+          <a:pPr marL="0" lvl="0" indent="0" algn="ctr" defTabSz="622300">
             <a:lnSpc>
               <a:spcPct val="90000"/>
             </a:lnSpc>
@@ -5175,12 +4141,12 @@
             <a:buNone/>
           </a:pPr>
           <a:r>
-            <a:rPr lang="en-US" sz="1100" b="0" i="0" kern="1200" dirty="0"/>
-            <a:t>F1 Weighted Average: 11%</a:t>
+            <a:rPr lang="en-US" sz="1400" b="0" i="0" kern="1200" dirty="0"/>
+            <a:t>F1 Weighted Average: 82%</a:t>
           </a:r>
         </a:p>
         <a:p>
-          <a:pPr marL="0" lvl="0" indent="0" algn="ctr" defTabSz="488950">
+          <a:pPr marL="0" lvl="0" indent="0" algn="ctr" defTabSz="622300">
             <a:lnSpc>
               <a:spcPct val="90000"/>
             </a:lnSpc>
@@ -5193,15 +4159,15 @@
             <a:buNone/>
           </a:pPr>
           <a:r>
-            <a:rPr lang="en-US" sz="1100" b="0" i="0" kern="1200" dirty="0"/>
-            <a:t>Result: Overfitting </a:t>
+            <a:rPr lang="en-US" sz="1400" b="0" i="0" kern="1200" dirty="0"/>
+            <a:t>Result: Fitting </a:t>
           </a:r>
-          <a:endParaRPr lang="en-US" sz="1100" kern="1200" dirty="0"/>
+          <a:endParaRPr lang="en-US" sz="1400" kern="1200" dirty="0"/>
         </a:p>
       </dsp:txBody>
       <dsp:txXfrm>
-        <a:off x="7075393" y="779478"/>
-        <a:ext cx="1777169" cy="1103441"/>
+        <a:off x="4350097" y="65726"/>
+        <a:ext cx="2184324" cy="1356243"/>
       </dsp:txXfrm>
     </dsp:sp>
     <dsp:sp modelId="{C97CFB74-2C78-FF4B-A640-8A1D01289717}">
@@ -5211,8 +4177,8 @@
       </dsp:nvSpPr>
       <dsp:spPr>
         <a:xfrm>
-          <a:off x="8971194" y="570517"/>
-          <a:ext cx="1845829" cy="1172101"/>
+          <a:off x="7668733" y="-215943"/>
+          <a:ext cx="2268714" cy="1440633"/>
         </a:xfrm>
         <a:prstGeom prst="roundRect">
           <a:avLst>
@@ -5257,8 +4223,8 @@
       </dsp:nvSpPr>
       <dsp:spPr>
         <a:xfrm>
-          <a:off x="9176286" y="765355"/>
-          <a:ext cx="1845829" cy="1172101"/>
+          <a:off x="7920813" y="23531"/>
+          <a:ext cx="2268714" cy="1440633"/>
         </a:xfrm>
         <a:prstGeom prst="roundRect">
           <a:avLst>
@@ -5299,12 +4265,12 @@
         <a:fontRef idx="minor"/>
       </dsp:style>
       <dsp:txBody>
-        <a:bodyPr spcFirstLastPara="0" vert="horz" wrap="square" lIns="41910" tIns="41910" rIns="41910" bIns="41910" numCol="1" spcCol="1270" anchor="ctr" anchorCtr="0">
+        <a:bodyPr spcFirstLastPara="0" vert="horz" wrap="square" lIns="53340" tIns="53340" rIns="53340" bIns="53340" numCol="1" spcCol="1270" anchor="ctr" anchorCtr="0">
           <a:noAutofit/>
         </a:bodyPr>
         <a:lstStyle/>
         <a:p>
-          <a:pPr marL="0" lvl="0" indent="0" algn="ctr" defTabSz="488950">
+          <a:pPr marL="0" lvl="0" indent="0" algn="ctr" defTabSz="622300">
             <a:lnSpc>
               <a:spcPct val="90000"/>
             </a:lnSpc>
@@ -5317,12 +4283,12 @@
             <a:buNone/>
           </a:pPr>
           <a:r>
-            <a:rPr lang="en-US" sz="1100" b="0" i="0" kern="1200" dirty="0"/>
+            <a:rPr lang="en-US" sz="1400" b="0" i="0" kern="1200" dirty="0"/>
             <a:t>Loss: 34.76%</a:t>
           </a:r>
         </a:p>
         <a:p>
-          <a:pPr marL="0" lvl="0" indent="0" algn="ctr" defTabSz="488950">
+          <a:pPr marL="0" lvl="0" indent="0" algn="ctr" defTabSz="622300">
             <a:lnSpc>
               <a:spcPct val="90000"/>
             </a:lnSpc>
@@ -5335,12 +4301,12 @@
             <a:buNone/>
           </a:pPr>
           <a:r>
-            <a:rPr lang="en-US" sz="1100" b="0" i="0" kern="1200" dirty="0"/>
+            <a:rPr lang="en-US" sz="1400" b="0" i="0" kern="1200" dirty="0"/>
             <a:t>Accuracy: 86.86%</a:t>
           </a:r>
         </a:p>
         <a:p>
-          <a:pPr marL="0" lvl="0" indent="0" algn="ctr" defTabSz="488950">
+          <a:pPr marL="0" lvl="0" indent="0" algn="ctr" defTabSz="622300">
             <a:lnSpc>
               <a:spcPct val="90000"/>
             </a:lnSpc>
@@ -5353,12 +4319,12 @@
             <a:buNone/>
           </a:pPr>
           <a:r>
-            <a:rPr lang="en-US" sz="1100" b="0" i="0" kern="1200" dirty="0"/>
+            <a:rPr lang="en-US" sz="1400" b="0" i="0" kern="1200" dirty="0"/>
             <a:t>Recall: 59.97</a:t>
           </a:r>
         </a:p>
         <a:p>
-          <a:pPr marL="0" lvl="0" indent="0" algn="ctr" defTabSz="488950">
+          <a:pPr marL="0" lvl="0" indent="0" algn="ctr" defTabSz="622300">
             <a:lnSpc>
               <a:spcPct val="90000"/>
             </a:lnSpc>
@@ -5371,15 +4337,15 @@
             <a:buNone/>
           </a:pPr>
           <a:r>
-            <a:rPr lang="en-US" sz="1100" b="0" i="0" kern="1200" dirty="0"/>
+            <a:rPr lang="en-US" sz="1400" b="0" i="0" kern="1200" dirty="0"/>
             <a:t>Result: Overfitting </a:t>
           </a:r>
-          <a:endParaRPr lang="en-US" sz="1100" kern="1200" dirty="0"/>
+          <a:endParaRPr lang="en-US" sz="1400" kern="1200" dirty="0"/>
         </a:p>
       </dsp:txBody>
       <dsp:txXfrm>
-        <a:off x="9210616" y="799685"/>
-        <a:ext cx="1777169" cy="1103441"/>
+        <a:off x="7963008" y="65726"/>
+        <a:ext cx="2184324" cy="1356243"/>
       </dsp:txXfrm>
     </dsp:sp>
   </dsp:spTree>
@@ -15060,7 +14026,7 @@
 </file>
 
 <file path=ppt/slides/slide2.xml><?xml version="1.0" encoding="utf-8"?>
-<p:sld xmlns:a="http://schemas.openxmlformats.org/drawingml/2006/main" xmlns:r="http://schemas.openxmlformats.org/officeDocument/2006/relationships" xmlns:p="http://schemas.openxmlformats.org/presentationml/2006/main">
+<p:sld xmlns:a="http://schemas.openxmlformats.org/drawingml/2006/main" xmlns:r="http://schemas.openxmlformats.org/officeDocument/2006/relationships" xmlns:p="http://schemas.openxmlformats.org/presentationml/2006/main" showMasterSp="0">
   <p:cSld>
     <p:spTree>
       <p:nvGrpSpPr>
@@ -15089,30 +14055,32 @@
             <a:spLocks noGrp="1"/>
           </p:cNvSpPr>
           <p:nvPr>
-            <p:ph idx="1"/>
+            <p:ph idx="4294967295"/>
           </p:nvPr>
         </p:nvSpPr>
         <p:spPr>
           <a:xfrm>
-            <a:off x="6459323" y="1369464"/>
-            <a:ext cx="4760612" cy="5031335"/>
+            <a:off x="6649006" y="1401009"/>
+            <a:ext cx="4760912" cy="5030787"/>
           </a:xfrm>
         </p:spPr>
         <p:txBody>
-          <a:bodyPr/>
+          <a:bodyPr>
+            <a:normAutofit/>
+          </a:bodyPr>
           <a:lstStyle/>
           <a:p>
             <a:r>
               <a:rPr lang="en-US" dirty="0"/>
-              <a:t>Our proposal could be used to possibly predict</a:t>
+              <a:t>Our proposal could be used to potentially predict the </a:t>
             </a:r>
             <a:r>
               <a:rPr lang="en-US" b="1" dirty="0"/>
-              <a:t> ARREST </a:t>
+              <a:t>probability of getting arrested </a:t>
             </a:r>
             <a:r>
               <a:rPr lang="en-US" dirty="0"/>
-              <a:t>by specific inputs (type of crime, location, hour, etc.). </a:t>
+              <a:t>when a crime is committed under given conditions (type of crime, location, hour, etc.)</a:t>
             </a:r>
           </a:p>
           <a:p>
@@ -15132,8 +14100,49 @@
             </a:r>
             <a:r>
               <a:rPr lang="en-US" dirty="0"/>
-              <a:t>as a tool for deploying resources in a request of presumable crime.</a:t>
+              <a:t>as a tool for deploying resources in a crime.</a:t>
             </a:r>
+          </a:p>
+        </p:txBody>
+      </p:sp>
+      <p:sp>
+        <p:nvSpPr>
+          <p:cNvPr id="2" name="Title 1">
+            <a:extLst>
+              <a:ext uri="{FF2B5EF4-FFF2-40B4-BE49-F238E27FC236}">
+                <a16:creationId xmlns:a16="http://schemas.microsoft.com/office/drawing/2014/main" id="{6398267D-2C18-C944-B46B-5ADD882ED87C}"/>
+              </a:ext>
+            </a:extLst>
+          </p:cNvPr>
+          <p:cNvSpPr>
+            <a:spLocks noGrp="1"/>
+          </p:cNvSpPr>
+          <p:nvPr>
+            <p:ph type="title" idx="4294967295"/>
+          </p:nvPr>
+        </p:nvSpPr>
+        <p:spPr>
+          <a:xfrm>
+            <a:off x="627063" y="1217476"/>
+            <a:ext cx="8267700" cy="1446213"/>
+          </a:xfrm>
+        </p:spPr>
+        <p:txBody>
+          <a:bodyPr/>
+          <a:lstStyle/>
+          <a:p>
+            <a:r>
+              <a:rPr lang="en-CA" b="1" dirty="0"/>
+              <a:t>PROJECT </a:t>
+            </a:r>
+            <a:br>
+              <a:rPr lang="en-CA" b="1" dirty="0"/>
+            </a:br>
+            <a:r>
+              <a:rPr lang="en-CA" b="1" dirty="0"/>
+              <a:t>DESCRIPTION</a:t>
+            </a:r>
+            <a:endParaRPr lang="en-US" b="1" dirty="0"/>
           </a:p>
         </p:txBody>
       </p:sp>
@@ -15379,47 +14388,6 @@
       </p:sp>
       <p:sp>
         <p:nvSpPr>
-          <p:cNvPr id="2" name="Title 1">
-            <a:extLst>
-              <a:ext uri="{FF2B5EF4-FFF2-40B4-BE49-F238E27FC236}">
-                <a16:creationId xmlns:a16="http://schemas.microsoft.com/office/drawing/2014/main" id="{6398267D-2C18-C944-B46B-5ADD882ED87C}"/>
-              </a:ext>
-            </a:extLst>
-          </p:cNvPr>
-          <p:cNvSpPr>
-            <a:spLocks noGrp="1"/>
-          </p:cNvSpPr>
-          <p:nvPr>
-            <p:ph type="title"/>
-          </p:nvPr>
-        </p:nvSpPr>
-        <p:spPr>
-          <a:xfrm>
-            <a:off x="803188" y="1248031"/>
-            <a:ext cx="8267296" cy="1446550"/>
-          </a:xfrm>
-        </p:spPr>
-        <p:txBody>
-          <a:bodyPr/>
-          <a:lstStyle/>
-          <a:p>
-            <a:r>
-              <a:rPr lang="en-CA" b="1" dirty="0"/>
-              <a:t>PROJECT </a:t>
-            </a:r>
-            <a:br>
-              <a:rPr lang="en-CA" b="1" dirty="0"/>
-            </a:br>
-            <a:r>
-              <a:rPr lang="en-CA" b="1" dirty="0"/>
-              <a:t>DESCRIPTION</a:t>
-            </a:r>
-            <a:endParaRPr lang="en-US" b="1" dirty="0"/>
-          </a:p>
-        </p:txBody>
-      </p:sp>
-      <p:sp>
-        <p:nvSpPr>
           <p:cNvPr id="11" name="Rectangle 10">
             <a:extLst>
               <a:ext uri="{FF2B5EF4-FFF2-40B4-BE49-F238E27FC236}">
@@ -15509,7 +14477,7 @@
 </file>
 
 <file path=ppt/slides/slide3.xml><?xml version="1.0" encoding="utf-8"?>
-<p:sld xmlns:a="http://schemas.openxmlformats.org/drawingml/2006/main" xmlns:r="http://schemas.openxmlformats.org/officeDocument/2006/relationships" xmlns:p="http://schemas.openxmlformats.org/presentationml/2006/main">
+<p:sld xmlns:a="http://schemas.openxmlformats.org/drawingml/2006/main" xmlns:r="http://schemas.openxmlformats.org/officeDocument/2006/relationships" xmlns:p="http://schemas.openxmlformats.org/presentationml/2006/main" showMasterSp="0">
   <p:cSld>
     <p:bg>
       <p:bgPr>
@@ -15533,261 +14501,6 @@
           <a:chExt cx="0" cy="0"/>
         </a:xfrm>
       </p:grpSpPr>
-      <p:sp useBgFill="1">
-        <p:nvSpPr>
-          <p:cNvPr id="8" name="Rectangle 7">
-            <a:extLst>
-              <a:ext uri="{FF2B5EF4-FFF2-40B4-BE49-F238E27FC236}">
-                <a16:creationId xmlns:a16="http://schemas.microsoft.com/office/drawing/2014/main" id="{579E3846-8D0B-B14A-817A-7FAC9DDAB4D8}"/>
-              </a:ext>
-              <a:ext uri="{C183D7F6-B498-43B3-948B-1728B52AA6E4}">
-                <adec:decorative xmlns:adec="http://schemas.microsoft.com/office/drawing/2017/decorative" val="1"/>
-              </a:ext>
-            </a:extLst>
-          </p:cNvPr>
-          <p:cNvSpPr>
-            <a:spLocks noGrp="1" noRot="1" noChangeAspect="1" noMove="1" noResize="1" noEditPoints="1" noAdjustHandles="1" noChangeArrowheads="1" noChangeShapeType="1" noTextEdit="1"/>
-          </p:cNvSpPr>
-          <p:nvPr>
-            <p:extLst>
-              <p:ext uri="{386F3935-93C4-4BCD-93E2-E3B085C9AB24}">
-                <p16:designElem xmlns:p16="http://schemas.microsoft.com/office/powerpoint/2015/main" val="1"/>
-              </p:ext>
-            </p:extLst>
-          </p:nvPr>
-        </p:nvSpPr>
-        <p:spPr>
-          <a:xfrm>
-            <a:off x="0" y="0"/>
-            <a:ext cx="12192000" cy="6858000"/>
-          </a:xfrm>
-          <a:prstGeom prst="rect">
-            <a:avLst/>
-          </a:prstGeom>
-          <a:ln>
-            <a:noFill/>
-          </a:ln>
-        </p:spPr>
-        <p:style>
-          <a:lnRef idx="2">
-            <a:schemeClr val="accent1">
-              <a:shade val="50000"/>
-            </a:schemeClr>
-          </a:lnRef>
-          <a:fillRef idx="1">
-            <a:schemeClr val="accent1"/>
-          </a:fillRef>
-          <a:effectRef idx="0">
-            <a:schemeClr val="accent1"/>
-          </a:effectRef>
-          <a:fontRef idx="minor">
-            <a:schemeClr val="lt1"/>
-          </a:fontRef>
-        </p:style>
-        <p:txBody>
-          <a:bodyPr rtlCol="0" anchor="ctr"/>
-          <a:lstStyle/>
-          <a:p>
-            <a:pPr algn="ctr"/>
-            <a:endParaRPr lang="en-US"/>
-          </a:p>
-        </p:txBody>
-      </p:sp>
-      <p:sp>
-        <p:nvSpPr>
-          <p:cNvPr id="10" name="Rectangle 9">
-            <a:extLst>
-              <a:ext uri="{FF2B5EF4-FFF2-40B4-BE49-F238E27FC236}">
-                <a16:creationId xmlns:a16="http://schemas.microsoft.com/office/drawing/2014/main" id="{DCA5172B-100A-154D-8648-280629D67DD0}"/>
-              </a:ext>
-              <a:ext uri="{C183D7F6-B498-43B3-948B-1728B52AA6E4}">
-                <adec:decorative xmlns:adec="http://schemas.microsoft.com/office/drawing/2017/decorative" val="1"/>
-              </a:ext>
-            </a:extLst>
-          </p:cNvPr>
-          <p:cNvSpPr>
-            <a:spLocks noGrp="1" noRot="1" noChangeAspect="1" noMove="1" noResize="1" noEditPoints="1" noAdjustHandles="1" noChangeArrowheads="1" noChangeShapeType="1" noTextEdit="1"/>
-          </p:cNvSpPr>
-          <p:nvPr>
-            <p:extLst>
-              <p:ext uri="{386F3935-93C4-4BCD-93E2-E3B085C9AB24}">
-                <p16:designElem xmlns:p16="http://schemas.microsoft.com/office/powerpoint/2015/main" val="1"/>
-              </p:ext>
-            </p:extLst>
-          </p:nvPr>
-        </p:nvSpPr>
-        <p:spPr>
-          <a:xfrm>
-            <a:off x="9881559" y="976630"/>
-            <a:ext cx="1336774" cy="120142"/>
-          </a:xfrm>
-          <a:prstGeom prst="rect">
-            <a:avLst/>
-          </a:prstGeom>
-          <a:solidFill>
-            <a:schemeClr val="tx1"/>
-          </a:solidFill>
-          <a:ln>
-            <a:noFill/>
-          </a:ln>
-        </p:spPr>
-        <p:style>
-          <a:lnRef idx="2">
-            <a:schemeClr val="accent1">
-              <a:shade val="50000"/>
-            </a:schemeClr>
-          </a:lnRef>
-          <a:fillRef idx="1">
-            <a:schemeClr val="accent1"/>
-          </a:fillRef>
-          <a:effectRef idx="0">
-            <a:schemeClr val="accent1"/>
-          </a:effectRef>
-          <a:fontRef idx="minor">
-            <a:schemeClr val="lt1"/>
-          </a:fontRef>
-        </p:style>
-        <p:txBody>
-          <a:bodyPr rtlCol="0" anchor="ctr"/>
-          <a:lstStyle/>
-          <a:p>
-            <a:pPr algn="ctr"/>
-            <a:endParaRPr lang="en-US"/>
-          </a:p>
-        </p:txBody>
-      </p:sp>
-      <p:sp>
-        <p:nvSpPr>
-          <p:cNvPr id="12" name="Rectangle 11">
-            <a:extLst>
-              <a:ext uri="{FF2B5EF4-FFF2-40B4-BE49-F238E27FC236}">
-                <a16:creationId xmlns:a16="http://schemas.microsoft.com/office/drawing/2014/main" id="{37A9EF9F-F5F8-3B4C-B721-17C0A18761C3}"/>
-              </a:ext>
-              <a:ext uri="{C183D7F6-B498-43B3-948B-1728B52AA6E4}">
-                <adec:decorative xmlns:adec="http://schemas.microsoft.com/office/drawing/2017/decorative" val="1"/>
-              </a:ext>
-            </a:extLst>
-          </p:cNvPr>
-          <p:cNvSpPr>
-            <a:spLocks noGrp="1" noRot="1" noChangeAspect="1" noMove="1" noResize="1" noEditPoints="1" noAdjustHandles="1" noChangeArrowheads="1" noChangeShapeType="1" noTextEdit="1"/>
-          </p:cNvSpPr>
-          <p:nvPr>
-            <p:extLst>
-              <p:ext uri="{386F3935-93C4-4BCD-93E2-E3B085C9AB24}">
-                <p16:designElem xmlns:p16="http://schemas.microsoft.com/office/powerpoint/2015/main" val="1"/>
-              </p:ext>
-            </p:extLst>
-          </p:nvPr>
-        </p:nvSpPr>
-        <p:spPr>
-          <a:xfrm>
-            <a:off x="9360311" y="1096772"/>
-            <a:ext cx="2831690" cy="5761228"/>
-          </a:xfrm>
-          <a:prstGeom prst="rect">
-            <a:avLst/>
-          </a:prstGeom>
-          <a:solidFill>
-            <a:schemeClr val="bg2"/>
-          </a:solidFill>
-          <a:ln>
-            <a:noFill/>
-          </a:ln>
-        </p:spPr>
-        <p:style>
-          <a:lnRef idx="2">
-            <a:schemeClr val="accent1">
-              <a:shade val="50000"/>
-            </a:schemeClr>
-          </a:lnRef>
-          <a:fillRef idx="1">
-            <a:schemeClr val="accent1"/>
-          </a:fillRef>
-          <a:effectRef idx="0">
-            <a:schemeClr val="accent1"/>
-          </a:effectRef>
-          <a:fontRef idx="minor">
-            <a:schemeClr val="lt1"/>
-          </a:fontRef>
-        </p:style>
-        <p:txBody>
-          <a:bodyPr rtlCol="0" anchor="ctr"/>
-          <a:lstStyle/>
-          <a:p>
-            <a:pPr algn="ctr"/>
-            <a:endParaRPr lang="en-US">
-              <a:solidFill>
-                <a:schemeClr val="bg2"/>
-              </a:solidFill>
-            </a:endParaRPr>
-          </a:p>
-        </p:txBody>
-      </p:sp>
-      <p:sp>
-        <p:nvSpPr>
-          <p:cNvPr id="14" name="Cross 13">
-            <a:extLst>
-              <a:ext uri="{FF2B5EF4-FFF2-40B4-BE49-F238E27FC236}">
-                <a16:creationId xmlns:a16="http://schemas.microsoft.com/office/drawing/2014/main" id="{6DEB3960-7668-064C-B56F-2B18221DED16}"/>
-              </a:ext>
-              <a:ext uri="{C183D7F6-B498-43B3-948B-1728B52AA6E4}">
-                <adec:decorative xmlns:adec="http://schemas.microsoft.com/office/drawing/2017/decorative" val="1"/>
-              </a:ext>
-            </a:extLst>
-          </p:cNvPr>
-          <p:cNvSpPr>
-            <a:spLocks noGrp="1" noRot="1" noChangeAspect="1" noMove="1" noResize="1" noEditPoints="1" noAdjustHandles="1" noChangeArrowheads="1" noChangeShapeType="1" noTextEdit="1"/>
-          </p:cNvSpPr>
-          <p:nvPr>
-            <p:extLst>
-              <p:ext uri="{386F3935-93C4-4BCD-93E2-E3B085C9AB24}">
-                <p16:designElem xmlns:p16="http://schemas.microsoft.com/office/powerpoint/2015/main" val="1"/>
-              </p:ext>
-            </p:extLst>
-          </p:nvPr>
-        </p:nvSpPr>
-        <p:spPr>
-          <a:xfrm>
-            <a:off x="9149571" y="5618903"/>
-            <a:ext cx="524933" cy="524933"/>
-          </a:xfrm>
-          <a:prstGeom prst="plus">
-            <a:avLst>
-              <a:gd name="adj" fmla="val 39516"/>
-            </a:avLst>
-          </a:prstGeom>
-          <a:solidFill>
-            <a:schemeClr val="tx1"/>
-          </a:solidFill>
-          <a:ln>
-            <a:noFill/>
-          </a:ln>
-        </p:spPr>
-        <p:style>
-          <a:lnRef idx="2">
-            <a:schemeClr val="accent1">
-              <a:shade val="50000"/>
-            </a:schemeClr>
-          </a:lnRef>
-          <a:fillRef idx="1">
-            <a:schemeClr val="accent1"/>
-          </a:fillRef>
-          <a:effectRef idx="0">
-            <a:schemeClr val="accent1"/>
-          </a:effectRef>
-          <a:fontRef idx="minor">
-            <a:schemeClr val="lt1"/>
-          </a:fontRef>
-        </p:style>
-        <p:txBody>
-          <a:bodyPr rtlCol="0" anchor="ctr"/>
-          <a:lstStyle/>
-          <a:p>
-            <a:pPr algn="ctr"/>
-            <a:endParaRPr lang="en-US"/>
-          </a:p>
-        </p:txBody>
-      </p:sp>
       <p:sp>
         <p:nvSpPr>
           <p:cNvPr id="9" name="Title 1">
@@ -15909,17 +14622,17 @@
             <a:graphicFrameLocks noGrp="1"/>
           </p:cNvGraphicFramePr>
           <p:nvPr>
-            <p:ph idx="1"/>
+            <p:ph idx="4294967295"/>
             <p:extLst>
               <p:ext uri="{D42A27DB-BD31-4B8C-83A1-F6EECF244321}">
-                <p14:modId xmlns:p14="http://schemas.microsoft.com/office/powerpoint/2010/main" val="2372564711"/>
+                <p14:modId xmlns:p14="http://schemas.microsoft.com/office/powerpoint/2010/main" val="3216091802"/>
               </p:ext>
             </p:extLst>
           </p:nvPr>
         </p:nvGraphicFramePr>
         <p:xfrm>
-          <a:off x="565150" y="2691638"/>
-          <a:ext cx="8267296" cy="3188586"/>
+          <a:off x="670560" y="2694581"/>
+          <a:ext cx="8267700" cy="3187700"/>
         </p:xfrm>
         <a:graphic>
           <a:graphicData uri="http://schemas.openxmlformats.org/drawingml/2006/diagram">
@@ -15941,7 +14654,7 @@
         </p:nvGrpSpPr>
         <p:grpSpPr>
           <a:xfrm>
-            <a:off x="9602924" y="3810901"/>
+            <a:off x="9298124" y="3725557"/>
             <a:ext cx="2508873" cy="2332935"/>
             <a:chOff x="9699983" y="3329592"/>
             <a:chExt cx="2152346" cy="2289311"/>
@@ -16057,7 +14770,7 @@
 </file>
 
 <file path=ppt/slides/slide4.xml><?xml version="1.0" encoding="utf-8"?>
-<p:sld xmlns:a="http://schemas.openxmlformats.org/drawingml/2006/main" xmlns:r="http://schemas.openxmlformats.org/officeDocument/2006/relationships" xmlns:p="http://schemas.openxmlformats.org/presentationml/2006/main">
+<p:sld xmlns:a="http://schemas.openxmlformats.org/drawingml/2006/main" xmlns:r="http://schemas.openxmlformats.org/officeDocument/2006/relationships" xmlns:p="http://schemas.openxmlformats.org/presentationml/2006/main" showMasterSp="0">
   <p:cSld>
     <p:bg>
       <p:bgPr>
@@ -16083,257 +14796,6 @@
       </p:grpSpPr>
       <p:sp>
         <p:nvSpPr>
-          <p:cNvPr id="118" name="Rectangle 117">
-            <a:extLst>
-              <a:ext uri="{FF2B5EF4-FFF2-40B4-BE49-F238E27FC236}">
-                <a16:creationId xmlns:a16="http://schemas.microsoft.com/office/drawing/2014/main" id="{9F291BE0-7A7E-D04F-974F-9F4577FB2F46}"/>
-              </a:ext>
-              <a:ext uri="{C183D7F6-B498-43B3-948B-1728B52AA6E4}">
-                <adec:decorative xmlns:adec="http://schemas.microsoft.com/office/drawing/2017/decorative" val="1"/>
-              </a:ext>
-            </a:extLst>
-          </p:cNvPr>
-          <p:cNvSpPr>
-            <a:spLocks noGrp="1" noRot="1" noChangeAspect="1" noMove="1" noResize="1" noEditPoints="1" noAdjustHandles="1" noChangeArrowheads="1" noChangeShapeType="1" noTextEdit="1"/>
-          </p:cNvSpPr>
-          <p:nvPr>
-            <p:extLst>
-              <p:ext uri="{386F3935-93C4-4BCD-93E2-E3B085C9AB24}">
-                <p16:designElem xmlns:p16="http://schemas.microsoft.com/office/powerpoint/2015/main" val="1"/>
-              </p:ext>
-            </p:extLst>
-          </p:nvPr>
-        </p:nvSpPr>
-        <p:spPr>
-          <a:xfrm>
-            <a:off x="6163735" y="1096772"/>
-            <a:ext cx="5571066" cy="5761228"/>
-          </a:xfrm>
-          <a:prstGeom prst="rect">
-            <a:avLst/>
-          </a:prstGeom>
-          <a:solidFill>
-            <a:schemeClr val="bg2"/>
-          </a:solidFill>
-          <a:ln>
-            <a:noFill/>
-          </a:ln>
-        </p:spPr>
-        <p:style>
-          <a:lnRef idx="2">
-            <a:schemeClr val="accent1">
-              <a:shade val="50000"/>
-            </a:schemeClr>
-          </a:lnRef>
-          <a:fillRef idx="1">
-            <a:schemeClr val="accent1"/>
-          </a:fillRef>
-          <a:effectRef idx="0">
-            <a:schemeClr val="accent1"/>
-          </a:effectRef>
-          <a:fontRef idx="minor">
-            <a:schemeClr val="lt1"/>
-          </a:fontRef>
-        </p:style>
-        <p:txBody>
-          <a:bodyPr rtlCol="0" anchor="ctr"/>
-          <a:lstStyle/>
-          <a:p>
-            <a:pPr algn="ctr"/>
-            <a:endParaRPr lang="en-US"/>
-          </a:p>
-        </p:txBody>
-      </p:sp>
-      <p:sp>
-        <p:nvSpPr>
-          <p:cNvPr id="120" name="Cross 119">
-            <a:extLst>
-              <a:ext uri="{FF2B5EF4-FFF2-40B4-BE49-F238E27FC236}">
-                <a16:creationId xmlns:a16="http://schemas.microsoft.com/office/drawing/2014/main" id="{BD33FF1F-6094-0B4A-A3E4-6B0D9283DB44}"/>
-              </a:ext>
-              <a:ext uri="{C183D7F6-B498-43B3-948B-1728B52AA6E4}">
-                <adec:decorative xmlns:adec="http://schemas.microsoft.com/office/drawing/2017/decorative" val="1"/>
-              </a:ext>
-            </a:extLst>
-          </p:cNvPr>
-          <p:cNvSpPr>
-            <a:spLocks noGrp="1" noRot="1" noChangeAspect="1" noMove="1" noResize="1" noEditPoints="1" noAdjustHandles="1" noChangeArrowheads="1" noChangeShapeType="1" noTextEdit="1"/>
-          </p:cNvSpPr>
-          <p:nvPr>
-            <p:extLst>
-              <p:ext uri="{386F3935-93C4-4BCD-93E2-E3B085C9AB24}">
-                <p16:designElem xmlns:p16="http://schemas.microsoft.com/office/powerpoint/2015/main" val="1"/>
-              </p:ext>
-            </p:extLst>
-          </p:nvPr>
-        </p:nvSpPr>
-        <p:spPr>
-          <a:xfrm>
-            <a:off x="11529484" y="5618903"/>
-            <a:ext cx="524933" cy="524933"/>
-          </a:xfrm>
-          <a:prstGeom prst="plus">
-            <a:avLst>
-              <a:gd name="adj" fmla="val 39516"/>
-            </a:avLst>
-          </a:prstGeom>
-          <a:solidFill>
-            <a:schemeClr val="tx1"/>
-          </a:solidFill>
-          <a:ln>
-            <a:noFill/>
-          </a:ln>
-        </p:spPr>
-        <p:style>
-          <a:lnRef idx="2">
-            <a:schemeClr val="accent1">
-              <a:shade val="50000"/>
-            </a:schemeClr>
-          </a:lnRef>
-          <a:fillRef idx="1">
-            <a:schemeClr val="accent1"/>
-          </a:fillRef>
-          <a:effectRef idx="0">
-            <a:schemeClr val="accent1"/>
-          </a:effectRef>
-          <a:fontRef idx="minor">
-            <a:schemeClr val="lt1"/>
-          </a:fontRef>
-        </p:style>
-        <p:txBody>
-          <a:bodyPr rtlCol="0" anchor="ctr"/>
-          <a:lstStyle/>
-          <a:p>
-            <a:pPr algn="ctr"/>
-            <a:endParaRPr lang="en-US"/>
-          </a:p>
-        </p:txBody>
-      </p:sp>
-      <p:sp>
-        <p:nvSpPr>
-          <p:cNvPr id="122" name="Rectangle 121">
-            <a:extLst>
-              <a:ext uri="{FF2B5EF4-FFF2-40B4-BE49-F238E27FC236}">
-                <a16:creationId xmlns:a16="http://schemas.microsoft.com/office/drawing/2014/main" id="{B78A6D9C-C7A5-414B-8CB7-E31470D7D280}"/>
-              </a:ext>
-              <a:ext uri="{C183D7F6-B498-43B3-948B-1728B52AA6E4}">
-                <adec:decorative xmlns:adec="http://schemas.microsoft.com/office/drawing/2017/decorative" val="1"/>
-              </a:ext>
-            </a:extLst>
-          </p:cNvPr>
-          <p:cNvSpPr>
-            <a:spLocks noGrp="1" noRot="1" noChangeAspect="1" noMove="1" noResize="1" noEditPoints="1" noAdjustHandles="1" noChangeArrowheads="1" noChangeShapeType="1" noTextEdit="1"/>
-          </p:cNvSpPr>
-          <p:nvPr>
-            <p:extLst>
-              <p:ext uri="{386F3935-93C4-4BCD-93E2-E3B085C9AB24}">
-                <p16:designElem xmlns:p16="http://schemas.microsoft.com/office/powerpoint/2015/main" val="1"/>
-              </p:ext>
-            </p:extLst>
-          </p:nvPr>
-        </p:nvSpPr>
-        <p:spPr>
-          <a:xfrm>
-            <a:off x="9881559" y="976630"/>
-            <a:ext cx="1336774" cy="120142"/>
-          </a:xfrm>
-          <a:prstGeom prst="rect">
-            <a:avLst/>
-          </a:prstGeom>
-          <a:solidFill>
-            <a:schemeClr val="tx1"/>
-          </a:solidFill>
-          <a:ln>
-            <a:noFill/>
-          </a:ln>
-        </p:spPr>
-        <p:style>
-          <a:lnRef idx="2">
-            <a:schemeClr val="accent1">
-              <a:shade val="50000"/>
-            </a:schemeClr>
-          </a:lnRef>
-          <a:fillRef idx="1">
-            <a:schemeClr val="accent1"/>
-          </a:fillRef>
-          <a:effectRef idx="0">
-            <a:schemeClr val="accent1"/>
-          </a:effectRef>
-          <a:fontRef idx="minor">
-            <a:schemeClr val="lt1"/>
-          </a:fontRef>
-        </p:style>
-        <p:txBody>
-          <a:bodyPr rtlCol="0" anchor="ctr"/>
-          <a:lstStyle/>
-          <a:p>
-            <a:pPr algn="ctr"/>
-            <a:endParaRPr lang="en-US"/>
-          </a:p>
-        </p:txBody>
-      </p:sp>
-      <p:sp useBgFill="1">
-        <p:nvSpPr>
-          <p:cNvPr id="124" name="Rectangle 123">
-            <a:extLst>
-              <a:ext uri="{FF2B5EF4-FFF2-40B4-BE49-F238E27FC236}">
-                <a16:creationId xmlns:a16="http://schemas.microsoft.com/office/drawing/2014/main" id="{579E3846-8D0B-B14A-817A-7FAC9DDAB4D8}"/>
-              </a:ext>
-              <a:ext uri="{C183D7F6-B498-43B3-948B-1728B52AA6E4}">
-                <adec:decorative xmlns:adec="http://schemas.microsoft.com/office/drawing/2017/decorative" val="1"/>
-              </a:ext>
-            </a:extLst>
-          </p:cNvPr>
-          <p:cNvSpPr>
-            <a:spLocks noGrp="1" noRot="1" noChangeAspect="1" noMove="1" noResize="1" noEditPoints="1" noAdjustHandles="1" noChangeArrowheads="1" noChangeShapeType="1" noTextEdit="1"/>
-          </p:cNvSpPr>
-          <p:nvPr>
-            <p:extLst>
-              <p:ext uri="{386F3935-93C4-4BCD-93E2-E3B085C9AB24}">
-                <p16:designElem xmlns:p16="http://schemas.microsoft.com/office/powerpoint/2015/main" val="1"/>
-              </p:ext>
-            </p:extLst>
-          </p:nvPr>
-        </p:nvSpPr>
-        <p:spPr>
-          <a:xfrm>
-            <a:off x="0" y="0"/>
-            <a:ext cx="12192000" cy="6858000"/>
-          </a:xfrm>
-          <a:prstGeom prst="rect">
-            <a:avLst/>
-          </a:prstGeom>
-          <a:ln>
-            <a:noFill/>
-          </a:ln>
-        </p:spPr>
-        <p:style>
-          <a:lnRef idx="2">
-            <a:schemeClr val="accent1">
-              <a:shade val="50000"/>
-            </a:schemeClr>
-          </a:lnRef>
-          <a:fillRef idx="1">
-            <a:schemeClr val="accent1"/>
-          </a:fillRef>
-          <a:effectRef idx="0">
-            <a:schemeClr val="accent1"/>
-          </a:effectRef>
-          <a:fontRef idx="minor">
-            <a:schemeClr val="lt1"/>
-          </a:fontRef>
-        </p:style>
-        <p:txBody>
-          <a:bodyPr rtlCol="0" anchor="ctr"/>
-          <a:lstStyle/>
-          <a:p>
-            <a:pPr algn="ctr"/>
-            <a:endParaRPr lang="en-US"/>
-          </a:p>
-        </p:txBody>
-      </p:sp>
-      <p:sp>
-        <p:nvSpPr>
           <p:cNvPr id="4" name="Title 3">
             <a:extLst>
               <a:ext uri="{FF2B5EF4-FFF2-40B4-BE49-F238E27FC236}">
@@ -16345,13 +14807,13 @@
             <a:spLocks noGrp="1"/>
           </p:cNvSpPr>
           <p:nvPr>
-            <p:ph type="title"/>
+            <p:ph type="title" idx="4294967295"/>
           </p:nvPr>
         </p:nvSpPr>
         <p:spPr>
           <a:xfrm>
-            <a:off x="9523290" y="198608"/>
-            <a:ext cx="8267296" cy="1446550"/>
+            <a:off x="565148" y="323197"/>
+            <a:ext cx="8267700" cy="1446212"/>
           </a:xfrm>
         </p:spPr>
         <p:txBody>
@@ -16369,203 +14831,8 @@
                 <a:ea typeface="+mj-ea"/>
                 <a:cs typeface="+mj-cs"/>
               </a:rPr>
-              <a:t>Models</a:t>
+              <a:t>MODELS </a:t>
             </a:r>
-          </a:p>
-        </p:txBody>
-      </p:sp>
-      <p:sp>
-        <p:nvSpPr>
-          <p:cNvPr id="126" name="Rectangle 125">
-            <a:extLst>
-              <a:ext uri="{FF2B5EF4-FFF2-40B4-BE49-F238E27FC236}">
-                <a16:creationId xmlns:a16="http://schemas.microsoft.com/office/drawing/2014/main" id="{FB1CD9BE-93F1-ED44-946B-8354D74B0B9F}"/>
-              </a:ext>
-              <a:ext uri="{C183D7F6-B498-43B3-948B-1728B52AA6E4}">
-                <adec:decorative xmlns:adec="http://schemas.microsoft.com/office/drawing/2017/decorative" val="1"/>
-              </a:ext>
-            </a:extLst>
-          </p:cNvPr>
-          <p:cNvSpPr>
-            <a:spLocks noGrp="1" noRot="1" noChangeAspect="1" noMove="1" noResize="1" noEditPoints="1" noAdjustHandles="1" noChangeArrowheads="1" noChangeShapeType="1" noTextEdit="1"/>
-          </p:cNvSpPr>
-          <p:nvPr>
-            <p:extLst>
-              <p:ext uri="{386F3935-93C4-4BCD-93E2-E3B085C9AB24}">
-                <p16:designElem xmlns:p16="http://schemas.microsoft.com/office/powerpoint/2015/main" val="1"/>
-              </p:ext>
-            </p:extLst>
-          </p:nvPr>
-        </p:nvSpPr>
-        <p:spPr>
-          <a:xfrm>
-            <a:off x="11738231" y="1096772"/>
-            <a:ext cx="453769" cy="5761228"/>
-          </a:xfrm>
-          <a:prstGeom prst="rect">
-            <a:avLst/>
-          </a:prstGeom>
-          <a:solidFill>
-            <a:schemeClr val="bg2"/>
-          </a:solidFill>
-          <a:ln>
-            <a:noFill/>
-          </a:ln>
-        </p:spPr>
-        <p:style>
-          <a:lnRef idx="2">
-            <a:schemeClr val="accent1">
-              <a:shade val="50000"/>
-            </a:schemeClr>
-          </a:lnRef>
-          <a:fillRef idx="1">
-            <a:schemeClr val="accent1"/>
-          </a:fillRef>
-          <a:effectRef idx="0">
-            <a:schemeClr val="accent1"/>
-          </a:effectRef>
-          <a:fontRef idx="minor">
-            <a:schemeClr val="lt1"/>
-          </a:fontRef>
-        </p:style>
-        <p:txBody>
-          <a:bodyPr rtlCol="0" anchor="ctr"/>
-          <a:lstStyle/>
-          <a:p>
-            <a:pPr algn="ctr"/>
-            <a:endParaRPr lang="en-US">
-              <a:solidFill>
-                <a:schemeClr val="bg2"/>
-              </a:solidFill>
-            </a:endParaRPr>
-          </a:p>
-        </p:txBody>
-      </p:sp>
-      <p:sp>
-        <p:nvSpPr>
-          <p:cNvPr id="128" name="Rectangle 127">
-            <a:extLst>
-              <a:ext uri="{FF2B5EF4-FFF2-40B4-BE49-F238E27FC236}">
-                <a16:creationId xmlns:a16="http://schemas.microsoft.com/office/drawing/2014/main" id="{882E6E09-FCB0-5F41-8BAE-C0581D54B5FD}"/>
-              </a:ext>
-              <a:ext uri="{C183D7F6-B498-43B3-948B-1728B52AA6E4}">
-                <adec:decorative xmlns:adec="http://schemas.microsoft.com/office/drawing/2017/decorative" val="1"/>
-              </a:ext>
-            </a:extLst>
-          </p:cNvPr>
-          <p:cNvSpPr>
-            <a:spLocks noGrp="1" noRot="1" noChangeAspect="1" noMove="1" noResize="1" noEditPoints="1" noAdjustHandles="1" noChangeArrowheads="1" noChangeShapeType="1" noTextEdit="1"/>
-          </p:cNvSpPr>
-          <p:nvPr>
-            <p:extLst>
-              <p:ext uri="{386F3935-93C4-4BCD-93E2-E3B085C9AB24}">
-                <p16:designElem xmlns:p16="http://schemas.microsoft.com/office/powerpoint/2015/main" val="1"/>
-              </p:ext>
-            </p:extLst>
-          </p:nvPr>
-        </p:nvSpPr>
-        <p:spPr>
-          <a:xfrm>
-            <a:off x="9881559" y="976630"/>
-            <a:ext cx="1336774" cy="120142"/>
-          </a:xfrm>
-          <a:prstGeom prst="rect">
-            <a:avLst/>
-          </a:prstGeom>
-          <a:solidFill>
-            <a:schemeClr val="tx1"/>
-          </a:solidFill>
-          <a:ln>
-            <a:noFill/>
-          </a:ln>
-        </p:spPr>
-        <p:style>
-          <a:lnRef idx="2">
-            <a:schemeClr val="accent1">
-              <a:shade val="50000"/>
-            </a:schemeClr>
-          </a:lnRef>
-          <a:fillRef idx="1">
-            <a:schemeClr val="accent1"/>
-          </a:fillRef>
-          <a:effectRef idx="0">
-            <a:schemeClr val="accent1"/>
-          </a:effectRef>
-          <a:fontRef idx="minor">
-            <a:schemeClr val="lt1"/>
-          </a:fontRef>
-        </p:style>
-        <p:txBody>
-          <a:bodyPr rtlCol="0" anchor="ctr"/>
-          <a:lstStyle/>
-          <a:p>
-            <a:pPr algn="ctr"/>
-            <a:endParaRPr lang="en-US"/>
-          </a:p>
-        </p:txBody>
-      </p:sp>
-      <p:sp>
-        <p:nvSpPr>
-          <p:cNvPr id="130" name="Cross 129">
-            <a:extLst>
-              <a:ext uri="{FF2B5EF4-FFF2-40B4-BE49-F238E27FC236}">
-                <a16:creationId xmlns:a16="http://schemas.microsoft.com/office/drawing/2014/main" id="{D269DB01-9C3C-7841-B8E8-6FDFEF70CB7D}"/>
-              </a:ext>
-              <a:ext uri="{C183D7F6-B498-43B3-948B-1728B52AA6E4}">
-                <adec:decorative xmlns:adec="http://schemas.microsoft.com/office/drawing/2017/decorative" val="1"/>
-              </a:ext>
-            </a:extLst>
-          </p:cNvPr>
-          <p:cNvSpPr>
-            <a:spLocks noGrp="1" noRot="1" noChangeAspect="1" noMove="1" noResize="1" noEditPoints="1" noAdjustHandles="1" noChangeArrowheads="1" noChangeShapeType="1" noTextEdit="1"/>
-          </p:cNvSpPr>
-          <p:nvPr>
-            <p:extLst>
-              <p:ext uri="{386F3935-93C4-4BCD-93E2-E3B085C9AB24}">
-                <p16:designElem xmlns:p16="http://schemas.microsoft.com/office/powerpoint/2015/main" val="1"/>
-              </p:ext>
-            </p:extLst>
-          </p:nvPr>
-        </p:nvSpPr>
-        <p:spPr>
-          <a:xfrm>
-            <a:off x="11531286" y="5618903"/>
-            <a:ext cx="524933" cy="524933"/>
-          </a:xfrm>
-          <a:prstGeom prst="plus">
-            <a:avLst>
-              <a:gd name="adj" fmla="val 39516"/>
-            </a:avLst>
-          </a:prstGeom>
-          <a:solidFill>
-            <a:schemeClr val="tx1"/>
-          </a:solidFill>
-          <a:ln>
-            <a:noFill/>
-          </a:ln>
-        </p:spPr>
-        <p:style>
-          <a:lnRef idx="2">
-            <a:schemeClr val="accent1">
-              <a:shade val="50000"/>
-            </a:schemeClr>
-          </a:lnRef>
-          <a:fillRef idx="1">
-            <a:schemeClr val="accent1"/>
-          </a:fillRef>
-          <a:effectRef idx="0">
-            <a:schemeClr val="accent1"/>
-          </a:effectRef>
-          <a:fontRef idx="minor">
-            <a:schemeClr val="lt1"/>
-          </a:fontRef>
-        </p:style>
-        <p:txBody>
-          <a:bodyPr rtlCol="0" anchor="ctr"/>
-          <a:lstStyle/>
-          <a:p>
-            <a:pPr algn="ctr"/>
-            <a:endParaRPr lang="en-US"/>
           </a:p>
         </p:txBody>
       </p:sp>
@@ -16582,13 +14849,13 @@
           <p:nvPr>
             <p:extLst>
               <p:ext uri="{D42A27DB-BD31-4B8C-83A1-F6EECF244321}">
-                <p14:modId xmlns:p14="http://schemas.microsoft.com/office/powerpoint/2010/main" val="4047032546"/>
+                <p14:modId xmlns:p14="http://schemas.microsoft.com/office/powerpoint/2010/main" val="1431531365"/>
               </p:ext>
             </p:extLst>
           </p:nvPr>
         </p:nvGraphicFramePr>
         <p:xfrm>
-          <a:off x="428739" y="823126"/>
+          <a:off x="453123" y="1353604"/>
           <a:ext cx="10653184" cy="3187700"/>
         </p:xfrm>
         <a:graphic>
@@ -16610,14 +14877,14 @@
           <p:nvPr>
             <p:extLst>
               <p:ext uri="{D42A27DB-BD31-4B8C-83A1-F6EECF244321}">
-                <p14:modId xmlns:p14="http://schemas.microsoft.com/office/powerpoint/2010/main" val="828852844"/>
+                <p14:modId xmlns:p14="http://schemas.microsoft.com/office/powerpoint/2010/main" val="2056972269"/>
               </p:ext>
             </p:extLst>
           </p:nvPr>
         </p:nvGraphicFramePr>
         <p:xfrm>
-          <a:off x="135781" y="2692400"/>
-          <a:ext cx="11082552" cy="3187700"/>
+          <a:off x="565148" y="4541304"/>
+          <a:ext cx="10960905" cy="1680729"/>
         </p:xfrm>
         <a:graphic>
           <a:graphicData uri="http://schemas.openxmlformats.org/drawingml/2006/diagram">
@@ -16639,7 +14906,7 @@
         </p:nvSpPr>
         <p:spPr>
           <a:xfrm>
-            <a:off x="4800600" y="1262270"/>
+            <a:off x="292329" y="1049080"/>
             <a:ext cx="2117036" cy="3796748"/>
           </a:xfrm>
           <a:prstGeom prst="roundRect">
@@ -18962,7 +17229,7 @@
 </file>
 
 <file path=ppt/slides/slide6.xml><?xml version="1.0" encoding="utf-8"?>
-<p:sld xmlns:a="http://schemas.openxmlformats.org/drawingml/2006/main" xmlns:r="http://schemas.openxmlformats.org/officeDocument/2006/relationships" xmlns:p="http://schemas.openxmlformats.org/presentationml/2006/main">
+<p:sld xmlns:a="http://schemas.openxmlformats.org/drawingml/2006/main" xmlns:r="http://schemas.openxmlformats.org/officeDocument/2006/relationships" xmlns:p="http://schemas.openxmlformats.org/presentationml/2006/main" showMasterSp="0">
   <p:cSld>
     <p:bg>
       <p:bgPr>
@@ -18988,448 +17255,6 @@
       </p:grpSpPr>
       <p:sp>
         <p:nvSpPr>
-          <p:cNvPr id="8" name="Rectangle 7">
-            <a:extLst>
-              <a:ext uri="{FF2B5EF4-FFF2-40B4-BE49-F238E27FC236}">
-                <a16:creationId xmlns:a16="http://schemas.microsoft.com/office/drawing/2014/main" id="{1D227D51-204B-ED48-AF9A-0BE9633FE04A}"/>
-              </a:ext>
-              <a:ext uri="{C183D7F6-B498-43B3-948B-1728B52AA6E4}">
-                <adec:decorative xmlns:adec="http://schemas.microsoft.com/office/drawing/2017/decorative" val="1"/>
-              </a:ext>
-            </a:extLst>
-          </p:cNvPr>
-          <p:cNvSpPr>
-            <a:spLocks noGrp="1" noRot="1" noChangeAspect="1" noMove="1" noResize="1" noEditPoints="1" noAdjustHandles="1" noChangeArrowheads="1" noChangeShapeType="1" noTextEdit="1"/>
-          </p:cNvSpPr>
-          <p:nvPr>
-            <p:extLst>
-              <p:ext uri="{386F3935-93C4-4BCD-93E2-E3B085C9AB24}">
-                <p16:designElem xmlns:p16="http://schemas.microsoft.com/office/powerpoint/2015/main" val="1"/>
-              </p:ext>
-            </p:extLst>
-          </p:nvPr>
-        </p:nvSpPr>
-        <p:spPr>
-          <a:xfrm>
-            <a:off x="5224243" y="1096772"/>
-            <a:ext cx="6503180" cy="5761228"/>
-          </a:xfrm>
-          <a:prstGeom prst="rect">
-            <a:avLst/>
-          </a:prstGeom>
-          <a:solidFill>
-            <a:schemeClr val="bg2"/>
-          </a:solidFill>
-          <a:ln>
-            <a:noFill/>
-          </a:ln>
-        </p:spPr>
-        <p:style>
-          <a:lnRef idx="2">
-            <a:schemeClr val="accent1">
-              <a:shade val="50000"/>
-            </a:schemeClr>
-          </a:lnRef>
-          <a:fillRef idx="1">
-            <a:schemeClr val="accent1"/>
-          </a:fillRef>
-          <a:effectRef idx="0">
-            <a:schemeClr val="accent1"/>
-          </a:effectRef>
-          <a:fontRef idx="minor">
-            <a:schemeClr val="lt1"/>
-          </a:fontRef>
-        </p:style>
-        <p:txBody>
-          <a:bodyPr rtlCol="0" anchor="ctr"/>
-          <a:lstStyle/>
-          <a:p>
-            <a:pPr algn="ctr"/>
-            <a:endParaRPr lang="en-US"/>
-          </a:p>
-        </p:txBody>
-      </p:sp>
-      <p:sp>
-        <p:nvSpPr>
-          <p:cNvPr id="10" name="Cross 9">
-            <a:extLst>
-              <a:ext uri="{FF2B5EF4-FFF2-40B4-BE49-F238E27FC236}">
-                <a16:creationId xmlns:a16="http://schemas.microsoft.com/office/drawing/2014/main" id="{57A23F45-CDAE-8A40-8DE7-92A0BBC119B7}"/>
-              </a:ext>
-              <a:ext uri="{C183D7F6-B498-43B3-948B-1728B52AA6E4}">
-                <adec:decorative xmlns:adec="http://schemas.microsoft.com/office/drawing/2017/decorative" val="1"/>
-              </a:ext>
-            </a:extLst>
-          </p:cNvPr>
-          <p:cNvSpPr>
-            <a:spLocks noGrp="1" noRot="1" noChangeAspect="1" noMove="1" noResize="1" noEditPoints="1" noAdjustHandles="1" noChangeArrowheads="1" noChangeShapeType="1" noTextEdit="1"/>
-          </p:cNvSpPr>
-          <p:nvPr>
-            <p:extLst>
-              <p:ext uri="{386F3935-93C4-4BCD-93E2-E3B085C9AB24}">
-                <p16:designElem xmlns:p16="http://schemas.microsoft.com/office/powerpoint/2015/main" val="1"/>
-              </p:ext>
-            </p:extLst>
-          </p:nvPr>
-        </p:nvSpPr>
-        <p:spPr>
-          <a:xfrm>
-            <a:off x="5016811" y="5624450"/>
-            <a:ext cx="524933" cy="524933"/>
-          </a:xfrm>
-          <a:prstGeom prst="plus">
-            <a:avLst>
-              <a:gd name="adj" fmla="val 39516"/>
-            </a:avLst>
-          </a:prstGeom>
-          <a:solidFill>
-            <a:schemeClr val="tx1"/>
-          </a:solidFill>
-          <a:ln>
-            <a:noFill/>
-          </a:ln>
-        </p:spPr>
-        <p:style>
-          <a:lnRef idx="2">
-            <a:schemeClr val="accent1">
-              <a:shade val="50000"/>
-            </a:schemeClr>
-          </a:lnRef>
-          <a:fillRef idx="1">
-            <a:schemeClr val="accent1"/>
-          </a:fillRef>
-          <a:effectRef idx="0">
-            <a:schemeClr val="accent1"/>
-          </a:effectRef>
-          <a:fontRef idx="minor">
-            <a:schemeClr val="lt1"/>
-          </a:fontRef>
-        </p:style>
-        <p:txBody>
-          <a:bodyPr rtlCol="0" anchor="ctr"/>
-          <a:lstStyle/>
-          <a:p>
-            <a:pPr algn="ctr"/>
-            <a:endParaRPr lang="en-US"/>
-          </a:p>
-        </p:txBody>
-      </p:sp>
-      <p:sp>
-        <p:nvSpPr>
-          <p:cNvPr id="12" name="Rectangle 11">
-            <a:extLst>
-              <a:ext uri="{FF2B5EF4-FFF2-40B4-BE49-F238E27FC236}">
-                <a16:creationId xmlns:a16="http://schemas.microsoft.com/office/drawing/2014/main" id="{68546383-CCC4-544B-B0D8-DE78DE39BB78}"/>
-              </a:ext>
-              <a:ext uri="{C183D7F6-B498-43B3-948B-1728B52AA6E4}">
-                <adec:decorative xmlns:adec="http://schemas.microsoft.com/office/drawing/2017/decorative" val="1"/>
-              </a:ext>
-            </a:extLst>
-          </p:cNvPr>
-          <p:cNvSpPr>
-            <a:spLocks noGrp="1" noRot="1" noChangeAspect="1" noMove="1" noResize="1" noEditPoints="1" noAdjustHandles="1" noChangeArrowheads="1" noChangeShapeType="1" noTextEdit="1"/>
-          </p:cNvSpPr>
-          <p:nvPr>
-            <p:extLst>
-              <p:ext uri="{386F3935-93C4-4BCD-93E2-E3B085C9AB24}">
-                <p16:designElem xmlns:p16="http://schemas.microsoft.com/office/powerpoint/2015/main" val="1"/>
-              </p:ext>
-            </p:extLst>
-          </p:nvPr>
-        </p:nvSpPr>
-        <p:spPr>
-          <a:xfrm>
-            <a:off x="9881559" y="976630"/>
-            <a:ext cx="1336774" cy="120142"/>
-          </a:xfrm>
-          <a:prstGeom prst="rect">
-            <a:avLst/>
-          </a:prstGeom>
-          <a:solidFill>
-            <a:schemeClr val="tx1"/>
-          </a:solidFill>
-          <a:ln>
-            <a:noFill/>
-          </a:ln>
-        </p:spPr>
-        <p:style>
-          <a:lnRef idx="2">
-            <a:schemeClr val="accent1">
-              <a:shade val="50000"/>
-            </a:schemeClr>
-          </a:lnRef>
-          <a:fillRef idx="1">
-            <a:schemeClr val="accent1"/>
-          </a:fillRef>
-          <a:effectRef idx="0">
-            <a:schemeClr val="accent1"/>
-          </a:effectRef>
-          <a:fontRef idx="minor">
-            <a:schemeClr val="lt1"/>
-          </a:fontRef>
-        </p:style>
-        <p:txBody>
-          <a:bodyPr rtlCol="0" anchor="ctr"/>
-          <a:lstStyle/>
-          <a:p>
-            <a:pPr algn="ctr"/>
-            <a:endParaRPr lang="en-US"/>
-          </a:p>
-        </p:txBody>
-      </p:sp>
-      <p:sp useBgFill="1">
-        <p:nvSpPr>
-          <p:cNvPr id="14" name="Rectangle 13">
-            <a:extLst>
-              <a:ext uri="{FF2B5EF4-FFF2-40B4-BE49-F238E27FC236}">
-                <a16:creationId xmlns:a16="http://schemas.microsoft.com/office/drawing/2014/main" id="{6CA2C65D-0168-1245-86C8-62A8A6F7B813}"/>
-              </a:ext>
-              <a:ext uri="{C183D7F6-B498-43B3-948B-1728B52AA6E4}">
-                <adec:decorative xmlns:adec="http://schemas.microsoft.com/office/drawing/2017/decorative" val="1"/>
-              </a:ext>
-            </a:extLst>
-          </p:cNvPr>
-          <p:cNvSpPr>
-            <a:spLocks noGrp="1" noRot="1" noChangeAspect="1" noMove="1" noResize="1" noEditPoints="1" noAdjustHandles="1" noChangeArrowheads="1" noChangeShapeType="1" noTextEdit="1"/>
-          </p:cNvSpPr>
-          <p:nvPr>
-            <p:extLst>
-              <p:ext uri="{386F3935-93C4-4BCD-93E2-E3B085C9AB24}">
-                <p16:designElem xmlns:p16="http://schemas.microsoft.com/office/powerpoint/2015/main" val="1"/>
-              </p:ext>
-            </p:extLst>
-          </p:nvPr>
-        </p:nvSpPr>
-        <p:spPr>
-          <a:xfrm>
-            <a:off x="0" y="0"/>
-            <a:ext cx="12192000" cy="6858000"/>
-          </a:xfrm>
-          <a:prstGeom prst="rect">
-            <a:avLst/>
-          </a:prstGeom>
-          <a:ln>
-            <a:noFill/>
-          </a:ln>
-        </p:spPr>
-        <p:style>
-          <a:lnRef idx="2">
-            <a:schemeClr val="accent1">
-              <a:shade val="50000"/>
-            </a:schemeClr>
-          </a:lnRef>
-          <a:fillRef idx="1">
-            <a:schemeClr val="accent1"/>
-          </a:fillRef>
-          <a:effectRef idx="0">
-            <a:schemeClr val="accent1"/>
-          </a:effectRef>
-          <a:fontRef idx="minor">
-            <a:schemeClr val="lt1"/>
-          </a:fontRef>
-        </p:style>
-        <p:txBody>
-          <a:bodyPr rtlCol="0" anchor="ctr"/>
-          <a:lstStyle/>
-          <a:p>
-            <a:pPr algn="ctr"/>
-            <a:endParaRPr lang="en-US"/>
-          </a:p>
-        </p:txBody>
-      </p:sp>
-      <p:sp>
-        <p:nvSpPr>
-          <p:cNvPr id="16" name="Rectangle 15">
-            <a:extLst>
-              <a:ext uri="{FF2B5EF4-FFF2-40B4-BE49-F238E27FC236}">
-                <a16:creationId xmlns:a16="http://schemas.microsoft.com/office/drawing/2014/main" id="{EAD75E6C-3D31-A343-9949-5DAAD6F6DCB1}"/>
-              </a:ext>
-              <a:ext uri="{C183D7F6-B498-43B3-948B-1728B52AA6E4}">
-                <adec:decorative xmlns:adec="http://schemas.microsoft.com/office/drawing/2017/decorative" val="1"/>
-              </a:ext>
-            </a:extLst>
-          </p:cNvPr>
-          <p:cNvSpPr>
-            <a:spLocks noGrp="1" noRot="1" noChangeAspect="1" noMove="1" noResize="1" noEditPoints="1" noAdjustHandles="1" noChangeArrowheads="1" noChangeShapeType="1" noTextEdit="1"/>
-          </p:cNvSpPr>
-          <p:nvPr>
-            <p:extLst>
-              <p:ext uri="{386F3935-93C4-4BCD-93E2-E3B085C9AB24}">
-                <p16:designElem xmlns:p16="http://schemas.microsoft.com/office/powerpoint/2015/main" val="1"/>
-              </p:ext>
-            </p:extLst>
-          </p:nvPr>
-        </p:nvSpPr>
-        <p:spPr>
-          <a:xfrm>
-            <a:off x="5224243" y="1096772"/>
-            <a:ext cx="6503180" cy="5761228"/>
-          </a:xfrm>
-          <a:prstGeom prst="rect">
-            <a:avLst/>
-          </a:prstGeom>
-          <a:solidFill>
-            <a:schemeClr val="bg2"/>
-          </a:solidFill>
-          <a:ln>
-            <a:noFill/>
-          </a:ln>
-        </p:spPr>
-        <p:style>
-          <a:lnRef idx="2">
-            <a:schemeClr val="accent1">
-              <a:shade val="50000"/>
-            </a:schemeClr>
-          </a:lnRef>
-          <a:fillRef idx="1">
-            <a:schemeClr val="accent1"/>
-          </a:fillRef>
-          <a:effectRef idx="0">
-            <a:schemeClr val="accent1"/>
-          </a:effectRef>
-          <a:fontRef idx="minor">
-            <a:schemeClr val="lt1"/>
-          </a:fontRef>
-        </p:style>
-        <p:txBody>
-          <a:bodyPr rtlCol="0" anchor="ctr"/>
-          <a:lstStyle/>
-          <a:p>
-            <a:pPr algn="ctr"/>
-            <a:endParaRPr lang="en-US"/>
-          </a:p>
-        </p:txBody>
-      </p:sp>
-      <p:sp>
-        <p:nvSpPr>
-          <p:cNvPr id="18" name="Cross 17">
-            <a:extLst>
-              <a:ext uri="{FF2B5EF4-FFF2-40B4-BE49-F238E27FC236}">
-                <a16:creationId xmlns:a16="http://schemas.microsoft.com/office/drawing/2014/main" id="{4029224B-C0FC-EC47-B248-0D4271BC7FC3}"/>
-              </a:ext>
-              <a:ext uri="{C183D7F6-B498-43B3-948B-1728B52AA6E4}">
-                <adec:decorative xmlns:adec="http://schemas.microsoft.com/office/drawing/2017/decorative" val="1"/>
-              </a:ext>
-            </a:extLst>
-          </p:cNvPr>
-          <p:cNvSpPr>
-            <a:spLocks noGrp="1" noRot="1" noChangeAspect="1" noMove="1" noResize="1" noEditPoints="1" noAdjustHandles="1" noChangeArrowheads="1" noChangeShapeType="1" noTextEdit="1"/>
-          </p:cNvSpPr>
-          <p:nvPr>
-            <p:extLst>
-              <p:ext uri="{386F3935-93C4-4BCD-93E2-E3B085C9AB24}">
-                <p16:designElem xmlns:p16="http://schemas.microsoft.com/office/powerpoint/2015/main" val="1"/>
-              </p:ext>
-            </p:extLst>
-          </p:nvPr>
-        </p:nvSpPr>
-        <p:spPr>
-          <a:xfrm>
-            <a:off x="5015751" y="5624450"/>
-            <a:ext cx="524933" cy="524933"/>
-          </a:xfrm>
-          <a:prstGeom prst="plus">
-            <a:avLst>
-              <a:gd name="adj" fmla="val 39516"/>
-            </a:avLst>
-          </a:prstGeom>
-          <a:solidFill>
-            <a:schemeClr val="tx1"/>
-          </a:solidFill>
-          <a:ln>
-            <a:noFill/>
-          </a:ln>
-        </p:spPr>
-        <p:style>
-          <a:lnRef idx="2">
-            <a:schemeClr val="accent1">
-              <a:shade val="50000"/>
-            </a:schemeClr>
-          </a:lnRef>
-          <a:fillRef idx="1">
-            <a:schemeClr val="accent1"/>
-          </a:fillRef>
-          <a:effectRef idx="0">
-            <a:schemeClr val="accent1"/>
-          </a:effectRef>
-          <a:fontRef idx="minor">
-            <a:schemeClr val="lt1"/>
-          </a:fontRef>
-        </p:style>
-        <p:txBody>
-          <a:bodyPr rtlCol="0" anchor="ctr"/>
-          <a:lstStyle/>
-          <a:p>
-            <a:pPr algn="ctr"/>
-            <a:endParaRPr lang="en-US"/>
-          </a:p>
-        </p:txBody>
-      </p:sp>
-      <p:sp>
-        <p:nvSpPr>
-          <p:cNvPr id="20" name="Rectangle 19">
-            <a:extLst>
-              <a:ext uri="{FF2B5EF4-FFF2-40B4-BE49-F238E27FC236}">
-                <a16:creationId xmlns:a16="http://schemas.microsoft.com/office/drawing/2014/main" id="{755E9273-3717-C94C-9BFF-75E87E47C46A}"/>
-              </a:ext>
-              <a:ext uri="{C183D7F6-B498-43B3-948B-1728B52AA6E4}">
-                <adec:decorative xmlns:adec="http://schemas.microsoft.com/office/drawing/2017/decorative" val="1"/>
-              </a:ext>
-            </a:extLst>
-          </p:cNvPr>
-          <p:cNvSpPr>
-            <a:spLocks noGrp="1" noRot="1" noChangeAspect="1" noMove="1" noResize="1" noEditPoints="1" noAdjustHandles="1" noChangeArrowheads="1" noChangeShapeType="1" noTextEdit="1"/>
-          </p:cNvSpPr>
-          <p:nvPr>
-            <p:extLst>
-              <p:ext uri="{386F3935-93C4-4BCD-93E2-E3B085C9AB24}">
-                <p16:designElem xmlns:p16="http://schemas.microsoft.com/office/powerpoint/2015/main" val="1"/>
-              </p:ext>
-            </p:extLst>
-          </p:nvPr>
-        </p:nvSpPr>
-        <p:spPr>
-          <a:xfrm>
-            <a:off x="9881559" y="976630"/>
-            <a:ext cx="1336774" cy="120142"/>
-          </a:xfrm>
-          <a:prstGeom prst="rect">
-            <a:avLst/>
-          </a:prstGeom>
-          <a:solidFill>
-            <a:schemeClr val="tx1"/>
-          </a:solidFill>
-          <a:ln>
-            <a:noFill/>
-          </a:ln>
-        </p:spPr>
-        <p:style>
-          <a:lnRef idx="2">
-            <a:schemeClr val="accent1">
-              <a:shade val="50000"/>
-            </a:schemeClr>
-          </a:lnRef>
-          <a:fillRef idx="1">
-            <a:schemeClr val="accent1"/>
-          </a:fillRef>
-          <a:effectRef idx="0">
-            <a:schemeClr val="accent1"/>
-          </a:effectRef>
-          <a:fontRef idx="minor">
-            <a:schemeClr val="lt1"/>
-          </a:fontRef>
-        </p:style>
-        <p:txBody>
-          <a:bodyPr rtlCol="0" anchor="ctr"/>
-          <a:lstStyle/>
-          <a:p>
-            <a:pPr algn="ctr"/>
-            <a:endParaRPr lang="en-US"/>
-          </a:p>
-        </p:txBody>
-      </p:sp>
-      <p:sp>
-        <p:nvSpPr>
           <p:cNvPr id="2" name="Title 1">
             <a:extLst>
               <a:ext uri="{FF2B5EF4-FFF2-40B4-BE49-F238E27FC236}">
@@ -19441,13 +17266,13 @@
             <a:spLocks noGrp="1"/>
           </p:cNvSpPr>
           <p:nvPr>
-            <p:ph type="title"/>
+            <p:ph type="title" idx="4294967295"/>
           </p:nvPr>
         </p:nvSpPr>
         <p:spPr>
           <a:xfrm>
-            <a:off x="797105" y="1625608"/>
-            <a:ext cx="8966805" cy="2722164"/>
+            <a:off x="2987040" y="1577106"/>
+            <a:ext cx="8966200" cy="2722563"/>
           </a:xfrm>
         </p:spPr>
         <p:txBody>
@@ -19484,8 +17309,8 @@
         </p:nvSpPr>
         <p:spPr>
           <a:xfrm>
-            <a:off x="1461000" y="3489669"/>
-            <a:ext cx="810000" cy="810000"/>
+            <a:off x="1621536" y="3800641"/>
+            <a:ext cx="1989116" cy="1989116"/>
           </a:xfrm>
           <a:prstGeom prst="rect">
             <a:avLst/>
@@ -19531,10 +17356,10 @@
       </p:sp>
       <p:sp>
         <p:nvSpPr>
-          <p:cNvPr id="13" name="Rectangle 12" descr="Deciduous tree">
+          <p:cNvPr id="15" name="Rectangle 14" descr="Bar chart">
             <a:extLst>
               <a:ext uri="{FF2B5EF4-FFF2-40B4-BE49-F238E27FC236}">
-                <a16:creationId xmlns:a16="http://schemas.microsoft.com/office/drawing/2014/main" id="{C7D32FF7-4974-154E-A421-3511EF0CCC62}"/>
+                <a16:creationId xmlns:a16="http://schemas.microsoft.com/office/drawing/2014/main" id="{F1924B33-3641-784C-ACC2-501F80336878}"/>
               </a:ext>
             </a:extLst>
           </p:cNvPr>
@@ -19543,8 +17368,8 @@
         </p:nvSpPr>
         <p:spPr>
           <a:xfrm>
-            <a:off x="3576000" y="3489669"/>
-            <a:ext cx="810000" cy="810000"/>
+            <a:off x="5403238" y="3596474"/>
+            <a:ext cx="1680313" cy="1680313"/>
           </a:xfrm>
           <a:prstGeom prst="rect">
             <a:avLst/>
@@ -19590,10 +17415,10 @@
       </p:sp>
       <p:sp>
         <p:nvSpPr>
-          <p:cNvPr id="15" name="Rectangle 14" descr="Bar chart">
+          <p:cNvPr id="19" name="Rectangle 18">
             <a:extLst>
               <a:ext uri="{FF2B5EF4-FFF2-40B4-BE49-F238E27FC236}">
-                <a16:creationId xmlns:a16="http://schemas.microsoft.com/office/drawing/2014/main" id="{F1924B33-3641-784C-ACC2-501F80336878}"/>
+                <a16:creationId xmlns:a16="http://schemas.microsoft.com/office/drawing/2014/main" id="{B6E991DD-78FC-1640-9A64-B5799DD7C51B}"/>
               </a:ext>
             </a:extLst>
           </p:cNvPr>
@@ -19602,67 +17427,8 @@
         </p:nvSpPr>
         <p:spPr>
           <a:xfrm>
-            <a:off x="5714101" y="3492609"/>
-            <a:ext cx="810000" cy="810000"/>
-          </a:xfrm>
-          <a:prstGeom prst="rect">
-            <a:avLst/>
-          </a:prstGeom>
-          <a:blipFill>
-            <a:blip r:embed="rId6">
-              <a:extLst>
-                <a:ext uri="{28A0092B-C50C-407E-A947-70E740481C1C}">
-                  <a14:useLocalDpi xmlns:a14="http://schemas.microsoft.com/office/drawing/2010/main" val="0"/>
-                </a:ext>
-                <a:ext uri="{96DAC541-7B7A-43D3-8B79-37D633B846F1}">
-                  <asvg:svgBlip xmlns:asvg="http://schemas.microsoft.com/office/drawing/2016/SVG/main" r:embed="rId7"/>
-                </a:ext>
-              </a:extLst>
-            </a:blip>
-            <a:stretch>
-              <a:fillRect/>
-            </a:stretch>
-          </a:blipFill>
-          <a:ln>
-            <a:noFill/>
-          </a:ln>
-        </p:spPr>
-        <p:style>
-          <a:lnRef idx="2">
-            <a:scrgbClr r="0" g="0" b="0"/>
-          </a:lnRef>
-          <a:fillRef idx="1">
-            <a:scrgbClr r="0" g="0" b="0"/>
-          </a:fillRef>
-          <a:effectRef idx="0">
-            <a:schemeClr val="accent6">
-              <a:hueOff val="0"/>
-              <a:satOff val="0"/>
-              <a:lumOff val="0"/>
-              <a:alphaOff val="0"/>
-            </a:schemeClr>
-          </a:effectRef>
-          <a:fontRef idx="minor">
-            <a:schemeClr val="lt1"/>
-          </a:fontRef>
-        </p:style>
-      </p:sp>
-      <p:sp>
-        <p:nvSpPr>
-          <p:cNvPr id="17" name="Rectangle 16" descr="Statistics">
-            <a:extLst>
-              <a:ext uri="{FF2B5EF4-FFF2-40B4-BE49-F238E27FC236}">
-                <a16:creationId xmlns:a16="http://schemas.microsoft.com/office/drawing/2014/main" id="{7B3ACD5D-5B06-1A4E-BCE3-8FCAAA2550B8}"/>
-              </a:ext>
-            </a:extLst>
-          </p:cNvPr>
-          <p:cNvSpPr/>
-          <p:nvPr/>
-        </p:nvSpPr>
-        <p:spPr>
-          <a:xfrm>
-            <a:off x="7806000" y="3489669"/>
-            <a:ext cx="810000" cy="810000"/>
+            <a:off x="8741664" y="3860475"/>
+            <a:ext cx="1416312" cy="1416312"/>
           </a:xfrm>
           <a:prstGeom prst="rect">
             <a:avLst/>
@@ -19675,66 +17441,6 @@
                 </a:ext>
                 <a:ext uri="{96DAC541-7B7A-43D3-8B79-37D633B846F1}">
                   <asvg:svgBlip xmlns:asvg="http://schemas.microsoft.com/office/drawing/2016/SVG/main" r:embed="rId7"/>
-                </a:ext>
-              </a:extLst>
-            </a:blip>
-            <a:srcRect/>
-            <a:stretch>
-              <a:fillRect/>
-            </a:stretch>
-          </a:blipFill>
-          <a:ln>
-            <a:noFill/>
-          </a:ln>
-        </p:spPr>
-        <p:style>
-          <a:lnRef idx="2">
-            <a:scrgbClr r="0" g="0" b="0"/>
-          </a:lnRef>
-          <a:fillRef idx="1">
-            <a:scrgbClr r="0" g="0" b="0"/>
-          </a:fillRef>
-          <a:effectRef idx="0">
-            <a:schemeClr val="accent6">
-              <a:hueOff val="0"/>
-              <a:satOff val="0"/>
-              <a:lumOff val="0"/>
-              <a:alphaOff val="0"/>
-            </a:schemeClr>
-          </a:effectRef>
-          <a:fontRef idx="minor">
-            <a:schemeClr val="lt1"/>
-          </a:fontRef>
-        </p:style>
-      </p:sp>
-      <p:sp>
-        <p:nvSpPr>
-          <p:cNvPr id="19" name="Rectangle 18">
-            <a:extLst>
-              <a:ext uri="{FF2B5EF4-FFF2-40B4-BE49-F238E27FC236}">
-                <a16:creationId xmlns:a16="http://schemas.microsoft.com/office/drawing/2014/main" id="{B6E991DD-78FC-1640-9A64-B5799DD7C51B}"/>
-              </a:ext>
-            </a:extLst>
-          </p:cNvPr>
-          <p:cNvSpPr/>
-          <p:nvPr/>
-        </p:nvSpPr>
-        <p:spPr>
-          <a:xfrm>
-            <a:off x="9921000" y="3489669"/>
-            <a:ext cx="810000" cy="810000"/>
-          </a:xfrm>
-          <a:prstGeom prst="rect">
-            <a:avLst/>
-          </a:prstGeom>
-          <a:blipFill rotWithShape="1">
-            <a:blip r:embed="rId8">
-              <a:extLst>
-                <a:ext uri="{28A0092B-C50C-407E-A947-70E740481C1C}">
-                  <a14:useLocalDpi xmlns:a14="http://schemas.microsoft.com/office/drawing/2010/main" val="0"/>
-                </a:ext>
-                <a:ext uri="{96DAC541-7B7A-43D3-8B79-37D633B846F1}">
-                  <asvg:svgBlip xmlns:asvg="http://schemas.microsoft.com/office/drawing/2016/SVG/main" r:embed="rId9"/>
                 </a:ext>
               </a:extLst>
             </a:blip>

--- a/Group 2 - Arrest predictor.pptx
+++ b/Group 2 - Arrest predictor.pptx
@@ -3031,7 +3031,7 @@
         <a:p>
           <a:r>
             <a:rPr lang="en-US" b="0" i="0" dirty="0"/>
-            <a:t>Recall: 59.97</a:t>
+            <a:t>Recall: 59.97%</a:t>
           </a:r>
         </a:p>
         <a:p>
@@ -4320,7 +4320,7 @@
           </a:pPr>
           <a:r>
             <a:rPr lang="en-US" sz="1400" b="0" i="0" kern="1200" dirty="0"/>
-            <a:t>Recall: 59.97</a:t>
+            <a:t>Recall: 59.97%</a:t>
           </a:r>
         </a:p>
         <a:p>
@@ -8689,7 +8689,7 @@
             <a:fld id="{73C3BD54-29B9-3D42-B178-776ED395AA85}" type="datetimeFigureOut">
               <a:rPr lang="en-US" smtClean="0"/>
               <a:pPr/>
-              <a:t>10/8/21</a:t>
+              <a:t>10/9/21</a:t>
             </a:fld>
             <a:endParaRPr lang="en-US" sz="1400"/>
           </a:p>
@@ -8939,7 +8939,7 @@
           <a:p>
             <a:fld id="{73C3BD54-29B9-3D42-B178-776ED395AA85}" type="datetimeFigureOut">
               <a:rPr lang="en-US" smtClean="0"/>
-              <a:t>10/8/21</a:t>
+              <a:t>10/9/21</a:t>
             </a:fld>
             <a:endParaRPr lang="en-US"/>
           </a:p>
@@ -9253,7 +9253,7 @@
           <a:p>
             <a:fld id="{73C3BD54-29B9-3D42-B178-776ED395AA85}" type="datetimeFigureOut">
               <a:rPr lang="en-US" smtClean="0"/>
-              <a:t>10/8/21</a:t>
+              <a:t>10/9/21</a:t>
             </a:fld>
             <a:endParaRPr lang="en-US"/>
           </a:p>
@@ -9767,7 +9767,7 @@
           <a:p>
             <a:fld id="{73C3BD54-29B9-3D42-B178-776ED395AA85}" type="datetimeFigureOut">
               <a:rPr lang="en-US" smtClean="0"/>
-              <a:t>10/8/21</a:t>
+              <a:t>10/9/21</a:t>
             </a:fld>
             <a:endParaRPr lang="en-US"/>
           </a:p>
@@ -10198,7 +10198,7 @@
           <a:p>
             <a:fld id="{73C3BD54-29B9-3D42-B178-776ED395AA85}" type="datetimeFigureOut">
               <a:rPr lang="en-US" smtClean="0"/>
-              <a:t>10/8/21</a:t>
+              <a:t>10/9/21</a:t>
             </a:fld>
             <a:endParaRPr lang="en-US"/>
           </a:p>
@@ -10463,7 +10463,7 @@
           <a:p>
             <a:fld id="{73C3BD54-29B9-3D42-B178-776ED395AA85}" type="datetimeFigureOut">
               <a:rPr lang="en-US" smtClean="0"/>
-              <a:t>10/8/21</a:t>
+              <a:t>10/9/21</a:t>
             </a:fld>
             <a:endParaRPr lang="en-US"/>
           </a:p>
@@ -11037,7 +11037,7 @@
           <a:p>
             <a:fld id="{73C3BD54-29B9-3D42-B178-776ED395AA85}" type="datetimeFigureOut">
               <a:rPr lang="en-US" smtClean="0"/>
-              <a:t>10/8/21</a:t>
+              <a:t>10/9/21</a:t>
             </a:fld>
             <a:endParaRPr lang="en-US"/>
           </a:p>
@@ -11340,7 +11340,7 @@
           <a:p>
             <a:fld id="{73C3BD54-29B9-3D42-B178-776ED395AA85}" type="datetimeFigureOut">
               <a:rPr lang="en-US" smtClean="0"/>
-              <a:t>10/8/21</a:t>
+              <a:t>10/9/21</a:t>
             </a:fld>
             <a:endParaRPr lang="en-US"/>
           </a:p>
@@ -11615,7 +11615,7 @@
           <a:p>
             <a:fld id="{73C3BD54-29B9-3D42-B178-776ED395AA85}" type="datetimeFigureOut">
               <a:rPr lang="en-US" smtClean="0"/>
-              <a:t>10/8/21</a:t>
+              <a:t>10/9/21</a:t>
             </a:fld>
             <a:endParaRPr lang="en-US"/>
           </a:p>
@@ -12086,7 +12086,7 @@
           <a:p>
             <a:fld id="{73C3BD54-29B9-3D42-B178-776ED395AA85}" type="datetimeFigureOut">
               <a:rPr lang="en-US" smtClean="0"/>
-              <a:t>10/8/21</a:t>
+              <a:t>10/9/21</a:t>
             </a:fld>
             <a:endParaRPr lang="en-US"/>
           </a:p>
@@ -12537,7 +12537,7 @@
           <a:p>
             <a:fld id="{73C3BD54-29B9-3D42-B178-776ED395AA85}" type="datetimeFigureOut">
               <a:rPr lang="en-US" smtClean="0"/>
-              <a:t>10/8/21</a:t>
+              <a:t>10/9/21</a:t>
             </a:fld>
             <a:endParaRPr lang="en-US"/>
           </a:p>
@@ -12933,7 +12933,7 @@
             <a:fld id="{73C3BD54-29B9-3D42-B178-776ED395AA85}" type="datetimeFigureOut">
               <a:rPr lang="en-US" smtClean="0"/>
               <a:pPr/>
-              <a:t>10/8/21</a:t>
+              <a:t>10/9/21</a:t>
             </a:fld>
             <a:endParaRPr lang="en-US" dirty="0"/>
           </a:p>
@@ -14877,7 +14877,7 @@
           <p:nvPr>
             <p:extLst>
               <p:ext uri="{D42A27DB-BD31-4B8C-83A1-F6EECF244321}">
-                <p14:modId xmlns:p14="http://schemas.microsoft.com/office/powerpoint/2010/main" val="2056972269"/>
+                <p14:modId xmlns:p14="http://schemas.microsoft.com/office/powerpoint/2010/main" val="769570973"/>
               </p:ext>
             </p:extLst>
           </p:nvPr>
@@ -14892,61 +14892,6 @@
           </a:graphicData>
         </a:graphic>
       </p:graphicFrame>
-      <p:sp>
-        <p:nvSpPr>
-          <p:cNvPr id="2" name="Rounded Rectangle 1">
-            <a:extLst>
-              <a:ext uri="{FF2B5EF4-FFF2-40B4-BE49-F238E27FC236}">
-                <a16:creationId xmlns:a16="http://schemas.microsoft.com/office/drawing/2014/main" id="{FA65C49B-82A2-3442-BAD6-D98C60B753CA}"/>
-              </a:ext>
-            </a:extLst>
-          </p:cNvPr>
-          <p:cNvSpPr/>
-          <p:nvPr/>
-        </p:nvSpPr>
-        <p:spPr>
-          <a:xfrm>
-            <a:off x="292329" y="1049080"/>
-            <a:ext cx="2117036" cy="3796748"/>
-          </a:xfrm>
-          <a:prstGeom prst="roundRect">
-            <a:avLst/>
-          </a:prstGeom>
-          <a:noFill/>
-          <a:ln>
-            <a:solidFill>
-              <a:schemeClr val="accent6">
-                <a:lumMod val="20000"/>
-                <a:lumOff val="80000"/>
-              </a:schemeClr>
-            </a:solidFill>
-          </a:ln>
-        </p:spPr>
-        <p:style>
-          <a:lnRef idx="2">
-            <a:schemeClr val="accent1">
-              <a:shade val="50000"/>
-            </a:schemeClr>
-          </a:lnRef>
-          <a:fillRef idx="1">
-            <a:schemeClr val="accent1"/>
-          </a:fillRef>
-          <a:effectRef idx="0">
-            <a:schemeClr val="accent1"/>
-          </a:effectRef>
-          <a:fontRef idx="minor">
-            <a:schemeClr val="lt1"/>
-          </a:fontRef>
-        </p:style>
-        <p:txBody>
-          <a:bodyPr rtlCol="0" anchor="ctr"/>
-          <a:lstStyle/>
-          <a:p>
-            <a:pPr algn="ctr"/>
-            <a:endParaRPr lang="en-US"/>
-          </a:p>
-        </p:txBody>
-      </p:sp>
     </p:spTree>
     <p:extLst>
       <p:ext uri="{BB962C8B-B14F-4D97-AF65-F5344CB8AC3E}">
